--- a/finalpresentation/Bioinfo_Prasi(1).pptx
+++ b/finalpresentation/Bioinfo_Prasi(1).pptx
@@ -5,7 +5,7 @@
     <p:sldMasterId id="2147483680" r:id="rId1"/>
   </p:sldMasterIdLst>
   <p:notesMasterIdLst>
-    <p:notesMasterId r:id="rId26"/>
+    <p:notesMasterId r:id="rId27"/>
   </p:notesMasterIdLst>
   <p:sldIdLst>
     <p:sldId id="326" r:id="rId2"/>
@@ -16,42 +16,43 @@
     <p:sldId id="334" r:id="rId7"/>
     <p:sldId id="332" r:id="rId8"/>
     <p:sldId id="333" r:id="rId9"/>
-    <p:sldId id="325" r:id="rId10"/>
-    <p:sldId id="338" r:id="rId11"/>
-    <p:sldId id="339" r:id="rId12"/>
-    <p:sldId id="335" r:id="rId13"/>
-    <p:sldId id="340" r:id="rId14"/>
-    <p:sldId id="341" r:id="rId15"/>
-    <p:sldId id="345" r:id="rId16"/>
-    <p:sldId id="336" r:id="rId17"/>
-    <p:sldId id="329" r:id="rId18"/>
-    <p:sldId id="328" r:id="rId19"/>
-    <p:sldId id="337" r:id="rId20"/>
-    <p:sldId id="327" r:id="rId21"/>
-    <p:sldId id="313" r:id="rId22"/>
-    <p:sldId id="316" r:id="rId23"/>
-    <p:sldId id="317" r:id="rId24"/>
-    <p:sldId id="320" r:id="rId25"/>
+    <p:sldId id="338" r:id="rId10"/>
+    <p:sldId id="339" r:id="rId11"/>
+    <p:sldId id="335" r:id="rId12"/>
+    <p:sldId id="340" r:id="rId13"/>
+    <p:sldId id="341" r:id="rId14"/>
+    <p:sldId id="345" r:id="rId15"/>
+    <p:sldId id="336" r:id="rId16"/>
+    <p:sldId id="329" r:id="rId17"/>
+    <p:sldId id="328" r:id="rId18"/>
+    <p:sldId id="337" r:id="rId19"/>
+    <p:sldId id="327" r:id="rId20"/>
+    <p:sldId id="313" r:id="rId21"/>
+    <p:sldId id="316" r:id="rId22"/>
+    <p:sldId id="317" r:id="rId23"/>
+    <p:sldId id="320" r:id="rId24"/>
+    <p:sldId id="325" r:id="rId25"/>
+    <p:sldId id="346" r:id="rId26"/>
   </p:sldIdLst>
   <p:sldSz cx="9144000" cy="5143500" type="screen16x9"/>
   <p:notesSz cx="6858000" cy="9144000"/>
   <p:embeddedFontLst>
     <p:embeddedFont>
       <p:font typeface="Amasis MT Pro Light" panose="02040304050005020304" pitchFamily="18" charset="0"/>
-      <p:regular r:id="rId27"/>
-      <p:italic r:id="rId28"/>
+      <p:regular r:id="rId28"/>
+      <p:italic r:id="rId29"/>
     </p:embeddedFont>
     <p:embeddedFont>
       <p:font typeface="DM Sans" pitchFamily="2" charset="0"/>
-      <p:regular r:id="rId29"/>
-      <p:bold r:id="rId30"/>
-      <p:italic r:id="rId31"/>
-      <p:boldItalic r:id="rId32"/>
+      <p:regular r:id="rId30"/>
+      <p:bold r:id="rId31"/>
+      <p:italic r:id="rId32"/>
+      <p:boldItalic r:id="rId33"/>
     </p:embeddedFont>
     <p:embeddedFont>
       <p:font typeface="DM Serif Display" pitchFamily="2" charset="0"/>
-      <p:regular r:id="rId33"/>
-      <p:italic r:id="rId34"/>
+      <p:regular r:id="rId34"/>
+      <p:italic r:id="rId35"/>
     </p:embeddedFont>
   </p:embeddedFontLst>
   <p:defaultTextStyle>
@@ -3959,114 +3960,6 @@
           <p:cNvPr id="2" name="Textfeld 1">
             <a:extLst>
               <a:ext uri="{FF2B5EF4-FFF2-40B4-BE49-F238E27FC236}">
-                <a16:creationId xmlns:a16="http://schemas.microsoft.com/office/drawing/2014/main" id="{EB56B0F2-8727-594E-6C0E-DC9AFC356A7A}"/>
-              </a:ext>
-            </a:extLst>
-          </p:cNvPr>
-          <p:cNvSpPr txBox="1"/>
-          <p:nvPr/>
-        </p:nvSpPr>
-        <p:spPr>
-          <a:xfrm>
-            <a:off x="353683" y="285750"/>
-            <a:ext cx="8383917" cy="461665"/>
-          </a:xfrm>
-          <a:prstGeom prst="rect">
-            <a:avLst/>
-          </a:prstGeom>
-          <a:noFill/>
-        </p:spPr>
-        <p:txBody>
-          <a:bodyPr wrap="square">
-            <a:spAutoFit/>
-          </a:bodyPr>
-          <a:lstStyle/>
-          <a:p>
-            <a:r>
-              <a:rPr lang="de-DE" sz="2400" b="1" dirty="0" err="1">
-                <a:solidFill>
-                  <a:schemeClr val="bg1"/>
-                </a:solidFill>
-                <a:latin typeface="DM Sans" pitchFamily="2" charset="0"/>
-                <a:cs typeface="Calibri Light" panose="020F0302020204030204" pitchFamily="34" charset="0"/>
-              </a:rPr>
-              <a:t>Normalization</a:t>
-            </a:r>
-            <a:endParaRPr lang="de-DE" sz="2400" b="1" dirty="0">
-              <a:solidFill>
-                <a:schemeClr val="bg1"/>
-              </a:solidFill>
-              <a:latin typeface="DM Sans" pitchFamily="2" charset="0"/>
-              <a:cs typeface="Calibri Light" panose="020F0302020204030204" pitchFamily="34" charset="0"/>
-            </a:endParaRPr>
-          </a:p>
-        </p:txBody>
-      </p:sp>
-      <p:pic>
-        <p:nvPicPr>
-          <p:cNvPr id="4" name="Grafik 3" descr="Ein Bild, das Text enthält.&#10;&#10;Automatisch generierte Beschreibung">
-            <a:extLst>
-              <a:ext uri="{FF2B5EF4-FFF2-40B4-BE49-F238E27FC236}">
-                <a16:creationId xmlns:a16="http://schemas.microsoft.com/office/drawing/2014/main" id="{F43A56F5-4A13-556E-5725-C4887417B213}"/>
-              </a:ext>
-            </a:extLst>
-          </p:cNvPr>
-          <p:cNvPicPr>
-            <a:picLocks noChangeAspect="1"/>
-          </p:cNvPicPr>
-          <p:nvPr/>
-        </p:nvPicPr>
-        <p:blipFill>
-          <a:blip r:embed="rId2"/>
-          <a:stretch>
-            <a:fillRect/>
-          </a:stretch>
-        </p:blipFill>
-        <p:spPr>
-          <a:xfrm>
-            <a:off x="1829192" y="981214"/>
-            <a:ext cx="5390530" cy="3181071"/>
-          </a:xfrm>
-          <a:prstGeom prst="rect">
-            <a:avLst/>
-          </a:prstGeom>
-        </p:spPr>
-      </p:pic>
-    </p:spTree>
-    <p:extLst>
-      <p:ext uri="{BB962C8B-B14F-4D97-AF65-F5344CB8AC3E}">
-        <p14:creationId xmlns:p14="http://schemas.microsoft.com/office/powerpoint/2010/main" val="1941908166"/>
-      </p:ext>
-    </p:extLst>
-  </p:cSld>
-  <p:clrMapOvr>
-    <a:masterClrMapping/>
-  </p:clrMapOvr>
-</p:sld>
-</file>
-
-<file path=ppt/slides/slide11.xml><?xml version="1.0" encoding="utf-8"?>
-<p:sld xmlns:a="http://schemas.openxmlformats.org/drawingml/2006/main" xmlns:r="http://schemas.openxmlformats.org/officeDocument/2006/relationships" xmlns:p="http://schemas.openxmlformats.org/presentationml/2006/main">
-  <p:cSld>
-    <p:spTree>
-      <p:nvGrpSpPr>
-        <p:cNvPr id="1" name=""/>
-        <p:cNvGrpSpPr/>
-        <p:nvPr/>
-      </p:nvGrpSpPr>
-      <p:grpSpPr>
-        <a:xfrm>
-          <a:off x="0" y="0"/>
-          <a:ext cx="0" cy="0"/>
-          <a:chOff x="0" y="0"/>
-          <a:chExt cx="0" cy="0"/>
-        </a:xfrm>
-      </p:grpSpPr>
-      <p:sp>
-        <p:nvSpPr>
-          <p:cNvPr id="2" name="Textfeld 1">
-            <a:extLst>
-              <a:ext uri="{FF2B5EF4-FFF2-40B4-BE49-F238E27FC236}">
                 <a16:creationId xmlns:a16="http://schemas.microsoft.com/office/drawing/2014/main" id="{87129078-98D4-6F19-8E5B-154E531BF5DB}"/>
               </a:ext>
             </a:extLst>
@@ -4132,8 +4025,226 @@
         </p:blipFill>
         <p:spPr>
           <a:xfrm>
-            <a:off x="1363332" y="886513"/>
-            <a:ext cx="6060767" cy="3741657"/>
+            <a:off x="575932" y="1265495"/>
+            <a:ext cx="3432623" cy="2119154"/>
+          </a:xfrm>
+          <a:prstGeom prst="rect">
+            <a:avLst/>
+          </a:prstGeom>
+        </p:spPr>
+      </p:pic>
+      <p:sp>
+        <p:nvSpPr>
+          <p:cNvPr id="4" name="Textfeld 3">
+            <a:extLst>
+              <a:ext uri="{FF2B5EF4-FFF2-40B4-BE49-F238E27FC236}">
+                <a16:creationId xmlns:a16="http://schemas.microsoft.com/office/drawing/2014/main" id="{5E37B7A1-C9CB-2625-455F-B65036543799}"/>
+              </a:ext>
+            </a:extLst>
+          </p:cNvPr>
+          <p:cNvSpPr txBox="1"/>
+          <p:nvPr/>
+        </p:nvSpPr>
+        <p:spPr>
+          <a:xfrm>
+            <a:off x="6794913" y="4703861"/>
+            <a:ext cx="3429000" cy="307777"/>
+          </a:xfrm>
+          <a:prstGeom prst="rect">
+            <a:avLst/>
+          </a:prstGeom>
+          <a:noFill/>
+        </p:spPr>
+        <p:txBody>
+          <a:bodyPr wrap="square" rtlCol="0">
+            <a:spAutoFit/>
+          </a:bodyPr>
+          <a:lstStyle/>
+          <a:p>
+            <a:r>
+              <a:rPr lang="de-DE" b="1" dirty="0">
+                <a:ln w="9525">
+                  <a:solidFill>
+                    <a:schemeClr val="bg1"/>
+                  </a:solidFill>
+                  <a:prstDash val="solid"/>
+                </a:ln>
+                <a:solidFill>
+                  <a:schemeClr val="tx1"/>
+                </a:solidFill>
+                <a:effectLst>
+                  <a:outerShdw blurRad="12700" dist="38100" dir="2700000" algn="tl" rotWithShape="0">
+                    <a:schemeClr val="bg1">
+                      <a:lumMod val="50000"/>
+                    </a:schemeClr>
+                  </a:outerShdw>
+                </a:effectLst>
+              </a:rPr>
+              <a:t>-&gt; 25 </a:t>
+            </a:r>
+            <a:r>
+              <a:rPr lang="de-DE" b="1" dirty="0" err="1">
+                <a:ln w="9525">
+                  <a:solidFill>
+                    <a:schemeClr val="bg1"/>
+                  </a:solidFill>
+                  <a:prstDash val="solid"/>
+                </a:ln>
+                <a:solidFill>
+                  <a:schemeClr val="tx1"/>
+                </a:solidFill>
+                <a:effectLst>
+                  <a:outerShdw blurRad="12700" dist="38100" dir="2700000" algn="tl" rotWithShape="0">
+                    <a:schemeClr val="bg1">
+                      <a:lumMod val="50000"/>
+                    </a:schemeClr>
+                  </a:outerShdw>
+                </a:effectLst>
+              </a:rPr>
+              <a:t>proteins</a:t>
+            </a:r>
+            <a:r>
+              <a:rPr lang="de-DE" b="1" dirty="0">
+                <a:ln w="9525">
+                  <a:solidFill>
+                    <a:schemeClr val="bg1"/>
+                  </a:solidFill>
+                  <a:prstDash val="solid"/>
+                </a:ln>
+                <a:solidFill>
+                  <a:schemeClr val="tx1"/>
+                </a:solidFill>
+                <a:effectLst>
+                  <a:outerShdw blurRad="12700" dist="38100" dir="2700000" algn="tl" rotWithShape="0">
+                    <a:schemeClr val="bg1">
+                      <a:lumMod val="50000"/>
+                    </a:schemeClr>
+                  </a:outerShdw>
+                </a:effectLst>
+              </a:rPr>
+              <a:t> </a:t>
+            </a:r>
+            <a:r>
+              <a:rPr lang="de-DE" b="1" dirty="0" err="1">
+                <a:ln w="9525">
+                  <a:solidFill>
+                    <a:schemeClr val="bg1"/>
+                  </a:solidFill>
+                  <a:prstDash val="solid"/>
+                </a:ln>
+                <a:solidFill>
+                  <a:schemeClr val="tx1"/>
+                </a:solidFill>
+                <a:effectLst>
+                  <a:outerShdw blurRad="12700" dist="38100" dir="2700000" algn="tl" rotWithShape="0">
+                    <a:schemeClr val="bg1">
+                      <a:lumMod val="50000"/>
+                    </a:schemeClr>
+                  </a:outerShdw>
+                </a:effectLst>
+              </a:rPr>
+              <a:t>removed</a:t>
+            </a:r>
+            <a:endParaRPr lang="de-DE" b="1" dirty="0">
+              <a:ln w="9525">
+                <a:solidFill>
+                  <a:schemeClr val="bg1"/>
+                </a:solidFill>
+                <a:prstDash val="solid"/>
+              </a:ln>
+              <a:solidFill>
+                <a:schemeClr val="tx1"/>
+              </a:solidFill>
+              <a:effectLst>
+                <a:outerShdw blurRad="12700" dist="38100" dir="2700000" algn="tl" rotWithShape="0">
+                  <a:schemeClr val="bg1">
+                    <a:lumMod val="50000"/>
+                  </a:schemeClr>
+                </a:outerShdw>
+              </a:effectLst>
+            </a:endParaRPr>
+          </a:p>
+        </p:txBody>
+      </p:sp>
+      <p:sp>
+        <p:nvSpPr>
+          <p:cNvPr id="6" name="Textfeld 5">
+            <a:extLst>
+              <a:ext uri="{FF2B5EF4-FFF2-40B4-BE49-F238E27FC236}">
+                <a16:creationId xmlns:a16="http://schemas.microsoft.com/office/drawing/2014/main" id="{BE563151-D121-45F2-15E4-37D049222B1E}"/>
+              </a:ext>
+            </a:extLst>
+          </p:cNvPr>
+          <p:cNvSpPr txBox="1"/>
+          <p:nvPr/>
+        </p:nvSpPr>
+        <p:spPr>
+          <a:xfrm>
+            <a:off x="5308600" y="3902730"/>
+            <a:ext cx="3429000" cy="523220"/>
+          </a:xfrm>
+          <a:prstGeom prst="rect">
+            <a:avLst/>
+          </a:prstGeom>
+          <a:noFill/>
+        </p:spPr>
+        <p:txBody>
+          <a:bodyPr wrap="square" rtlCol="0">
+            <a:prstTxWarp prst="textInflateBottom">
+              <a:avLst/>
+            </a:prstTxWarp>
+            <a:spAutoFit/>
+          </a:bodyPr>
+          <a:lstStyle/>
+          <a:p>
+            <a:r>
+              <a:rPr lang="de-DE" b="1" dirty="0">
+                <a:ln w="9525">
+                  <a:solidFill>
+                    <a:schemeClr val="bg1"/>
+                  </a:solidFill>
+                  <a:prstDash val="solid"/>
+                </a:ln>
+                <a:solidFill>
+                  <a:schemeClr val="tx1"/>
+                </a:solidFill>
+                <a:effectLst>
+                  <a:outerShdw blurRad="12700" dist="38100" dir="2700000" algn="tl" rotWithShape="0">
+                    <a:schemeClr val="bg1">
+                      <a:lumMod val="50000"/>
+                    </a:schemeClr>
+                  </a:outerShdw>
+                </a:effectLst>
+              </a:rPr>
+              <a:t>+ Bild mit Beispielproteinen gute/schlechte Korrelation</a:t>
+            </a:r>
+          </a:p>
+        </p:txBody>
+      </p:sp>
+      <p:pic>
+        <p:nvPicPr>
+          <p:cNvPr id="8" name="Grafik 7">
+            <a:extLst>
+              <a:ext uri="{FF2B5EF4-FFF2-40B4-BE49-F238E27FC236}">
+                <a16:creationId xmlns:a16="http://schemas.microsoft.com/office/drawing/2014/main" id="{6D917807-BA50-7651-0095-F54FF9BE9157}"/>
+              </a:ext>
+            </a:extLst>
+          </p:cNvPr>
+          <p:cNvPicPr>
+            <a:picLocks noChangeAspect="1"/>
+          </p:cNvPicPr>
+          <p:nvPr/>
+        </p:nvPicPr>
+        <p:blipFill>
+          <a:blip r:embed="rId4"/>
+          <a:stretch>
+            <a:fillRect/>
+          </a:stretch>
+        </p:blipFill>
+        <p:spPr>
+          <a:xfrm>
+            <a:off x="4572000" y="1193298"/>
+            <a:ext cx="3730569" cy="2304958"/>
           </a:xfrm>
           <a:prstGeom prst="rect">
             <a:avLst/>
@@ -4153,7 +4264,7 @@
 </p:sld>
 </file>
 
-<file path=ppt/slides/slide12.xml><?xml version="1.0" encoding="utf-8"?>
+<file path=ppt/slides/slide11.xml><?xml version="1.0" encoding="utf-8"?>
 <p:sld xmlns:a="http://schemas.openxmlformats.org/drawingml/2006/main" xmlns:r="http://schemas.openxmlformats.org/officeDocument/2006/relationships" xmlns:p="http://schemas.openxmlformats.org/presentationml/2006/main">
   <p:cSld>
     <p:spTree>
@@ -4930,6 +5041,295 @@
     <p:extLst>
       <p:ext uri="{BB962C8B-B14F-4D97-AF65-F5344CB8AC3E}">
         <p14:creationId xmlns:p14="http://schemas.microsoft.com/office/powerpoint/2010/main" val="1984951027"/>
+      </p:ext>
+    </p:extLst>
+  </p:cSld>
+  <p:clrMapOvr>
+    <a:masterClrMapping/>
+  </p:clrMapOvr>
+</p:sld>
+</file>
+
+<file path=ppt/slides/slide12.xml><?xml version="1.0" encoding="utf-8"?>
+<p:sld xmlns:a="http://schemas.openxmlformats.org/drawingml/2006/main" xmlns:r="http://schemas.openxmlformats.org/officeDocument/2006/relationships" xmlns:p="http://schemas.openxmlformats.org/presentationml/2006/main">
+  <p:cSld>
+    <p:spTree>
+      <p:nvGrpSpPr>
+        <p:cNvPr id="1" name=""/>
+        <p:cNvGrpSpPr/>
+        <p:nvPr/>
+      </p:nvGrpSpPr>
+      <p:grpSpPr>
+        <a:xfrm>
+          <a:off x="0" y="0"/>
+          <a:ext cx="0" cy="0"/>
+          <a:chOff x="0" y="0"/>
+          <a:chExt cx="0" cy="0"/>
+        </a:xfrm>
+      </p:grpSpPr>
+      <p:sp>
+        <p:nvSpPr>
+          <p:cNvPr id="2" name="Textfeld 1">
+            <a:extLst>
+              <a:ext uri="{FF2B5EF4-FFF2-40B4-BE49-F238E27FC236}">
+                <a16:creationId xmlns:a16="http://schemas.microsoft.com/office/drawing/2014/main" id="{08C52D0F-9D3E-CEA5-78B4-6BEF24D1C04E}"/>
+              </a:ext>
+            </a:extLst>
+          </p:cNvPr>
+          <p:cNvSpPr txBox="1"/>
+          <p:nvPr/>
+        </p:nvSpPr>
+        <p:spPr>
+          <a:xfrm>
+            <a:off x="353683" y="285750"/>
+            <a:ext cx="8383917" cy="461665"/>
+          </a:xfrm>
+          <a:prstGeom prst="rect">
+            <a:avLst/>
+          </a:prstGeom>
+          <a:noFill/>
+        </p:spPr>
+        <p:txBody>
+          <a:bodyPr wrap="square">
+            <a:spAutoFit/>
+          </a:bodyPr>
+          <a:lstStyle/>
+          <a:p>
+            <a:r>
+              <a:rPr lang="de-DE" sz="2400" b="1" dirty="0" err="1">
+                <a:solidFill>
+                  <a:schemeClr val="bg1"/>
+                </a:solidFill>
+                <a:latin typeface="DM Sans" pitchFamily="2" charset="0"/>
+                <a:cs typeface="Calibri Light" panose="020F0302020204030204" pitchFamily="34" charset="0"/>
+              </a:rPr>
+              <a:t>Defining</a:t>
+            </a:r>
+            <a:r>
+              <a:rPr lang="de-DE" sz="2400" b="1" dirty="0">
+                <a:solidFill>
+                  <a:schemeClr val="bg1"/>
+                </a:solidFill>
+                <a:latin typeface="DM Sans" pitchFamily="2" charset="0"/>
+                <a:cs typeface="Calibri Light" panose="020F0302020204030204" pitchFamily="34" charset="0"/>
+              </a:rPr>
+              <a:t> selection </a:t>
+            </a:r>
+            <a:r>
+              <a:rPr lang="de-DE" sz="2400" b="1" dirty="0" err="1">
+                <a:solidFill>
+                  <a:schemeClr val="bg1"/>
+                </a:solidFill>
+                <a:latin typeface="DM Sans" pitchFamily="2" charset="0"/>
+                <a:cs typeface="Calibri Light" panose="020F0302020204030204" pitchFamily="34" charset="0"/>
+              </a:rPr>
+              <a:t>criteria</a:t>
+            </a:r>
+            <a:endParaRPr lang="de-DE" sz="2400" b="1" dirty="0">
+              <a:solidFill>
+                <a:schemeClr val="bg1"/>
+              </a:solidFill>
+              <a:latin typeface="DM Sans" pitchFamily="2" charset="0"/>
+              <a:cs typeface="Calibri Light" panose="020F0302020204030204" pitchFamily="34" charset="0"/>
+            </a:endParaRPr>
+          </a:p>
+        </p:txBody>
+      </p:sp>
+      <p:sp>
+        <p:nvSpPr>
+          <p:cNvPr id="3" name="Textfeld 2">
+            <a:extLst>
+              <a:ext uri="{FF2B5EF4-FFF2-40B4-BE49-F238E27FC236}">
+                <a16:creationId xmlns:a16="http://schemas.microsoft.com/office/drawing/2014/main" id="{9B010C03-326D-10AB-2721-6DFDBEF3B9B2}"/>
+              </a:ext>
+            </a:extLst>
+          </p:cNvPr>
+          <p:cNvSpPr txBox="1"/>
+          <p:nvPr/>
+        </p:nvSpPr>
+        <p:spPr>
+          <a:xfrm>
+            <a:off x="353683" y="1294968"/>
+            <a:ext cx="8004559" cy="830997"/>
+          </a:xfrm>
+          <a:prstGeom prst="rect">
+            <a:avLst/>
+          </a:prstGeom>
+          <a:noFill/>
+        </p:spPr>
+        <p:txBody>
+          <a:bodyPr wrap="square" rtlCol="0">
+            <a:spAutoFit/>
+          </a:bodyPr>
+          <a:lstStyle/>
+          <a:p>
+            <a:r>
+              <a:rPr lang="en-US" sz="1600" b="1" dirty="0">
+                <a:solidFill>
+                  <a:schemeClr val="bg1"/>
+                </a:solidFill>
+                <a:latin typeface="DM Sans" pitchFamily="2" charset="0"/>
+                <a:cs typeface="Calibri Light" panose="020F0302020204030204" pitchFamily="34" charset="0"/>
+              </a:rPr>
+              <a:t>1. selection criterion </a:t>
+            </a:r>
+            <a:endParaRPr lang="en-US" sz="1600" b="1" baseline="30000" dirty="0">
+              <a:solidFill>
+                <a:schemeClr val="bg1"/>
+              </a:solidFill>
+              <a:latin typeface="DM Sans" pitchFamily="2" charset="0"/>
+              <a:cs typeface="Calibri Light" panose="020F0302020204030204" pitchFamily="34" charset="0"/>
+            </a:endParaRPr>
+          </a:p>
+          <a:p>
+            <a:pPr marL="285750" indent="-285750" algn="just">
+              <a:buFont typeface="Symbol" panose="05050102010706020507" pitchFamily="18" charset="2"/>
+              <a:buChar char="-"/>
+            </a:pPr>
+            <a:r>
+              <a:rPr lang="en-US" sz="1600" dirty="0"/>
+              <a:t>The </a:t>
+            </a:r>
+            <a:r>
+              <a:rPr lang="en-US" sz="1600" b="1" dirty="0"/>
+              <a:t>position</a:t>
+            </a:r>
+            <a:r>
+              <a:rPr lang="en-US" sz="1600" dirty="0"/>
+              <a:t> of the </a:t>
+            </a:r>
+            <a:r>
+              <a:rPr lang="en-US" sz="1600" b="1" dirty="0"/>
+              <a:t>global maximum</a:t>
+            </a:r>
+            <a:r>
+              <a:rPr lang="en-US" sz="1600" dirty="0"/>
+              <a:t> of the protein amount across all 25 fractions shows an </a:t>
+            </a:r>
+            <a:r>
+              <a:rPr lang="en-US" sz="1600" b="1" dirty="0"/>
+              <a:t>absolute shift</a:t>
+            </a:r>
+            <a:r>
+              <a:rPr lang="en-US" sz="1600" dirty="0"/>
+              <a:t> between control and RNase </a:t>
+            </a:r>
+            <a:r>
+              <a:rPr lang="en-US" sz="1600" b="1" dirty="0"/>
+              <a:t>greater 1 fraction.</a:t>
+            </a:r>
+            <a:endParaRPr lang="en-US" sz="1200" dirty="0">
+              <a:solidFill>
+                <a:schemeClr val="bg1"/>
+              </a:solidFill>
+              <a:latin typeface="DM Sans" pitchFamily="2" charset="0"/>
+              <a:cs typeface="Calibri Light" panose="020F0302020204030204" pitchFamily="34" charset="0"/>
+            </a:endParaRPr>
+          </a:p>
+        </p:txBody>
+      </p:sp>
+      <p:sp>
+        <p:nvSpPr>
+          <p:cNvPr id="4" name="Textfeld 3">
+            <a:extLst>
+              <a:ext uri="{FF2B5EF4-FFF2-40B4-BE49-F238E27FC236}">
+                <a16:creationId xmlns:a16="http://schemas.microsoft.com/office/drawing/2014/main" id="{E0EE7313-FA70-419A-59C4-88F9DE0BEB36}"/>
+              </a:ext>
+            </a:extLst>
+          </p:cNvPr>
+          <p:cNvSpPr txBox="1"/>
+          <p:nvPr/>
+        </p:nvSpPr>
+        <p:spPr>
+          <a:xfrm>
+            <a:off x="353682" y="2771315"/>
+            <a:ext cx="8004559" cy="830997"/>
+          </a:xfrm>
+          <a:prstGeom prst="rect">
+            <a:avLst/>
+          </a:prstGeom>
+          <a:noFill/>
+        </p:spPr>
+        <p:txBody>
+          <a:bodyPr wrap="square" rtlCol="0">
+            <a:spAutoFit/>
+          </a:bodyPr>
+          <a:lstStyle/>
+          <a:p>
+            <a:r>
+              <a:rPr lang="en-US" sz="1600" b="1" dirty="0">
+                <a:solidFill>
+                  <a:schemeClr val="bg1"/>
+                </a:solidFill>
+                <a:latin typeface="DM Sans" pitchFamily="2" charset="0"/>
+                <a:cs typeface="Calibri Light" panose="020F0302020204030204" pitchFamily="34" charset="0"/>
+              </a:rPr>
+              <a:t>2. selection criterion</a:t>
+            </a:r>
+          </a:p>
+          <a:p>
+            <a:pPr marL="285750" indent="-285750" algn="just">
+              <a:buFont typeface="Symbol" panose="05050102010706020507" pitchFamily="18" charset="2"/>
+              <a:buChar char="-"/>
+            </a:pPr>
+            <a:r>
+              <a:rPr lang="en-US" sz="1600" dirty="0"/>
+              <a:t>A </a:t>
+            </a:r>
+            <a:r>
+              <a:rPr lang="en-US" sz="1600" b="1" dirty="0"/>
+              <a:t>significant difference </a:t>
+            </a:r>
+            <a:r>
+              <a:rPr lang="en-US" sz="1600" dirty="0"/>
+              <a:t>in </a:t>
+            </a:r>
+            <a:r>
+              <a:rPr lang="en-US" sz="1600" b="1" dirty="0"/>
+              <a:t>protein amount </a:t>
+            </a:r>
+            <a:r>
+              <a:rPr lang="en-US" sz="1600" dirty="0"/>
+              <a:t>between the position of the </a:t>
+            </a:r>
+            <a:r>
+              <a:rPr lang="en-US" sz="1600" b="1" dirty="0"/>
+              <a:t>global maxima </a:t>
+            </a:r>
+            <a:r>
+              <a:rPr lang="en-US" sz="1600" dirty="0"/>
+              <a:t>in </a:t>
+            </a:r>
+            <a:r>
+              <a:rPr lang="en-US" sz="1600" b="1" dirty="0"/>
+              <a:t>control</a:t>
+            </a:r>
+            <a:r>
+              <a:rPr lang="en-US" sz="1600" dirty="0"/>
+              <a:t> and the protein amount at the respective fractions in </a:t>
+            </a:r>
+            <a:r>
+              <a:rPr lang="en-US" sz="1600" b="1" dirty="0"/>
+              <a:t>RNase</a:t>
+            </a:r>
+            <a:r>
+              <a:rPr lang="en-US" sz="1600" dirty="0"/>
+              <a:t>.</a:t>
+            </a:r>
+            <a:endParaRPr lang="en-US" sz="1200" dirty="0">
+              <a:solidFill>
+                <a:schemeClr val="bg1"/>
+              </a:solidFill>
+              <a:latin typeface="DM Sans" pitchFamily="2" charset="0"/>
+              <a:cs typeface="Calibri Light" panose="020F0302020204030204" pitchFamily="34" charset="0"/>
+            </a:endParaRPr>
+          </a:p>
+        </p:txBody>
+      </p:sp>
+    </p:spTree>
+    <p:extLst>
+      <p:ext uri="{BB962C8B-B14F-4D97-AF65-F5344CB8AC3E}">
+        <p14:creationId xmlns:p14="http://schemas.microsoft.com/office/powerpoint/2010/main" val="751628892"/>
       </p:ext>
     </p:extLst>
   </p:cSld>
@@ -4992,299 +5392,6 @@
                 <a:latin typeface="DM Sans" pitchFamily="2" charset="0"/>
                 <a:cs typeface="Calibri Light" panose="020F0302020204030204" pitchFamily="34" charset="0"/>
               </a:rPr>
-              <a:t>Defining</a:t>
-            </a:r>
-            <a:r>
-              <a:rPr lang="de-DE" sz="2400" b="1" dirty="0">
-                <a:solidFill>
-                  <a:schemeClr val="bg1"/>
-                </a:solidFill>
-                <a:latin typeface="DM Sans" pitchFamily="2" charset="0"/>
-                <a:cs typeface="Calibri Light" panose="020F0302020204030204" pitchFamily="34" charset="0"/>
-              </a:rPr>
-              <a:t> selection </a:t>
-            </a:r>
-            <a:r>
-              <a:rPr lang="de-DE" sz="2400" b="1" dirty="0" err="1">
-                <a:solidFill>
-                  <a:schemeClr val="bg1"/>
-                </a:solidFill>
-                <a:latin typeface="DM Sans" pitchFamily="2" charset="0"/>
-                <a:cs typeface="Calibri Light" panose="020F0302020204030204" pitchFamily="34" charset="0"/>
-              </a:rPr>
-              <a:t>criteria</a:t>
-            </a:r>
-            <a:endParaRPr lang="de-DE" sz="2400" b="1" dirty="0">
-              <a:solidFill>
-                <a:schemeClr val="bg1"/>
-              </a:solidFill>
-              <a:latin typeface="DM Sans" pitchFamily="2" charset="0"/>
-              <a:cs typeface="Calibri Light" panose="020F0302020204030204" pitchFamily="34" charset="0"/>
-            </a:endParaRPr>
-          </a:p>
-        </p:txBody>
-      </p:sp>
-      <p:sp>
-        <p:nvSpPr>
-          <p:cNvPr id="3" name="Textfeld 2">
-            <a:extLst>
-              <a:ext uri="{FF2B5EF4-FFF2-40B4-BE49-F238E27FC236}">
-                <a16:creationId xmlns:a16="http://schemas.microsoft.com/office/drawing/2014/main" id="{9B010C03-326D-10AB-2721-6DFDBEF3B9B2}"/>
-              </a:ext>
-            </a:extLst>
-          </p:cNvPr>
-          <p:cNvSpPr txBox="1"/>
-          <p:nvPr/>
-        </p:nvSpPr>
-        <p:spPr>
-          <a:xfrm>
-            <a:off x="353683" y="1294968"/>
-            <a:ext cx="8004559" cy="830997"/>
-          </a:xfrm>
-          <a:prstGeom prst="rect">
-            <a:avLst/>
-          </a:prstGeom>
-          <a:noFill/>
-        </p:spPr>
-        <p:txBody>
-          <a:bodyPr wrap="square" rtlCol="0">
-            <a:spAutoFit/>
-          </a:bodyPr>
-          <a:lstStyle/>
-          <a:p>
-            <a:r>
-              <a:rPr lang="en-US" sz="1600" b="1" dirty="0">
-                <a:solidFill>
-                  <a:schemeClr val="bg1"/>
-                </a:solidFill>
-                <a:latin typeface="DM Sans" pitchFamily="2" charset="0"/>
-                <a:cs typeface="Calibri Light" panose="020F0302020204030204" pitchFamily="34" charset="0"/>
-              </a:rPr>
-              <a:t>1. selection criterion </a:t>
-            </a:r>
-            <a:endParaRPr lang="en-US" sz="1600" b="1" baseline="30000" dirty="0">
-              <a:solidFill>
-                <a:schemeClr val="bg1"/>
-              </a:solidFill>
-              <a:latin typeface="DM Sans" pitchFamily="2" charset="0"/>
-              <a:cs typeface="Calibri Light" panose="020F0302020204030204" pitchFamily="34" charset="0"/>
-            </a:endParaRPr>
-          </a:p>
-          <a:p>
-            <a:pPr marL="285750" indent="-285750" algn="just">
-              <a:buFont typeface="Symbol" panose="05050102010706020507" pitchFamily="18" charset="2"/>
-              <a:buChar char="-"/>
-            </a:pPr>
-            <a:r>
-              <a:rPr lang="en-US" sz="1600" dirty="0"/>
-              <a:t>The </a:t>
-            </a:r>
-            <a:r>
-              <a:rPr lang="en-US" sz="1600" b="1" dirty="0"/>
-              <a:t>position</a:t>
-            </a:r>
-            <a:r>
-              <a:rPr lang="en-US" sz="1600" dirty="0"/>
-              <a:t> of the </a:t>
-            </a:r>
-            <a:r>
-              <a:rPr lang="en-US" sz="1600" b="1" dirty="0"/>
-              <a:t>global maximum</a:t>
-            </a:r>
-            <a:r>
-              <a:rPr lang="en-US" sz="1600" dirty="0"/>
-              <a:t> of the protein amount across all 25 fractions shows an </a:t>
-            </a:r>
-            <a:r>
-              <a:rPr lang="en-US" sz="1600" b="1" dirty="0"/>
-              <a:t>absolute shift</a:t>
-            </a:r>
-            <a:r>
-              <a:rPr lang="en-US" sz="1600" dirty="0"/>
-              <a:t> between control and RNase of </a:t>
-            </a:r>
-            <a:r>
-              <a:rPr lang="en-US" sz="1600" b="1" dirty="0"/>
-              <a:t>1 fraction or greater</a:t>
-            </a:r>
-            <a:r>
-              <a:rPr lang="en-US" sz="1600" dirty="0"/>
-              <a:t>.</a:t>
-            </a:r>
-            <a:endParaRPr lang="en-US" sz="1200" dirty="0">
-              <a:solidFill>
-                <a:schemeClr val="bg1"/>
-              </a:solidFill>
-              <a:latin typeface="DM Sans" pitchFamily="2" charset="0"/>
-              <a:cs typeface="Calibri Light" panose="020F0302020204030204" pitchFamily="34" charset="0"/>
-            </a:endParaRPr>
-          </a:p>
-        </p:txBody>
-      </p:sp>
-      <p:sp>
-        <p:nvSpPr>
-          <p:cNvPr id="4" name="Textfeld 3">
-            <a:extLst>
-              <a:ext uri="{FF2B5EF4-FFF2-40B4-BE49-F238E27FC236}">
-                <a16:creationId xmlns:a16="http://schemas.microsoft.com/office/drawing/2014/main" id="{E0EE7313-FA70-419A-59C4-88F9DE0BEB36}"/>
-              </a:ext>
-            </a:extLst>
-          </p:cNvPr>
-          <p:cNvSpPr txBox="1"/>
-          <p:nvPr/>
-        </p:nvSpPr>
-        <p:spPr>
-          <a:xfrm>
-            <a:off x="353682" y="2771315"/>
-            <a:ext cx="8004559" cy="830997"/>
-          </a:xfrm>
-          <a:prstGeom prst="rect">
-            <a:avLst/>
-          </a:prstGeom>
-          <a:noFill/>
-        </p:spPr>
-        <p:txBody>
-          <a:bodyPr wrap="square" rtlCol="0">
-            <a:spAutoFit/>
-          </a:bodyPr>
-          <a:lstStyle/>
-          <a:p>
-            <a:r>
-              <a:rPr lang="en-US" sz="1600" b="1" dirty="0">
-                <a:solidFill>
-                  <a:schemeClr val="bg1"/>
-                </a:solidFill>
-                <a:latin typeface="DM Sans" pitchFamily="2" charset="0"/>
-                <a:cs typeface="Calibri Light" panose="020F0302020204030204" pitchFamily="34" charset="0"/>
-              </a:rPr>
-              <a:t>2. selection criterion</a:t>
-            </a:r>
-          </a:p>
-          <a:p>
-            <a:pPr marL="285750" indent="-285750" algn="just">
-              <a:buFont typeface="Symbol" panose="05050102010706020507" pitchFamily="18" charset="2"/>
-              <a:buChar char="-"/>
-            </a:pPr>
-            <a:r>
-              <a:rPr lang="en-US" sz="1600" dirty="0"/>
-              <a:t>A </a:t>
-            </a:r>
-            <a:r>
-              <a:rPr lang="en-US" sz="1600" b="1" dirty="0"/>
-              <a:t>significant difference </a:t>
-            </a:r>
-            <a:r>
-              <a:rPr lang="en-US" sz="1600" dirty="0"/>
-              <a:t>in </a:t>
-            </a:r>
-            <a:r>
-              <a:rPr lang="en-US" sz="1600" b="1" dirty="0"/>
-              <a:t>protein amount </a:t>
-            </a:r>
-            <a:r>
-              <a:rPr lang="en-US" sz="1600" dirty="0"/>
-              <a:t>between the position of the </a:t>
-            </a:r>
-            <a:r>
-              <a:rPr lang="en-US" sz="1600" b="1" dirty="0"/>
-              <a:t>global maxima </a:t>
-            </a:r>
-            <a:r>
-              <a:rPr lang="en-US" sz="1600" dirty="0"/>
-              <a:t>in </a:t>
-            </a:r>
-            <a:r>
-              <a:rPr lang="en-US" sz="1600" b="1" dirty="0"/>
-              <a:t>control</a:t>
-            </a:r>
-            <a:r>
-              <a:rPr lang="en-US" sz="1600" dirty="0"/>
-              <a:t> and the protein amount at the respective fractions in </a:t>
-            </a:r>
-            <a:r>
-              <a:rPr lang="en-US" sz="1600" b="1" dirty="0"/>
-              <a:t>RNase</a:t>
-            </a:r>
-            <a:r>
-              <a:rPr lang="en-US" sz="1600" dirty="0"/>
-              <a:t>.</a:t>
-            </a:r>
-            <a:endParaRPr lang="en-US" sz="1200" dirty="0">
-              <a:solidFill>
-                <a:schemeClr val="bg1"/>
-              </a:solidFill>
-              <a:latin typeface="DM Sans" pitchFamily="2" charset="0"/>
-              <a:cs typeface="Calibri Light" panose="020F0302020204030204" pitchFamily="34" charset="0"/>
-            </a:endParaRPr>
-          </a:p>
-        </p:txBody>
-      </p:sp>
-    </p:spTree>
-    <p:extLst>
-      <p:ext uri="{BB962C8B-B14F-4D97-AF65-F5344CB8AC3E}">
-        <p14:creationId xmlns:p14="http://schemas.microsoft.com/office/powerpoint/2010/main" val="751628892"/>
-      </p:ext>
-    </p:extLst>
-  </p:cSld>
-  <p:clrMapOvr>
-    <a:masterClrMapping/>
-  </p:clrMapOvr>
-</p:sld>
-</file>
-
-<file path=ppt/slides/slide14.xml><?xml version="1.0" encoding="utf-8"?>
-<p:sld xmlns:a="http://schemas.openxmlformats.org/drawingml/2006/main" xmlns:r="http://schemas.openxmlformats.org/officeDocument/2006/relationships" xmlns:p="http://schemas.openxmlformats.org/presentationml/2006/main">
-  <p:cSld>
-    <p:spTree>
-      <p:nvGrpSpPr>
-        <p:cNvPr id="1" name=""/>
-        <p:cNvGrpSpPr/>
-        <p:nvPr/>
-      </p:nvGrpSpPr>
-      <p:grpSpPr>
-        <a:xfrm>
-          <a:off x="0" y="0"/>
-          <a:ext cx="0" cy="0"/>
-          <a:chOff x="0" y="0"/>
-          <a:chExt cx="0" cy="0"/>
-        </a:xfrm>
-      </p:grpSpPr>
-      <p:sp>
-        <p:nvSpPr>
-          <p:cNvPr id="2" name="Textfeld 1">
-            <a:extLst>
-              <a:ext uri="{FF2B5EF4-FFF2-40B4-BE49-F238E27FC236}">
-                <a16:creationId xmlns:a16="http://schemas.microsoft.com/office/drawing/2014/main" id="{08C52D0F-9D3E-CEA5-78B4-6BEF24D1C04E}"/>
-              </a:ext>
-            </a:extLst>
-          </p:cNvPr>
-          <p:cNvSpPr txBox="1"/>
-          <p:nvPr/>
-        </p:nvSpPr>
-        <p:spPr>
-          <a:xfrm>
-            <a:off x="353683" y="285750"/>
-            <a:ext cx="8383917" cy="461665"/>
-          </a:xfrm>
-          <a:prstGeom prst="rect">
-            <a:avLst/>
-          </a:prstGeom>
-          <a:noFill/>
-        </p:spPr>
-        <p:txBody>
-          <a:bodyPr wrap="square">
-            <a:spAutoFit/>
-          </a:bodyPr>
-          <a:lstStyle/>
-          <a:p>
-            <a:r>
-              <a:rPr lang="de-DE" sz="2400" b="1" dirty="0" err="1">
-                <a:solidFill>
-                  <a:schemeClr val="bg1"/>
-                </a:solidFill>
-                <a:latin typeface="DM Sans" pitchFamily="2" charset="0"/>
-                <a:cs typeface="Calibri Light" panose="020F0302020204030204" pitchFamily="34" charset="0"/>
-              </a:rPr>
               <a:t>Applying</a:t>
             </a:r>
             <a:r>
@@ -5339,14 +5446,132 @@
         </p:blipFill>
         <p:spPr>
           <a:xfrm>
-            <a:off x="1213463" y="988576"/>
-            <a:ext cx="6518663" cy="4022946"/>
+            <a:off x="1213464" y="988576"/>
+            <a:ext cx="3062204" cy="1889817"/>
           </a:xfrm>
           <a:prstGeom prst="rect">
             <a:avLst/>
           </a:prstGeom>
         </p:spPr>
       </p:pic>
+      <p:sp>
+        <p:nvSpPr>
+          <p:cNvPr id="4" name="Textfeld 3">
+            <a:extLst>
+              <a:ext uri="{FF2B5EF4-FFF2-40B4-BE49-F238E27FC236}">
+                <a16:creationId xmlns:a16="http://schemas.microsoft.com/office/drawing/2014/main" id="{3B2B60CE-2004-64CB-DF13-7FDCBC2A622C}"/>
+              </a:ext>
+            </a:extLst>
+          </p:cNvPr>
+          <p:cNvSpPr txBox="1"/>
+          <p:nvPr/>
+        </p:nvSpPr>
+        <p:spPr>
+          <a:xfrm>
+            <a:off x="1437418" y="3180087"/>
+            <a:ext cx="4311450" cy="338554"/>
+          </a:xfrm>
+          <a:prstGeom prst="rect">
+            <a:avLst/>
+          </a:prstGeom>
+          <a:noFill/>
+        </p:spPr>
+        <p:txBody>
+          <a:bodyPr wrap="square" rtlCol="0">
+            <a:spAutoFit/>
+          </a:bodyPr>
+          <a:lstStyle/>
+          <a:p>
+            <a:r>
+              <a:rPr lang="en-US" sz="1600" b="1" dirty="0">
+                <a:solidFill>
+                  <a:srgbClr val="FF0000"/>
+                </a:solidFill>
+                <a:latin typeface="DM Sans" pitchFamily="2" charset="0"/>
+                <a:cs typeface="Calibri Light" panose="020F0302020204030204" pitchFamily="34" charset="0"/>
+              </a:rPr>
+              <a:t>1 plot </a:t>
+            </a:r>
+            <a:r>
+              <a:rPr lang="en-US" sz="1600" b="1" dirty="0" err="1">
+                <a:solidFill>
+                  <a:srgbClr val="FF0000"/>
+                </a:solidFill>
+                <a:latin typeface="DM Sans" pitchFamily="2" charset="0"/>
+                <a:cs typeface="Calibri Light" panose="020F0302020204030204" pitchFamily="34" charset="0"/>
+              </a:rPr>
+              <a:t>beispiel</a:t>
+            </a:r>
+            <a:r>
+              <a:rPr lang="en-US" sz="1600" b="1" dirty="0">
+                <a:solidFill>
+                  <a:srgbClr val="FF0000"/>
+                </a:solidFill>
+                <a:latin typeface="DM Sans" pitchFamily="2" charset="0"/>
+                <a:cs typeface="Calibri Light" panose="020F0302020204030204" pitchFamily="34" charset="0"/>
+              </a:rPr>
+              <a:t> </a:t>
+            </a:r>
+            <a:r>
+              <a:rPr lang="en-US" sz="1600" b="1" dirty="0" err="1">
+                <a:solidFill>
+                  <a:srgbClr val="FF0000"/>
+                </a:solidFill>
+                <a:latin typeface="DM Sans" pitchFamily="2" charset="0"/>
+                <a:cs typeface="Calibri Light" panose="020F0302020204030204" pitchFamily="34" charset="0"/>
+              </a:rPr>
+              <a:t>rdeep</a:t>
+            </a:r>
+            <a:r>
+              <a:rPr lang="en-US" sz="1600" b="1" dirty="0">
+                <a:solidFill>
+                  <a:srgbClr val="FF0000"/>
+                </a:solidFill>
+                <a:latin typeface="DM Sans" pitchFamily="2" charset="0"/>
+                <a:cs typeface="Calibri Light" panose="020F0302020204030204" pitchFamily="34" charset="0"/>
+              </a:rPr>
+              <a:t> 1 </a:t>
+            </a:r>
+            <a:r>
+              <a:rPr lang="en-US" sz="1600" b="1" dirty="0" err="1">
+                <a:solidFill>
+                  <a:srgbClr val="FF0000"/>
+                </a:solidFill>
+                <a:latin typeface="DM Sans" pitchFamily="2" charset="0"/>
+                <a:cs typeface="Calibri Light" panose="020F0302020204030204" pitchFamily="34" charset="0"/>
+              </a:rPr>
+              <a:t>beispiel</a:t>
+            </a:r>
+            <a:r>
+              <a:rPr lang="en-US" sz="1600" b="1" dirty="0">
+                <a:solidFill>
+                  <a:srgbClr val="FF0000"/>
+                </a:solidFill>
+                <a:latin typeface="DM Sans" pitchFamily="2" charset="0"/>
+                <a:cs typeface="Calibri Light" panose="020F0302020204030204" pitchFamily="34" charset="0"/>
+              </a:rPr>
+              <a:t> non-</a:t>
+            </a:r>
+            <a:r>
+              <a:rPr lang="en-US" sz="1600" b="1" dirty="0" err="1">
+                <a:solidFill>
+                  <a:srgbClr val="FF0000"/>
+                </a:solidFill>
+                <a:latin typeface="DM Sans" pitchFamily="2" charset="0"/>
+                <a:cs typeface="Calibri Light" panose="020F0302020204030204" pitchFamily="34" charset="0"/>
+              </a:rPr>
+              <a:t>rdeep</a:t>
+            </a:r>
+            <a:endParaRPr lang="en-US" sz="1200" dirty="0">
+              <a:solidFill>
+                <a:srgbClr val="FF0000"/>
+              </a:solidFill>
+              <a:latin typeface="DM Sans" pitchFamily="2" charset="0"/>
+              <a:cs typeface="Calibri Light" panose="020F0302020204030204" pitchFamily="34" charset="0"/>
+            </a:endParaRPr>
+          </a:p>
+        </p:txBody>
+      </p:sp>
     </p:spTree>
     <p:extLst>
       <p:ext uri="{BB962C8B-B14F-4D97-AF65-F5344CB8AC3E}">
@@ -5360,7 +5585,7 @@
 </p:sld>
 </file>
 
-<file path=ppt/slides/slide15.xml><?xml version="1.0" encoding="utf-8"?>
+<file path=ppt/slides/slide14.xml><?xml version="1.0" encoding="utf-8"?>
 <p:sld xmlns:a="http://schemas.openxmlformats.org/drawingml/2006/main" xmlns:r="http://schemas.openxmlformats.org/officeDocument/2006/relationships" xmlns:p="http://schemas.openxmlformats.org/presentationml/2006/main">
   <p:cSld>
     <p:spTree>
@@ -5390,7 +5615,7 @@
 </p:sld>
 </file>
 
-<file path=ppt/slides/slide16.xml><?xml version="1.0" encoding="utf-8"?>
+<file path=ppt/slides/slide15.xml><?xml version="1.0" encoding="utf-8"?>
 <p:sld xmlns:a="http://schemas.openxmlformats.org/drawingml/2006/main" xmlns:r="http://schemas.openxmlformats.org/officeDocument/2006/relationships" xmlns:p="http://schemas.openxmlformats.org/presentationml/2006/main">
   <p:cSld>
     <p:spTree>
@@ -6190,7 +6415,7 @@
 </p:sld>
 </file>
 
-<file path=ppt/slides/slide17.xml><?xml version="1.0" encoding="utf-8"?>
+<file path=ppt/slides/slide16.xml><?xml version="1.0" encoding="utf-8"?>
 <p:sld xmlns:a="http://schemas.openxmlformats.org/drawingml/2006/main" xmlns:r="http://schemas.openxmlformats.org/officeDocument/2006/relationships" xmlns:p="http://schemas.openxmlformats.org/presentationml/2006/main">
   <p:cSld>
     <p:spTree>
@@ -6472,7 +6697,7 @@
 </p:sld>
 </file>
 
-<file path=ppt/slides/slide18.xml><?xml version="1.0" encoding="utf-8"?>
+<file path=ppt/slides/slide17.xml><?xml version="1.0" encoding="utf-8"?>
 <p:sld xmlns:a="http://schemas.openxmlformats.org/drawingml/2006/main" xmlns:r="http://schemas.openxmlformats.org/officeDocument/2006/relationships" xmlns:p="http://schemas.openxmlformats.org/presentationml/2006/main">
   <p:cSld>
     <p:spTree>
@@ -6543,7 +6768,7 @@
 </p:sld>
 </file>
 
-<file path=ppt/slides/slide19.xml><?xml version="1.0" encoding="utf-8"?>
+<file path=ppt/slides/slide18.xml><?xml version="1.0" encoding="utf-8"?>
 <p:sld xmlns:a="http://schemas.openxmlformats.org/drawingml/2006/main" xmlns:r="http://schemas.openxmlformats.org/officeDocument/2006/relationships" xmlns:p="http://schemas.openxmlformats.org/presentationml/2006/main">
   <p:cSld>
     <p:spTree>
@@ -7328,6 +7553,311 @@
     <p:extLst>
       <p:ext uri="{BB962C8B-B14F-4D97-AF65-F5344CB8AC3E}">
         <p14:creationId xmlns:p14="http://schemas.microsoft.com/office/powerpoint/2010/main" val="2116309456"/>
+      </p:ext>
+    </p:extLst>
+  </p:cSld>
+  <p:clrMapOvr>
+    <a:masterClrMapping/>
+  </p:clrMapOvr>
+</p:sld>
+</file>
+
+<file path=ppt/slides/slide19.xml><?xml version="1.0" encoding="utf-8"?>
+<p:sld xmlns:a="http://schemas.openxmlformats.org/drawingml/2006/main" xmlns:r="http://schemas.openxmlformats.org/officeDocument/2006/relationships" xmlns:p="http://schemas.openxmlformats.org/presentationml/2006/main">
+  <p:cSld>
+    <p:spTree>
+      <p:nvGrpSpPr>
+        <p:cNvPr id="1" name=""/>
+        <p:cNvGrpSpPr/>
+        <p:nvPr/>
+      </p:nvGrpSpPr>
+      <p:grpSpPr>
+        <a:xfrm>
+          <a:off x="0" y="0"/>
+          <a:ext cx="0" cy="0"/>
+          <a:chOff x="0" y="0"/>
+          <a:chExt cx="0" cy="0"/>
+        </a:xfrm>
+      </p:grpSpPr>
+      <p:sp>
+        <p:nvSpPr>
+          <p:cNvPr id="2" name="Textfeld 1">
+            <a:extLst>
+              <a:ext uri="{FF2B5EF4-FFF2-40B4-BE49-F238E27FC236}">
+                <a16:creationId xmlns:a16="http://schemas.microsoft.com/office/drawing/2014/main" id="{051494C0-1EE2-5077-4CB8-90DAD9037ED1}"/>
+              </a:ext>
+            </a:extLst>
+          </p:cNvPr>
+          <p:cNvSpPr txBox="1"/>
+          <p:nvPr/>
+        </p:nvSpPr>
+        <p:spPr>
+          <a:xfrm>
+            <a:off x="353683" y="285750"/>
+            <a:ext cx="8383917" cy="461665"/>
+          </a:xfrm>
+          <a:prstGeom prst="rect">
+            <a:avLst/>
+          </a:prstGeom>
+          <a:noFill/>
+        </p:spPr>
+        <p:txBody>
+          <a:bodyPr wrap="square">
+            <a:spAutoFit/>
+          </a:bodyPr>
+          <a:lstStyle/>
+          <a:p>
+            <a:r>
+              <a:rPr lang="de-DE" sz="2400" b="1" dirty="0">
+                <a:solidFill>
+                  <a:schemeClr val="bg1"/>
+                </a:solidFill>
+                <a:latin typeface="DM Sans" pitchFamily="2" charset="0"/>
+                <a:cs typeface="Calibri Light" panose="020F0302020204030204" pitchFamily="34" charset="0"/>
+              </a:rPr>
+              <a:t>Goal and </a:t>
+            </a:r>
+            <a:r>
+              <a:rPr lang="de-DE" sz="2400" b="1" dirty="0" err="1">
+                <a:solidFill>
+                  <a:schemeClr val="bg1"/>
+                </a:solidFill>
+                <a:latin typeface="DM Sans" pitchFamily="2" charset="0"/>
+                <a:cs typeface="Calibri Light" panose="020F0302020204030204" pitchFamily="34" charset="0"/>
+              </a:rPr>
+              <a:t>Procedure</a:t>
+            </a:r>
+            <a:endParaRPr lang="de-DE" sz="2400" b="1" dirty="0">
+              <a:solidFill>
+                <a:schemeClr val="bg1"/>
+              </a:solidFill>
+              <a:latin typeface="DM Sans" pitchFamily="2" charset="0"/>
+              <a:cs typeface="Calibri Light" panose="020F0302020204030204" pitchFamily="34" charset="0"/>
+            </a:endParaRPr>
+          </a:p>
+        </p:txBody>
+      </p:sp>
+      <p:sp>
+        <p:nvSpPr>
+          <p:cNvPr id="3" name="Textfeld 2">
+            <a:extLst>
+              <a:ext uri="{FF2B5EF4-FFF2-40B4-BE49-F238E27FC236}">
+                <a16:creationId xmlns:a16="http://schemas.microsoft.com/office/drawing/2014/main" id="{34A974C8-1AA7-B3F7-A7CB-8516552A4125}"/>
+              </a:ext>
+            </a:extLst>
+          </p:cNvPr>
+          <p:cNvSpPr txBox="1"/>
+          <p:nvPr/>
+        </p:nvSpPr>
+        <p:spPr>
+          <a:xfrm>
+            <a:off x="377746" y="1288476"/>
+            <a:ext cx="5803048" cy="2677656"/>
+          </a:xfrm>
+          <a:prstGeom prst="rect">
+            <a:avLst/>
+          </a:prstGeom>
+          <a:noFill/>
+          <a:ln w="19050">
+            <a:noFill/>
+          </a:ln>
+        </p:spPr>
+        <p:txBody>
+          <a:bodyPr wrap="square" rtlCol="0">
+            <a:spAutoFit/>
+          </a:bodyPr>
+          <a:lstStyle/>
+          <a:p>
+            <a:r>
+              <a:rPr lang="en-US" dirty="0">
+                <a:solidFill>
+                  <a:schemeClr val="bg1"/>
+                </a:solidFill>
+                <a:latin typeface="DM Sans" pitchFamily="2" charset="0"/>
+                <a:cs typeface="Calibri Light" panose="020F0302020204030204" pitchFamily="34" charset="0"/>
+              </a:rPr>
+              <a:t>Goal: Prediction of the absolute and the real shift in position of the global maximum </a:t>
+            </a:r>
+          </a:p>
+          <a:p>
+            <a:pPr marL="285750" indent="-285750">
+              <a:buFont typeface="+mj-lt"/>
+              <a:buAutoNum type="arabicPeriod"/>
+            </a:pPr>
+            <a:endParaRPr lang="en-US" dirty="0">
+              <a:solidFill>
+                <a:schemeClr val="bg1"/>
+              </a:solidFill>
+              <a:latin typeface="DM Sans" pitchFamily="2" charset="0"/>
+              <a:cs typeface="Calibri Light" panose="020F0302020204030204" pitchFamily="34" charset="0"/>
+            </a:endParaRPr>
+          </a:p>
+          <a:p>
+            <a:pPr marL="285750" indent="-285750">
+              <a:buFont typeface="+mj-lt"/>
+              <a:buAutoNum type="arabicPeriod"/>
+            </a:pPr>
+            <a:r>
+              <a:rPr lang="en-US" dirty="0">
+                <a:solidFill>
+                  <a:schemeClr val="bg1"/>
+                </a:solidFill>
+                <a:latin typeface="DM Sans" pitchFamily="2" charset="0"/>
+                <a:cs typeface="Calibri Light" panose="020F0302020204030204" pitchFamily="34" charset="0"/>
+              </a:rPr>
+              <a:t>Set parameters used for predictions</a:t>
+            </a:r>
+          </a:p>
+          <a:p>
+            <a:pPr marL="285750" lvl="2" indent="-285750" algn="just">
+              <a:buFont typeface="Wingdings" panose="05000000000000000000" pitchFamily="2" charset="2"/>
+              <a:buChar char="Ø"/>
+            </a:pPr>
+            <a:r>
+              <a:rPr lang="en-US" dirty="0">
+                <a:solidFill>
+                  <a:schemeClr val="bg1"/>
+                </a:solidFill>
+                <a:latin typeface="DM Sans" pitchFamily="2" charset="0"/>
+                <a:cs typeface="Calibri Light" panose="020F0302020204030204" pitchFamily="34" charset="0"/>
+              </a:rPr>
+              <a:t>Correlation between mean protein amount values of control and RNase</a:t>
+            </a:r>
+          </a:p>
+          <a:p>
+            <a:pPr marL="285750" indent="-285750">
+              <a:buFont typeface="+mj-lt"/>
+              <a:buAutoNum type="arabicPeriod"/>
+            </a:pPr>
+            <a:endParaRPr lang="en-US" dirty="0">
+              <a:solidFill>
+                <a:schemeClr val="bg1"/>
+              </a:solidFill>
+              <a:latin typeface="DM Sans" pitchFamily="2" charset="0"/>
+              <a:cs typeface="Calibri Light" panose="020F0302020204030204" pitchFamily="34" charset="0"/>
+            </a:endParaRPr>
+          </a:p>
+          <a:p>
+            <a:pPr marL="285750" indent="-285750">
+              <a:buFont typeface="+mj-lt"/>
+              <a:buAutoNum type="arabicPeriod"/>
+            </a:pPr>
+            <a:r>
+              <a:rPr lang="en-US" dirty="0">
+                <a:solidFill>
+                  <a:schemeClr val="bg1"/>
+                </a:solidFill>
+                <a:latin typeface="DM Sans" pitchFamily="2" charset="0"/>
+                <a:cs typeface="Calibri Light" panose="020F0302020204030204" pitchFamily="34" charset="0"/>
+              </a:rPr>
+              <a:t>Split data set 80/20</a:t>
+            </a:r>
+            <a:endParaRPr lang="en-US" dirty="0">
+              <a:solidFill>
+                <a:schemeClr val="bg1"/>
+              </a:solidFill>
+              <a:latin typeface="Amasis MT Pro Light" panose="020B0604020202020204" pitchFamily="18" charset="0"/>
+              <a:cs typeface="Courier New" panose="02070309020205020404" pitchFamily="49" charset="0"/>
+            </a:endParaRPr>
+          </a:p>
+          <a:p>
+            <a:pPr marL="285750" indent="-285750">
+              <a:buFont typeface="+mj-lt"/>
+              <a:buAutoNum type="arabicPeriod"/>
+            </a:pPr>
+            <a:endParaRPr lang="en-US" dirty="0">
+              <a:solidFill>
+                <a:schemeClr val="bg1"/>
+              </a:solidFill>
+              <a:latin typeface="Amasis MT Pro Light" panose="020B0604020202020204" pitchFamily="18" charset="0"/>
+              <a:cs typeface="Courier New" panose="02070309020205020404" pitchFamily="49" charset="0"/>
+            </a:endParaRPr>
+          </a:p>
+          <a:p>
+            <a:pPr marL="285750" indent="-285750">
+              <a:buFont typeface="+mj-lt"/>
+              <a:buAutoNum type="arabicPeriod"/>
+            </a:pPr>
+            <a:r>
+              <a:rPr lang="en-US" dirty="0">
+                <a:solidFill>
+                  <a:schemeClr val="bg1"/>
+                </a:solidFill>
+                <a:latin typeface="DM Sans" pitchFamily="2" charset="0"/>
+                <a:cs typeface="Courier New" panose="02070309020205020404" pitchFamily="49" charset="0"/>
+              </a:rPr>
+              <a:t>Perform model training with function </a:t>
+            </a:r>
+            <a:r>
+              <a:rPr lang="en-US" dirty="0" err="1">
+                <a:solidFill>
+                  <a:schemeClr val="bg1"/>
+                </a:solidFill>
+                <a:latin typeface="Amasis MT Pro Light" panose="02040304050005020304" pitchFamily="18" charset="0"/>
+                <a:cs typeface="Courier New" panose="02070309020205020404" pitchFamily="49" charset="0"/>
+              </a:rPr>
+              <a:t>lm</a:t>
+            </a:r>
+            <a:endParaRPr lang="en-US" dirty="0">
+              <a:solidFill>
+                <a:schemeClr val="bg1"/>
+              </a:solidFill>
+              <a:latin typeface="Amasis MT Pro Light" panose="02040304050005020304" pitchFamily="18" charset="0"/>
+              <a:cs typeface="Courier New" panose="02070309020205020404" pitchFamily="49" charset="0"/>
+            </a:endParaRPr>
+          </a:p>
+          <a:p>
+            <a:pPr marL="285750" indent="-285750">
+              <a:buFont typeface="+mj-lt"/>
+              <a:buAutoNum type="arabicPeriod"/>
+            </a:pPr>
+            <a:endParaRPr lang="en-US" dirty="0">
+              <a:solidFill>
+                <a:schemeClr val="bg1"/>
+              </a:solidFill>
+              <a:latin typeface="DM Sans" pitchFamily="2" charset="0"/>
+              <a:cs typeface="Courier New" panose="02070309020205020404" pitchFamily="49" charset="0"/>
+            </a:endParaRPr>
+          </a:p>
+          <a:p>
+            <a:pPr marL="285750" indent="-285750">
+              <a:buFont typeface="+mj-lt"/>
+              <a:buAutoNum type="arabicPeriod"/>
+            </a:pPr>
+            <a:r>
+              <a:rPr lang="en-US" dirty="0">
+                <a:solidFill>
+                  <a:schemeClr val="bg1"/>
+                </a:solidFill>
+                <a:latin typeface="DM Sans" pitchFamily="2" charset="0"/>
+                <a:cs typeface="Courier New" panose="02070309020205020404" pitchFamily="49" charset="0"/>
+              </a:rPr>
+              <a:t>Run model with </a:t>
+            </a:r>
+            <a:r>
+              <a:rPr lang="en-US" dirty="0" err="1">
+                <a:solidFill>
+                  <a:schemeClr val="bg1"/>
+                </a:solidFill>
+                <a:latin typeface="Amasis MT Pro Light" panose="02040304050005020304" pitchFamily="18" charset="0"/>
+                <a:cs typeface="Courier New" panose="02070309020205020404" pitchFamily="49" charset="0"/>
+              </a:rPr>
+              <a:t>lm.predict</a:t>
+            </a:r>
+            <a:endParaRPr lang="en-US" dirty="0">
+              <a:solidFill>
+                <a:schemeClr val="bg1"/>
+              </a:solidFill>
+              <a:latin typeface="Amasis MT Pro Light" panose="02040304050005020304" pitchFamily="18" charset="0"/>
+              <a:cs typeface="Courier New" panose="02070309020205020404" pitchFamily="49" charset="0"/>
+            </a:endParaRPr>
+          </a:p>
+        </p:txBody>
+      </p:sp>
+    </p:spTree>
+    <p:extLst>
+      <p:ext uri="{BB962C8B-B14F-4D97-AF65-F5344CB8AC3E}">
+        <p14:creationId xmlns:p14="http://schemas.microsoft.com/office/powerpoint/2010/main" val="2100177570"/>
       </p:ext>
     </p:extLst>
   </p:cSld>
@@ -7451,7 +7981,7 @@
         <p:spPr>
           <a:xfrm>
             <a:off x="7228932" y="402302"/>
-            <a:ext cx="2001327" cy="1200329"/>
+            <a:ext cx="2001327" cy="1015663"/>
           </a:xfrm>
           <a:prstGeom prst="rect">
             <a:avLst/>
@@ -7484,7 +8014,7 @@
                 <a:latin typeface="DM Sans" pitchFamily="2" charset="0"/>
                 <a:cs typeface="Calibri" panose="020F0502020204030204" pitchFamily="34" charset="0"/>
               </a:rPr>
-              <a:t>Sub-project 2: HeLa Cells Synchronized in Mitosis</a:t>
+              <a:t>Subproject 2: HeLa Cells Synchronized in Mitosis</a:t>
             </a:r>
           </a:p>
         </p:txBody>
@@ -7814,311 +8344,6 @@
 </file>
 
 <file path=ppt/slides/slide20.xml><?xml version="1.0" encoding="utf-8"?>
-<p:sld xmlns:a="http://schemas.openxmlformats.org/drawingml/2006/main" xmlns:r="http://schemas.openxmlformats.org/officeDocument/2006/relationships" xmlns:p="http://schemas.openxmlformats.org/presentationml/2006/main">
-  <p:cSld>
-    <p:spTree>
-      <p:nvGrpSpPr>
-        <p:cNvPr id="1" name=""/>
-        <p:cNvGrpSpPr/>
-        <p:nvPr/>
-      </p:nvGrpSpPr>
-      <p:grpSpPr>
-        <a:xfrm>
-          <a:off x="0" y="0"/>
-          <a:ext cx="0" cy="0"/>
-          <a:chOff x="0" y="0"/>
-          <a:chExt cx="0" cy="0"/>
-        </a:xfrm>
-      </p:grpSpPr>
-      <p:sp>
-        <p:nvSpPr>
-          <p:cNvPr id="2" name="Textfeld 1">
-            <a:extLst>
-              <a:ext uri="{FF2B5EF4-FFF2-40B4-BE49-F238E27FC236}">
-                <a16:creationId xmlns:a16="http://schemas.microsoft.com/office/drawing/2014/main" id="{051494C0-1EE2-5077-4CB8-90DAD9037ED1}"/>
-              </a:ext>
-            </a:extLst>
-          </p:cNvPr>
-          <p:cNvSpPr txBox="1"/>
-          <p:nvPr/>
-        </p:nvSpPr>
-        <p:spPr>
-          <a:xfrm>
-            <a:off x="353683" y="285750"/>
-            <a:ext cx="8383917" cy="461665"/>
-          </a:xfrm>
-          <a:prstGeom prst="rect">
-            <a:avLst/>
-          </a:prstGeom>
-          <a:noFill/>
-        </p:spPr>
-        <p:txBody>
-          <a:bodyPr wrap="square">
-            <a:spAutoFit/>
-          </a:bodyPr>
-          <a:lstStyle/>
-          <a:p>
-            <a:r>
-              <a:rPr lang="de-DE" sz="2400" b="1" dirty="0">
-                <a:solidFill>
-                  <a:schemeClr val="bg1"/>
-                </a:solidFill>
-                <a:latin typeface="DM Sans" pitchFamily="2" charset="0"/>
-                <a:cs typeface="Calibri Light" panose="020F0302020204030204" pitchFamily="34" charset="0"/>
-              </a:rPr>
-              <a:t>Goal and </a:t>
-            </a:r>
-            <a:r>
-              <a:rPr lang="de-DE" sz="2400" b="1" dirty="0" err="1">
-                <a:solidFill>
-                  <a:schemeClr val="bg1"/>
-                </a:solidFill>
-                <a:latin typeface="DM Sans" pitchFamily="2" charset="0"/>
-                <a:cs typeface="Calibri Light" panose="020F0302020204030204" pitchFamily="34" charset="0"/>
-              </a:rPr>
-              <a:t>Procedure</a:t>
-            </a:r>
-            <a:endParaRPr lang="de-DE" sz="2400" b="1" dirty="0">
-              <a:solidFill>
-                <a:schemeClr val="bg1"/>
-              </a:solidFill>
-              <a:latin typeface="DM Sans" pitchFamily="2" charset="0"/>
-              <a:cs typeface="Calibri Light" panose="020F0302020204030204" pitchFamily="34" charset="0"/>
-            </a:endParaRPr>
-          </a:p>
-        </p:txBody>
-      </p:sp>
-      <p:sp>
-        <p:nvSpPr>
-          <p:cNvPr id="3" name="Textfeld 2">
-            <a:extLst>
-              <a:ext uri="{FF2B5EF4-FFF2-40B4-BE49-F238E27FC236}">
-                <a16:creationId xmlns:a16="http://schemas.microsoft.com/office/drawing/2014/main" id="{34A974C8-1AA7-B3F7-A7CB-8516552A4125}"/>
-              </a:ext>
-            </a:extLst>
-          </p:cNvPr>
-          <p:cNvSpPr txBox="1"/>
-          <p:nvPr/>
-        </p:nvSpPr>
-        <p:spPr>
-          <a:xfrm>
-            <a:off x="377746" y="1288476"/>
-            <a:ext cx="5803048" cy="2677656"/>
-          </a:xfrm>
-          <a:prstGeom prst="rect">
-            <a:avLst/>
-          </a:prstGeom>
-          <a:noFill/>
-          <a:ln w="19050">
-            <a:noFill/>
-          </a:ln>
-        </p:spPr>
-        <p:txBody>
-          <a:bodyPr wrap="square" rtlCol="0">
-            <a:spAutoFit/>
-          </a:bodyPr>
-          <a:lstStyle/>
-          <a:p>
-            <a:r>
-              <a:rPr lang="en-US" dirty="0">
-                <a:solidFill>
-                  <a:schemeClr val="bg1"/>
-                </a:solidFill>
-                <a:latin typeface="DM Sans" pitchFamily="2" charset="0"/>
-                <a:cs typeface="Calibri Light" panose="020F0302020204030204" pitchFamily="34" charset="0"/>
-              </a:rPr>
-              <a:t>Goal: Prediction of the absolute and the real shift in position of the global maximum </a:t>
-            </a:r>
-          </a:p>
-          <a:p>
-            <a:pPr marL="285750" indent="-285750">
-              <a:buFont typeface="+mj-lt"/>
-              <a:buAutoNum type="arabicPeriod"/>
-            </a:pPr>
-            <a:endParaRPr lang="en-US" dirty="0">
-              <a:solidFill>
-                <a:schemeClr val="bg1"/>
-              </a:solidFill>
-              <a:latin typeface="DM Sans" pitchFamily="2" charset="0"/>
-              <a:cs typeface="Calibri Light" panose="020F0302020204030204" pitchFamily="34" charset="0"/>
-            </a:endParaRPr>
-          </a:p>
-          <a:p>
-            <a:pPr marL="285750" indent="-285750">
-              <a:buFont typeface="+mj-lt"/>
-              <a:buAutoNum type="arabicPeriod"/>
-            </a:pPr>
-            <a:r>
-              <a:rPr lang="en-US" dirty="0">
-                <a:solidFill>
-                  <a:schemeClr val="bg1"/>
-                </a:solidFill>
-                <a:latin typeface="DM Sans" pitchFamily="2" charset="0"/>
-                <a:cs typeface="Calibri Light" panose="020F0302020204030204" pitchFamily="34" charset="0"/>
-              </a:rPr>
-              <a:t>Set parameters used for predictions</a:t>
-            </a:r>
-          </a:p>
-          <a:p>
-            <a:pPr marL="285750" lvl="2" indent="-285750" algn="just">
-              <a:buFont typeface="Wingdings" panose="05000000000000000000" pitchFamily="2" charset="2"/>
-              <a:buChar char="Ø"/>
-            </a:pPr>
-            <a:r>
-              <a:rPr lang="en-US" dirty="0">
-                <a:solidFill>
-                  <a:schemeClr val="bg1"/>
-                </a:solidFill>
-                <a:latin typeface="DM Sans" pitchFamily="2" charset="0"/>
-                <a:cs typeface="Calibri Light" panose="020F0302020204030204" pitchFamily="34" charset="0"/>
-              </a:rPr>
-              <a:t>Correlation between mean protein amount values of control and RNase</a:t>
-            </a:r>
-          </a:p>
-          <a:p>
-            <a:pPr marL="285750" indent="-285750">
-              <a:buFont typeface="+mj-lt"/>
-              <a:buAutoNum type="arabicPeriod"/>
-            </a:pPr>
-            <a:endParaRPr lang="en-US" dirty="0">
-              <a:solidFill>
-                <a:schemeClr val="bg1"/>
-              </a:solidFill>
-              <a:latin typeface="DM Sans" pitchFamily="2" charset="0"/>
-              <a:cs typeface="Calibri Light" panose="020F0302020204030204" pitchFamily="34" charset="0"/>
-            </a:endParaRPr>
-          </a:p>
-          <a:p>
-            <a:pPr marL="285750" indent="-285750">
-              <a:buFont typeface="+mj-lt"/>
-              <a:buAutoNum type="arabicPeriod"/>
-            </a:pPr>
-            <a:r>
-              <a:rPr lang="en-US" dirty="0">
-                <a:solidFill>
-                  <a:schemeClr val="bg1"/>
-                </a:solidFill>
-                <a:latin typeface="DM Sans" pitchFamily="2" charset="0"/>
-                <a:cs typeface="Calibri Light" panose="020F0302020204030204" pitchFamily="34" charset="0"/>
-              </a:rPr>
-              <a:t>Split data set 80/20</a:t>
-            </a:r>
-            <a:endParaRPr lang="en-US" dirty="0">
-              <a:solidFill>
-                <a:schemeClr val="bg1"/>
-              </a:solidFill>
-              <a:latin typeface="Amasis MT Pro Light" panose="020B0604020202020204" pitchFamily="18" charset="0"/>
-              <a:cs typeface="Courier New" panose="02070309020205020404" pitchFamily="49" charset="0"/>
-            </a:endParaRPr>
-          </a:p>
-          <a:p>
-            <a:pPr marL="285750" indent="-285750">
-              <a:buFont typeface="+mj-lt"/>
-              <a:buAutoNum type="arabicPeriod"/>
-            </a:pPr>
-            <a:endParaRPr lang="en-US" dirty="0">
-              <a:solidFill>
-                <a:schemeClr val="bg1"/>
-              </a:solidFill>
-              <a:latin typeface="Amasis MT Pro Light" panose="020B0604020202020204" pitchFamily="18" charset="0"/>
-              <a:cs typeface="Courier New" panose="02070309020205020404" pitchFamily="49" charset="0"/>
-            </a:endParaRPr>
-          </a:p>
-          <a:p>
-            <a:pPr marL="285750" indent="-285750">
-              <a:buFont typeface="+mj-lt"/>
-              <a:buAutoNum type="arabicPeriod"/>
-            </a:pPr>
-            <a:r>
-              <a:rPr lang="en-US" dirty="0">
-                <a:solidFill>
-                  <a:schemeClr val="bg1"/>
-                </a:solidFill>
-                <a:latin typeface="DM Sans" pitchFamily="2" charset="0"/>
-                <a:cs typeface="Courier New" panose="02070309020205020404" pitchFamily="49" charset="0"/>
-              </a:rPr>
-              <a:t>Perform model training with function </a:t>
-            </a:r>
-            <a:r>
-              <a:rPr lang="en-US" dirty="0" err="1">
-                <a:solidFill>
-                  <a:schemeClr val="bg1"/>
-                </a:solidFill>
-                <a:latin typeface="Amasis MT Pro Light" panose="02040304050005020304" pitchFamily="18" charset="0"/>
-                <a:cs typeface="Courier New" panose="02070309020205020404" pitchFamily="49" charset="0"/>
-              </a:rPr>
-              <a:t>lm</a:t>
-            </a:r>
-            <a:endParaRPr lang="en-US" dirty="0">
-              <a:solidFill>
-                <a:schemeClr val="bg1"/>
-              </a:solidFill>
-              <a:latin typeface="Amasis MT Pro Light" panose="02040304050005020304" pitchFamily="18" charset="0"/>
-              <a:cs typeface="Courier New" panose="02070309020205020404" pitchFamily="49" charset="0"/>
-            </a:endParaRPr>
-          </a:p>
-          <a:p>
-            <a:pPr marL="285750" indent="-285750">
-              <a:buFont typeface="+mj-lt"/>
-              <a:buAutoNum type="arabicPeriod"/>
-            </a:pPr>
-            <a:endParaRPr lang="en-US" dirty="0">
-              <a:solidFill>
-                <a:schemeClr val="bg1"/>
-              </a:solidFill>
-              <a:latin typeface="DM Sans" pitchFamily="2" charset="0"/>
-              <a:cs typeface="Courier New" panose="02070309020205020404" pitchFamily="49" charset="0"/>
-            </a:endParaRPr>
-          </a:p>
-          <a:p>
-            <a:pPr marL="285750" indent="-285750">
-              <a:buFont typeface="+mj-lt"/>
-              <a:buAutoNum type="arabicPeriod"/>
-            </a:pPr>
-            <a:r>
-              <a:rPr lang="en-US" dirty="0">
-                <a:solidFill>
-                  <a:schemeClr val="bg1"/>
-                </a:solidFill>
-                <a:latin typeface="DM Sans" pitchFamily="2" charset="0"/>
-                <a:cs typeface="Courier New" panose="02070309020205020404" pitchFamily="49" charset="0"/>
-              </a:rPr>
-              <a:t>Run model with </a:t>
-            </a:r>
-            <a:r>
-              <a:rPr lang="en-US" dirty="0" err="1">
-                <a:solidFill>
-                  <a:schemeClr val="bg1"/>
-                </a:solidFill>
-                <a:latin typeface="Amasis MT Pro Light" panose="02040304050005020304" pitchFamily="18" charset="0"/>
-                <a:cs typeface="Courier New" panose="02070309020205020404" pitchFamily="49" charset="0"/>
-              </a:rPr>
-              <a:t>lm.predict</a:t>
-            </a:r>
-            <a:endParaRPr lang="en-US" dirty="0">
-              <a:solidFill>
-                <a:schemeClr val="bg1"/>
-              </a:solidFill>
-              <a:latin typeface="Amasis MT Pro Light" panose="02040304050005020304" pitchFamily="18" charset="0"/>
-              <a:cs typeface="Courier New" panose="02070309020205020404" pitchFamily="49" charset="0"/>
-            </a:endParaRPr>
-          </a:p>
-        </p:txBody>
-      </p:sp>
-    </p:spTree>
-    <p:extLst>
-      <p:ext uri="{BB962C8B-B14F-4D97-AF65-F5344CB8AC3E}">
-        <p14:creationId xmlns:p14="http://schemas.microsoft.com/office/powerpoint/2010/main" val="2100177570"/>
-      </p:ext>
-    </p:extLst>
-  </p:cSld>
-  <p:clrMapOvr>
-    <a:masterClrMapping/>
-  </p:clrMapOvr>
-</p:sld>
-</file>
-
-<file path=ppt/slides/slide21.xml><?xml version="1.0" encoding="utf-8"?>
 <p:sld xmlns:a="http://schemas.openxmlformats.org/drawingml/2006/main" xmlns:r="http://schemas.openxmlformats.org/officeDocument/2006/relationships" xmlns:p="http://schemas.openxmlformats.org/presentationml/2006/main" show="0">
   <p:cSld>
     <p:spTree>
@@ -9038,7 +9263,7 @@
 </p:sld>
 </file>
 
-<file path=ppt/slides/slide22.xml><?xml version="1.0" encoding="utf-8"?>
+<file path=ppt/slides/slide21.xml><?xml version="1.0" encoding="utf-8"?>
 <p:sld xmlns:a="http://schemas.openxmlformats.org/drawingml/2006/main" xmlns:r="http://schemas.openxmlformats.org/officeDocument/2006/relationships" xmlns:p="http://schemas.openxmlformats.org/presentationml/2006/main" show="0">
   <p:cSld>
     <p:spTree>
@@ -10245,7 +10470,7 @@
 </p:sld>
 </file>
 
-<file path=ppt/slides/slide23.xml><?xml version="1.0" encoding="utf-8"?>
+<file path=ppt/slides/slide22.xml><?xml version="1.0" encoding="utf-8"?>
 <p:sld xmlns:a="http://schemas.openxmlformats.org/drawingml/2006/main" xmlns:r="http://schemas.openxmlformats.org/officeDocument/2006/relationships" xmlns:p="http://schemas.openxmlformats.org/presentationml/2006/main" show="0">
   <p:cSld>
     <p:spTree>
@@ -12403,7 +12628,7 @@
 </p:sld>
 </file>
 
-<file path=ppt/slides/slide24.xml><?xml version="1.0" encoding="utf-8"?>
+<file path=ppt/slides/slide23.xml><?xml version="1.0" encoding="utf-8"?>
 <p:sld xmlns:a="http://schemas.openxmlformats.org/drawingml/2006/main" xmlns:r="http://schemas.openxmlformats.org/officeDocument/2006/relationships" xmlns:p="http://schemas.openxmlformats.org/presentationml/2006/main" show="0">
   <p:cSld>
     <p:spTree>
@@ -13133,2442 +13358,7 @@
 </p:sld>
 </file>
 
-<file path=ppt/slides/slide3.xml><?xml version="1.0" encoding="utf-8"?>
-<p:sld xmlns:a="http://schemas.openxmlformats.org/drawingml/2006/main" xmlns:r="http://schemas.openxmlformats.org/officeDocument/2006/relationships" xmlns:p="http://schemas.openxmlformats.org/presentationml/2006/main">
-  <p:cSld>
-    <p:spTree>
-      <p:nvGrpSpPr>
-        <p:cNvPr id="1" name=""/>
-        <p:cNvGrpSpPr/>
-        <p:nvPr/>
-      </p:nvGrpSpPr>
-      <p:grpSpPr>
-        <a:xfrm>
-          <a:off x="0" y="0"/>
-          <a:ext cx="0" cy="0"/>
-          <a:chOff x="0" y="0"/>
-          <a:chExt cx="0" cy="0"/>
-        </a:xfrm>
-      </p:grpSpPr>
-      <p:sp>
-        <p:nvSpPr>
-          <p:cNvPr id="10" name="Textfeld 9">
-            <a:extLst>
-              <a:ext uri="{FF2B5EF4-FFF2-40B4-BE49-F238E27FC236}">
-                <a16:creationId xmlns:a16="http://schemas.microsoft.com/office/drawing/2014/main" id="{FD433997-33F5-9575-5F92-8DF46FE3689F}"/>
-              </a:ext>
-            </a:extLst>
-          </p:cNvPr>
-          <p:cNvSpPr txBox="1"/>
-          <p:nvPr/>
-        </p:nvSpPr>
-        <p:spPr>
-          <a:xfrm>
-            <a:off x="353683" y="285750"/>
-            <a:ext cx="8383917" cy="461665"/>
-          </a:xfrm>
-          <a:prstGeom prst="rect">
-            <a:avLst/>
-          </a:prstGeom>
-          <a:noFill/>
-        </p:spPr>
-        <p:txBody>
-          <a:bodyPr wrap="square">
-            <a:spAutoFit/>
-          </a:bodyPr>
-          <a:lstStyle/>
-          <a:p>
-            <a:r>
-              <a:rPr lang="de-DE" sz="2400" b="1" dirty="0">
-                <a:solidFill>
-                  <a:schemeClr val="bg1"/>
-                </a:solidFill>
-                <a:latin typeface="DM Sans" pitchFamily="2" charset="0"/>
-                <a:cs typeface="Calibri Light" panose="020F0302020204030204" pitchFamily="34" charset="0"/>
-              </a:rPr>
-              <a:t>Why </a:t>
-            </a:r>
-            <a:r>
-              <a:rPr lang="en-US" sz="2400" b="1" dirty="0">
-                <a:solidFill>
-                  <a:schemeClr val="bg1"/>
-                </a:solidFill>
-                <a:latin typeface="DM Sans" pitchFamily="2" charset="0"/>
-                <a:cs typeface="Calibri Light" panose="020F0302020204030204" pitchFamily="34" charset="0"/>
-              </a:rPr>
-              <a:t>Bother</a:t>
-            </a:r>
-            <a:r>
-              <a:rPr lang="de-DE" sz="2400" b="1" dirty="0">
-                <a:solidFill>
-                  <a:schemeClr val="bg1"/>
-                </a:solidFill>
-                <a:latin typeface="DM Sans" pitchFamily="2" charset="0"/>
-                <a:cs typeface="Calibri Light" panose="020F0302020204030204" pitchFamily="34" charset="0"/>
-              </a:rPr>
-              <a:t> About RNA-dependent Proteins (R-</a:t>
-            </a:r>
-            <a:r>
-              <a:rPr lang="de-DE" sz="2400" b="1" dirty="0" err="1">
-                <a:solidFill>
-                  <a:schemeClr val="bg1"/>
-                </a:solidFill>
-                <a:latin typeface="DM Sans" pitchFamily="2" charset="0"/>
-                <a:cs typeface="Calibri Light" panose="020F0302020204030204" pitchFamily="34" charset="0"/>
-              </a:rPr>
-              <a:t>DeeP</a:t>
-            </a:r>
-            <a:r>
-              <a:rPr lang="de-DE" sz="2400" b="1" dirty="0">
-                <a:solidFill>
-                  <a:schemeClr val="bg1"/>
-                </a:solidFill>
-                <a:latin typeface="DM Sans" pitchFamily="2" charset="0"/>
-                <a:cs typeface="Calibri Light" panose="020F0302020204030204" pitchFamily="34" charset="0"/>
-              </a:rPr>
-              <a:t>)?</a:t>
-            </a:r>
-          </a:p>
-        </p:txBody>
-      </p:sp>
-      <p:sp>
-        <p:nvSpPr>
-          <p:cNvPr id="6" name="Textfeld 5">
-            <a:extLst>
-              <a:ext uri="{FF2B5EF4-FFF2-40B4-BE49-F238E27FC236}">
-                <a16:creationId xmlns:a16="http://schemas.microsoft.com/office/drawing/2014/main" id="{6A88D783-8B01-E438-264B-9A3E64B34FCF}"/>
-              </a:ext>
-            </a:extLst>
-          </p:cNvPr>
-          <p:cNvSpPr txBox="1"/>
-          <p:nvPr/>
-        </p:nvSpPr>
-        <p:spPr>
-          <a:xfrm>
-            <a:off x="5979663" y="1855198"/>
-            <a:ext cx="2057400" cy="523220"/>
-          </a:xfrm>
-          <a:prstGeom prst="rect">
-            <a:avLst/>
-          </a:prstGeom>
-          <a:noFill/>
-        </p:spPr>
-        <p:txBody>
-          <a:bodyPr wrap="square" rtlCol="0">
-            <a:spAutoFit/>
-          </a:bodyPr>
-          <a:lstStyle/>
-          <a:p>
-            <a:r>
-              <a:rPr lang="en-US" sz="1600" b="1" dirty="0">
-                <a:solidFill>
-                  <a:schemeClr val="bg1"/>
-                </a:solidFill>
-                <a:latin typeface="DM Sans" pitchFamily="2" charset="0"/>
-                <a:cs typeface="Calibri Light" panose="020F0302020204030204" pitchFamily="34" charset="0"/>
-              </a:rPr>
-              <a:t>eIF2B</a:t>
-            </a:r>
-            <a:r>
-              <a:rPr lang="en-US" sz="1600" b="1" baseline="30000" dirty="0">
-                <a:solidFill>
-                  <a:schemeClr val="bg1"/>
-                </a:solidFill>
-                <a:latin typeface="DM Sans" pitchFamily="2" charset="0"/>
-                <a:cs typeface="Calibri Light" panose="020F0302020204030204" pitchFamily="34" charset="0"/>
-              </a:rPr>
-              <a:t>[7]</a:t>
-            </a:r>
-          </a:p>
-          <a:p>
-            <a:r>
-              <a:rPr lang="en-US" sz="1200" dirty="0">
-                <a:solidFill>
-                  <a:schemeClr val="bg1"/>
-                </a:solidFill>
-                <a:latin typeface="DM Sans" pitchFamily="2" charset="0"/>
-                <a:cs typeface="Calibri Light" panose="020F0302020204030204" pitchFamily="34" charset="0"/>
-              </a:rPr>
-              <a:t>Leukoencephalopathy</a:t>
-            </a:r>
-            <a:endParaRPr lang="en-US" sz="2400" dirty="0">
-              <a:solidFill>
-                <a:schemeClr val="bg1"/>
-              </a:solidFill>
-              <a:latin typeface="DM Sans" pitchFamily="2" charset="0"/>
-              <a:cs typeface="Calibri Light" panose="020F0302020204030204" pitchFamily="34" charset="0"/>
-            </a:endParaRPr>
-          </a:p>
-        </p:txBody>
-      </p:sp>
-      <p:sp>
-        <p:nvSpPr>
-          <p:cNvPr id="7" name="Textfeld 6">
-            <a:extLst>
-              <a:ext uri="{FF2B5EF4-FFF2-40B4-BE49-F238E27FC236}">
-                <a16:creationId xmlns:a16="http://schemas.microsoft.com/office/drawing/2014/main" id="{5A5B71B8-5B62-C46F-B55F-354613681AE1}"/>
-              </a:ext>
-            </a:extLst>
-          </p:cNvPr>
-          <p:cNvSpPr txBox="1"/>
-          <p:nvPr/>
-        </p:nvSpPr>
-        <p:spPr>
-          <a:xfrm>
-            <a:off x="353933" y="2960389"/>
-            <a:ext cx="3519137" cy="769441"/>
-          </a:xfrm>
-          <a:prstGeom prst="rect">
-            <a:avLst/>
-          </a:prstGeom>
-          <a:noFill/>
-        </p:spPr>
-        <p:txBody>
-          <a:bodyPr wrap="square" rtlCol="0">
-            <a:spAutoFit/>
-          </a:bodyPr>
-          <a:lstStyle/>
-          <a:p>
-            <a:r>
-              <a:rPr lang="en-US" sz="1600" b="1" dirty="0">
-                <a:solidFill>
-                  <a:schemeClr val="bg1"/>
-                </a:solidFill>
-                <a:latin typeface="DM Sans" pitchFamily="2" charset="0"/>
-                <a:cs typeface="Calibri Light" panose="020F0302020204030204" pitchFamily="34" charset="0"/>
-              </a:rPr>
-              <a:t>KHDRBS1</a:t>
-            </a:r>
-            <a:r>
-              <a:rPr lang="en-US" sz="1600" b="1" baseline="30000" dirty="0">
-                <a:solidFill>
-                  <a:schemeClr val="bg1"/>
-                </a:solidFill>
-                <a:latin typeface="DM Sans" pitchFamily="2" charset="0"/>
-                <a:cs typeface="Calibri Light" panose="020F0302020204030204" pitchFamily="34" charset="0"/>
-              </a:rPr>
-              <a:t>[1]</a:t>
-            </a:r>
-            <a:r>
-              <a:rPr lang="en-US" sz="1600" b="1" dirty="0">
-                <a:solidFill>
-                  <a:schemeClr val="bg1"/>
-                </a:solidFill>
-                <a:latin typeface="DM Sans" pitchFamily="2" charset="0"/>
-                <a:cs typeface="Calibri Light" panose="020F0302020204030204" pitchFamily="34" charset="0"/>
-              </a:rPr>
-              <a:t>, ELAV1</a:t>
-            </a:r>
-            <a:r>
-              <a:rPr lang="en-US" sz="1600" b="1" baseline="30000" dirty="0">
-                <a:solidFill>
-                  <a:schemeClr val="bg1"/>
-                </a:solidFill>
-                <a:latin typeface="DM Sans" pitchFamily="2" charset="0"/>
-                <a:cs typeface="Calibri Light" panose="020F0302020204030204" pitchFamily="34" charset="0"/>
-              </a:rPr>
-              <a:t>[2]</a:t>
-            </a:r>
-            <a:r>
-              <a:rPr lang="en-US" sz="1600" b="1" dirty="0">
-                <a:solidFill>
-                  <a:schemeClr val="bg1"/>
-                </a:solidFill>
-                <a:latin typeface="DM Sans" pitchFamily="2" charset="0"/>
-                <a:cs typeface="Calibri Light" panose="020F0302020204030204" pitchFamily="34" charset="0"/>
-              </a:rPr>
-              <a:t>, FXR1</a:t>
-            </a:r>
-            <a:r>
-              <a:rPr lang="en-US" sz="1600" b="1" baseline="30000" dirty="0">
-                <a:solidFill>
-                  <a:schemeClr val="bg1"/>
-                </a:solidFill>
-                <a:latin typeface="DM Sans" pitchFamily="2" charset="0"/>
-                <a:cs typeface="Calibri Light" panose="020F0302020204030204" pitchFamily="34" charset="0"/>
-              </a:rPr>
-              <a:t>[3]</a:t>
-            </a:r>
-            <a:r>
-              <a:rPr lang="en-US" sz="1600" b="1" dirty="0">
-                <a:solidFill>
-                  <a:schemeClr val="bg1"/>
-                </a:solidFill>
-                <a:latin typeface="DM Sans" pitchFamily="2" charset="0"/>
-                <a:cs typeface="Calibri Light" panose="020F0302020204030204" pitchFamily="34" charset="0"/>
-              </a:rPr>
-              <a:t>, UHMK1</a:t>
-            </a:r>
-            <a:r>
-              <a:rPr lang="en-US" sz="1600" b="1" baseline="30000" dirty="0">
-                <a:solidFill>
-                  <a:schemeClr val="bg1"/>
-                </a:solidFill>
-                <a:latin typeface="DM Sans" pitchFamily="2" charset="0"/>
-                <a:cs typeface="Calibri Light" panose="020F0302020204030204" pitchFamily="34" charset="0"/>
-              </a:rPr>
-              <a:t>[4]</a:t>
-            </a:r>
-            <a:r>
-              <a:rPr lang="en-US" sz="1600" b="1" dirty="0">
-                <a:solidFill>
-                  <a:schemeClr val="bg1"/>
-                </a:solidFill>
-                <a:latin typeface="DM Sans" pitchFamily="2" charset="0"/>
-                <a:cs typeface="Calibri Light" panose="020F0302020204030204" pitchFamily="34" charset="0"/>
-              </a:rPr>
-              <a:t>, PATL2, DUS1L</a:t>
-            </a:r>
-            <a:r>
-              <a:rPr lang="en-US" sz="1600" b="1" baseline="30000" dirty="0">
-                <a:solidFill>
-                  <a:schemeClr val="bg1"/>
-                </a:solidFill>
-                <a:latin typeface="DM Sans" pitchFamily="2" charset="0"/>
-                <a:cs typeface="Calibri Light" panose="020F0302020204030204" pitchFamily="34" charset="0"/>
-              </a:rPr>
-              <a:t>[5]</a:t>
-            </a:r>
-          </a:p>
-          <a:p>
-            <a:r>
-              <a:rPr lang="en-US" sz="1200" dirty="0">
-                <a:solidFill>
-                  <a:schemeClr val="bg1"/>
-                </a:solidFill>
-                <a:latin typeface="DM Sans" pitchFamily="2" charset="0"/>
-                <a:cs typeface="Calibri Light" panose="020F0302020204030204" pitchFamily="34" charset="0"/>
-              </a:rPr>
-              <a:t>Cancer</a:t>
-            </a:r>
-          </a:p>
-        </p:txBody>
-      </p:sp>
-      <p:sp>
-        <p:nvSpPr>
-          <p:cNvPr id="9" name="Textfeld 8">
-            <a:extLst>
-              <a:ext uri="{FF2B5EF4-FFF2-40B4-BE49-F238E27FC236}">
-                <a16:creationId xmlns:a16="http://schemas.microsoft.com/office/drawing/2014/main" id="{F25FAA69-25D2-8C56-F87F-2F88EF1B52DA}"/>
-              </a:ext>
-            </a:extLst>
-          </p:cNvPr>
-          <p:cNvSpPr txBox="1"/>
-          <p:nvPr/>
-        </p:nvSpPr>
-        <p:spPr>
-          <a:xfrm>
-            <a:off x="5974993" y="3729830"/>
-            <a:ext cx="3022600" cy="523220"/>
-          </a:xfrm>
-          <a:prstGeom prst="rect">
-            <a:avLst/>
-          </a:prstGeom>
-          <a:noFill/>
-        </p:spPr>
-        <p:txBody>
-          <a:bodyPr wrap="square" rtlCol="0">
-            <a:spAutoFit/>
-          </a:bodyPr>
-          <a:lstStyle/>
-          <a:p>
-            <a:r>
-              <a:rPr lang="en-US" sz="1600" b="1" dirty="0">
-                <a:solidFill>
-                  <a:schemeClr val="bg1"/>
-                </a:solidFill>
-                <a:latin typeface="DM Sans" pitchFamily="2" charset="0"/>
-                <a:cs typeface="Calibri Light" panose="020F0302020204030204" pitchFamily="34" charset="0"/>
-              </a:rPr>
-              <a:t>IRP1</a:t>
-            </a:r>
-            <a:r>
-              <a:rPr lang="en-US" sz="1600" b="1" baseline="30000" dirty="0">
-                <a:solidFill>
-                  <a:schemeClr val="bg1"/>
-                </a:solidFill>
-                <a:latin typeface="DM Sans" pitchFamily="2" charset="0"/>
-                <a:cs typeface="Calibri Light" panose="020F0302020204030204" pitchFamily="34" charset="0"/>
-              </a:rPr>
-              <a:t>[7]</a:t>
-            </a:r>
-          </a:p>
-          <a:p>
-            <a:r>
-              <a:rPr lang="en-US" sz="1200" dirty="0">
-                <a:solidFill>
-                  <a:schemeClr val="bg1"/>
-                </a:solidFill>
-                <a:latin typeface="DM Sans" pitchFamily="2" charset="0"/>
-                <a:cs typeface="Calibri Light" panose="020F0302020204030204" pitchFamily="34" charset="0"/>
-              </a:rPr>
-              <a:t>Hyperferritinemia-cataract syndrome</a:t>
-            </a:r>
-            <a:endParaRPr lang="en-US" sz="1200" dirty="0">
-              <a:solidFill>
-                <a:schemeClr val="bg1"/>
-              </a:solidFill>
-              <a:latin typeface="DM Sans" pitchFamily="2" charset="0"/>
-              <a:cs typeface="Calibri Light" panose="020F0302020204030204" pitchFamily="34" charset="0"/>
-              <a:hlinkClick r:id="rId3">
-                <a:extLst>
-                  <a:ext uri="{A12FA001-AC4F-418D-AE19-62706E023703}">
-                    <ahyp:hlinkClr xmlns:ahyp="http://schemas.microsoft.com/office/drawing/2018/hyperlinkcolor" val="tx"/>
-                  </a:ext>
-                </a:extLst>
-              </a:hlinkClick>
-            </a:endParaRPr>
-          </a:p>
-        </p:txBody>
-      </p:sp>
-      <p:sp>
-        <p:nvSpPr>
-          <p:cNvPr id="11" name="Textfeld 10">
-            <a:extLst>
-              <a:ext uri="{FF2B5EF4-FFF2-40B4-BE49-F238E27FC236}">
-                <a16:creationId xmlns:a16="http://schemas.microsoft.com/office/drawing/2014/main" id="{3565098F-1791-1E54-F445-4E2B5C9790D7}"/>
-              </a:ext>
-            </a:extLst>
-          </p:cNvPr>
-          <p:cNvSpPr txBox="1"/>
-          <p:nvPr/>
-        </p:nvSpPr>
-        <p:spPr>
-          <a:xfrm>
-            <a:off x="5979663" y="3130824"/>
-            <a:ext cx="2057400" cy="523220"/>
-          </a:xfrm>
-          <a:prstGeom prst="rect">
-            <a:avLst/>
-          </a:prstGeom>
-          <a:noFill/>
-        </p:spPr>
-        <p:txBody>
-          <a:bodyPr wrap="square" rtlCol="0">
-            <a:spAutoFit/>
-          </a:bodyPr>
-          <a:lstStyle/>
-          <a:p>
-            <a:r>
-              <a:rPr lang="en-US" sz="1600" b="1" dirty="0">
-                <a:solidFill>
-                  <a:schemeClr val="bg1"/>
-                </a:solidFill>
-                <a:latin typeface="DM Sans" pitchFamily="2" charset="0"/>
-                <a:cs typeface="Calibri Light" panose="020F0302020204030204" pitchFamily="34" charset="0"/>
-              </a:rPr>
-              <a:t>APP</a:t>
-            </a:r>
-            <a:r>
-              <a:rPr lang="en-US" sz="1600" b="1" baseline="30000" dirty="0">
-                <a:solidFill>
-                  <a:schemeClr val="bg1"/>
-                </a:solidFill>
-                <a:latin typeface="DM Sans" pitchFamily="2" charset="0"/>
-                <a:cs typeface="Calibri Light" panose="020F0302020204030204" pitchFamily="34" charset="0"/>
-              </a:rPr>
-              <a:t>[7]</a:t>
-            </a:r>
-          </a:p>
-          <a:p>
-            <a:r>
-              <a:rPr lang="en-US" sz="1200" dirty="0">
-                <a:solidFill>
-                  <a:schemeClr val="bg1"/>
-                </a:solidFill>
-                <a:latin typeface="DM Sans" pitchFamily="2" charset="0"/>
-                <a:cs typeface="Calibri Light" panose="020F0302020204030204" pitchFamily="34" charset="0"/>
-              </a:rPr>
-              <a:t>Alzheimer’s Disease</a:t>
-            </a:r>
-            <a:endParaRPr lang="en-US" sz="2400" dirty="0">
-              <a:solidFill>
-                <a:schemeClr val="bg1"/>
-              </a:solidFill>
-              <a:latin typeface="DM Sans" pitchFamily="2" charset="0"/>
-              <a:cs typeface="Calibri Light" panose="020F0302020204030204" pitchFamily="34" charset="0"/>
-            </a:endParaRPr>
-          </a:p>
-        </p:txBody>
-      </p:sp>
-      <p:sp>
-        <p:nvSpPr>
-          <p:cNvPr id="12" name="Textfeld 11">
-            <a:extLst>
-              <a:ext uri="{FF2B5EF4-FFF2-40B4-BE49-F238E27FC236}">
-                <a16:creationId xmlns:a16="http://schemas.microsoft.com/office/drawing/2014/main" id="{E316DA12-7053-DD76-3A84-1D76805C55FA}"/>
-              </a:ext>
-            </a:extLst>
-          </p:cNvPr>
-          <p:cNvSpPr txBox="1"/>
-          <p:nvPr/>
-        </p:nvSpPr>
-        <p:spPr>
-          <a:xfrm>
-            <a:off x="353683" y="4371412"/>
-            <a:ext cx="2057400" cy="523220"/>
-          </a:xfrm>
-          <a:prstGeom prst="rect">
-            <a:avLst/>
-          </a:prstGeom>
-          <a:noFill/>
-        </p:spPr>
-        <p:txBody>
-          <a:bodyPr wrap="square" rtlCol="0">
-            <a:spAutoFit/>
-          </a:bodyPr>
-          <a:lstStyle/>
-          <a:p>
-            <a:r>
-              <a:rPr lang="en-US" sz="1600" b="1" dirty="0">
-                <a:solidFill>
-                  <a:schemeClr val="bg1"/>
-                </a:solidFill>
-                <a:latin typeface="DM Sans" pitchFamily="2" charset="0"/>
-                <a:cs typeface="Calibri Light" panose="020F0302020204030204" pitchFamily="34" charset="0"/>
-              </a:rPr>
-              <a:t>DKC1</a:t>
-            </a:r>
-            <a:r>
-              <a:rPr lang="en-US" sz="1600" b="1" baseline="30000" dirty="0">
-                <a:solidFill>
-                  <a:schemeClr val="bg1"/>
-                </a:solidFill>
-                <a:latin typeface="DM Sans" pitchFamily="2" charset="0"/>
-                <a:cs typeface="Calibri Light" panose="020F0302020204030204" pitchFamily="34" charset="0"/>
-              </a:rPr>
-              <a:t>[7]</a:t>
-            </a:r>
-          </a:p>
-          <a:p>
-            <a:r>
-              <a:rPr lang="en-US" sz="1200" dirty="0">
-                <a:solidFill>
-                  <a:schemeClr val="bg1"/>
-                </a:solidFill>
-                <a:latin typeface="DM Sans" pitchFamily="2" charset="0"/>
-                <a:cs typeface="Calibri Light" panose="020F0302020204030204" pitchFamily="34" charset="0"/>
-              </a:rPr>
-              <a:t>Dyskeratosis congenita</a:t>
-            </a:r>
-            <a:endParaRPr lang="en-US" sz="2400" dirty="0">
-              <a:solidFill>
-                <a:schemeClr val="bg1"/>
-              </a:solidFill>
-              <a:latin typeface="DM Sans" pitchFamily="2" charset="0"/>
-              <a:cs typeface="Calibri Light" panose="020F0302020204030204" pitchFamily="34" charset="0"/>
-            </a:endParaRPr>
-          </a:p>
-        </p:txBody>
-      </p:sp>
-      <p:sp>
-        <p:nvSpPr>
-          <p:cNvPr id="14" name="Textfeld 13">
-            <a:extLst>
-              <a:ext uri="{FF2B5EF4-FFF2-40B4-BE49-F238E27FC236}">
-                <a16:creationId xmlns:a16="http://schemas.microsoft.com/office/drawing/2014/main" id="{B255CC3B-4617-A821-3004-8733CA49450D}"/>
-              </a:ext>
-            </a:extLst>
-          </p:cNvPr>
-          <p:cNvSpPr txBox="1"/>
-          <p:nvPr/>
-        </p:nvSpPr>
-        <p:spPr>
-          <a:xfrm>
-            <a:off x="353683" y="2410490"/>
-            <a:ext cx="2203093" cy="523220"/>
-          </a:xfrm>
-          <a:prstGeom prst="rect">
-            <a:avLst/>
-          </a:prstGeom>
-          <a:noFill/>
-        </p:spPr>
-        <p:txBody>
-          <a:bodyPr wrap="square" rtlCol="0">
-            <a:spAutoFit/>
-          </a:bodyPr>
-          <a:lstStyle/>
-          <a:p>
-            <a:r>
-              <a:rPr lang="en-US" sz="1600" b="1" dirty="0">
-                <a:solidFill>
-                  <a:schemeClr val="bg1"/>
-                </a:solidFill>
-                <a:latin typeface="DM Sans" pitchFamily="2" charset="0"/>
-                <a:cs typeface="Calibri Light" panose="020F0302020204030204" pitchFamily="34" charset="0"/>
-              </a:rPr>
-              <a:t>RBFOX2</a:t>
-            </a:r>
-            <a:r>
-              <a:rPr lang="en-US" sz="1600" b="1" baseline="30000" dirty="0">
-                <a:solidFill>
-                  <a:schemeClr val="bg1"/>
-                </a:solidFill>
-                <a:latin typeface="DM Sans" pitchFamily="2" charset="0"/>
-                <a:cs typeface="Calibri Light" panose="020F0302020204030204" pitchFamily="34" charset="0"/>
-              </a:rPr>
-              <a:t>[6]</a:t>
-            </a:r>
-          </a:p>
-          <a:p>
-            <a:r>
-              <a:rPr lang="en-US" sz="1200" dirty="0">
-                <a:solidFill>
-                  <a:schemeClr val="bg1"/>
-                </a:solidFill>
-                <a:latin typeface="DM Sans" pitchFamily="2" charset="0"/>
-                <a:cs typeface="Calibri Light" panose="020F0302020204030204" pitchFamily="34" charset="0"/>
-              </a:rPr>
-              <a:t>Diabetic cardiomyopathy</a:t>
-            </a:r>
-          </a:p>
-        </p:txBody>
-      </p:sp>
-      <p:sp>
-        <p:nvSpPr>
-          <p:cNvPr id="15" name="Textfeld 14">
-            <a:extLst>
-              <a:ext uri="{FF2B5EF4-FFF2-40B4-BE49-F238E27FC236}">
-                <a16:creationId xmlns:a16="http://schemas.microsoft.com/office/drawing/2014/main" id="{A12395AF-816E-4AF7-3114-79F133F3FFEA}"/>
-              </a:ext>
-            </a:extLst>
-          </p:cNvPr>
-          <p:cNvSpPr txBox="1"/>
-          <p:nvPr/>
-        </p:nvSpPr>
-        <p:spPr>
-          <a:xfrm>
-            <a:off x="353683" y="1863383"/>
-            <a:ext cx="2057400" cy="523220"/>
-          </a:xfrm>
-          <a:prstGeom prst="rect">
-            <a:avLst/>
-          </a:prstGeom>
-          <a:noFill/>
-        </p:spPr>
-        <p:txBody>
-          <a:bodyPr wrap="square" rtlCol="0">
-            <a:spAutoFit/>
-          </a:bodyPr>
-          <a:lstStyle/>
-          <a:p>
-            <a:r>
-              <a:rPr lang="en-US" sz="1600" b="1" dirty="0">
-                <a:solidFill>
-                  <a:schemeClr val="bg1"/>
-                </a:solidFill>
-                <a:latin typeface="DM Sans" pitchFamily="2" charset="0"/>
-                <a:cs typeface="Calibri Light" panose="020F0302020204030204" pitchFamily="34" charset="0"/>
-              </a:rPr>
-              <a:t>TTP</a:t>
-            </a:r>
-            <a:r>
-              <a:rPr lang="en-US" sz="1600" b="1" baseline="30000" dirty="0">
-                <a:solidFill>
-                  <a:schemeClr val="bg1"/>
-                </a:solidFill>
-                <a:latin typeface="DM Sans" pitchFamily="2" charset="0"/>
-                <a:cs typeface="Calibri Light" panose="020F0302020204030204" pitchFamily="34" charset="0"/>
-              </a:rPr>
-              <a:t>[6]</a:t>
-            </a:r>
-          </a:p>
-          <a:p>
-            <a:r>
-              <a:rPr lang="en-US" sz="1200" dirty="0">
-                <a:solidFill>
-                  <a:schemeClr val="bg1"/>
-                </a:solidFill>
-                <a:latin typeface="DM Sans" pitchFamily="2" charset="0"/>
-                <a:cs typeface="Calibri Light" panose="020F0302020204030204" pitchFamily="34" charset="0"/>
-              </a:rPr>
-              <a:t>Atherosclerosis</a:t>
-            </a:r>
-          </a:p>
-        </p:txBody>
-      </p:sp>
-      <p:sp>
-        <p:nvSpPr>
-          <p:cNvPr id="17" name="Textfeld 16">
-            <a:extLst>
-              <a:ext uri="{FF2B5EF4-FFF2-40B4-BE49-F238E27FC236}">
-                <a16:creationId xmlns:a16="http://schemas.microsoft.com/office/drawing/2014/main" id="{E088EB08-788E-15F8-5528-CD5921F2E275}"/>
-              </a:ext>
-            </a:extLst>
-          </p:cNvPr>
-          <p:cNvSpPr txBox="1"/>
-          <p:nvPr/>
-        </p:nvSpPr>
-        <p:spPr>
-          <a:xfrm>
-            <a:off x="353683" y="1305399"/>
-            <a:ext cx="3487125" cy="523220"/>
-          </a:xfrm>
-          <a:prstGeom prst="rect">
-            <a:avLst/>
-          </a:prstGeom>
-          <a:noFill/>
-        </p:spPr>
-        <p:txBody>
-          <a:bodyPr wrap="square" rtlCol="0">
-            <a:spAutoFit/>
-          </a:bodyPr>
-          <a:lstStyle/>
-          <a:p>
-            <a:r>
-              <a:rPr lang="en-US" sz="1600" b="1" dirty="0">
-                <a:solidFill>
-                  <a:schemeClr val="bg1"/>
-                </a:solidFill>
-                <a:latin typeface="DM Sans" pitchFamily="2" charset="0"/>
-                <a:cs typeface="Calibri Light" panose="020F0302020204030204" pitchFamily="34" charset="0"/>
-              </a:rPr>
-              <a:t>ATXN2, hnRNPA1, MATR3, TIA-1</a:t>
-            </a:r>
-            <a:r>
-              <a:rPr lang="en-US" sz="1600" b="1" baseline="30000" dirty="0">
-                <a:solidFill>
-                  <a:schemeClr val="bg1"/>
-                </a:solidFill>
-                <a:latin typeface="DM Sans" pitchFamily="2" charset="0"/>
-                <a:cs typeface="Calibri Light" panose="020F0302020204030204" pitchFamily="34" charset="0"/>
-              </a:rPr>
-              <a:t>[6]</a:t>
-            </a:r>
-          </a:p>
-          <a:p>
-            <a:r>
-              <a:rPr lang="en-US" sz="1200" dirty="0">
-                <a:solidFill>
-                  <a:schemeClr val="bg1"/>
-                </a:solidFill>
-                <a:latin typeface="DM Sans" pitchFamily="2" charset="0"/>
-                <a:cs typeface="Calibri Light" panose="020F0302020204030204" pitchFamily="34" charset="0"/>
-              </a:rPr>
-              <a:t>Amyotrophic lateral sclerosis (ALS)</a:t>
-            </a:r>
-          </a:p>
-        </p:txBody>
-      </p:sp>
-      <p:sp>
-        <p:nvSpPr>
-          <p:cNvPr id="18" name="Textfeld 17">
-            <a:extLst>
-              <a:ext uri="{FF2B5EF4-FFF2-40B4-BE49-F238E27FC236}">
-                <a16:creationId xmlns:a16="http://schemas.microsoft.com/office/drawing/2014/main" id="{273E90D7-DC24-453A-DF6E-7ADD99AE7DF9}"/>
-              </a:ext>
-            </a:extLst>
-          </p:cNvPr>
-          <p:cNvSpPr txBox="1"/>
-          <p:nvPr/>
-        </p:nvSpPr>
-        <p:spPr>
-          <a:xfrm>
-            <a:off x="5979663" y="1217385"/>
-            <a:ext cx="3022600" cy="523220"/>
-          </a:xfrm>
-          <a:prstGeom prst="rect">
-            <a:avLst/>
-          </a:prstGeom>
-          <a:noFill/>
-        </p:spPr>
-        <p:txBody>
-          <a:bodyPr wrap="square" rtlCol="0">
-            <a:spAutoFit/>
-          </a:bodyPr>
-          <a:lstStyle/>
-          <a:p>
-            <a:r>
-              <a:rPr lang="en-US" sz="1600" b="1" dirty="0">
-                <a:solidFill>
-                  <a:schemeClr val="bg1"/>
-                </a:solidFill>
-                <a:latin typeface="DM Sans" pitchFamily="2" charset="0"/>
-                <a:cs typeface="Calibri Light" panose="020F0302020204030204" pitchFamily="34" charset="0"/>
-              </a:rPr>
-              <a:t>TTP, FUS, EWS, TAF15</a:t>
-            </a:r>
-            <a:r>
-              <a:rPr lang="en-US" sz="1600" b="1" baseline="30000" dirty="0">
-                <a:solidFill>
-                  <a:schemeClr val="bg1"/>
-                </a:solidFill>
-                <a:latin typeface="DM Sans" pitchFamily="2" charset="0"/>
-                <a:cs typeface="Calibri Light" panose="020F0302020204030204" pitchFamily="34" charset="0"/>
-              </a:rPr>
-              <a:t>[8]</a:t>
-            </a:r>
-          </a:p>
-          <a:p>
-            <a:r>
-              <a:rPr lang="en-US" sz="1200" dirty="0">
-                <a:solidFill>
-                  <a:schemeClr val="bg1"/>
-                </a:solidFill>
-                <a:latin typeface="DM Sans" pitchFamily="2" charset="0"/>
-                <a:cs typeface="Calibri Light" panose="020F0302020204030204" pitchFamily="34" charset="0"/>
-              </a:rPr>
-              <a:t>Frontotemporal Lobar Dementia (FTLD)</a:t>
-            </a:r>
-          </a:p>
-        </p:txBody>
-      </p:sp>
-      <p:sp>
-        <p:nvSpPr>
-          <p:cNvPr id="19" name="Textfeld 18">
-            <a:extLst>
-              <a:ext uri="{FF2B5EF4-FFF2-40B4-BE49-F238E27FC236}">
-                <a16:creationId xmlns:a16="http://schemas.microsoft.com/office/drawing/2014/main" id="{D9D8FD90-51C1-3CCE-6C0C-ABE517A9E6F2}"/>
-              </a:ext>
-            </a:extLst>
-          </p:cNvPr>
-          <p:cNvSpPr txBox="1"/>
-          <p:nvPr/>
-        </p:nvSpPr>
-        <p:spPr>
-          <a:xfrm>
-            <a:off x="353683" y="3729830"/>
-            <a:ext cx="1869374" cy="523220"/>
-          </a:xfrm>
-          <a:prstGeom prst="rect">
-            <a:avLst/>
-          </a:prstGeom>
-          <a:noFill/>
-        </p:spPr>
-        <p:txBody>
-          <a:bodyPr wrap="square" rtlCol="0">
-            <a:spAutoFit/>
-          </a:bodyPr>
-          <a:lstStyle/>
-          <a:p>
-            <a:r>
-              <a:rPr lang="en-US" sz="1600" b="1" dirty="0">
-                <a:solidFill>
-                  <a:schemeClr val="bg1"/>
-                </a:solidFill>
-                <a:latin typeface="DM Sans" pitchFamily="2" charset="0"/>
-                <a:cs typeface="Calibri Light" panose="020F0302020204030204" pitchFamily="34" charset="0"/>
-              </a:rPr>
-              <a:t>FMRP</a:t>
-            </a:r>
-            <a:r>
-              <a:rPr lang="en-US" sz="1600" b="1" baseline="30000" dirty="0">
-                <a:solidFill>
-                  <a:schemeClr val="bg1"/>
-                </a:solidFill>
-                <a:latin typeface="DM Sans" pitchFamily="2" charset="0"/>
-                <a:cs typeface="Calibri Light" panose="020F0302020204030204" pitchFamily="34" charset="0"/>
-              </a:rPr>
-              <a:t>[8]</a:t>
-            </a:r>
-          </a:p>
-          <a:p>
-            <a:r>
-              <a:rPr lang="en-US" sz="1200" dirty="0">
-                <a:solidFill>
-                  <a:schemeClr val="bg1"/>
-                </a:solidFill>
-                <a:latin typeface="DM Sans" pitchFamily="2" charset="0"/>
-                <a:cs typeface="Calibri Light" panose="020F0302020204030204" pitchFamily="34" charset="0"/>
-              </a:rPr>
-              <a:t>Fragile X Syndrome</a:t>
-            </a:r>
-          </a:p>
-        </p:txBody>
-      </p:sp>
-      <p:sp>
-        <p:nvSpPr>
-          <p:cNvPr id="21" name="Textfeld 20">
-            <a:extLst>
-              <a:ext uri="{FF2B5EF4-FFF2-40B4-BE49-F238E27FC236}">
-                <a16:creationId xmlns:a16="http://schemas.microsoft.com/office/drawing/2014/main" id="{28EA6AA9-2516-8CBB-F94A-C4FDB78F45BF}"/>
-              </a:ext>
-            </a:extLst>
-          </p:cNvPr>
-          <p:cNvSpPr txBox="1"/>
-          <p:nvPr/>
-        </p:nvSpPr>
-        <p:spPr>
-          <a:xfrm>
-            <a:off x="5979663" y="2493011"/>
-            <a:ext cx="2378515" cy="523220"/>
-          </a:xfrm>
-          <a:prstGeom prst="rect">
-            <a:avLst/>
-          </a:prstGeom>
-          <a:noFill/>
-        </p:spPr>
-        <p:txBody>
-          <a:bodyPr wrap="square" rtlCol="0">
-            <a:spAutoFit/>
-          </a:bodyPr>
-          <a:lstStyle/>
-          <a:p>
-            <a:r>
-              <a:rPr lang="en-US" sz="1600" b="1" dirty="0">
-                <a:solidFill>
-                  <a:schemeClr val="bg1"/>
-                </a:solidFill>
-                <a:latin typeface="DM Sans" pitchFamily="2" charset="0"/>
-                <a:cs typeface="Calibri Light" panose="020F0302020204030204" pitchFamily="34" charset="0"/>
-              </a:rPr>
-              <a:t>SMN</a:t>
-            </a:r>
-            <a:r>
-              <a:rPr lang="en-US" sz="1600" b="1" baseline="30000" dirty="0">
-                <a:solidFill>
-                  <a:schemeClr val="bg1"/>
-                </a:solidFill>
-                <a:latin typeface="DM Sans" pitchFamily="2" charset="0"/>
-                <a:cs typeface="Calibri Light" panose="020F0302020204030204" pitchFamily="34" charset="0"/>
-              </a:rPr>
-              <a:t>[8]</a:t>
-            </a:r>
-          </a:p>
-          <a:p>
-            <a:r>
-              <a:rPr lang="en-US" sz="1200" dirty="0">
-                <a:solidFill>
-                  <a:schemeClr val="bg1"/>
-                </a:solidFill>
-                <a:latin typeface="DM Sans" pitchFamily="2" charset="0"/>
-                <a:cs typeface="Calibri Light" panose="020F0302020204030204" pitchFamily="34" charset="0"/>
-              </a:rPr>
-              <a:t>Spinal Muscular Atrophy (SMA)</a:t>
-            </a:r>
-          </a:p>
-        </p:txBody>
-      </p:sp>
-      <p:sp>
-        <p:nvSpPr>
-          <p:cNvPr id="23" name="Textfeld 22">
-            <a:extLst>
-              <a:ext uri="{FF2B5EF4-FFF2-40B4-BE49-F238E27FC236}">
-                <a16:creationId xmlns:a16="http://schemas.microsoft.com/office/drawing/2014/main" id="{105EF158-40B1-C99B-EC91-4514EB0E7C99}"/>
-              </a:ext>
-            </a:extLst>
-          </p:cNvPr>
-          <p:cNvSpPr txBox="1"/>
-          <p:nvPr/>
-        </p:nvSpPr>
-        <p:spPr>
-          <a:xfrm>
-            <a:off x="3644342" y="2057197"/>
-            <a:ext cx="1855315" cy="1569660"/>
-          </a:xfrm>
-          <a:prstGeom prst="rect">
-            <a:avLst/>
-          </a:prstGeom>
-          <a:noFill/>
-          <a:ln w="19050">
-            <a:solidFill>
-              <a:schemeClr val="bg1"/>
-            </a:solidFill>
-          </a:ln>
-        </p:spPr>
-        <p:txBody>
-          <a:bodyPr wrap="square" rtlCol="0">
-            <a:spAutoFit/>
-          </a:bodyPr>
-          <a:lstStyle/>
-          <a:p>
-            <a:r>
-              <a:rPr lang="en-US" sz="1600" b="1" dirty="0">
-                <a:solidFill>
-                  <a:schemeClr val="bg1"/>
-                </a:solidFill>
-                <a:latin typeface="DM Sans" pitchFamily="2" charset="0"/>
-                <a:cs typeface="Calibri Light" panose="020F0302020204030204" pitchFamily="34" charset="0"/>
-              </a:rPr>
-              <a:t>(Selection of) RBPs Whose Malfunction Has Been Associated With Human Diseases</a:t>
-            </a:r>
-          </a:p>
-        </p:txBody>
-      </p:sp>
-    </p:spTree>
-    <p:extLst>
-      <p:ext uri="{BB962C8B-B14F-4D97-AF65-F5344CB8AC3E}">
-        <p14:creationId xmlns:p14="http://schemas.microsoft.com/office/powerpoint/2010/main" val="1344057680"/>
-      </p:ext>
-    </p:extLst>
-  </p:cSld>
-  <p:clrMapOvr>
-    <a:masterClrMapping/>
-  </p:clrMapOvr>
-</p:sld>
-</file>
-
-<file path=ppt/slides/slide4.xml><?xml version="1.0" encoding="utf-8"?>
-<p:sld xmlns:a="http://schemas.openxmlformats.org/drawingml/2006/main" xmlns:r="http://schemas.openxmlformats.org/officeDocument/2006/relationships" xmlns:p="http://schemas.openxmlformats.org/presentationml/2006/main">
-  <p:cSld>
-    <p:spTree>
-      <p:nvGrpSpPr>
-        <p:cNvPr id="1" name=""/>
-        <p:cNvGrpSpPr/>
-        <p:nvPr/>
-      </p:nvGrpSpPr>
-      <p:grpSpPr>
-        <a:xfrm>
-          <a:off x="0" y="0"/>
-          <a:ext cx="0" cy="0"/>
-          <a:chOff x="0" y="0"/>
-          <a:chExt cx="0" cy="0"/>
-        </a:xfrm>
-      </p:grpSpPr>
-      <p:sp>
-        <p:nvSpPr>
-          <p:cNvPr id="10" name="Textfeld 9">
-            <a:extLst>
-              <a:ext uri="{FF2B5EF4-FFF2-40B4-BE49-F238E27FC236}">
-                <a16:creationId xmlns:a16="http://schemas.microsoft.com/office/drawing/2014/main" id="{FD433997-33F5-9575-5F92-8DF46FE3689F}"/>
-              </a:ext>
-            </a:extLst>
-          </p:cNvPr>
-          <p:cNvSpPr txBox="1"/>
-          <p:nvPr/>
-        </p:nvSpPr>
-        <p:spPr>
-          <a:xfrm>
-            <a:off x="353683" y="285750"/>
-            <a:ext cx="8383917" cy="461665"/>
-          </a:xfrm>
-          <a:prstGeom prst="rect">
-            <a:avLst/>
-          </a:prstGeom>
-          <a:noFill/>
-        </p:spPr>
-        <p:txBody>
-          <a:bodyPr wrap="square">
-            <a:spAutoFit/>
-          </a:bodyPr>
-          <a:lstStyle/>
-          <a:p>
-            <a:r>
-              <a:rPr lang="de-DE" sz="2400" b="1" dirty="0">
-                <a:solidFill>
-                  <a:schemeClr val="bg1"/>
-                </a:solidFill>
-                <a:latin typeface="DM Sans" pitchFamily="2" charset="0"/>
-                <a:cs typeface="Calibri Light" panose="020F0302020204030204" pitchFamily="34" charset="0"/>
-              </a:rPr>
-              <a:t>What </a:t>
-            </a:r>
-            <a:r>
-              <a:rPr lang="de-DE" sz="2400" b="1" dirty="0" err="1">
-                <a:solidFill>
-                  <a:schemeClr val="bg1"/>
-                </a:solidFill>
-                <a:latin typeface="DM Sans" pitchFamily="2" charset="0"/>
-                <a:cs typeface="Calibri Light" panose="020F0302020204030204" pitchFamily="34" charset="0"/>
-              </a:rPr>
-              <a:t>are</a:t>
-            </a:r>
-            <a:r>
-              <a:rPr lang="de-DE" sz="2400" b="1" dirty="0">
-                <a:solidFill>
-                  <a:schemeClr val="bg1"/>
-                </a:solidFill>
-                <a:latin typeface="DM Sans" pitchFamily="2" charset="0"/>
-                <a:cs typeface="Calibri Light" panose="020F0302020204030204" pitchFamily="34" charset="0"/>
-              </a:rPr>
-              <a:t> R-</a:t>
-            </a:r>
-            <a:r>
-              <a:rPr lang="de-DE" sz="2400" b="1" dirty="0" err="1">
-                <a:solidFill>
-                  <a:schemeClr val="bg1"/>
-                </a:solidFill>
-                <a:latin typeface="DM Sans" pitchFamily="2" charset="0"/>
-                <a:cs typeface="Calibri Light" panose="020F0302020204030204" pitchFamily="34" charset="0"/>
-              </a:rPr>
-              <a:t>DeePs</a:t>
-            </a:r>
-            <a:r>
-              <a:rPr lang="de-DE" sz="2400" b="1" dirty="0">
-                <a:solidFill>
-                  <a:schemeClr val="bg1"/>
-                </a:solidFill>
-                <a:latin typeface="DM Sans" pitchFamily="2" charset="0"/>
-                <a:cs typeface="Calibri Light" panose="020F0302020204030204" pitchFamily="34" charset="0"/>
-              </a:rPr>
-              <a:t> and </a:t>
-            </a:r>
-            <a:r>
-              <a:rPr lang="de-DE" sz="2400" b="1" dirty="0" err="1">
-                <a:solidFill>
-                  <a:schemeClr val="bg1"/>
-                </a:solidFill>
-                <a:latin typeface="DM Sans" pitchFamily="2" charset="0"/>
-                <a:cs typeface="Calibri Light" panose="020F0302020204030204" pitchFamily="34" charset="0"/>
-              </a:rPr>
-              <a:t>how</a:t>
-            </a:r>
-            <a:r>
-              <a:rPr lang="de-DE" sz="2400" b="1" dirty="0">
-                <a:solidFill>
-                  <a:schemeClr val="bg1"/>
-                </a:solidFill>
-                <a:latin typeface="DM Sans" pitchFamily="2" charset="0"/>
-                <a:cs typeface="Calibri Light" panose="020F0302020204030204" pitchFamily="34" charset="0"/>
-              </a:rPr>
-              <a:t> do </a:t>
-            </a:r>
-            <a:r>
-              <a:rPr lang="de-DE" sz="2400" b="1" dirty="0" err="1">
-                <a:solidFill>
-                  <a:schemeClr val="bg1"/>
-                </a:solidFill>
-                <a:latin typeface="DM Sans" pitchFamily="2" charset="0"/>
-                <a:cs typeface="Calibri Light" panose="020F0302020204030204" pitchFamily="34" charset="0"/>
-              </a:rPr>
-              <a:t>we</a:t>
-            </a:r>
-            <a:r>
-              <a:rPr lang="de-DE" sz="2400" b="1" dirty="0">
-                <a:solidFill>
-                  <a:schemeClr val="bg1"/>
-                </a:solidFill>
-                <a:latin typeface="DM Sans" pitchFamily="2" charset="0"/>
-                <a:cs typeface="Calibri Light" panose="020F0302020204030204" pitchFamily="34" charset="0"/>
-              </a:rPr>
-              <a:t> </a:t>
-            </a:r>
-            <a:r>
-              <a:rPr lang="de-DE" sz="2400" b="1" dirty="0" err="1">
-                <a:solidFill>
-                  <a:schemeClr val="bg1"/>
-                </a:solidFill>
-                <a:latin typeface="DM Sans" pitchFamily="2" charset="0"/>
-                <a:cs typeface="Calibri Light" panose="020F0302020204030204" pitchFamily="34" charset="0"/>
-              </a:rPr>
-              <a:t>test</a:t>
-            </a:r>
-            <a:r>
-              <a:rPr lang="de-DE" sz="2400" b="1" dirty="0">
-                <a:solidFill>
-                  <a:schemeClr val="bg1"/>
-                </a:solidFill>
-                <a:latin typeface="DM Sans" pitchFamily="2" charset="0"/>
-                <a:cs typeface="Calibri Light" panose="020F0302020204030204" pitchFamily="34" charset="0"/>
-              </a:rPr>
-              <a:t> them?</a:t>
-            </a:r>
-          </a:p>
-        </p:txBody>
-      </p:sp>
-      <p:sp>
-        <p:nvSpPr>
-          <p:cNvPr id="11" name="Textfeld 10">
-            <a:extLst>
-              <a:ext uri="{FF2B5EF4-FFF2-40B4-BE49-F238E27FC236}">
-                <a16:creationId xmlns:a16="http://schemas.microsoft.com/office/drawing/2014/main" id="{9582C09F-FEF6-4E44-92F7-F91124CBD38F}"/>
-              </a:ext>
-            </a:extLst>
-          </p:cNvPr>
-          <p:cNvSpPr txBox="1"/>
-          <p:nvPr/>
-        </p:nvSpPr>
-        <p:spPr>
-          <a:xfrm>
-            <a:off x="353683" y="2057828"/>
-            <a:ext cx="3885123" cy="1200329"/>
-          </a:xfrm>
-          <a:prstGeom prst="rect">
-            <a:avLst/>
-          </a:prstGeom>
-          <a:noFill/>
-          <a:ln w="28575">
-            <a:solidFill>
-              <a:schemeClr val="bg1">
-                <a:lumMod val="90000"/>
-                <a:lumOff val="10000"/>
-              </a:schemeClr>
-            </a:solidFill>
-          </a:ln>
-        </p:spPr>
-        <p:txBody>
-          <a:bodyPr wrap="square">
-            <a:spAutoFit/>
-          </a:bodyPr>
-          <a:lstStyle/>
-          <a:p>
-            <a:pPr algn="ctr"/>
-            <a:r>
-              <a:rPr lang="en-US" sz="2400" b="1" dirty="0">
-                <a:solidFill>
-                  <a:schemeClr val="bg1"/>
-                </a:solidFill>
-                <a:latin typeface="DM Sans" pitchFamily="2" charset="0"/>
-                <a:cs typeface="Calibri Light" panose="020F0302020204030204" pitchFamily="34" charset="0"/>
-              </a:rPr>
-              <a:t>Proteins where the interactome depends on RNA!</a:t>
-            </a:r>
-          </a:p>
-        </p:txBody>
-      </p:sp>
-      <p:sp>
-        <p:nvSpPr>
-          <p:cNvPr id="3" name="Bogen 2">
-            <a:extLst>
-              <a:ext uri="{FF2B5EF4-FFF2-40B4-BE49-F238E27FC236}">
-                <a16:creationId xmlns:a16="http://schemas.microsoft.com/office/drawing/2014/main" id="{5A171479-B628-85A6-B980-1587490F0EA2}"/>
-              </a:ext>
-            </a:extLst>
-          </p:cNvPr>
-          <p:cNvSpPr/>
-          <p:nvPr/>
-        </p:nvSpPr>
-        <p:spPr>
-          <a:xfrm rot="19365738">
-            <a:off x="3164776" y="1713469"/>
-            <a:ext cx="2216306" cy="1512329"/>
-          </a:xfrm>
-          <a:prstGeom prst="arc">
-            <a:avLst/>
-          </a:prstGeom>
-          <a:ln w="28575" cap="flat" cmpd="sng" algn="ctr">
-            <a:solidFill>
-              <a:schemeClr val="bg1">
-                <a:lumMod val="90000"/>
-                <a:lumOff val="10000"/>
-              </a:schemeClr>
-            </a:solidFill>
-            <a:prstDash val="solid"/>
-            <a:round/>
-            <a:headEnd type="none" w="med" len="med"/>
-            <a:tailEnd type="arrow" w="med" len="med"/>
-          </a:ln>
-        </p:spPr>
-        <p:style>
-          <a:lnRef idx="0">
-            <a:scrgbClr r="0" g="0" b="0"/>
-          </a:lnRef>
-          <a:fillRef idx="0">
-            <a:scrgbClr r="0" g="0" b="0"/>
-          </a:fillRef>
-          <a:effectRef idx="0">
-            <a:scrgbClr r="0" g="0" b="0"/>
-          </a:effectRef>
-          <a:fontRef idx="minor">
-            <a:schemeClr val="tx1"/>
-          </a:fontRef>
-        </p:style>
-        <p:txBody>
-          <a:bodyPr rtlCol="0" anchor="ctr"/>
-          <a:lstStyle/>
-          <a:p>
-            <a:pPr algn="ctr"/>
-            <a:endParaRPr lang="de-DE"/>
-          </a:p>
-        </p:txBody>
-      </p:sp>
-      <p:sp>
-        <p:nvSpPr>
-          <p:cNvPr id="4" name="Textfeld 3">
-            <a:extLst>
-              <a:ext uri="{FF2B5EF4-FFF2-40B4-BE49-F238E27FC236}">
-                <a16:creationId xmlns:a16="http://schemas.microsoft.com/office/drawing/2014/main" id="{62596709-1292-F133-2D66-B3E485684927}"/>
-              </a:ext>
-            </a:extLst>
-          </p:cNvPr>
-          <p:cNvSpPr txBox="1"/>
-          <p:nvPr/>
-        </p:nvSpPr>
-        <p:spPr>
-          <a:xfrm>
-            <a:off x="4201599" y="1161849"/>
-            <a:ext cx="747677" cy="307777"/>
-          </a:xfrm>
-          <a:prstGeom prst="rect">
-            <a:avLst/>
-          </a:prstGeom>
-          <a:noFill/>
-          <a:ln>
-            <a:solidFill>
-              <a:schemeClr val="bg1">
-                <a:lumMod val="90000"/>
-                <a:lumOff val="10000"/>
-              </a:schemeClr>
-            </a:solidFill>
-          </a:ln>
-        </p:spPr>
-        <p:txBody>
-          <a:bodyPr wrap="square" rtlCol="0">
-            <a:spAutoFit/>
-          </a:bodyPr>
-          <a:lstStyle/>
-          <a:p>
-            <a:pPr algn="ctr"/>
-            <a:r>
-              <a:rPr lang="de-DE" sz="1400" b="1" dirty="0" err="1">
-                <a:solidFill>
-                  <a:schemeClr val="bg1"/>
-                </a:solidFill>
-                <a:latin typeface="DM Sans" pitchFamily="2" charset="0"/>
-                <a:cs typeface="Calibri Light" panose="020F0302020204030204" pitchFamily="34" charset="0"/>
-              </a:rPr>
-              <a:t>RNase</a:t>
-            </a:r>
-            <a:endParaRPr lang="de-DE" dirty="0"/>
-          </a:p>
-        </p:txBody>
-      </p:sp>
-      <p:sp>
-        <p:nvSpPr>
-          <p:cNvPr id="13" name="Textfeld 12">
-            <a:extLst>
-              <a:ext uri="{FF2B5EF4-FFF2-40B4-BE49-F238E27FC236}">
-                <a16:creationId xmlns:a16="http://schemas.microsoft.com/office/drawing/2014/main" id="{ECC8C9C5-ECDC-89BD-9AF6-9DB38FC14C03}"/>
-              </a:ext>
-            </a:extLst>
-          </p:cNvPr>
-          <p:cNvSpPr txBox="1"/>
-          <p:nvPr/>
-        </p:nvSpPr>
-        <p:spPr>
-          <a:xfrm>
-            <a:off x="4905194" y="2057827"/>
-            <a:ext cx="3885123" cy="1200329"/>
-          </a:xfrm>
-          <a:prstGeom prst="rect">
-            <a:avLst/>
-          </a:prstGeom>
-          <a:noFill/>
-          <a:ln w="28575">
-            <a:solidFill>
-              <a:schemeClr val="bg1">
-                <a:lumMod val="90000"/>
-                <a:lumOff val="10000"/>
-              </a:schemeClr>
-            </a:solidFill>
-          </a:ln>
-        </p:spPr>
-        <p:txBody>
-          <a:bodyPr wrap="square">
-            <a:spAutoFit/>
-          </a:bodyPr>
-          <a:lstStyle/>
-          <a:p>
-            <a:pPr algn="ctr"/>
-            <a:r>
-              <a:rPr lang="en-US" sz="2400" b="1" dirty="0">
-                <a:solidFill>
-                  <a:schemeClr val="bg1"/>
-                </a:solidFill>
-                <a:latin typeface="DM Sans" pitchFamily="2" charset="0"/>
-                <a:cs typeface="Calibri Light" panose="020F0302020204030204" pitchFamily="34" charset="0"/>
-              </a:rPr>
-              <a:t>Change in RNA-interactions lead to change in data.</a:t>
-            </a:r>
-          </a:p>
-        </p:txBody>
-      </p:sp>
-    </p:spTree>
-    <p:extLst>
-      <p:ext uri="{BB962C8B-B14F-4D97-AF65-F5344CB8AC3E}">
-        <p14:creationId xmlns:p14="http://schemas.microsoft.com/office/powerpoint/2010/main" val="3270479382"/>
-      </p:ext>
-    </p:extLst>
-  </p:cSld>
-  <p:clrMapOvr>
-    <a:masterClrMapping/>
-  </p:clrMapOvr>
-</p:sld>
-</file>
-
-<file path=ppt/slides/slide5.xml><?xml version="1.0" encoding="utf-8"?>
-<p:sld xmlns:a="http://schemas.openxmlformats.org/drawingml/2006/main" xmlns:r="http://schemas.openxmlformats.org/officeDocument/2006/relationships" xmlns:p="http://schemas.openxmlformats.org/presentationml/2006/main">
-  <p:cSld>
-    <p:spTree>
-      <p:nvGrpSpPr>
-        <p:cNvPr id="1" name=""/>
-        <p:cNvGrpSpPr/>
-        <p:nvPr/>
-      </p:nvGrpSpPr>
-      <p:grpSpPr>
-        <a:xfrm>
-          <a:off x="0" y="0"/>
-          <a:ext cx="0" cy="0"/>
-          <a:chOff x="0" y="0"/>
-          <a:chExt cx="0" cy="0"/>
-        </a:xfrm>
-      </p:grpSpPr>
-      <p:sp>
-        <p:nvSpPr>
-          <p:cNvPr id="2" name="Textfeld 1">
-            <a:extLst>
-              <a:ext uri="{FF2B5EF4-FFF2-40B4-BE49-F238E27FC236}">
-                <a16:creationId xmlns:a16="http://schemas.microsoft.com/office/drawing/2014/main" id="{BB855C30-FEBB-17E4-CC32-C95648BABF74}"/>
-              </a:ext>
-            </a:extLst>
-          </p:cNvPr>
-          <p:cNvSpPr txBox="1"/>
-          <p:nvPr/>
-        </p:nvSpPr>
-        <p:spPr>
-          <a:xfrm>
-            <a:off x="353683" y="285750"/>
-            <a:ext cx="8238225" cy="461665"/>
-          </a:xfrm>
-          <a:prstGeom prst="rect">
-            <a:avLst/>
-          </a:prstGeom>
-          <a:noFill/>
-        </p:spPr>
-        <p:txBody>
-          <a:bodyPr wrap="square">
-            <a:spAutoFit/>
-          </a:bodyPr>
-          <a:lstStyle/>
-          <a:p>
-            <a:r>
-              <a:rPr lang="de-DE" sz="2400" b="1" dirty="0" err="1">
-                <a:solidFill>
-                  <a:schemeClr val="bg1"/>
-                </a:solidFill>
-                <a:latin typeface="DM Sans" pitchFamily="2" charset="0"/>
-                <a:cs typeface="Calibri Light" panose="020F0302020204030204" pitchFamily="34" charset="0"/>
-              </a:rPr>
-              <a:t>Example</a:t>
-            </a:r>
-            <a:r>
-              <a:rPr lang="de-DE" sz="2400" b="1" dirty="0">
-                <a:solidFill>
-                  <a:schemeClr val="bg1"/>
-                </a:solidFill>
-                <a:latin typeface="DM Sans" pitchFamily="2" charset="0"/>
-                <a:cs typeface="Calibri Light" panose="020F0302020204030204" pitchFamily="34" charset="0"/>
-              </a:rPr>
-              <a:t> Protein: ELAV1</a:t>
-            </a:r>
-          </a:p>
-        </p:txBody>
-      </p:sp>
-      <p:pic>
-        <p:nvPicPr>
-          <p:cNvPr id="5" name="Grafik 4">
-            <a:extLst>
-              <a:ext uri="{FF2B5EF4-FFF2-40B4-BE49-F238E27FC236}">
-                <a16:creationId xmlns:a16="http://schemas.microsoft.com/office/drawing/2014/main" id="{9D02981D-F64D-6E4A-B211-FE5A56983EB4}"/>
-              </a:ext>
-            </a:extLst>
-          </p:cNvPr>
-          <p:cNvPicPr>
-            <a:picLocks noChangeAspect="1"/>
-          </p:cNvPicPr>
-          <p:nvPr/>
-        </p:nvPicPr>
-        <p:blipFill>
-          <a:blip r:embed="rId3"/>
-          <a:stretch>
-            <a:fillRect/>
-          </a:stretch>
-        </p:blipFill>
-        <p:spPr>
-          <a:xfrm>
-            <a:off x="1213463" y="988576"/>
-            <a:ext cx="6518663" cy="4022946"/>
-          </a:xfrm>
-          <a:prstGeom prst="rect">
-            <a:avLst/>
-          </a:prstGeom>
-        </p:spPr>
-      </p:pic>
-      <p:sp>
-        <p:nvSpPr>
-          <p:cNvPr id="4" name="Textfeld 3">
-            <a:extLst>
-              <a:ext uri="{FF2B5EF4-FFF2-40B4-BE49-F238E27FC236}">
-                <a16:creationId xmlns:a16="http://schemas.microsoft.com/office/drawing/2014/main" id="{EA2B92C6-37C6-D98B-6BB4-A0554E096D03}"/>
-              </a:ext>
-            </a:extLst>
-          </p:cNvPr>
-          <p:cNvSpPr txBox="1"/>
-          <p:nvPr/>
-        </p:nvSpPr>
-        <p:spPr>
-          <a:xfrm rot="10800000">
-            <a:off x="7327321" y="3476904"/>
-            <a:ext cx="292388" cy="1967230"/>
-          </a:xfrm>
-          <a:prstGeom prst="rect">
-            <a:avLst/>
-          </a:prstGeom>
-          <a:noFill/>
-        </p:spPr>
-        <p:txBody>
-          <a:bodyPr vert="vert270" wrap="square" rtlCol="0">
-            <a:spAutoFit/>
-          </a:bodyPr>
-          <a:lstStyle/>
-          <a:p>
-            <a:r>
-              <a:rPr lang="de-DE" sz="700" dirty="0" err="1">
-                <a:solidFill>
-                  <a:schemeClr val="accent6">
-                    <a:lumMod val="50000"/>
-                  </a:schemeClr>
-                </a:solidFill>
-                <a:latin typeface="DM Sans" pitchFamily="2" charset="0"/>
-                <a:cs typeface="Calibri" panose="020F0502020204030204" pitchFamily="34" charset="0"/>
-              </a:rPr>
-              <a:t>Plotted</a:t>
-            </a:r>
-            <a:r>
-              <a:rPr lang="de-DE" sz="700" dirty="0">
-                <a:solidFill>
-                  <a:schemeClr val="accent6">
-                    <a:lumMod val="50000"/>
-                  </a:schemeClr>
-                </a:solidFill>
-                <a:latin typeface="DM Sans" pitchFamily="2" charset="0"/>
-                <a:cs typeface="Calibri" panose="020F0502020204030204" pitchFamily="34" charset="0"/>
-              </a:rPr>
-              <a:t> </a:t>
-            </a:r>
-            <a:r>
-              <a:rPr lang="de-DE" sz="700" dirty="0" err="1">
-                <a:solidFill>
-                  <a:schemeClr val="accent6">
-                    <a:lumMod val="50000"/>
-                  </a:schemeClr>
-                </a:solidFill>
-                <a:latin typeface="DM Sans" pitchFamily="2" charset="0"/>
-                <a:cs typeface="Calibri" panose="020F0502020204030204" pitchFamily="34" charset="0"/>
-              </a:rPr>
-              <a:t>with</a:t>
-            </a:r>
-            <a:r>
-              <a:rPr lang="de-DE" sz="700" dirty="0">
-                <a:solidFill>
-                  <a:schemeClr val="accent6">
-                    <a:lumMod val="50000"/>
-                  </a:schemeClr>
-                </a:solidFill>
-                <a:latin typeface="DM Sans" pitchFamily="2" charset="0"/>
-                <a:cs typeface="Calibri" panose="020F0502020204030204" pitchFamily="34" charset="0"/>
-              </a:rPr>
-              <a:t> R</a:t>
-            </a:r>
-            <a:endParaRPr lang="de-DE" sz="700" dirty="0">
-              <a:solidFill>
-                <a:schemeClr val="bg1"/>
-              </a:solidFill>
-              <a:latin typeface="DM Sans" pitchFamily="2" charset="0"/>
-              <a:cs typeface="Calibri" panose="020F0502020204030204" pitchFamily="34" charset="0"/>
-            </a:endParaRPr>
-          </a:p>
-        </p:txBody>
-      </p:sp>
-    </p:spTree>
-    <p:extLst>
-      <p:ext uri="{BB962C8B-B14F-4D97-AF65-F5344CB8AC3E}">
-        <p14:creationId xmlns:p14="http://schemas.microsoft.com/office/powerpoint/2010/main" val="978085173"/>
-      </p:ext>
-    </p:extLst>
-  </p:cSld>
-  <p:clrMapOvr>
-    <a:masterClrMapping/>
-  </p:clrMapOvr>
-</p:sld>
-</file>
-
-<file path=ppt/slides/slide6.xml><?xml version="1.0" encoding="utf-8"?>
-<p:sld xmlns:a="http://schemas.openxmlformats.org/drawingml/2006/main" xmlns:r="http://schemas.openxmlformats.org/officeDocument/2006/relationships" xmlns:p="http://schemas.openxmlformats.org/presentationml/2006/main">
-  <p:cSld>
-    <p:spTree>
-      <p:nvGrpSpPr>
-        <p:cNvPr id="1" name=""/>
-        <p:cNvGrpSpPr/>
-        <p:nvPr/>
-      </p:nvGrpSpPr>
-      <p:grpSpPr>
-        <a:xfrm>
-          <a:off x="0" y="0"/>
-          <a:ext cx="0" cy="0"/>
-          <a:chOff x="0" y="0"/>
-          <a:chExt cx="0" cy="0"/>
-        </a:xfrm>
-      </p:grpSpPr>
-    </p:spTree>
-    <p:extLst>
-      <p:ext uri="{BB962C8B-B14F-4D97-AF65-F5344CB8AC3E}">
-        <p14:creationId xmlns:p14="http://schemas.microsoft.com/office/powerpoint/2010/main" val="765514077"/>
-      </p:ext>
-    </p:extLst>
-  </p:cSld>
-  <p:clrMapOvr>
-    <a:masterClrMapping/>
-  </p:clrMapOvr>
-</p:sld>
-</file>
-
-<file path=ppt/slides/slide7.xml><?xml version="1.0" encoding="utf-8"?>
-<p:sld xmlns:a="http://schemas.openxmlformats.org/drawingml/2006/main" xmlns:r="http://schemas.openxmlformats.org/officeDocument/2006/relationships" xmlns:p="http://schemas.openxmlformats.org/presentationml/2006/main">
-  <p:cSld>
-    <p:spTree>
-      <p:nvGrpSpPr>
-        <p:cNvPr id="1" name=""/>
-        <p:cNvGrpSpPr/>
-        <p:nvPr/>
-      </p:nvGrpSpPr>
-      <p:grpSpPr>
-        <a:xfrm>
-          <a:off x="0" y="0"/>
-          <a:ext cx="0" cy="0"/>
-          <a:chOff x="0" y="0"/>
-          <a:chExt cx="0" cy="0"/>
-        </a:xfrm>
-      </p:grpSpPr>
-      <p:sp>
-        <p:nvSpPr>
-          <p:cNvPr id="2" name="Textfeld 1">
-            <a:extLst>
-              <a:ext uri="{FF2B5EF4-FFF2-40B4-BE49-F238E27FC236}">
-                <a16:creationId xmlns:a16="http://schemas.microsoft.com/office/drawing/2014/main" id="{58973A92-EB33-65E2-9120-C9DCD10F1FBF}"/>
-              </a:ext>
-            </a:extLst>
-          </p:cNvPr>
-          <p:cNvSpPr txBox="1"/>
-          <p:nvPr/>
-        </p:nvSpPr>
-        <p:spPr>
-          <a:xfrm>
-            <a:off x="1940943" y="1268083"/>
-            <a:ext cx="5046453" cy="307777"/>
-          </a:xfrm>
-          <a:prstGeom prst="rect">
-            <a:avLst/>
-          </a:prstGeom>
-          <a:noFill/>
-        </p:spPr>
-        <p:txBody>
-          <a:bodyPr wrap="square" rtlCol="0">
-            <a:spAutoFit/>
-          </a:bodyPr>
-          <a:lstStyle/>
-          <a:p>
-            <a:r>
-              <a:rPr lang="de-DE" dirty="0" err="1"/>
-              <a:t>Selection</a:t>
-            </a:r>
-            <a:r>
-              <a:rPr lang="de-DE" dirty="0"/>
-              <a:t> </a:t>
-            </a:r>
-            <a:r>
-              <a:rPr lang="de-DE" dirty="0" err="1"/>
-              <a:t>criteria</a:t>
-            </a:r>
-            <a:r>
-              <a:rPr lang="de-DE" dirty="0"/>
-              <a:t> + Graph </a:t>
-            </a:r>
-          </a:p>
-        </p:txBody>
-      </p:sp>
-    </p:spTree>
-    <p:extLst>
-      <p:ext uri="{BB962C8B-B14F-4D97-AF65-F5344CB8AC3E}">
-        <p14:creationId xmlns:p14="http://schemas.microsoft.com/office/powerpoint/2010/main" val="4095143845"/>
-      </p:ext>
-    </p:extLst>
-  </p:cSld>
-  <p:clrMapOvr>
-    <a:masterClrMapping/>
-  </p:clrMapOvr>
-</p:sld>
-</file>
-
-<file path=ppt/slides/slide8.xml><?xml version="1.0" encoding="utf-8"?>
-<p:sld xmlns:a="http://schemas.openxmlformats.org/drawingml/2006/main" xmlns:r="http://schemas.openxmlformats.org/officeDocument/2006/relationships" xmlns:p="http://schemas.openxmlformats.org/presentationml/2006/main">
-  <p:cSld>
-    <p:spTree>
-      <p:nvGrpSpPr>
-        <p:cNvPr id="1" name=""/>
-        <p:cNvGrpSpPr/>
-        <p:nvPr/>
-      </p:nvGrpSpPr>
-      <p:grpSpPr>
-        <a:xfrm>
-          <a:off x="0" y="0"/>
-          <a:ext cx="0" cy="0"/>
-          <a:chOff x="0" y="0"/>
-          <a:chExt cx="0" cy="0"/>
-        </a:xfrm>
-      </p:grpSpPr>
-      <p:sp>
-        <p:nvSpPr>
-          <p:cNvPr id="2" name="Textfeld 1">
-            <a:extLst>
-              <a:ext uri="{FF2B5EF4-FFF2-40B4-BE49-F238E27FC236}">
-                <a16:creationId xmlns:a16="http://schemas.microsoft.com/office/drawing/2014/main" id="{8273EE9A-3087-4346-CD48-68E903972421}"/>
-              </a:ext>
-            </a:extLst>
-          </p:cNvPr>
-          <p:cNvSpPr txBox="1"/>
-          <p:nvPr/>
-        </p:nvSpPr>
-        <p:spPr>
-          <a:xfrm>
-            <a:off x="512006" y="413878"/>
-            <a:ext cx="4572000" cy="2031325"/>
-          </a:xfrm>
-          <a:prstGeom prst="rect">
-            <a:avLst/>
-          </a:prstGeom>
-          <a:noFill/>
-        </p:spPr>
-        <p:txBody>
-          <a:bodyPr wrap="square">
-            <a:spAutoFit/>
-          </a:bodyPr>
-          <a:lstStyle/>
-          <a:p>
-            <a:r>
-              <a:rPr lang="de-DE" sz="2400" b="1" dirty="0">
-                <a:solidFill>
-                  <a:schemeClr val="bg1"/>
-                </a:solidFill>
-                <a:latin typeface="DM Sans" pitchFamily="2" charset="0"/>
-                <a:cs typeface="Calibri Light" panose="020F0302020204030204" pitchFamily="34" charset="0"/>
-              </a:rPr>
-              <a:t>1. </a:t>
-            </a:r>
-            <a:r>
-              <a:rPr lang="de-DE" sz="2400" b="1" dirty="0" err="1">
-                <a:solidFill>
-                  <a:schemeClr val="bg1"/>
-                </a:solidFill>
-                <a:latin typeface="DM Sans" pitchFamily="2" charset="0"/>
-                <a:cs typeface="Calibri Light" panose="020F0302020204030204" pitchFamily="34" charset="0"/>
-              </a:rPr>
-              <a:t>Preliminary</a:t>
-            </a:r>
-            <a:r>
-              <a:rPr lang="de-DE" sz="2400" b="1" dirty="0">
-                <a:solidFill>
-                  <a:schemeClr val="bg1"/>
-                </a:solidFill>
-                <a:latin typeface="DM Sans" pitchFamily="2" charset="0"/>
-                <a:cs typeface="Calibri Light" panose="020F0302020204030204" pitchFamily="34" charset="0"/>
-              </a:rPr>
-              <a:t> </a:t>
-            </a:r>
-            <a:r>
-              <a:rPr lang="de-DE" sz="2400" b="1" dirty="0" err="1">
-                <a:solidFill>
-                  <a:schemeClr val="bg1"/>
-                </a:solidFill>
-                <a:latin typeface="DM Sans" pitchFamily="2" charset="0"/>
-                <a:cs typeface="Calibri Light" panose="020F0302020204030204" pitchFamily="34" charset="0"/>
-              </a:rPr>
-              <a:t>steps</a:t>
-            </a:r>
-            <a:endParaRPr lang="de-DE" sz="2400" b="1" dirty="0">
-              <a:solidFill>
-                <a:schemeClr val="bg1"/>
-              </a:solidFill>
-              <a:latin typeface="DM Sans" pitchFamily="2" charset="0"/>
-              <a:cs typeface="Calibri Light" panose="020F0302020204030204" pitchFamily="34" charset="0"/>
-            </a:endParaRPr>
-          </a:p>
-          <a:p>
-            <a:r>
-              <a:rPr lang="de-DE" sz="1800" b="1" dirty="0">
-                <a:solidFill>
-                  <a:schemeClr val="bg1"/>
-                </a:solidFill>
-                <a:latin typeface="DM Sans" pitchFamily="2" charset="0"/>
-                <a:cs typeface="Calibri Light" panose="020F0302020204030204" pitchFamily="34" charset="0"/>
-              </a:rPr>
-              <a:t>-    Data </a:t>
-            </a:r>
-            <a:r>
-              <a:rPr lang="de-DE" sz="1800" b="1" dirty="0" err="1">
-                <a:solidFill>
-                  <a:schemeClr val="bg1"/>
-                </a:solidFill>
-                <a:latin typeface="DM Sans" pitchFamily="2" charset="0"/>
-                <a:cs typeface="Calibri Light" panose="020F0302020204030204" pitchFamily="34" charset="0"/>
-              </a:rPr>
-              <a:t>cleaning</a:t>
-            </a:r>
-            <a:endParaRPr lang="de-DE" sz="1800" b="1" dirty="0">
-              <a:solidFill>
-                <a:schemeClr val="bg1"/>
-              </a:solidFill>
-              <a:latin typeface="DM Sans" pitchFamily="2" charset="0"/>
-              <a:cs typeface="Calibri Light" panose="020F0302020204030204" pitchFamily="34" charset="0"/>
-            </a:endParaRPr>
-          </a:p>
-          <a:p>
-            <a:r>
-              <a:rPr lang="de-DE" sz="1800" b="1" dirty="0">
-                <a:solidFill>
-                  <a:schemeClr val="bg1"/>
-                </a:solidFill>
-                <a:latin typeface="DM Sans" pitchFamily="2" charset="0"/>
-                <a:cs typeface="Calibri Light" panose="020F0302020204030204" pitchFamily="34" charset="0"/>
-              </a:rPr>
-              <a:t>-    </a:t>
-            </a:r>
-            <a:r>
-              <a:rPr lang="de-DE" sz="1800" b="1" dirty="0" err="1">
-                <a:solidFill>
-                  <a:schemeClr val="bg1"/>
-                </a:solidFill>
-                <a:latin typeface="DM Sans" pitchFamily="2" charset="0"/>
-                <a:cs typeface="Calibri Light" panose="020F0302020204030204" pitchFamily="34" charset="0"/>
-              </a:rPr>
-              <a:t>Normalization</a:t>
-            </a:r>
-            <a:endParaRPr lang="de-DE" sz="1800" b="1" dirty="0">
-              <a:solidFill>
-                <a:schemeClr val="bg1"/>
-              </a:solidFill>
-              <a:latin typeface="DM Sans" pitchFamily="2" charset="0"/>
-              <a:cs typeface="Calibri Light" panose="020F0302020204030204" pitchFamily="34" charset="0"/>
-            </a:endParaRPr>
-          </a:p>
-          <a:p>
-            <a:r>
-              <a:rPr lang="de-DE" sz="1800" b="1" dirty="0">
-                <a:solidFill>
-                  <a:schemeClr val="bg1"/>
-                </a:solidFill>
-                <a:latin typeface="DM Sans" pitchFamily="2" charset="0"/>
-                <a:cs typeface="Calibri Light" panose="020F0302020204030204" pitchFamily="34" charset="0"/>
-              </a:rPr>
-              <a:t>-    </a:t>
-            </a:r>
-            <a:r>
-              <a:rPr lang="de-DE" sz="1800" b="1" dirty="0" err="1">
-                <a:solidFill>
-                  <a:schemeClr val="bg1"/>
-                </a:solidFill>
-                <a:latin typeface="DM Sans" pitchFamily="2" charset="0"/>
-                <a:cs typeface="Calibri Light" panose="020F0302020204030204" pitchFamily="34" charset="0"/>
-              </a:rPr>
-              <a:t>Reproducibility</a:t>
-            </a:r>
-            <a:endParaRPr lang="de-DE" sz="1800" b="1" dirty="0">
-              <a:solidFill>
-                <a:schemeClr val="bg1"/>
-              </a:solidFill>
-              <a:latin typeface="DM Sans" pitchFamily="2" charset="0"/>
-              <a:cs typeface="Calibri Light" panose="020F0302020204030204" pitchFamily="34" charset="0"/>
-            </a:endParaRPr>
-          </a:p>
-          <a:p>
-            <a:pPr marL="342900" indent="-342900">
-              <a:buFont typeface="Arial" panose="020B0604020202020204" pitchFamily="34" charset="0"/>
-              <a:buChar char="•"/>
-            </a:pPr>
-            <a:endParaRPr lang="de-DE" sz="2400" b="1" dirty="0">
-              <a:solidFill>
-                <a:schemeClr val="bg1"/>
-              </a:solidFill>
-              <a:latin typeface="DM Sans" pitchFamily="2" charset="0"/>
-              <a:cs typeface="Calibri Light" panose="020F0302020204030204" pitchFamily="34" charset="0"/>
-            </a:endParaRPr>
-          </a:p>
-          <a:p>
-            <a:pPr marL="342900" indent="-342900">
-              <a:buFont typeface="Arial" panose="020B0604020202020204" pitchFamily="34" charset="0"/>
-              <a:buChar char="•"/>
-            </a:pPr>
-            <a:endParaRPr lang="de-DE" sz="2400" b="1" dirty="0">
-              <a:solidFill>
-                <a:schemeClr val="bg1"/>
-              </a:solidFill>
-              <a:latin typeface="DM Sans" pitchFamily="2" charset="0"/>
-              <a:cs typeface="Calibri Light" panose="020F0302020204030204" pitchFamily="34" charset="0"/>
-            </a:endParaRPr>
-          </a:p>
-        </p:txBody>
-      </p:sp>
-      <p:sp>
-        <p:nvSpPr>
-          <p:cNvPr id="3" name="Textfeld 2">
-            <a:extLst>
-              <a:ext uri="{FF2B5EF4-FFF2-40B4-BE49-F238E27FC236}">
-                <a16:creationId xmlns:a16="http://schemas.microsoft.com/office/drawing/2014/main" id="{971FFCA7-0B71-019F-A301-9781873E85FA}"/>
-              </a:ext>
-            </a:extLst>
-          </p:cNvPr>
-          <p:cNvSpPr txBox="1"/>
-          <p:nvPr/>
-        </p:nvSpPr>
-        <p:spPr>
-          <a:xfrm>
-            <a:off x="4876562" y="413878"/>
-            <a:ext cx="4572000" cy="1384995"/>
-          </a:xfrm>
-          <a:prstGeom prst="rect">
-            <a:avLst/>
-          </a:prstGeom>
-          <a:noFill/>
-        </p:spPr>
-        <p:txBody>
-          <a:bodyPr wrap="square">
-            <a:spAutoFit/>
-          </a:bodyPr>
-          <a:lstStyle/>
-          <a:p>
-            <a:r>
-              <a:rPr lang="de-DE" sz="2400" b="1" dirty="0">
-                <a:solidFill>
-                  <a:schemeClr val="bg2">
-                    <a:lumMod val="65000"/>
-                  </a:schemeClr>
-                </a:solidFill>
-                <a:latin typeface="DM Sans" pitchFamily="2" charset="0"/>
-                <a:cs typeface="Calibri Light" panose="020F0302020204030204" pitchFamily="34" charset="0"/>
-              </a:rPr>
-              <a:t>2. </a:t>
-            </a:r>
-            <a:r>
-              <a:rPr lang="de-DE" sz="2400" b="1" dirty="0" err="1">
-                <a:solidFill>
-                  <a:schemeClr val="bg2">
-                    <a:lumMod val="65000"/>
-                  </a:schemeClr>
-                </a:solidFill>
-                <a:latin typeface="DM Sans" pitchFamily="2" charset="0"/>
-                <a:cs typeface="Calibri Light" panose="020F0302020204030204" pitchFamily="34" charset="0"/>
-              </a:rPr>
-              <a:t>Identification</a:t>
-            </a:r>
-            <a:r>
-              <a:rPr lang="de-DE" sz="2400" b="1" dirty="0">
-                <a:solidFill>
-                  <a:schemeClr val="bg2">
-                    <a:lumMod val="65000"/>
-                  </a:schemeClr>
-                </a:solidFill>
-                <a:latin typeface="DM Sans" pitchFamily="2" charset="0"/>
-                <a:cs typeface="Calibri Light" panose="020F0302020204030204" pitchFamily="34" charset="0"/>
-              </a:rPr>
-              <a:t> </a:t>
-            </a:r>
-            <a:r>
-              <a:rPr lang="de-DE" sz="2400" b="1" dirty="0" err="1">
-                <a:solidFill>
-                  <a:schemeClr val="bg2">
-                    <a:lumMod val="65000"/>
-                  </a:schemeClr>
-                </a:solidFill>
-                <a:latin typeface="DM Sans" pitchFamily="2" charset="0"/>
-                <a:cs typeface="Calibri Light" panose="020F0302020204030204" pitchFamily="34" charset="0"/>
-              </a:rPr>
-              <a:t>of</a:t>
-            </a:r>
-            <a:r>
-              <a:rPr lang="de-DE" sz="2400" b="1" dirty="0">
-                <a:solidFill>
-                  <a:schemeClr val="bg2">
-                    <a:lumMod val="65000"/>
-                  </a:schemeClr>
-                </a:solidFill>
-                <a:latin typeface="DM Sans" pitchFamily="2" charset="0"/>
-                <a:cs typeface="Calibri Light" panose="020F0302020204030204" pitchFamily="34" charset="0"/>
-              </a:rPr>
-              <a:t> RNA-dependent </a:t>
-            </a:r>
-            <a:r>
-              <a:rPr lang="de-DE" sz="2400" b="1" dirty="0" err="1">
-                <a:solidFill>
-                  <a:schemeClr val="bg2">
-                    <a:lumMod val="65000"/>
-                  </a:schemeClr>
-                </a:solidFill>
-                <a:latin typeface="DM Sans" pitchFamily="2" charset="0"/>
-                <a:cs typeface="Calibri Light" panose="020F0302020204030204" pitchFamily="34" charset="0"/>
-              </a:rPr>
-              <a:t>proteins</a:t>
-            </a:r>
-            <a:endParaRPr lang="de-DE" sz="2400" b="1" dirty="0">
-              <a:solidFill>
-                <a:schemeClr val="bg2">
-                  <a:lumMod val="65000"/>
-                </a:schemeClr>
-              </a:solidFill>
-              <a:latin typeface="DM Sans" pitchFamily="2" charset="0"/>
-              <a:cs typeface="Calibri Light" panose="020F0302020204030204" pitchFamily="34" charset="0"/>
-            </a:endParaRPr>
-          </a:p>
-          <a:p>
-            <a:r>
-              <a:rPr lang="de-DE" sz="1800" b="1" dirty="0">
-                <a:solidFill>
-                  <a:schemeClr val="bg2">
-                    <a:lumMod val="65000"/>
-                  </a:schemeClr>
-                </a:solidFill>
-                <a:latin typeface="DM Sans" pitchFamily="2" charset="0"/>
-                <a:cs typeface="Calibri Light" panose="020F0302020204030204" pitchFamily="34" charset="0"/>
-              </a:rPr>
-              <a:t>-    </a:t>
-            </a:r>
-            <a:r>
-              <a:rPr lang="de-DE" sz="1800" b="1" dirty="0" err="1">
-                <a:solidFill>
-                  <a:schemeClr val="bg2">
-                    <a:lumMod val="65000"/>
-                  </a:schemeClr>
-                </a:solidFill>
-                <a:latin typeface="DM Sans" pitchFamily="2" charset="0"/>
-                <a:cs typeface="Calibri Light" panose="020F0302020204030204" pitchFamily="34" charset="0"/>
-              </a:rPr>
-              <a:t>Defining</a:t>
-            </a:r>
-            <a:r>
-              <a:rPr lang="de-DE" sz="1800" b="1" dirty="0">
-                <a:solidFill>
-                  <a:schemeClr val="bg2">
-                    <a:lumMod val="65000"/>
-                  </a:schemeClr>
-                </a:solidFill>
-                <a:latin typeface="DM Sans" pitchFamily="2" charset="0"/>
-                <a:cs typeface="Calibri Light" panose="020F0302020204030204" pitchFamily="34" charset="0"/>
-              </a:rPr>
-              <a:t> selection </a:t>
-            </a:r>
-            <a:r>
-              <a:rPr lang="de-DE" sz="1800" b="1" dirty="0" err="1">
-                <a:solidFill>
-                  <a:schemeClr val="bg2">
-                    <a:lumMod val="65000"/>
-                  </a:schemeClr>
-                </a:solidFill>
-                <a:latin typeface="DM Sans" pitchFamily="2" charset="0"/>
-                <a:cs typeface="Calibri Light" panose="020F0302020204030204" pitchFamily="34" charset="0"/>
-              </a:rPr>
-              <a:t>criteria</a:t>
-            </a:r>
-            <a:endParaRPr lang="de-DE" sz="1800" b="1" dirty="0">
-              <a:solidFill>
-                <a:schemeClr val="bg2">
-                  <a:lumMod val="65000"/>
-                </a:schemeClr>
-              </a:solidFill>
-              <a:latin typeface="DM Sans" pitchFamily="2" charset="0"/>
-              <a:cs typeface="Calibri Light" panose="020F0302020204030204" pitchFamily="34" charset="0"/>
-            </a:endParaRPr>
-          </a:p>
-          <a:p>
-            <a:r>
-              <a:rPr lang="de-DE" sz="1800" b="1" dirty="0">
-                <a:solidFill>
-                  <a:schemeClr val="bg2">
-                    <a:lumMod val="65000"/>
-                  </a:schemeClr>
-                </a:solidFill>
-                <a:latin typeface="DM Sans" pitchFamily="2" charset="0"/>
-                <a:cs typeface="Calibri Light" panose="020F0302020204030204" pitchFamily="34" charset="0"/>
-              </a:rPr>
-              <a:t>-    </a:t>
-            </a:r>
-            <a:r>
-              <a:rPr lang="de-DE" sz="1800" b="1" dirty="0" err="1">
-                <a:solidFill>
-                  <a:schemeClr val="bg2">
-                    <a:lumMod val="65000"/>
-                  </a:schemeClr>
-                </a:solidFill>
-                <a:latin typeface="DM Sans" pitchFamily="2" charset="0"/>
-                <a:cs typeface="Calibri Light" panose="020F0302020204030204" pitchFamily="34" charset="0"/>
-              </a:rPr>
-              <a:t>Applying</a:t>
-            </a:r>
-            <a:r>
-              <a:rPr lang="de-DE" sz="1800" b="1" dirty="0">
-                <a:solidFill>
-                  <a:schemeClr val="bg2">
-                    <a:lumMod val="65000"/>
-                  </a:schemeClr>
-                </a:solidFill>
-                <a:latin typeface="DM Sans" pitchFamily="2" charset="0"/>
-                <a:cs typeface="Calibri Light" panose="020F0302020204030204" pitchFamily="34" charset="0"/>
-              </a:rPr>
-              <a:t> selection </a:t>
-            </a:r>
-            <a:r>
-              <a:rPr lang="de-DE" sz="1800" b="1" dirty="0" err="1">
-                <a:solidFill>
-                  <a:schemeClr val="bg2">
-                    <a:lumMod val="65000"/>
-                  </a:schemeClr>
-                </a:solidFill>
-                <a:latin typeface="DM Sans" pitchFamily="2" charset="0"/>
-                <a:cs typeface="Calibri Light" panose="020F0302020204030204" pitchFamily="34" charset="0"/>
-              </a:rPr>
-              <a:t>criteria</a:t>
-            </a:r>
-            <a:endParaRPr lang="de-DE" sz="1800" b="1" dirty="0">
-              <a:solidFill>
-                <a:schemeClr val="bg2">
-                  <a:lumMod val="65000"/>
-                </a:schemeClr>
-              </a:solidFill>
-              <a:latin typeface="DM Sans" pitchFamily="2" charset="0"/>
-              <a:cs typeface="Calibri Light" panose="020F0302020204030204" pitchFamily="34" charset="0"/>
-            </a:endParaRPr>
-          </a:p>
-        </p:txBody>
-      </p:sp>
-      <p:sp>
-        <p:nvSpPr>
-          <p:cNvPr id="4" name="Textfeld 3">
-            <a:extLst>
-              <a:ext uri="{FF2B5EF4-FFF2-40B4-BE49-F238E27FC236}">
-                <a16:creationId xmlns:a16="http://schemas.microsoft.com/office/drawing/2014/main" id="{1B1EFFA6-B1C4-A460-DE83-C1ACFA353B44}"/>
-              </a:ext>
-            </a:extLst>
-          </p:cNvPr>
-          <p:cNvSpPr txBox="1"/>
-          <p:nvPr/>
-        </p:nvSpPr>
-        <p:spPr>
-          <a:xfrm>
-            <a:off x="512006" y="3014936"/>
-            <a:ext cx="4572000" cy="1661993"/>
-          </a:xfrm>
-          <a:prstGeom prst="rect">
-            <a:avLst/>
-          </a:prstGeom>
-          <a:noFill/>
-        </p:spPr>
-        <p:txBody>
-          <a:bodyPr wrap="square">
-            <a:spAutoFit/>
-          </a:bodyPr>
-          <a:lstStyle/>
-          <a:p>
-            <a:r>
-              <a:rPr lang="de-DE" sz="2400" b="1" dirty="0">
-                <a:solidFill>
-                  <a:schemeClr val="bg2">
-                    <a:lumMod val="65000"/>
-                  </a:schemeClr>
-                </a:solidFill>
-                <a:latin typeface="DM Sans" pitchFamily="2" charset="0"/>
-                <a:cs typeface="Calibri Light" panose="020F0302020204030204" pitchFamily="34" charset="0"/>
-              </a:rPr>
-              <a:t>3. Dimension </a:t>
-            </a:r>
-            <a:r>
-              <a:rPr lang="de-DE" sz="2400" b="1" dirty="0" err="1">
-                <a:solidFill>
-                  <a:schemeClr val="bg2">
-                    <a:lumMod val="65000"/>
-                  </a:schemeClr>
-                </a:solidFill>
-                <a:latin typeface="DM Sans" pitchFamily="2" charset="0"/>
-                <a:cs typeface="Calibri Light" panose="020F0302020204030204" pitchFamily="34" charset="0"/>
-              </a:rPr>
-              <a:t>reduction</a:t>
-            </a:r>
-            <a:r>
-              <a:rPr lang="de-DE" sz="2400" b="1" dirty="0">
-                <a:solidFill>
-                  <a:schemeClr val="bg2">
-                    <a:lumMod val="65000"/>
-                  </a:schemeClr>
-                </a:solidFill>
-                <a:latin typeface="DM Sans" pitchFamily="2" charset="0"/>
-                <a:cs typeface="Calibri Light" panose="020F0302020204030204" pitchFamily="34" charset="0"/>
-              </a:rPr>
-              <a:t> </a:t>
-            </a:r>
-            <a:r>
-              <a:rPr lang="de-DE" sz="2400" b="1" dirty="0" err="1">
-                <a:solidFill>
-                  <a:schemeClr val="bg2">
-                    <a:lumMod val="65000"/>
-                  </a:schemeClr>
-                </a:solidFill>
-                <a:latin typeface="DM Sans" pitchFamily="2" charset="0"/>
-                <a:cs typeface="Calibri Light" panose="020F0302020204030204" pitchFamily="34" charset="0"/>
-              </a:rPr>
-              <a:t>analysis</a:t>
-            </a:r>
-            <a:endParaRPr lang="de-DE" sz="2400" b="1" dirty="0">
-              <a:solidFill>
-                <a:schemeClr val="bg2">
-                  <a:lumMod val="65000"/>
-                </a:schemeClr>
-              </a:solidFill>
-              <a:latin typeface="DM Sans" pitchFamily="2" charset="0"/>
-              <a:cs typeface="Calibri Light" panose="020F0302020204030204" pitchFamily="34" charset="0"/>
-            </a:endParaRPr>
-          </a:p>
-          <a:p>
-            <a:r>
-              <a:rPr lang="de-DE" sz="1800" b="1" dirty="0">
-                <a:solidFill>
-                  <a:schemeClr val="bg2">
-                    <a:lumMod val="65000"/>
-                  </a:schemeClr>
-                </a:solidFill>
-                <a:latin typeface="DM Sans" pitchFamily="2" charset="0"/>
-                <a:cs typeface="Calibri Light" panose="020F0302020204030204" pitchFamily="34" charset="0"/>
-              </a:rPr>
-              <a:t>-    </a:t>
-            </a:r>
-            <a:r>
-              <a:rPr lang="de-DE" sz="1800" b="1" dirty="0" err="1">
-                <a:solidFill>
-                  <a:schemeClr val="bg2">
-                    <a:lumMod val="65000"/>
-                  </a:schemeClr>
-                </a:solidFill>
-                <a:latin typeface="DM Sans" pitchFamily="2" charset="0"/>
-                <a:cs typeface="Calibri Light" panose="020F0302020204030204" pitchFamily="34" charset="0"/>
-              </a:rPr>
-              <a:t>Procedure</a:t>
-            </a:r>
-            <a:endParaRPr lang="de-DE" sz="1800" b="1" dirty="0">
-              <a:solidFill>
-                <a:schemeClr val="bg2">
-                  <a:lumMod val="65000"/>
-                </a:schemeClr>
-              </a:solidFill>
-              <a:latin typeface="DM Sans" pitchFamily="2" charset="0"/>
-              <a:cs typeface="Calibri Light" panose="020F0302020204030204" pitchFamily="34" charset="0"/>
-            </a:endParaRPr>
-          </a:p>
-          <a:p>
-            <a:r>
-              <a:rPr lang="de-DE" sz="1800" b="1" dirty="0">
-                <a:solidFill>
-                  <a:schemeClr val="bg2">
-                    <a:lumMod val="65000"/>
-                  </a:schemeClr>
-                </a:solidFill>
-                <a:latin typeface="DM Sans" pitchFamily="2" charset="0"/>
-                <a:cs typeface="Calibri Light" panose="020F0302020204030204" pitchFamily="34" charset="0"/>
-              </a:rPr>
-              <a:t>-    Results</a:t>
-            </a:r>
-          </a:p>
-          <a:p>
-            <a:r>
-              <a:rPr lang="de-DE" sz="1800" b="1" dirty="0">
-                <a:solidFill>
-                  <a:schemeClr val="bg2">
-                    <a:lumMod val="65000"/>
-                  </a:schemeClr>
-                </a:solidFill>
-                <a:latin typeface="DM Sans" pitchFamily="2" charset="0"/>
-                <a:cs typeface="Calibri Light" panose="020F0302020204030204" pitchFamily="34" charset="0"/>
-              </a:rPr>
-              <a:t>-    Interpretation</a:t>
-            </a:r>
-          </a:p>
-        </p:txBody>
-      </p:sp>
-      <p:sp>
-        <p:nvSpPr>
-          <p:cNvPr id="5" name="Textfeld 4">
-            <a:extLst>
-              <a:ext uri="{FF2B5EF4-FFF2-40B4-BE49-F238E27FC236}">
-                <a16:creationId xmlns:a16="http://schemas.microsoft.com/office/drawing/2014/main" id="{0D44EFD1-EB73-E8E2-8DC0-BA20C0339FC5}"/>
-              </a:ext>
-            </a:extLst>
-          </p:cNvPr>
-          <p:cNvSpPr txBox="1"/>
-          <p:nvPr/>
-        </p:nvSpPr>
-        <p:spPr>
-          <a:xfrm>
-            <a:off x="4876562" y="3066348"/>
-            <a:ext cx="4572000" cy="2031325"/>
-          </a:xfrm>
-          <a:prstGeom prst="rect">
-            <a:avLst/>
-          </a:prstGeom>
-          <a:noFill/>
-        </p:spPr>
-        <p:txBody>
-          <a:bodyPr wrap="square">
-            <a:spAutoFit/>
-          </a:bodyPr>
-          <a:lstStyle/>
-          <a:p>
-            <a:r>
-              <a:rPr lang="de-DE" sz="2400" b="1" dirty="0">
-                <a:solidFill>
-                  <a:schemeClr val="bg2">
-                    <a:lumMod val="65000"/>
-                  </a:schemeClr>
-                </a:solidFill>
-                <a:latin typeface="DM Sans" pitchFamily="2" charset="0"/>
-                <a:cs typeface="Calibri Light" panose="020F0302020204030204" pitchFamily="34" charset="0"/>
-              </a:rPr>
-              <a:t>4. </a:t>
-            </a:r>
-            <a:r>
-              <a:rPr lang="de-DE" sz="2400" b="1" dirty="0" err="1">
-                <a:solidFill>
-                  <a:schemeClr val="bg2">
-                    <a:lumMod val="65000"/>
-                  </a:schemeClr>
-                </a:solidFill>
-                <a:latin typeface="DM Sans" pitchFamily="2" charset="0"/>
-                <a:cs typeface="Calibri Light" panose="020F0302020204030204" pitchFamily="34" charset="0"/>
-              </a:rPr>
-              <a:t>Developing</a:t>
-            </a:r>
-            <a:r>
-              <a:rPr lang="de-DE" sz="2400" b="1" dirty="0">
-                <a:solidFill>
-                  <a:schemeClr val="bg2">
-                    <a:lumMod val="65000"/>
-                  </a:schemeClr>
-                </a:solidFill>
-                <a:latin typeface="DM Sans" pitchFamily="2" charset="0"/>
-                <a:cs typeface="Calibri Light" panose="020F0302020204030204" pitchFamily="34" charset="0"/>
-              </a:rPr>
-              <a:t> a linear </a:t>
-            </a:r>
-            <a:r>
-              <a:rPr lang="de-DE" sz="2400" b="1" dirty="0" err="1">
-                <a:solidFill>
-                  <a:schemeClr val="bg2">
-                    <a:lumMod val="65000"/>
-                  </a:schemeClr>
-                </a:solidFill>
-                <a:latin typeface="DM Sans" pitchFamily="2" charset="0"/>
-                <a:cs typeface="Calibri Light" panose="020F0302020204030204" pitchFamily="34" charset="0"/>
-              </a:rPr>
-              <a:t>regression</a:t>
-            </a:r>
-            <a:r>
-              <a:rPr lang="de-DE" sz="2400" b="1" dirty="0">
-                <a:solidFill>
-                  <a:schemeClr val="bg2">
-                    <a:lumMod val="65000"/>
-                  </a:schemeClr>
-                </a:solidFill>
-                <a:latin typeface="DM Sans" pitchFamily="2" charset="0"/>
-                <a:cs typeface="Calibri Light" panose="020F0302020204030204" pitchFamily="34" charset="0"/>
-              </a:rPr>
-              <a:t> </a:t>
-            </a:r>
-            <a:r>
-              <a:rPr lang="de-DE" sz="2400" b="1" dirty="0" err="1">
-                <a:solidFill>
-                  <a:schemeClr val="bg2">
-                    <a:lumMod val="65000"/>
-                  </a:schemeClr>
-                </a:solidFill>
-                <a:latin typeface="DM Sans" pitchFamily="2" charset="0"/>
-                <a:cs typeface="Calibri Light" panose="020F0302020204030204" pitchFamily="34" charset="0"/>
-              </a:rPr>
-              <a:t>model</a:t>
-            </a:r>
-            <a:endParaRPr lang="de-DE" sz="2400" b="1" dirty="0">
-              <a:solidFill>
-                <a:schemeClr val="bg2">
-                  <a:lumMod val="65000"/>
-                </a:schemeClr>
-              </a:solidFill>
-              <a:latin typeface="DM Sans" pitchFamily="2" charset="0"/>
-              <a:cs typeface="Calibri Light" panose="020F0302020204030204" pitchFamily="34" charset="0"/>
-            </a:endParaRPr>
-          </a:p>
-          <a:p>
-            <a:r>
-              <a:rPr lang="de-DE" sz="1800" b="1" dirty="0">
-                <a:solidFill>
-                  <a:schemeClr val="bg2">
-                    <a:lumMod val="65000"/>
-                  </a:schemeClr>
-                </a:solidFill>
-                <a:latin typeface="DM Sans" pitchFamily="2" charset="0"/>
-                <a:cs typeface="Calibri Light" panose="020F0302020204030204" pitchFamily="34" charset="0"/>
-              </a:rPr>
-              <a:t>-    </a:t>
-            </a:r>
-            <a:r>
-              <a:rPr lang="de-DE" sz="1800" b="1" dirty="0" err="1">
-                <a:solidFill>
-                  <a:schemeClr val="bg2">
-                    <a:lumMod val="65000"/>
-                  </a:schemeClr>
-                </a:solidFill>
-                <a:latin typeface="DM Sans" pitchFamily="2" charset="0"/>
-                <a:cs typeface="Calibri Light" panose="020F0302020204030204" pitchFamily="34" charset="0"/>
-              </a:rPr>
-              <a:t>Procedure</a:t>
-            </a:r>
-            <a:endParaRPr lang="de-DE" sz="1800" b="1" dirty="0">
-              <a:solidFill>
-                <a:schemeClr val="bg2">
-                  <a:lumMod val="65000"/>
-                </a:schemeClr>
-              </a:solidFill>
-              <a:latin typeface="DM Sans" pitchFamily="2" charset="0"/>
-              <a:cs typeface="Calibri Light" panose="020F0302020204030204" pitchFamily="34" charset="0"/>
-            </a:endParaRPr>
-          </a:p>
-          <a:p>
-            <a:r>
-              <a:rPr lang="de-DE" sz="1800" b="1" dirty="0">
-                <a:solidFill>
-                  <a:schemeClr val="bg2">
-                    <a:lumMod val="65000"/>
-                  </a:schemeClr>
-                </a:solidFill>
-                <a:latin typeface="DM Sans" pitchFamily="2" charset="0"/>
-                <a:cs typeface="Calibri Light" panose="020F0302020204030204" pitchFamily="34" charset="0"/>
-              </a:rPr>
-              <a:t>-    Results</a:t>
-            </a:r>
-          </a:p>
-          <a:p>
-            <a:r>
-              <a:rPr lang="de-DE" sz="1800" b="1" dirty="0">
-                <a:solidFill>
-                  <a:schemeClr val="bg2">
-                    <a:lumMod val="65000"/>
-                  </a:schemeClr>
-                </a:solidFill>
-                <a:latin typeface="DM Sans" pitchFamily="2" charset="0"/>
-                <a:cs typeface="Calibri Light" panose="020F0302020204030204" pitchFamily="34" charset="0"/>
-              </a:rPr>
-              <a:t>-    Interpretation</a:t>
-            </a:r>
-          </a:p>
-          <a:p>
-            <a:endParaRPr lang="de-DE" sz="2400" b="1" dirty="0">
-              <a:solidFill>
-                <a:schemeClr val="bg2">
-                  <a:lumMod val="65000"/>
-                </a:schemeClr>
-              </a:solidFill>
-              <a:latin typeface="DM Sans" pitchFamily="2" charset="0"/>
-              <a:cs typeface="Calibri Light" panose="020F0302020204030204" pitchFamily="34" charset="0"/>
-            </a:endParaRPr>
-          </a:p>
-        </p:txBody>
-      </p:sp>
-    </p:spTree>
-    <p:extLst>
-      <p:ext uri="{BB962C8B-B14F-4D97-AF65-F5344CB8AC3E}">
-        <p14:creationId xmlns:p14="http://schemas.microsoft.com/office/powerpoint/2010/main" val="2674680337"/>
-      </p:ext>
-    </p:extLst>
-  </p:cSld>
-  <p:clrMapOvr>
-    <a:masterClrMapping/>
-  </p:clrMapOvr>
-</p:sld>
-</file>
-
-<file path=ppt/slides/slide9.xml><?xml version="1.0" encoding="utf-8"?>
+<file path=ppt/slides/slide24.xml><?xml version="1.0" encoding="utf-8"?>
 <p:sld xmlns:a="http://schemas.openxmlformats.org/drawingml/2006/main" xmlns:r="http://schemas.openxmlformats.org/officeDocument/2006/relationships" xmlns:p="http://schemas.openxmlformats.org/presentationml/2006/main">
   <p:cSld>
     <p:spTree>
@@ -15909,6 +13699,2687 @@
     <p:extLst>
       <p:ext uri="{BB962C8B-B14F-4D97-AF65-F5344CB8AC3E}">
         <p14:creationId xmlns:p14="http://schemas.microsoft.com/office/powerpoint/2010/main" val="3103308518"/>
+      </p:ext>
+    </p:extLst>
+  </p:cSld>
+  <p:clrMapOvr>
+    <a:masterClrMapping/>
+  </p:clrMapOvr>
+</p:sld>
+</file>
+
+<file path=ppt/slides/slide25.xml><?xml version="1.0" encoding="utf-8"?>
+<p:sld xmlns:a="http://schemas.openxmlformats.org/drawingml/2006/main" xmlns:r="http://schemas.openxmlformats.org/officeDocument/2006/relationships" xmlns:p="http://schemas.openxmlformats.org/presentationml/2006/main">
+  <p:cSld>
+    <p:spTree>
+      <p:nvGrpSpPr>
+        <p:cNvPr id="1" name=""/>
+        <p:cNvGrpSpPr/>
+        <p:nvPr/>
+      </p:nvGrpSpPr>
+      <p:grpSpPr>
+        <a:xfrm>
+          <a:off x="0" y="0"/>
+          <a:ext cx="0" cy="0"/>
+          <a:chOff x="0" y="0"/>
+          <a:chExt cx="0" cy="0"/>
+        </a:xfrm>
+      </p:grpSpPr>
+      <p:sp>
+        <p:nvSpPr>
+          <p:cNvPr id="2" name="Textfeld 1">
+            <a:extLst>
+              <a:ext uri="{FF2B5EF4-FFF2-40B4-BE49-F238E27FC236}">
+                <a16:creationId xmlns:a16="http://schemas.microsoft.com/office/drawing/2014/main" id="{29866403-B0B2-2E87-AC24-EE9723DAC0BE}"/>
+              </a:ext>
+            </a:extLst>
+          </p:cNvPr>
+          <p:cNvSpPr txBox="1"/>
+          <p:nvPr/>
+        </p:nvSpPr>
+        <p:spPr>
+          <a:xfrm>
+            <a:off x="2311400" y="1439333"/>
+            <a:ext cx="2802467" cy="307777"/>
+          </a:xfrm>
+          <a:prstGeom prst="rect">
+            <a:avLst/>
+          </a:prstGeom>
+          <a:noFill/>
+        </p:spPr>
+        <p:txBody>
+          <a:bodyPr wrap="square" rtlCol="0">
+            <a:spAutoFit/>
+          </a:bodyPr>
+          <a:lstStyle/>
+          <a:p>
+            <a:r>
+              <a:rPr lang="de-DE" dirty="0" err="1"/>
+              <a:t>zusatzfolien</a:t>
+            </a:r>
+            <a:endParaRPr lang="de-DE" dirty="0"/>
+          </a:p>
+        </p:txBody>
+      </p:sp>
+    </p:spTree>
+    <p:extLst>
+      <p:ext uri="{BB962C8B-B14F-4D97-AF65-F5344CB8AC3E}">
+        <p14:creationId xmlns:p14="http://schemas.microsoft.com/office/powerpoint/2010/main" val="4251003534"/>
+      </p:ext>
+    </p:extLst>
+  </p:cSld>
+  <p:clrMapOvr>
+    <a:masterClrMapping/>
+  </p:clrMapOvr>
+</p:sld>
+</file>
+
+<file path=ppt/slides/slide3.xml><?xml version="1.0" encoding="utf-8"?>
+<p:sld xmlns:a="http://schemas.openxmlformats.org/drawingml/2006/main" xmlns:r="http://schemas.openxmlformats.org/officeDocument/2006/relationships" xmlns:p="http://schemas.openxmlformats.org/presentationml/2006/main">
+  <p:cSld>
+    <p:spTree>
+      <p:nvGrpSpPr>
+        <p:cNvPr id="1" name=""/>
+        <p:cNvGrpSpPr/>
+        <p:nvPr/>
+      </p:nvGrpSpPr>
+      <p:grpSpPr>
+        <a:xfrm>
+          <a:off x="0" y="0"/>
+          <a:ext cx="0" cy="0"/>
+          <a:chOff x="0" y="0"/>
+          <a:chExt cx="0" cy="0"/>
+        </a:xfrm>
+      </p:grpSpPr>
+      <p:sp>
+        <p:nvSpPr>
+          <p:cNvPr id="10" name="Textfeld 9">
+            <a:extLst>
+              <a:ext uri="{FF2B5EF4-FFF2-40B4-BE49-F238E27FC236}">
+                <a16:creationId xmlns:a16="http://schemas.microsoft.com/office/drawing/2014/main" id="{FD433997-33F5-9575-5F92-8DF46FE3689F}"/>
+              </a:ext>
+            </a:extLst>
+          </p:cNvPr>
+          <p:cNvSpPr txBox="1"/>
+          <p:nvPr/>
+        </p:nvSpPr>
+        <p:spPr>
+          <a:xfrm>
+            <a:off x="353683" y="285750"/>
+            <a:ext cx="8383917" cy="461665"/>
+          </a:xfrm>
+          <a:prstGeom prst="rect">
+            <a:avLst/>
+          </a:prstGeom>
+          <a:noFill/>
+        </p:spPr>
+        <p:txBody>
+          <a:bodyPr wrap="square">
+            <a:spAutoFit/>
+          </a:bodyPr>
+          <a:lstStyle/>
+          <a:p>
+            <a:r>
+              <a:rPr lang="de-DE" sz="2400" b="1" dirty="0">
+                <a:solidFill>
+                  <a:schemeClr val="bg1"/>
+                </a:solidFill>
+                <a:latin typeface="DM Sans" pitchFamily="2" charset="0"/>
+                <a:cs typeface="Calibri Light" panose="020F0302020204030204" pitchFamily="34" charset="0"/>
+              </a:rPr>
+              <a:t>Why </a:t>
+            </a:r>
+            <a:r>
+              <a:rPr lang="en-US" sz="2400" b="1" dirty="0">
+                <a:solidFill>
+                  <a:schemeClr val="bg1"/>
+                </a:solidFill>
+                <a:latin typeface="DM Sans" pitchFamily="2" charset="0"/>
+                <a:cs typeface="Calibri Light" panose="020F0302020204030204" pitchFamily="34" charset="0"/>
+              </a:rPr>
+              <a:t>Bother</a:t>
+            </a:r>
+            <a:r>
+              <a:rPr lang="de-DE" sz="2400" b="1" dirty="0">
+                <a:solidFill>
+                  <a:schemeClr val="bg1"/>
+                </a:solidFill>
+                <a:latin typeface="DM Sans" pitchFamily="2" charset="0"/>
+                <a:cs typeface="Calibri Light" panose="020F0302020204030204" pitchFamily="34" charset="0"/>
+              </a:rPr>
+              <a:t> About RNA-dependent Proteins (R-</a:t>
+            </a:r>
+            <a:r>
+              <a:rPr lang="de-DE" sz="2400" b="1" dirty="0" err="1">
+                <a:solidFill>
+                  <a:schemeClr val="bg1"/>
+                </a:solidFill>
+                <a:latin typeface="DM Sans" pitchFamily="2" charset="0"/>
+                <a:cs typeface="Calibri Light" panose="020F0302020204030204" pitchFamily="34" charset="0"/>
+              </a:rPr>
+              <a:t>DeeP</a:t>
+            </a:r>
+            <a:r>
+              <a:rPr lang="de-DE" sz="2400" b="1" dirty="0">
+                <a:solidFill>
+                  <a:schemeClr val="bg1"/>
+                </a:solidFill>
+                <a:latin typeface="DM Sans" pitchFamily="2" charset="0"/>
+                <a:cs typeface="Calibri Light" panose="020F0302020204030204" pitchFamily="34" charset="0"/>
+              </a:rPr>
+              <a:t>)?</a:t>
+            </a:r>
+          </a:p>
+        </p:txBody>
+      </p:sp>
+      <p:sp>
+        <p:nvSpPr>
+          <p:cNvPr id="6" name="Textfeld 5">
+            <a:extLst>
+              <a:ext uri="{FF2B5EF4-FFF2-40B4-BE49-F238E27FC236}">
+                <a16:creationId xmlns:a16="http://schemas.microsoft.com/office/drawing/2014/main" id="{6A88D783-8B01-E438-264B-9A3E64B34FCF}"/>
+              </a:ext>
+            </a:extLst>
+          </p:cNvPr>
+          <p:cNvSpPr txBox="1"/>
+          <p:nvPr/>
+        </p:nvSpPr>
+        <p:spPr>
+          <a:xfrm>
+            <a:off x="5979663" y="1855198"/>
+            <a:ext cx="2057400" cy="523220"/>
+          </a:xfrm>
+          <a:prstGeom prst="rect">
+            <a:avLst/>
+          </a:prstGeom>
+          <a:noFill/>
+        </p:spPr>
+        <p:txBody>
+          <a:bodyPr wrap="square" rtlCol="0">
+            <a:spAutoFit/>
+          </a:bodyPr>
+          <a:lstStyle/>
+          <a:p>
+            <a:r>
+              <a:rPr lang="en-US" sz="1600" b="1" dirty="0">
+                <a:solidFill>
+                  <a:schemeClr val="bg1"/>
+                </a:solidFill>
+                <a:latin typeface="DM Sans" pitchFamily="2" charset="0"/>
+                <a:cs typeface="Calibri Light" panose="020F0302020204030204" pitchFamily="34" charset="0"/>
+              </a:rPr>
+              <a:t>eIF2B</a:t>
+            </a:r>
+            <a:r>
+              <a:rPr lang="en-US" sz="1600" b="1" baseline="30000" dirty="0">
+                <a:solidFill>
+                  <a:schemeClr val="bg1"/>
+                </a:solidFill>
+                <a:latin typeface="DM Sans" pitchFamily="2" charset="0"/>
+                <a:cs typeface="Calibri Light" panose="020F0302020204030204" pitchFamily="34" charset="0"/>
+              </a:rPr>
+              <a:t>[7]</a:t>
+            </a:r>
+          </a:p>
+          <a:p>
+            <a:r>
+              <a:rPr lang="en-US" sz="1200" dirty="0">
+                <a:solidFill>
+                  <a:schemeClr val="bg1"/>
+                </a:solidFill>
+                <a:latin typeface="DM Sans" pitchFamily="2" charset="0"/>
+                <a:cs typeface="Calibri Light" panose="020F0302020204030204" pitchFamily="34" charset="0"/>
+              </a:rPr>
+              <a:t>Leukoencephalopathy</a:t>
+            </a:r>
+            <a:endParaRPr lang="en-US" sz="2400" dirty="0">
+              <a:solidFill>
+                <a:schemeClr val="bg1"/>
+              </a:solidFill>
+              <a:latin typeface="DM Sans" pitchFamily="2" charset="0"/>
+              <a:cs typeface="Calibri Light" panose="020F0302020204030204" pitchFamily="34" charset="0"/>
+            </a:endParaRPr>
+          </a:p>
+        </p:txBody>
+      </p:sp>
+      <p:sp>
+        <p:nvSpPr>
+          <p:cNvPr id="7" name="Textfeld 6">
+            <a:extLst>
+              <a:ext uri="{FF2B5EF4-FFF2-40B4-BE49-F238E27FC236}">
+                <a16:creationId xmlns:a16="http://schemas.microsoft.com/office/drawing/2014/main" id="{5A5B71B8-5B62-C46F-B55F-354613681AE1}"/>
+              </a:ext>
+            </a:extLst>
+          </p:cNvPr>
+          <p:cNvSpPr txBox="1"/>
+          <p:nvPr/>
+        </p:nvSpPr>
+        <p:spPr>
+          <a:xfrm>
+            <a:off x="353933" y="2960389"/>
+            <a:ext cx="3519137" cy="769441"/>
+          </a:xfrm>
+          <a:prstGeom prst="rect">
+            <a:avLst/>
+          </a:prstGeom>
+          <a:noFill/>
+        </p:spPr>
+        <p:txBody>
+          <a:bodyPr wrap="square" rtlCol="0">
+            <a:spAutoFit/>
+          </a:bodyPr>
+          <a:lstStyle/>
+          <a:p>
+            <a:r>
+              <a:rPr lang="en-US" sz="1600" b="1" dirty="0">
+                <a:solidFill>
+                  <a:schemeClr val="bg1"/>
+                </a:solidFill>
+                <a:latin typeface="DM Sans" pitchFamily="2" charset="0"/>
+                <a:cs typeface="Calibri Light" panose="020F0302020204030204" pitchFamily="34" charset="0"/>
+              </a:rPr>
+              <a:t>KHDRBS1</a:t>
+            </a:r>
+            <a:r>
+              <a:rPr lang="en-US" sz="1600" b="1" baseline="30000" dirty="0">
+                <a:solidFill>
+                  <a:schemeClr val="bg1"/>
+                </a:solidFill>
+                <a:latin typeface="DM Sans" pitchFamily="2" charset="0"/>
+                <a:cs typeface="Calibri Light" panose="020F0302020204030204" pitchFamily="34" charset="0"/>
+              </a:rPr>
+              <a:t>[1]</a:t>
+            </a:r>
+            <a:r>
+              <a:rPr lang="en-US" sz="1600" b="1" dirty="0">
+                <a:solidFill>
+                  <a:schemeClr val="bg1"/>
+                </a:solidFill>
+                <a:latin typeface="DM Sans" pitchFamily="2" charset="0"/>
+                <a:cs typeface="Calibri Light" panose="020F0302020204030204" pitchFamily="34" charset="0"/>
+              </a:rPr>
+              <a:t>, ELAV1</a:t>
+            </a:r>
+            <a:r>
+              <a:rPr lang="en-US" sz="1600" b="1" baseline="30000" dirty="0">
+                <a:solidFill>
+                  <a:schemeClr val="bg1"/>
+                </a:solidFill>
+                <a:latin typeface="DM Sans" pitchFamily="2" charset="0"/>
+                <a:cs typeface="Calibri Light" panose="020F0302020204030204" pitchFamily="34" charset="0"/>
+              </a:rPr>
+              <a:t>[2]</a:t>
+            </a:r>
+            <a:r>
+              <a:rPr lang="en-US" sz="1600" b="1" dirty="0">
+                <a:solidFill>
+                  <a:schemeClr val="bg1"/>
+                </a:solidFill>
+                <a:latin typeface="DM Sans" pitchFamily="2" charset="0"/>
+                <a:cs typeface="Calibri Light" panose="020F0302020204030204" pitchFamily="34" charset="0"/>
+              </a:rPr>
+              <a:t>, FXR1</a:t>
+            </a:r>
+            <a:r>
+              <a:rPr lang="en-US" sz="1600" b="1" baseline="30000" dirty="0">
+                <a:solidFill>
+                  <a:schemeClr val="bg1"/>
+                </a:solidFill>
+                <a:latin typeface="DM Sans" pitchFamily="2" charset="0"/>
+                <a:cs typeface="Calibri Light" panose="020F0302020204030204" pitchFamily="34" charset="0"/>
+              </a:rPr>
+              <a:t>[3]</a:t>
+            </a:r>
+            <a:r>
+              <a:rPr lang="en-US" sz="1600" b="1" dirty="0">
+                <a:solidFill>
+                  <a:schemeClr val="bg1"/>
+                </a:solidFill>
+                <a:latin typeface="DM Sans" pitchFamily="2" charset="0"/>
+                <a:cs typeface="Calibri Light" panose="020F0302020204030204" pitchFamily="34" charset="0"/>
+              </a:rPr>
+              <a:t>, UHMK1</a:t>
+            </a:r>
+            <a:r>
+              <a:rPr lang="en-US" sz="1600" b="1" baseline="30000" dirty="0">
+                <a:solidFill>
+                  <a:schemeClr val="bg1"/>
+                </a:solidFill>
+                <a:latin typeface="DM Sans" pitchFamily="2" charset="0"/>
+                <a:cs typeface="Calibri Light" panose="020F0302020204030204" pitchFamily="34" charset="0"/>
+              </a:rPr>
+              <a:t>[4]</a:t>
+            </a:r>
+            <a:r>
+              <a:rPr lang="en-US" sz="1600" b="1" dirty="0">
+                <a:solidFill>
+                  <a:schemeClr val="bg1"/>
+                </a:solidFill>
+                <a:latin typeface="DM Sans" pitchFamily="2" charset="0"/>
+                <a:cs typeface="Calibri Light" panose="020F0302020204030204" pitchFamily="34" charset="0"/>
+              </a:rPr>
+              <a:t>, PATL2, DUS1L</a:t>
+            </a:r>
+            <a:r>
+              <a:rPr lang="en-US" sz="1600" b="1" baseline="30000" dirty="0">
+                <a:solidFill>
+                  <a:schemeClr val="bg1"/>
+                </a:solidFill>
+                <a:latin typeface="DM Sans" pitchFamily="2" charset="0"/>
+                <a:cs typeface="Calibri Light" panose="020F0302020204030204" pitchFamily="34" charset="0"/>
+              </a:rPr>
+              <a:t>[5]</a:t>
+            </a:r>
+          </a:p>
+          <a:p>
+            <a:r>
+              <a:rPr lang="en-US" sz="1200" dirty="0">
+                <a:solidFill>
+                  <a:schemeClr val="bg1"/>
+                </a:solidFill>
+                <a:latin typeface="DM Sans" pitchFamily="2" charset="0"/>
+                <a:cs typeface="Calibri Light" panose="020F0302020204030204" pitchFamily="34" charset="0"/>
+              </a:rPr>
+              <a:t>Cancer</a:t>
+            </a:r>
+          </a:p>
+        </p:txBody>
+      </p:sp>
+      <p:sp>
+        <p:nvSpPr>
+          <p:cNvPr id="9" name="Textfeld 8">
+            <a:extLst>
+              <a:ext uri="{FF2B5EF4-FFF2-40B4-BE49-F238E27FC236}">
+                <a16:creationId xmlns:a16="http://schemas.microsoft.com/office/drawing/2014/main" id="{F25FAA69-25D2-8C56-F87F-2F88EF1B52DA}"/>
+              </a:ext>
+            </a:extLst>
+          </p:cNvPr>
+          <p:cNvSpPr txBox="1"/>
+          <p:nvPr/>
+        </p:nvSpPr>
+        <p:spPr>
+          <a:xfrm>
+            <a:off x="5974993" y="3729830"/>
+            <a:ext cx="3022600" cy="523220"/>
+          </a:xfrm>
+          <a:prstGeom prst="rect">
+            <a:avLst/>
+          </a:prstGeom>
+          <a:noFill/>
+        </p:spPr>
+        <p:txBody>
+          <a:bodyPr wrap="square" rtlCol="0">
+            <a:spAutoFit/>
+          </a:bodyPr>
+          <a:lstStyle/>
+          <a:p>
+            <a:r>
+              <a:rPr lang="en-US" sz="1600" b="1" dirty="0">
+                <a:solidFill>
+                  <a:schemeClr val="bg1"/>
+                </a:solidFill>
+                <a:latin typeface="DM Sans" pitchFamily="2" charset="0"/>
+                <a:cs typeface="Calibri Light" panose="020F0302020204030204" pitchFamily="34" charset="0"/>
+              </a:rPr>
+              <a:t>IRP1</a:t>
+            </a:r>
+            <a:r>
+              <a:rPr lang="en-US" sz="1600" b="1" baseline="30000" dirty="0">
+                <a:solidFill>
+                  <a:schemeClr val="bg1"/>
+                </a:solidFill>
+                <a:latin typeface="DM Sans" pitchFamily="2" charset="0"/>
+                <a:cs typeface="Calibri Light" panose="020F0302020204030204" pitchFamily="34" charset="0"/>
+              </a:rPr>
+              <a:t>[7]</a:t>
+            </a:r>
+          </a:p>
+          <a:p>
+            <a:r>
+              <a:rPr lang="en-US" sz="1200" dirty="0">
+                <a:solidFill>
+                  <a:schemeClr val="bg1"/>
+                </a:solidFill>
+                <a:latin typeface="DM Sans" pitchFamily="2" charset="0"/>
+                <a:cs typeface="Calibri Light" panose="020F0302020204030204" pitchFamily="34" charset="0"/>
+              </a:rPr>
+              <a:t>Hyperferritinemia-cataract syndrome</a:t>
+            </a:r>
+            <a:endParaRPr lang="en-US" sz="1200" dirty="0">
+              <a:solidFill>
+                <a:schemeClr val="bg1"/>
+              </a:solidFill>
+              <a:latin typeface="DM Sans" pitchFamily="2" charset="0"/>
+              <a:cs typeface="Calibri Light" panose="020F0302020204030204" pitchFamily="34" charset="0"/>
+              <a:hlinkClick r:id="rId3">
+                <a:extLst>
+                  <a:ext uri="{A12FA001-AC4F-418D-AE19-62706E023703}">
+                    <ahyp:hlinkClr xmlns:ahyp="http://schemas.microsoft.com/office/drawing/2018/hyperlinkcolor" val="tx"/>
+                  </a:ext>
+                </a:extLst>
+              </a:hlinkClick>
+            </a:endParaRPr>
+          </a:p>
+        </p:txBody>
+      </p:sp>
+      <p:sp>
+        <p:nvSpPr>
+          <p:cNvPr id="11" name="Textfeld 10">
+            <a:extLst>
+              <a:ext uri="{FF2B5EF4-FFF2-40B4-BE49-F238E27FC236}">
+                <a16:creationId xmlns:a16="http://schemas.microsoft.com/office/drawing/2014/main" id="{3565098F-1791-1E54-F445-4E2B5C9790D7}"/>
+              </a:ext>
+            </a:extLst>
+          </p:cNvPr>
+          <p:cNvSpPr txBox="1"/>
+          <p:nvPr/>
+        </p:nvSpPr>
+        <p:spPr>
+          <a:xfrm>
+            <a:off x="5979663" y="3130824"/>
+            <a:ext cx="2057400" cy="523220"/>
+          </a:xfrm>
+          <a:prstGeom prst="rect">
+            <a:avLst/>
+          </a:prstGeom>
+          <a:noFill/>
+        </p:spPr>
+        <p:txBody>
+          <a:bodyPr wrap="square" rtlCol="0">
+            <a:spAutoFit/>
+          </a:bodyPr>
+          <a:lstStyle/>
+          <a:p>
+            <a:r>
+              <a:rPr lang="en-US" sz="1600" b="1" dirty="0">
+                <a:solidFill>
+                  <a:schemeClr val="bg1"/>
+                </a:solidFill>
+                <a:latin typeface="DM Sans" pitchFamily="2" charset="0"/>
+                <a:cs typeface="Calibri Light" panose="020F0302020204030204" pitchFamily="34" charset="0"/>
+              </a:rPr>
+              <a:t>APP</a:t>
+            </a:r>
+            <a:r>
+              <a:rPr lang="en-US" sz="1600" b="1" baseline="30000" dirty="0">
+                <a:solidFill>
+                  <a:schemeClr val="bg1"/>
+                </a:solidFill>
+                <a:latin typeface="DM Sans" pitchFamily="2" charset="0"/>
+                <a:cs typeface="Calibri Light" panose="020F0302020204030204" pitchFamily="34" charset="0"/>
+              </a:rPr>
+              <a:t>[7]</a:t>
+            </a:r>
+          </a:p>
+          <a:p>
+            <a:r>
+              <a:rPr lang="en-US" sz="1200" dirty="0">
+                <a:solidFill>
+                  <a:schemeClr val="bg1"/>
+                </a:solidFill>
+                <a:latin typeface="DM Sans" pitchFamily="2" charset="0"/>
+                <a:cs typeface="Calibri Light" panose="020F0302020204030204" pitchFamily="34" charset="0"/>
+              </a:rPr>
+              <a:t>Alzheimer’s Disease</a:t>
+            </a:r>
+            <a:endParaRPr lang="en-US" sz="2400" dirty="0">
+              <a:solidFill>
+                <a:schemeClr val="bg1"/>
+              </a:solidFill>
+              <a:latin typeface="DM Sans" pitchFamily="2" charset="0"/>
+              <a:cs typeface="Calibri Light" panose="020F0302020204030204" pitchFamily="34" charset="0"/>
+            </a:endParaRPr>
+          </a:p>
+        </p:txBody>
+      </p:sp>
+      <p:sp>
+        <p:nvSpPr>
+          <p:cNvPr id="12" name="Textfeld 11">
+            <a:extLst>
+              <a:ext uri="{FF2B5EF4-FFF2-40B4-BE49-F238E27FC236}">
+                <a16:creationId xmlns:a16="http://schemas.microsoft.com/office/drawing/2014/main" id="{E316DA12-7053-DD76-3A84-1D76805C55FA}"/>
+              </a:ext>
+            </a:extLst>
+          </p:cNvPr>
+          <p:cNvSpPr txBox="1"/>
+          <p:nvPr/>
+        </p:nvSpPr>
+        <p:spPr>
+          <a:xfrm>
+            <a:off x="353683" y="4371412"/>
+            <a:ext cx="2057400" cy="523220"/>
+          </a:xfrm>
+          <a:prstGeom prst="rect">
+            <a:avLst/>
+          </a:prstGeom>
+          <a:noFill/>
+        </p:spPr>
+        <p:txBody>
+          <a:bodyPr wrap="square" rtlCol="0">
+            <a:spAutoFit/>
+          </a:bodyPr>
+          <a:lstStyle/>
+          <a:p>
+            <a:r>
+              <a:rPr lang="en-US" sz="1600" b="1" dirty="0">
+                <a:solidFill>
+                  <a:schemeClr val="bg1"/>
+                </a:solidFill>
+                <a:latin typeface="DM Sans" pitchFamily="2" charset="0"/>
+                <a:cs typeface="Calibri Light" panose="020F0302020204030204" pitchFamily="34" charset="0"/>
+              </a:rPr>
+              <a:t>DKC1</a:t>
+            </a:r>
+            <a:r>
+              <a:rPr lang="en-US" sz="1600" b="1" baseline="30000" dirty="0">
+                <a:solidFill>
+                  <a:schemeClr val="bg1"/>
+                </a:solidFill>
+                <a:latin typeface="DM Sans" pitchFamily="2" charset="0"/>
+                <a:cs typeface="Calibri Light" panose="020F0302020204030204" pitchFamily="34" charset="0"/>
+              </a:rPr>
+              <a:t>[7]</a:t>
+            </a:r>
+          </a:p>
+          <a:p>
+            <a:r>
+              <a:rPr lang="en-US" sz="1200" dirty="0">
+                <a:solidFill>
+                  <a:schemeClr val="bg1"/>
+                </a:solidFill>
+                <a:latin typeface="DM Sans" pitchFamily="2" charset="0"/>
+                <a:cs typeface="Calibri Light" panose="020F0302020204030204" pitchFamily="34" charset="0"/>
+              </a:rPr>
+              <a:t>Dyskeratosis congenita</a:t>
+            </a:r>
+            <a:endParaRPr lang="en-US" sz="2400" dirty="0">
+              <a:solidFill>
+                <a:schemeClr val="bg1"/>
+              </a:solidFill>
+              <a:latin typeface="DM Sans" pitchFamily="2" charset="0"/>
+              <a:cs typeface="Calibri Light" panose="020F0302020204030204" pitchFamily="34" charset="0"/>
+            </a:endParaRPr>
+          </a:p>
+        </p:txBody>
+      </p:sp>
+      <p:sp>
+        <p:nvSpPr>
+          <p:cNvPr id="14" name="Textfeld 13">
+            <a:extLst>
+              <a:ext uri="{FF2B5EF4-FFF2-40B4-BE49-F238E27FC236}">
+                <a16:creationId xmlns:a16="http://schemas.microsoft.com/office/drawing/2014/main" id="{B255CC3B-4617-A821-3004-8733CA49450D}"/>
+              </a:ext>
+            </a:extLst>
+          </p:cNvPr>
+          <p:cNvSpPr txBox="1"/>
+          <p:nvPr/>
+        </p:nvSpPr>
+        <p:spPr>
+          <a:xfrm>
+            <a:off x="353683" y="2410490"/>
+            <a:ext cx="2203093" cy="523220"/>
+          </a:xfrm>
+          <a:prstGeom prst="rect">
+            <a:avLst/>
+          </a:prstGeom>
+          <a:noFill/>
+        </p:spPr>
+        <p:txBody>
+          <a:bodyPr wrap="square" rtlCol="0">
+            <a:spAutoFit/>
+          </a:bodyPr>
+          <a:lstStyle/>
+          <a:p>
+            <a:r>
+              <a:rPr lang="en-US" sz="1600" b="1" dirty="0">
+                <a:solidFill>
+                  <a:schemeClr val="bg1"/>
+                </a:solidFill>
+                <a:latin typeface="DM Sans" pitchFamily="2" charset="0"/>
+                <a:cs typeface="Calibri Light" panose="020F0302020204030204" pitchFamily="34" charset="0"/>
+              </a:rPr>
+              <a:t>RBFOX2</a:t>
+            </a:r>
+            <a:r>
+              <a:rPr lang="en-US" sz="1600" b="1" baseline="30000" dirty="0">
+                <a:solidFill>
+                  <a:schemeClr val="bg1"/>
+                </a:solidFill>
+                <a:latin typeface="DM Sans" pitchFamily="2" charset="0"/>
+                <a:cs typeface="Calibri Light" panose="020F0302020204030204" pitchFamily="34" charset="0"/>
+              </a:rPr>
+              <a:t>[6]</a:t>
+            </a:r>
+          </a:p>
+          <a:p>
+            <a:r>
+              <a:rPr lang="en-US" sz="1200" dirty="0">
+                <a:solidFill>
+                  <a:schemeClr val="bg1"/>
+                </a:solidFill>
+                <a:latin typeface="DM Sans" pitchFamily="2" charset="0"/>
+                <a:cs typeface="Calibri Light" panose="020F0302020204030204" pitchFamily="34" charset="0"/>
+              </a:rPr>
+              <a:t>Diabetic cardiomyopathy</a:t>
+            </a:r>
+          </a:p>
+        </p:txBody>
+      </p:sp>
+      <p:sp>
+        <p:nvSpPr>
+          <p:cNvPr id="15" name="Textfeld 14">
+            <a:extLst>
+              <a:ext uri="{FF2B5EF4-FFF2-40B4-BE49-F238E27FC236}">
+                <a16:creationId xmlns:a16="http://schemas.microsoft.com/office/drawing/2014/main" id="{A12395AF-816E-4AF7-3114-79F133F3FFEA}"/>
+              </a:ext>
+            </a:extLst>
+          </p:cNvPr>
+          <p:cNvSpPr txBox="1"/>
+          <p:nvPr/>
+        </p:nvSpPr>
+        <p:spPr>
+          <a:xfrm>
+            <a:off x="353683" y="1863383"/>
+            <a:ext cx="2057400" cy="523220"/>
+          </a:xfrm>
+          <a:prstGeom prst="rect">
+            <a:avLst/>
+          </a:prstGeom>
+          <a:noFill/>
+        </p:spPr>
+        <p:txBody>
+          <a:bodyPr wrap="square" rtlCol="0">
+            <a:spAutoFit/>
+          </a:bodyPr>
+          <a:lstStyle/>
+          <a:p>
+            <a:r>
+              <a:rPr lang="en-US" sz="1600" b="1" dirty="0">
+                <a:solidFill>
+                  <a:schemeClr val="bg1"/>
+                </a:solidFill>
+                <a:latin typeface="DM Sans" pitchFamily="2" charset="0"/>
+                <a:cs typeface="Calibri Light" panose="020F0302020204030204" pitchFamily="34" charset="0"/>
+              </a:rPr>
+              <a:t>TTP</a:t>
+            </a:r>
+            <a:r>
+              <a:rPr lang="en-US" sz="1600" b="1" baseline="30000" dirty="0">
+                <a:solidFill>
+                  <a:schemeClr val="bg1"/>
+                </a:solidFill>
+                <a:latin typeface="DM Sans" pitchFamily="2" charset="0"/>
+                <a:cs typeface="Calibri Light" panose="020F0302020204030204" pitchFamily="34" charset="0"/>
+              </a:rPr>
+              <a:t>[6]</a:t>
+            </a:r>
+          </a:p>
+          <a:p>
+            <a:r>
+              <a:rPr lang="en-US" sz="1200" dirty="0">
+                <a:solidFill>
+                  <a:schemeClr val="bg1"/>
+                </a:solidFill>
+                <a:latin typeface="DM Sans" pitchFamily="2" charset="0"/>
+                <a:cs typeface="Calibri Light" panose="020F0302020204030204" pitchFamily="34" charset="0"/>
+              </a:rPr>
+              <a:t>Atherosclerosis</a:t>
+            </a:r>
+          </a:p>
+        </p:txBody>
+      </p:sp>
+      <p:sp>
+        <p:nvSpPr>
+          <p:cNvPr id="17" name="Textfeld 16">
+            <a:extLst>
+              <a:ext uri="{FF2B5EF4-FFF2-40B4-BE49-F238E27FC236}">
+                <a16:creationId xmlns:a16="http://schemas.microsoft.com/office/drawing/2014/main" id="{E088EB08-788E-15F8-5528-CD5921F2E275}"/>
+              </a:ext>
+            </a:extLst>
+          </p:cNvPr>
+          <p:cNvSpPr txBox="1"/>
+          <p:nvPr/>
+        </p:nvSpPr>
+        <p:spPr>
+          <a:xfrm>
+            <a:off x="353683" y="1305399"/>
+            <a:ext cx="3487125" cy="523220"/>
+          </a:xfrm>
+          <a:prstGeom prst="rect">
+            <a:avLst/>
+          </a:prstGeom>
+          <a:noFill/>
+        </p:spPr>
+        <p:txBody>
+          <a:bodyPr wrap="square" rtlCol="0">
+            <a:spAutoFit/>
+          </a:bodyPr>
+          <a:lstStyle/>
+          <a:p>
+            <a:r>
+              <a:rPr lang="en-US" sz="1600" b="1" dirty="0">
+                <a:solidFill>
+                  <a:schemeClr val="bg1"/>
+                </a:solidFill>
+                <a:latin typeface="DM Sans" pitchFamily="2" charset="0"/>
+                <a:cs typeface="Calibri Light" panose="020F0302020204030204" pitchFamily="34" charset="0"/>
+              </a:rPr>
+              <a:t>ATXN2, hnRNPA1, MATR3, TIA-1</a:t>
+            </a:r>
+            <a:r>
+              <a:rPr lang="en-US" sz="1600" b="1" baseline="30000" dirty="0">
+                <a:solidFill>
+                  <a:schemeClr val="bg1"/>
+                </a:solidFill>
+                <a:latin typeface="DM Sans" pitchFamily="2" charset="0"/>
+                <a:cs typeface="Calibri Light" panose="020F0302020204030204" pitchFamily="34" charset="0"/>
+              </a:rPr>
+              <a:t>[6]</a:t>
+            </a:r>
+          </a:p>
+          <a:p>
+            <a:r>
+              <a:rPr lang="en-US" sz="1200" dirty="0">
+                <a:solidFill>
+                  <a:schemeClr val="bg1"/>
+                </a:solidFill>
+                <a:latin typeface="DM Sans" pitchFamily="2" charset="0"/>
+                <a:cs typeface="Calibri Light" panose="020F0302020204030204" pitchFamily="34" charset="0"/>
+              </a:rPr>
+              <a:t>Amyotrophic lateral sclerosis (ALS)</a:t>
+            </a:r>
+          </a:p>
+        </p:txBody>
+      </p:sp>
+      <p:sp>
+        <p:nvSpPr>
+          <p:cNvPr id="18" name="Textfeld 17">
+            <a:extLst>
+              <a:ext uri="{FF2B5EF4-FFF2-40B4-BE49-F238E27FC236}">
+                <a16:creationId xmlns:a16="http://schemas.microsoft.com/office/drawing/2014/main" id="{273E90D7-DC24-453A-DF6E-7ADD99AE7DF9}"/>
+              </a:ext>
+            </a:extLst>
+          </p:cNvPr>
+          <p:cNvSpPr txBox="1"/>
+          <p:nvPr/>
+        </p:nvSpPr>
+        <p:spPr>
+          <a:xfrm>
+            <a:off x="5979663" y="1217385"/>
+            <a:ext cx="3022600" cy="523220"/>
+          </a:xfrm>
+          <a:prstGeom prst="rect">
+            <a:avLst/>
+          </a:prstGeom>
+          <a:noFill/>
+        </p:spPr>
+        <p:txBody>
+          <a:bodyPr wrap="square" rtlCol="0">
+            <a:spAutoFit/>
+          </a:bodyPr>
+          <a:lstStyle/>
+          <a:p>
+            <a:r>
+              <a:rPr lang="en-US" sz="1600" b="1" dirty="0">
+                <a:solidFill>
+                  <a:schemeClr val="bg1"/>
+                </a:solidFill>
+                <a:latin typeface="DM Sans" pitchFamily="2" charset="0"/>
+                <a:cs typeface="Calibri Light" panose="020F0302020204030204" pitchFamily="34" charset="0"/>
+              </a:rPr>
+              <a:t>TTP, FUS, EWS, TAF15</a:t>
+            </a:r>
+            <a:r>
+              <a:rPr lang="en-US" sz="1600" b="1" baseline="30000" dirty="0">
+                <a:solidFill>
+                  <a:schemeClr val="bg1"/>
+                </a:solidFill>
+                <a:latin typeface="DM Sans" pitchFamily="2" charset="0"/>
+                <a:cs typeface="Calibri Light" panose="020F0302020204030204" pitchFamily="34" charset="0"/>
+              </a:rPr>
+              <a:t>[8]</a:t>
+            </a:r>
+          </a:p>
+          <a:p>
+            <a:r>
+              <a:rPr lang="en-US" sz="1200" dirty="0">
+                <a:solidFill>
+                  <a:schemeClr val="bg1"/>
+                </a:solidFill>
+                <a:latin typeface="DM Sans" pitchFamily="2" charset="0"/>
+                <a:cs typeface="Calibri Light" panose="020F0302020204030204" pitchFamily="34" charset="0"/>
+              </a:rPr>
+              <a:t>Frontotemporal Lobar Dementia (FTLD)</a:t>
+            </a:r>
+          </a:p>
+        </p:txBody>
+      </p:sp>
+      <p:sp>
+        <p:nvSpPr>
+          <p:cNvPr id="19" name="Textfeld 18">
+            <a:extLst>
+              <a:ext uri="{FF2B5EF4-FFF2-40B4-BE49-F238E27FC236}">
+                <a16:creationId xmlns:a16="http://schemas.microsoft.com/office/drawing/2014/main" id="{D9D8FD90-51C1-3CCE-6C0C-ABE517A9E6F2}"/>
+              </a:ext>
+            </a:extLst>
+          </p:cNvPr>
+          <p:cNvSpPr txBox="1"/>
+          <p:nvPr/>
+        </p:nvSpPr>
+        <p:spPr>
+          <a:xfrm>
+            <a:off x="353683" y="3729830"/>
+            <a:ext cx="1869374" cy="523220"/>
+          </a:xfrm>
+          <a:prstGeom prst="rect">
+            <a:avLst/>
+          </a:prstGeom>
+          <a:noFill/>
+        </p:spPr>
+        <p:txBody>
+          <a:bodyPr wrap="square" rtlCol="0">
+            <a:spAutoFit/>
+          </a:bodyPr>
+          <a:lstStyle/>
+          <a:p>
+            <a:r>
+              <a:rPr lang="en-US" sz="1600" b="1" dirty="0">
+                <a:solidFill>
+                  <a:schemeClr val="bg1"/>
+                </a:solidFill>
+                <a:latin typeface="DM Sans" pitchFamily="2" charset="0"/>
+                <a:cs typeface="Calibri Light" panose="020F0302020204030204" pitchFamily="34" charset="0"/>
+              </a:rPr>
+              <a:t>FMRP</a:t>
+            </a:r>
+            <a:r>
+              <a:rPr lang="en-US" sz="1600" b="1" baseline="30000" dirty="0">
+                <a:solidFill>
+                  <a:schemeClr val="bg1"/>
+                </a:solidFill>
+                <a:latin typeface="DM Sans" pitchFamily="2" charset="0"/>
+                <a:cs typeface="Calibri Light" panose="020F0302020204030204" pitchFamily="34" charset="0"/>
+              </a:rPr>
+              <a:t>[8]</a:t>
+            </a:r>
+          </a:p>
+          <a:p>
+            <a:r>
+              <a:rPr lang="en-US" sz="1200" dirty="0">
+                <a:solidFill>
+                  <a:schemeClr val="bg1"/>
+                </a:solidFill>
+                <a:latin typeface="DM Sans" pitchFamily="2" charset="0"/>
+                <a:cs typeface="Calibri Light" panose="020F0302020204030204" pitchFamily="34" charset="0"/>
+              </a:rPr>
+              <a:t>Fragile X Syndrome</a:t>
+            </a:r>
+          </a:p>
+        </p:txBody>
+      </p:sp>
+      <p:sp>
+        <p:nvSpPr>
+          <p:cNvPr id="21" name="Textfeld 20">
+            <a:extLst>
+              <a:ext uri="{FF2B5EF4-FFF2-40B4-BE49-F238E27FC236}">
+                <a16:creationId xmlns:a16="http://schemas.microsoft.com/office/drawing/2014/main" id="{28EA6AA9-2516-8CBB-F94A-C4FDB78F45BF}"/>
+              </a:ext>
+            </a:extLst>
+          </p:cNvPr>
+          <p:cNvSpPr txBox="1"/>
+          <p:nvPr/>
+        </p:nvSpPr>
+        <p:spPr>
+          <a:xfrm>
+            <a:off x="5979663" y="2493011"/>
+            <a:ext cx="2378515" cy="523220"/>
+          </a:xfrm>
+          <a:prstGeom prst="rect">
+            <a:avLst/>
+          </a:prstGeom>
+          <a:noFill/>
+        </p:spPr>
+        <p:txBody>
+          <a:bodyPr wrap="square" rtlCol="0">
+            <a:spAutoFit/>
+          </a:bodyPr>
+          <a:lstStyle/>
+          <a:p>
+            <a:r>
+              <a:rPr lang="en-US" sz="1600" b="1" dirty="0">
+                <a:solidFill>
+                  <a:schemeClr val="bg1"/>
+                </a:solidFill>
+                <a:latin typeface="DM Sans" pitchFamily="2" charset="0"/>
+                <a:cs typeface="Calibri Light" panose="020F0302020204030204" pitchFamily="34" charset="0"/>
+              </a:rPr>
+              <a:t>SMN</a:t>
+            </a:r>
+            <a:r>
+              <a:rPr lang="en-US" sz="1600" b="1" baseline="30000" dirty="0">
+                <a:solidFill>
+                  <a:schemeClr val="bg1"/>
+                </a:solidFill>
+                <a:latin typeface="DM Sans" pitchFamily="2" charset="0"/>
+                <a:cs typeface="Calibri Light" panose="020F0302020204030204" pitchFamily="34" charset="0"/>
+              </a:rPr>
+              <a:t>[8]</a:t>
+            </a:r>
+          </a:p>
+          <a:p>
+            <a:r>
+              <a:rPr lang="en-US" sz="1200" dirty="0">
+                <a:solidFill>
+                  <a:schemeClr val="bg1"/>
+                </a:solidFill>
+                <a:latin typeface="DM Sans" pitchFamily="2" charset="0"/>
+                <a:cs typeface="Calibri Light" panose="020F0302020204030204" pitchFamily="34" charset="0"/>
+              </a:rPr>
+              <a:t>Spinal Muscular Atrophy (SMA)</a:t>
+            </a:r>
+          </a:p>
+        </p:txBody>
+      </p:sp>
+      <p:sp>
+        <p:nvSpPr>
+          <p:cNvPr id="23" name="Textfeld 22">
+            <a:extLst>
+              <a:ext uri="{FF2B5EF4-FFF2-40B4-BE49-F238E27FC236}">
+                <a16:creationId xmlns:a16="http://schemas.microsoft.com/office/drawing/2014/main" id="{105EF158-40B1-C99B-EC91-4514EB0E7C99}"/>
+              </a:ext>
+            </a:extLst>
+          </p:cNvPr>
+          <p:cNvSpPr txBox="1"/>
+          <p:nvPr/>
+        </p:nvSpPr>
+        <p:spPr>
+          <a:xfrm>
+            <a:off x="3644342" y="2057197"/>
+            <a:ext cx="1855315" cy="1569660"/>
+          </a:xfrm>
+          <a:prstGeom prst="rect">
+            <a:avLst/>
+          </a:prstGeom>
+          <a:noFill/>
+          <a:ln w="19050">
+            <a:solidFill>
+              <a:schemeClr val="bg1"/>
+            </a:solidFill>
+          </a:ln>
+        </p:spPr>
+        <p:txBody>
+          <a:bodyPr wrap="square" rtlCol="0">
+            <a:spAutoFit/>
+          </a:bodyPr>
+          <a:lstStyle/>
+          <a:p>
+            <a:r>
+              <a:rPr lang="en-US" sz="1600" b="1" dirty="0">
+                <a:solidFill>
+                  <a:schemeClr val="bg1"/>
+                </a:solidFill>
+                <a:latin typeface="DM Sans" pitchFamily="2" charset="0"/>
+                <a:cs typeface="Calibri Light" panose="020F0302020204030204" pitchFamily="34" charset="0"/>
+              </a:rPr>
+              <a:t>(Selection of) RBPs Whose Malfunction Has Been Associated With Human Diseases</a:t>
+            </a:r>
+          </a:p>
+        </p:txBody>
+      </p:sp>
+    </p:spTree>
+    <p:extLst>
+      <p:ext uri="{BB962C8B-B14F-4D97-AF65-F5344CB8AC3E}">
+        <p14:creationId xmlns:p14="http://schemas.microsoft.com/office/powerpoint/2010/main" val="1344057680"/>
+      </p:ext>
+    </p:extLst>
+  </p:cSld>
+  <p:clrMapOvr>
+    <a:masterClrMapping/>
+  </p:clrMapOvr>
+</p:sld>
+</file>
+
+<file path=ppt/slides/slide4.xml><?xml version="1.0" encoding="utf-8"?>
+<p:sld xmlns:a="http://schemas.openxmlformats.org/drawingml/2006/main" xmlns:r="http://schemas.openxmlformats.org/officeDocument/2006/relationships" xmlns:p="http://schemas.openxmlformats.org/presentationml/2006/main">
+  <p:cSld>
+    <p:spTree>
+      <p:nvGrpSpPr>
+        <p:cNvPr id="1" name=""/>
+        <p:cNvGrpSpPr/>
+        <p:nvPr/>
+      </p:nvGrpSpPr>
+      <p:grpSpPr>
+        <a:xfrm>
+          <a:off x="0" y="0"/>
+          <a:ext cx="0" cy="0"/>
+          <a:chOff x="0" y="0"/>
+          <a:chExt cx="0" cy="0"/>
+        </a:xfrm>
+      </p:grpSpPr>
+      <p:sp>
+        <p:nvSpPr>
+          <p:cNvPr id="10" name="Textfeld 9">
+            <a:extLst>
+              <a:ext uri="{FF2B5EF4-FFF2-40B4-BE49-F238E27FC236}">
+                <a16:creationId xmlns:a16="http://schemas.microsoft.com/office/drawing/2014/main" id="{FD433997-33F5-9575-5F92-8DF46FE3689F}"/>
+              </a:ext>
+            </a:extLst>
+          </p:cNvPr>
+          <p:cNvSpPr txBox="1"/>
+          <p:nvPr/>
+        </p:nvSpPr>
+        <p:spPr>
+          <a:xfrm>
+            <a:off x="353683" y="285750"/>
+            <a:ext cx="8383917" cy="461665"/>
+          </a:xfrm>
+          <a:prstGeom prst="rect">
+            <a:avLst/>
+          </a:prstGeom>
+          <a:noFill/>
+        </p:spPr>
+        <p:txBody>
+          <a:bodyPr wrap="square">
+            <a:spAutoFit/>
+          </a:bodyPr>
+          <a:lstStyle/>
+          <a:p>
+            <a:r>
+              <a:rPr lang="de-DE" sz="2400" b="1" dirty="0">
+                <a:solidFill>
+                  <a:schemeClr val="bg1"/>
+                </a:solidFill>
+                <a:latin typeface="DM Sans" pitchFamily="2" charset="0"/>
+                <a:cs typeface="Calibri Light" panose="020F0302020204030204" pitchFamily="34" charset="0"/>
+              </a:rPr>
+              <a:t>What </a:t>
+            </a:r>
+            <a:r>
+              <a:rPr lang="de-DE" sz="2400" b="1" dirty="0" err="1">
+                <a:solidFill>
+                  <a:schemeClr val="bg1"/>
+                </a:solidFill>
+                <a:latin typeface="DM Sans" pitchFamily="2" charset="0"/>
+                <a:cs typeface="Calibri Light" panose="020F0302020204030204" pitchFamily="34" charset="0"/>
+              </a:rPr>
+              <a:t>are</a:t>
+            </a:r>
+            <a:r>
+              <a:rPr lang="de-DE" sz="2400" b="1" dirty="0">
+                <a:solidFill>
+                  <a:schemeClr val="bg1"/>
+                </a:solidFill>
+                <a:latin typeface="DM Sans" pitchFamily="2" charset="0"/>
+                <a:cs typeface="Calibri Light" panose="020F0302020204030204" pitchFamily="34" charset="0"/>
+              </a:rPr>
+              <a:t> R-</a:t>
+            </a:r>
+            <a:r>
+              <a:rPr lang="de-DE" sz="2400" b="1" dirty="0" err="1">
+                <a:solidFill>
+                  <a:schemeClr val="bg1"/>
+                </a:solidFill>
+                <a:latin typeface="DM Sans" pitchFamily="2" charset="0"/>
+                <a:cs typeface="Calibri Light" panose="020F0302020204030204" pitchFamily="34" charset="0"/>
+              </a:rPr>
+              <a:t>DeePs</a:t>
+            </a:r>
+            <a:r>
+              <a:rPr lang="de-DE" sz="2400" b="1" dirty="0">
+                <a:solidFill>
+                  <a:schemeClr val="bg1"/>
+                </a:solidFill>
+                <a:latin typeface="DM Sans" pitchFamily="2" charset="0"/>
+                <a:cs typeface="Calibri Light" panose="020F0302020204030204" pitchFamily="34" charset="0"/>
+              </a:rPr>
+              <a:t> and </a:t>
+            </a:r>
+            <a:r>
+              <a:rPr lang="de-DE" sz="2400" b="1" dirty="0" err="1">
+                <a:solidFill>
+                  <a:schemeClr val="bg1"/>
+                </a:solidFill>
+                <a:latin typeface="DM Sans" pitchFamily="2" charset="0"/>
+                <a:cs typeface="Calibri Light" panose="020F0302020204030204" pitchFamily="34" charset="0"/>
+              </a:rPr>
+              <a:t>how</a:t>
+            </a:r>
+            <a:r>
+              <a:rPr lang="de-DE" sz="2400" b="1" dirty="0">
+                <a:solidFill>
+                  <a:schemeClr val="bg1"/>
+                </a:solidFill>
+                <a:latin typeface="DM Sans" pitchFamily="2" charset="0"/>
+                <a:cs typeface="Calibri Light" panose="020F0302020204030204" pitchFamily="34" charset="0"/>
+              </a:rPr>
+              <a:t> do </a:t>
+            </a:r>
+            <a:r>
+              <a:rPr lang="de-DE" sz="2400" b="1" dirty="0" err="1">
+                <a:solidFill>
+                  <a:schemeClr val="bg1"/>
+                </a:solidFill>
+                <a:latin typeface="DM Sans" pitchFamily="2" charset="0"/>
+                <a:cs typeface="Calibri Light" panose="020F0302020204030204" pitchFamily="34" charset="0"/>
+              </a:rPr>
+              <a:t>we</a:t>
+            </a:r>
+            <a:r>
+              <a:rPr lang="de-DE" sz="2400" b="1" dirty="0">
+                <a:solidFill>
+                  <a:schemeClr val="bg1"/>
+                </a:solidFill>
+                <a:latin typeface="DM Sans" pitchFamily="2" charset="0"/>
+                <a:cs typeface="Calibri Light" panose="020F0302020204030204" pitchFamily="34" charset="0"/>
+              </a:rPr>
+              <a:t> </a:t>
+            </a:r>
+            <a:r>
+              <a:rPr lang="de-DE" sz="2400" b="1" dirty="0" err="1">
+                <a:solidFill>
+                  <a:schemeClr val="bg1"/>
+                </a:solidFill>
+                <a:latin typeface="DM Sans" pitchFamily="2" charset="0"/>
+                <a:cs typeface="Calibri Light" panose="020F0302020204030204" pitchFamily="34" charset="0"/>
+              </a:rPr>
+              <a:t>test</a:t>
+            </a:r>
+            <a:r>
+              <a:rPr lang="de-DE" sz="2400" b="1" dirty="0">
+                <a:solidFill>
+                  <a:schemeClr val="bg1"/>
+                </a:solidFill>
+                <a:latin typeface="DM Sans" pitchFamily="2" charset="0"/>
+                <a:cs typeface="Calibri Light" panose="020F0302020204030204" pitchFamily="34" charset="0"/>
+              </a:rPr>
+              <a:t> them?</a:t>
+            </a:r>
+          </a:p>
+        </p:txBody>
+      </p:sp>
+      <p:sp>
+        <p:nvSpPr>
+          <p:cNvPr id="11" name="Textfeld 10">
+            <a:extLst>
+              <a:ext uri="{FF2B5EF4-FFF2-40B4-BE49-F238E27FC236}">
+                <a16:creationId xmlns:a16="http://schemas.microsoft.com/office/drawing/2014/main" id="{9582C09F-FEF6-4E44-92F7-F91124CBD38F}"/>
+              </a:ext>
+            </a:extLst>
+          </p:cNvPr>
+          <p:cNvSpPr txBox="1"/>
+          <p:nvPr/>
+        </p:nvSpPr>
+        <p:spPr>
+          <a:xfrm>
+            <a:off x="353683" y="2057828"/>
+            <a:ext cx="3885123" cy="1200329"/>
+          </a:xfrm>
+          <a:prstGeom prst="rect">
+            <a:avLst/>
+          </a:prstGeom>
+          <a:noFill/>
+          <a:ln w="28575">
+            <a:solidFill>
+              <a:schemeClr val="bg1">
+                <a:lumMod val="90000"/>
+                <a:lumOff val="10000"/>
+              </a:schemeClr>
+            </a:solidFill>
+          </a:ln>
+        </p:spPr>
+        <p:txBody>
+          <a:bodyPr wrap="square">
+            <a:spAutoFit/>
+          </a:bodyPr>
+          <a:lstStyle/>
+          <a:p>
+            <a:pPr algn="ctr"/>
+            <a:r>
+              <a:rPr lang="en-US" sz="2400" b="1" dirty="0">
+                <a:solidFill>
+                  <a:schemeClr val="bg1"/>
+                </a:solidFill>
+                <a:latin typeface="DM Sans" pitchFamily="2" charset="0"/>
+                <a:cs typeface="Calibri Light" panose="020F0302020204030204" pitchFamily="34" charset="0"/>
+              </a:rPr>
+              <a:t>Proteins where the interactome depends on RNA!</a:t>
+            </a:r>
+          </a:p>
+        </p:txBody>
+      </p:sp>
+      <p:sp>
+        <p:nvSpPr>
+          <p:cNvPr id="3" name="Bogen 2">
+            <a:extLst>
+              <a:ext uri="{FF2B5EF4-FFF2-40B4-BE49-F238E27FC236}">
+                <a16:creationId xmlns:a16="http://schemas.microsoft.com/office/drawing/2014/main" id="{5A171479-B628-85A6-B980-1587490F0EA2}"/>
+              </a:ext>
+            </a:extLst>
+          </p:cNvPr>
+          <p:cNvSpPr/>
+          <p:nvPr/>
+        </p:nvSpPr>
+        <p:spPr>
+          <a:xfrm rot="19365738">
+            <a:off x="3164776" y="1713469"/>
+            <a:ext cx="2216306" cy="1512329"/>
+          </a:xfrm>
+          <a:prstGeom prst="arc">
+            <a:avLst/>
+          </a:prstGeom>
+          <a:ln w="28575" cap="flat" cmpd="sng" algn="ctr">
+            <a:solidFill>
+              <a:schemeClr val="bg1">
+                <a:lumMod val="90000"/>
+                <a:lumOff val="10000"/>
+              </a:schemeClr>
+            </a:solidFill>
+            <a:prstDash val="solid"/>
+            <a:round/>
+            <a:headEnd type="none" w="med" len="med"/>
+            <a:tailEnd type="arrow" w="med" len="med"/>
+          </a:ln>
+        </p:spPr>
+        <p:style>
+          <a:lnRef idx="0">
+            <a:scrgbClr r="0" g="0" b="0"/>
+          </a:lnRef>
+          <a:fillRef idx="0">
+            <a:scrgbClr r="0" g="0" b="0"/>
+          </a:fillRef>
+          <a:effectRef idx="0">
+            <a:scrgbClr r="0" g="0" b="0"/>
+          </a:effectRef>
+          <a:fontRef idx="minor">
+            <a:schemeClr val="tx1"/>
+          </a:fontRef>
+        </p:style>
+        <p:txBody>
+          <a:bodyPr rtlCol="0" anchor="ctr"/>
+          <a:lstStyle/>
+          <a:p>
+            <a:pPr algn="ctr"/>
+            <a:endParaRPr lang="de-DE"/>
+          </a:p>
+        </p:txBody>
+      </p:sp>
+      <p:sp>
+        <p:nvSpPr>
+          <p:cNvPr id="4" name="Textfeld 3">
+            <a:extLst>
+              <a:ext uri="{FF2B5EF4-FFF2-40B4-BE49-F238E27FC236}">
+                <a16:creationId xmlns:a16="http://schemas.microsoft.com/office/drawing/2014/main" id="{62596709-1292-F133-2D66-B3E485684927}"/>
+              </a:ext>
+            </a:extLst>
+          </p:cNvPr>
+          <p:cNvSpPr txBox="1"/>
+          <p:nvPr/>
+        </p:nvSpPr>
+        <p:spPr>
+          <a:xfrm>
+            <a:off x="4201599" y="1161849"/>
+            <a:ext cx="747677" cy="307777"/>
+          </a:xfrm>
+          <a:prstGeom prst="rect">
+            <a:avLst/>
+          </a:prstGeom>
+          <a:noFill/>
+          <a:ln>
+            <a:solidFill>
+              <a:schemeClr val="bg1">
+                <a:lumMod val="90000"/>
+                <a:lumOff val="10000"/>
+              </a:schemeClr>
+            </a:solidFill>
+          </a:ln>
+        </p:spPr>
+        <p:txBody>
+          <a:bodyPr wrap="square" rtlCol="0">
+            <a:spAutoFit/>
+          </a:bodyPr>
+          <a:lstStyle/>
+          <a:p>
+            <a:pPr algn="ctr"/>
+            <a:r>
+              <a:rPr lang="de-DE" sz="1400" b="1" dirty="0" err="1">
+                <a:solidFill>
+                  <a:schemeClr val="bg1"/>
+                </a:solidFill>
+                <a:latin typeface="DM Sans" pitchFamily="2" charset="0"/>
+                <a:cs typeface="Calibri Light" panose="020F0302020204030204" pitchFamily="34" charset="0"/>
+              </a:rPr>
+              <a:t>RNase</a:t>
+            </a:r>
+            <a:endParaRPr lang="de-DE" dirty="0"/>
+          </a:p>
+        </p:txBody>
+      </p:sp>
+      <p:sp>
+        <p:nvSpPr>
+          <p:cNvPr id="13" name="Textfeld 12">
+            <a:extLst>
+              <a:ext uri="{FF2B5EF4-FFF2-40B4-BE49-F238E27FC236}">
+                <a16:creationId xmlns:a16="http://schemas.microsoft.com/office/drawing/2014/main" id="{ECC8C9C5-ECDC-89BD-9AF6-9DB38FC14C03}"/>
+              </a:ext>
+            </a:extLst>
+          </p:cNvPr>
+          <p:cNvSpPr txBox="1"/>
+          <p:nvPr/>
+        </p:nvSpPr>
+        <p:spPr>
+          <a:xfrm>
+            <a:off x="4905194" y="2057827"/>
+            <a:ext cx="3885123" cy="1200329"/>
+          </a:xfrm>
+          <a:prstGeom prst="rect">
+            <a:avLst/>
+          </a:prstGeom>
+          <a:noFill/>
+          <a:ln w="28575">
+            <a:solidFill>
+              <a:schemeClr val="bg1">
+                <a:lumMod val="90000"/>
+                <a:lumOff val="10000"/>
+              </a:schemeClr>
+            </a:solidFill>
+          </a:ln>
+        </p:spPr>
+        <p:txBody>
+          <a:bodyPr wrap="square">
+            <a:spAutoFit/>
+          </a:bodyPr>
+          <a:lstStyle/>
+          <a:p>
+            <a:pPr algn="ctr"/>
+            <a:r>
+              <a:rPr lang="en-US" sz="2400" b="1" dirty="0">
+                <a:solidFill>
+                  <a:schemeClr val="bg1"/>
+                </a:solidFill>
+                <a:latin typeface="DM Sans" pitchFamily="2" charset="0"/>
+                <a:cs typeface="Calibri Light" panose="020F0302020204030204" pitchFamily="34" charset="0"/>
+              </a:rPr>
+              <a:t>Change in RNA-interactions lead to change in data.</a:t>
+            </a:r>
+          </a:p>
+        </p:txBody>
+      </p:sp>
+    </p:spTree>
+    <p:extLst>
+      <p:ext uri="{BB962C8B-B14F-4D97-AF65-F5344CB8AC3E}">
+        <p14:creationId xmlns:p14="http://schemas.microsoft.com/office/powerpoint/2010/main" val="3270479382"/>
+      </p:ext>
+    </p:extLst>
+  </p:cSld>
+  <p:clrMapOvr>
+    <a:masterClrMapping/>
+  </p:clrMapOvr>
+</p:sld>
+</file>
+
+<file path=ppt/slides/slide5.xml><?xml version="1.0" encoding="utf-8"?>
+<p:sld xmlns:a="http://schemas.openxmlformats.org/drawingml/2006/main" xmlns:r="http://schemas.openxmlformats.org/officeDocument/2006/relationships" xmlns:p="http://schemas.openxmlformats.org/presentationml/2006/main">
+  <p:cSld>
+    <p:spTree>
+      <p:nvGrpSpPr>
+        <p:cNvPr id="1" name=""/>
+        <p:cNvGrpSpPr/>
+        <p:nvPr/>
+      </p:nvGrpSpPr>
+      <p:grpSpPr>
+        <a:xfrm>
+          <a:off x="0" y="0"/>
+          <a:ext cx="0" cy="0"/>
+          <a:chOff x="0" y="0"/>
+          <a:chExt cx="0" cy="0"/>
+        </a:xfrm>
+      </p:grpSpPr>
+      <p:sp>
+        <p:nvSpPr>
+          <p:cNvPr id="2" name="Textfeld 1">
+            <a:extLst>
+              <a:ext uri="{FF2B5EF4-FFF2-40B4-BE49-F238E27FC236}">
+                <a16:creationId xmlns:a16="http://schemas.microsoft.com/office/drawing/2014/main" id="{BB855C30-FEBB-17E4-CC32-C95648BABF74}"/>
+              </a:ext>
+            </a:extLst>
+          </p:cNvPr>
+          <p:cNvSpPr txBox="1"/>
+          <p:nvPr/>
+        </p:nvSpPr>
+        <p:spPr>
+          <a:xfrm>
+            <a:off x="353683" y="285750"/>
+            <a:ext cx="8238225" cy="461665"/>
+          </a:xfrm>
+          <a:prstGeom prst="rect">
+            <a:avLst/>
+          </a:prstGeom>
+          <a:noFill/>
+        </p:spPr>
+        <p:txBody>
+          <a:bodyPr wrap="square">
+            <a:spAutoFit/>
+          </a:bodyPr>
+          <a:lstStyle/>
+          <a:p>
+            <a:r>
+              <a:rPr lang="de-DE" sz="2400" b="1" dirty="0" err="1">
+                <a:solidFill>
+                  <a:schemeClr val="bg1"/>
+                </a:solidFill>
+                <a:latin typeface="DM Sans" pitchFamily="2" charset="0"/>
+                <a:cs typeface="Calibri Light" panose="020F0302020204030204" pitchFamily="34" charset="0"/>
+              </a:rPr>
+              <a:t>Example</a:t>
+            </a:r>
+            <a:r>
+              <a:rPr lang="de-DE" sz="2400" b="1" dirty="0">
+                <a:solidFill>
+                  <a:schemeClr val="bg1"/>
+                </a:solidFill>
+                <a:latin typeface="DM Sans" pitchFamily="2" charset="0"/>
+                <a:cs typeface="Calibri Light" panose="020F0302020204030204" pitchFamily="34" charset="0"/>
+              </a:rPr>
+              <a:t> Protein: ELAV1</a:t>
+            </a:r>
+          </a:p>
+        </p:txBody>
+      </p:sp>
+      <p:pic>
+        <p:nvPicPr>
+          <p:cNvPr id="5" name="Grafik 4">
+            <a:extLst>
+              <a:ext uri="{FF2B5EF4-FFF2-40B4-BE49-F238E27FC236}">
+                <a16:creationId xmlns:a16="http://schemas.microsoft.com/office/drawing/2014/main" id="{9D02981D-F64D-6E4A-B211-FE5A56983EB4}"/>
+              </a:ext>
+            </a:extLst>
+          </p:cNvPr>
+          <p:cNvPicPr>
+            <a:picLocks noChangeAspect="1"/>
+          </p:cNvPicPr>
+          <p:nvPr/>
+        </p:nvPicPr>
+        <p:blipFill>
+          <a:blip r:embed="rId3"/>
+          <a:stretch>
+            <a:fillRect/>
+          </a:stretch>
+        </p:blipFill>
+        <p:spPr>
+          <a:xfrm>
+            <a:off x="1213463" y="988576"/>
+            <a:ext cx="6518663" cy="4022946"/>
+          </a:xfrm>
+          <a:prstGeom prst="rect">
+            <a:avLst/>
+          </a:prstGeom>
+        </p:spPr>
+      </p:pic>
+      <p:sp>
+        <p:nvSpPr>
+          <p:cNvPr id="4" name="Textfeld 3">
+            <a:extLst>
+              <a:ext uri="{FF2B5EF4-FFF2-40B4-BE49-F238E27FC236}">
+                <a16:creationId xmlns:a16="http://schemas.microsoft.com/office/drawing/2014/main" id="{EA2B92C6-37C6-D98B-6BB4-A0554E096D03}"/>
+              </a:ext>
+            </a:extLst>
+          </p:cNvPr>
+          <p:cNvSpPr txBox="1"/>
+          <p:nvPr/>
+        </p:nvSpPr>
+        <p:spPr>
+          <a:xfrm rot="10800000">
+            <a:off x="7327321" y="3476904"/>
+            <a:ext cx="292388" cy="1967230"/>
+          </a:xfrm>
+          <a:prstGeom prst="rect">
+            <a:avLst/>
+          </a:prstGeom>
+          <a:noFill/>
+        </p:spPr>
+        <p:txBody>
+          <a:bodyPr vert="vert270" wrap="square" rtlCol="0">
+            <a:spAutoFit/>
+          </a:bodyPr>
+          <a:lstStyle/>
+          <a:p>
+            <a:r>
+              <a:rPr lang="de-DE" sz="700" dirty="0" err="1">
+                <a:solidFill>
+                  <a:schemeClr val="accent6">
+                    <a:lumMod val="50000"/>
+                  </a:schemeClr>
+                </a:solidFill>
+                <a:latin typeface="DM Sans" pitchFamily="2" charset="0"/>
+                <a:cs typeface="Calibri" panose="020F0502020204030204" pitchFamily="34" charset="0"/>
+              </a:rPr>
+              <a:t>Plotted</a:t>
+            </a:r>
+            <a:r>
+              <a:rPr lang="de-DE" sz="700" dirty="0">
+                <a:solidFill>
+                  <a:schemeClr val="accent6">
+                    <a:lumMod val="50000"/>
+                  </a:schemeClr>
+                </a:solidFill>
+                <a:latin typeface="DM Sans" pitchFamily="2" charset="0"/>
+                <a:cs typeface="Calibri" panose="020F0502020204030204" pitchFamily="34" charset="0"/>
+              </a:rPr>
+              <a:t> </a:t>
+            </a:r>
+            <a:r>
+              <a:rPr lang="de-DE" sz="700" dirty="0" err="1">
+                <a:solidFill>
+                  <a:schemeClr val="accent6">
+                    <a:lumMod val="50000"/>
+                  </a:schemeClr>
+                </a:solidFill>
+                <a:latin typeface="DM Sans" pitchFamily="2" charset="0"/>
+                <a:cs typeface="Calibri" panose="020F0502020204030204" pitchFamily="34" charset="0"/>
+              </a:rPr>
+              <a:t>with</a:t>
+            </a:r>
+            <a:r>
+              <a:rPr lang="de-DE" sz="700" dirty="0">
+                <a:solidFill>
+                  <a:schemeClr val="accent6">
+                    <a:lumMod val="50000"/>
+                  </a:schemeClr>
+                </a:solidFill>
+                <a:latin typeface="DM Sans" pitchFamily="2" charset="0"/>
+                <a:cs typeface="Calibri" panose="020F0502020204030204" pitchFamily="34" charset="0"/>
+              </a:rPr>
+              <a:t> R</a:t>
+            </a:r>
+            <a:endParaRPr lang="de-DE" sz="700" dirty="0">
+              <a:solidFill>
+                <a:schemeClr val="bg1"/>
+              </a:solidFill>
+              <a:latin typeface="DM Sans" pitchFamily="2" charset="0"/>
+              <a:cs typeface="Calibri" panose="020F0502020204030204" pitchFamily="34" charset="0"/>
+            </a:endParaRPr>
+          </a:p>
+        </p:txBody>
+      </p:sp>
+    </p:spTree>
+    <p:extLst>
+      <p:ext uri="{BB962C8B-B14F-4D97-AF65-F5344CB8AC3E}">
+        <p14:creationId xmlns:p14="http://schemas.microsoft.com/office/powerpoint/2010/main" val="978085173"/>
+      </p:ext>
+    </p:extLst>
+  </p:cSld>
+  <p:clrMapOvr>
+    <a:masterClrMapping/>
+  </p:clrMapOvr>
+</p:sld>
+</file>
+
+<file path=ppt/slides/slide6.xml><?xml version="1.0" encoding="utf-8"?>
+<p:sld xmlns:a="http://schemas.openxmlformats.org/drawingml/2006/main" xmlns:r="http://schemas.openxmlformats.org/officeDocument/2006/relationships" xmlns:p="http://schemas.openxmlformats.org/presentationml/2006/main">
+  <p:cSld>
+    <p:spTree>
+      <p:nvGrpSpPr>
+        <p:cNvPr id="1" name=""/>
+        <p:cNvGrpSpPr/>
+        <p:nvPr/>
+      </p:nvGrpSpPr>
+      <p:grpSpPr>
+        <a:xfrm>
+          <a:off x="0" y="0"/>
+          <a:ext cx="0" cy="0"/>
+          <a:chOff x="0" y="0"/>
+          <a:chExt cx="0" cy="0"/>
+        </a:xfrm>
+      </p:grpSpPr>
+    </p:spTree>
+    <p:extLst>
+      <p:ext uri="{BB962C8B-B14F-4D97-AF65-F5344CB8AC3E}">
+        <p14:creationId xmlns:p14="http://schemas.microsoft.com/office/powerpoint/2010/main" val="765514077"/>
+      </p:ext>
+    </p:extLst>
+  </p:cSld>
+  <p:clrMapOvr>
+    <a:masterClrMapping/>
+  </p:clrMapOvr>
+</p:sld>
+</file>
+
+<file path=ppt/slides/slide7.xml><?xml version="1.0" encoding="utf-8"?>
+<p:sld xmlns:a="http://schemas.openxmlformats.org/drawingml/2006/main" xmlns:r="http://schemas.openxmlformats.org/officeDocument/2006/relationships" xmlns:p="http://schemas.openxmlformats.org/presentationml/2006/main">
+  <p:cSld>
+    <p:spTree>
+      <p:nvGrpSpPr>
+        <p:cNvPr id="1" name=""/>
+        <p:cNvGrpSpPr/>
+        <p:nvPr/>
+      </p:nvGrpSpPr>
+      <p:grpSpPr>
+        <a:xfrm>
+          <a:off x="0" y="0"/>
+          <a:ext cx="0" cy="0"/>
+          <a:chOff x="0" y="0"/>
+          <a:chExt cx="0" cy="0"/>
+        </a:xfrm>
+      </p:grpSpPr>
+      <p:sp>
+        <p:nvSpPr>
+          <p:cNvPr id="2" name="Textfeld 1">
+            <a:extLst>
+              <a:ext uri="{FF2B5EF4-FFF2-40B4-BE49-F238E27FC236}">
+                <a16:creationId xmlns:a16="http://schemas.microsoft.com/office/drawing/2014/main" id="{58973A92-EB33-65E2-9120-C9DCD10F1FBF}"/>
+              </a:ext>
+            </a:extLst>
+          </p:cNvPr>
+          <p:cNvSpPr txBox="1"/>
+          <p:nvPr/>
+        </p:nvSpPr>
+        <p:spPr>
+          <a:xfrm>
+            <a:off x="1940943" y="1268083"/>
+            <a:ext cx="5046453" cy="307777"/>
+          </a:xfrm>
+          <a:prstGeom prst="rect">
+            <a:avLst/>
+          </a:prstGeom>
+          <a:noFill/>
+        </p:spPr>
+        <p:txBody>
+          <a:bodyPr wrap="square" rtlCol="0">
+            <a:spAutoFit/>
+          </a:bodyPr>
+          <a:lstStyle/>
+          <a:p>
+            <a:r>
+              <a:rPr lang="de-DE" dirty="0" err="1"/>
+              <a:t>Selection</a:t>
+            </a:r>
+            <a:r>
+              <a:rPr lang="de-DE" dirty="0"/>
+              <a:t> </a:t>
+            </a:r>
+            <a:r>
+              <a:rPr lang="de-DE" dirty="0" err="1"/>
+              <a:t>criteria</a:t>
+            </a:r>
+            <a:r>
+              <a:rPr lang="de-DE" dirty="0"/>
+              <a:t> + Graph </a:t>
+            </a:r>
+          </a:p>
+        </p:txBody>
+      </p:sp>
+    </p:spTree>
+    <p:extLst>
+      <p:ext uri="{BB962C8B-B14F-4D97-AF65-F5344CB8AC3E}">
+        <p14:creationId xmlns:p14="http://schemas.microsoft.com/office/powerpoint/2010/main" val="4095143845"/>
+      </p:ext>
+    </p:extLst>
+  </p:cSld>
+  <p:clrMapOvr>
+    <a:masterClrMapping/>
+  </p:clrMapOvr>
+</p:sld>
+</file>
+
+<file path=ppt/slides/slide8.xml><?xml version="1.0" encoding="utf-8"?>
+<p:sld xmlns:a="http://schemas.openxmlformats.org/drawingml/2006/main" xmlns:r="http://schemas.openxmlformats.org/officeDocument/2006/relationships" xmlns:p="http://schemas.openxmlformats.org/presentationml/2006/main">
+  <p:cSld>
+    <p:spTree>
+      <p:nvGrpSpPr>
+        <p:cNvPr id="1" name=""/>
+        <p:cNvGrpSpPr/>
+        <p:nvPr/>
+      </p:nvGrpSpPr>
+      <p:grpSpPr>
+        <a:xfrm>
+          <a:off x="0" y="0"/>
+          <a:ext cx="0" cy="0"/>
+          <a:chOff x="0" y="0"/>
+          <a:chExt cx="0" cy="0"/>
+        </a:xfrm>
+      </p:grpSpPr>
+      <p:sp>
+        <p:nvSpPr>
+          <p:cNvPr id="2" name="Textfeld 1">
+            <a:extLst>
+              <a:ext uri="{FF2B5EF4-FFF2-40B4-BE49-F238E27FC236}">
+                <a16:creationId xmlns:a16="http://schemas.microsoft.com/office/drawing/2014/main" id="{8273EE9A-3087-4346-CD48-68E903972421}"/>
+              </a:ext>
+            </a:extLst>
+          </p:cNvPr>
+          <p:cNvSpPr txBox="1"/>
+          <p:nvPr/>
+        </p:nvSpPr>
+        <p:spPr>
+          <a:xfrm>
+            <a:off x="512006" y="413878"/>
+            <a:ext cx="4572000" cy="2031325"/>
+          </a:xfrm>
+          <a:prstGeom prst="rect">
+            <a:avLst/>
+          </a:prstGeom>
+          <a:noFill/>
+        </p:spPr>
+        <p:txBody>
+          <a:bodyPr wrap="square">
+            <a:spAutoFit/>
+          </a:bodyPr>
+          <a:lstStyle/>
+          <a:p>
+            <a:r>
+              <a:rPr lang="de-DE" sz="2400" b="1" dirty="0">
+                <a:solidFill>
+                  <a:schemeClr val="bg1"/>
+                </a:solidFill>
+                <a:latin typeface="DM Sans" pitchFamily="2" charset="0"/>
+                <a:cs typeface="Calibri Light" panose="020F0302020204030204" pitchFamily="34" charset="0"/>
+              </a:rPr>
+              <a:t>1. </a:t>
+            </a:r>
+            <a:r>
+              <a:rPr lang="de-DE" sz="2400" b="1" dirty="0" err="1">
+                <a:solidFill>
+                  <a:schemeClr val="bg1"/>
+                </a:solidFill>
+                <a:latin typeface="DM Sans" pitchFamily="2" charset="0"/>
+                <a:cs typeface="Calibri Light" panose="020F0302020204030204" pitchFamily="34" charset="0"/>
+              </a:rPr>
+              <a:t>Preliminary</a:t>
+            </a:r>
+            <a:r>
+              <a:rPr lang="de-DE" sz="2400" b="1" dirty="0">
+                <a:solidFill>
+                  <a:schemeClr val="bg1"/>
+                </a:solidFill>
+                <a:latin typeface="DM Sans" pitchFamily="2" charset="0"/>
+                <a:cs typeface="Calibri Light" panose="020F0302020204030204" pitchFamily="34" charset="0"/>
+              </a:rPr>
+              <a:t> </a:t>
+            </a:r>
+            <a:r>
+              <a:rPr lang="de-DE" sz="2400" b="1" dirty="0" err="1">
+                <a:solidFill>
+                  <a:schemeClr val="bg1"/>
+                </a:solidFill>
+                <a:latin typeface="DM Sans" pitchFamily="2" charset="0"/>
+                <a:cs typeface="Calibri Light" panose="020F0302020204030204" pitchFamily="34" charset="0"/>
+              </a:rPr>
+              <a:t>steps</a:t>
+            </a:r>
+            <a:endParaRPr lang="de-DE" sz="2400" b="1" dirty="0">
+              <a:solidFill>
+                <a:schemeClr val="bg1"/>
+              </a:solidFill>
+              <a:latin typeface="DM Sans" pitchFamily="2" charset="0"/>
+              <a:cs typeface="Calibri Light" panose="020F0302020204030204" pitchFamily="34" charset="0"/>
+            </a:endParaRPr>
+          </a:p>
+          <a:p>
+            <a:r>
+              <a:rPr lang="de-DE" sz="1800" b="1" dirty="0">
+                <a:solidFill>
+                  <a:schemeClr val="bg1"/>
+                </a:solidFill>
+                <a:latin typeface="DM Sans" pitchFamily="2" charset="0"/>
+                <a:cs typeface="Calibri Light" panose="020F0302020204030204" pitchFamily="34" charset="0"/>
+              </a:rPr>
+              <a:t>-    Data </a:t>
+            </a:r>
+            <a:r>
+              <a:rPr lang="de-DE" sz="1800" b="1" dirty="0" err="1">
+                <a:solidFill>
+                  <a:schemeClr val="bg1"/>
+                </a:solidFill>
+                <a:latin typeface="DM Sans" pitchFamily="2" charset="0"/>
+                <a:cs typeface="Calibri Light" panose="020F0302020204030204" pitchFamily="34" charset="0"/>
+              </a:rPr>
+              <a:t>cleaning</a:t>
+            </a:r>
+            <a:endParaRPr lang="de-DE" sz="1800" b="1" dirty="0">
+              <a:solidFill>
+                <a:schemeClr val="bg1"/>
+              </a:solidFill>
+              <a:latin typeface="DM Sans" pitchFamily="2" charset="0"/>
+              <a:cs typeface="Calibri Light" panose="020F0302020204030204" pitchFamily="34" charset="0"/>
+            </a:endParaRPr>
+          </a:p>
+          <a:p>
+            <a:r>
+              <a:rPr lang="de-DE" sz="1800" b="1" dirty="0">
+                <a:solidFill>
+                  <a:schemeClr val="bg1"/>
+                </a:solidFill>
+                <a:latin typeface="DM Sans" pitchFamily="2" charset="0"/>
+                <a:cs typeface="Calibri Light" panose="020F0302020204030204" pitchFamily="34" charset="0"/>
+              </a:rPr>
+              <a:t>-    </a:t>
+            </a:r>
+            <a:r>
+              <a:rPr lang="de-DE" sz="1800" b="1" dirty="0" err="1">
+                <a:solidFill>
+                  <a:schemeClr val="bg1"/>
+                </a:solidFill>
+                <a:latin typeface="DM Sans" pitchFamily="2" charset="0"/>
+                <a:cs typeface="Calibri Light" panose="020F0302020204030204" pitchFamily="34" charset="0"/>
+              </a:rPr>
+              <a:t>Normalization</a:t>
+            </a:r>
+            <a:endParaRPr lang="de-DE" sz="1800" b="1" dirty="0">
+              <a:solidFill>
+                <a:schemeClr val="bg1"/>
+              </a:solidFill>
+              <a:latin typeface="DM Sans" pitchFamily="2" charset="0"/>
+              <a:cs typeface="Calibri Light" panose="020F0302020204030204" pitchFamily="34" charset="0"/>
+            </a:endParaRPr>
+          </a:p>
+          <a:p>
+            <a:r>
+              <a:rPr lang="de-DE" sz="1800" b="1" dirty="0">
+                <a:solidFill>
+                  <a:schemeClr val="bg1"/>
+                </a:solidFill>
+                <a:latin typeface="DM Sans" pitchFamily="2" charset="0"/>
+                <a:cs typeface="Calibri Light" panose="020F0302020204030204" pitchFamily="34" charset="0"/>
+              </a:rPr>
+              <a:t>-    </a:t>
+            </a:r>
+            <a:r>
+              <a:rPr lang="de-DE" sz="1800" b="1" dirty="0" err="1">
+                <a:solidFill>
+                  <a:schemeClr val="bg1"/>
+                </a:solidFill>
+                <a:latin typeface="DM Sans" pitchFamily="2" charset="0"/>
+                <a:cs typeface="Calibri Light" panose="020F0302020204030204" pitchFamily="34" charset="0"/>
+              </a:rPr>
+              <a:t>Reproducibility</a:t>
+            </a:r>
+            <a:endParaRPr lang="de-DE" sz="1800" b="1" dirty="0">
+              <a:solidFill>
+                <a:schemeClr val="bg1"/>
+              </a:solidFill>
+              <a:latin typeface="DM Sans" pitchFamily="2" charset="0"/>
+              <a:cs typeface="Calibri Light" panose="020F0302020204030204" pitchFamily="34" charset="0"/>
+            </a:endParaRPr>
+          </a:p>
+          <a:p>
+            <a:pPr marL="342900" indent="-342900">
+              <a:buFont typeface="Arial" panose="020B0604020202020204" pitchFamily="34" charset="0"/>
+              <a:buChar char="•"/>
+            </a:pPr>
+            <a:endParaRPr lang="de-DE" sz="2400" b="1" dirty="0">
+              <a:solidFill>
+                <a:schemeClr val="bg1"/>
+              </a:solidFill>
+              <a:latin typeface="DM Sans" pitchFamily="2" charset="0"/>
+              <a:cs typeface="Calibri Light" panose="020F0302020204030204" pitchFamily="34" charset="0"/>
+            </a:endParaRPr>
+          </a:p>
+          <a:p>
+            <a:pPr marL="342900" indent="-342900">
+              <a:buFont typeface="Arial" panose="020B0604020202020204" pitchFamily="34" charset="0"/>
+              <a:buChar char="•"/>
+            </a:pPr>
+            <a:endParaRPr lang="de-DE" sz="2400" b="1" dirty="0">
+              <a:solidFill>
+                <a:schemeClr val="bg1"/>
+              </a:solidFill>
+              <a:latin typeface="DM Sans" pitchFamily="2" charset="0"/>
+              <a:cs typeface="Calibri Light" panose="020F0302020204030204" pitchFamily="34" charset="0"/>
+            </a:endParaRPr>
+          </a:p>
+        </p:txBody>
+      </p:sp>
+      <p:sp>
+        <p:nvSpPr>
+          <p:cNvPr id="3" name="Textfeld 2">
+            <a:extLst>
+              <a:ext uri="{FF2B5EF4-FFF2-40B4-BE49-F238E27FC236}">
+                <a16:creationId xmlns:a16="http://schemas.microsoft.com/office/drawing/2014/main" id="{971FFCA7-0B71-019F-A301-9781873E85FA}"/>
+              </a:ext>
+            </a:extLst>
+          </p:cNvPr>
+          <p:cNvSpPr txBox="1"/>
+          <p:nvPr/>
+        </p:nvSpPr>
+        <p:spPr>
+          <a:xfrm>
+            <a:off x="4876562" y="413878"/>
+            <a:ext cx="4572000" cy="1384995"/>
+          </a:xfrm>
+          <a:prstGeom prst="rect">
+            <a:avLst/>
+          </a:prstGeom>
+          <a:noFill/>
+        </p:spPr>
+        <p:txBody>
+          <a:bodyPr wrap="square">
+            <a:spAutoFit/>
+          </a:bodyPr>
+          <a:lstStyle/>
+          <a:p>
+            <a:r>
+              <a:rPr lang="de-DE" sz="2400" b="1" dirty="0">
+                <a:solidFill>
+                  <a:schemeClr val="bg2">
+                    <a:lumMod val="65000"/>
+                  </a:schemeClr>
+                </a:solidFill>
+                <a:latin typeface="DM Sans" pitchFamily="2" charset="0"/>
+                <a:cs typeface="Calibri Light" panose="020F0302020204030204" pitchFamily="34" charset="0"/>
+              </a:rPr>
+              <a:t>2. </a:t>
+            </a:r>
+            <a:r>
+              <a:rPr lang="de-DE" sz="2400" b="1" dirty="0" err="1">
+                <a:solidFill>
+                  <a:schemeClr val="bg2">
+                    <a:lumMod val="65000"/>
+                  </a:schemeClr>
+                </a:solidFill>
+                <a:latin typeface="DM Sans" pitchFamily="2" charset="0"/>
+                <a:cs typeface="Calibri Light" panose="020F0302020204030204" pitchFamily="34" charset="0"/>
+              </a:rPr>
+              <a:t>Identification</a:t>
+            </a:r>
+            <a:r>
+              <a:rPr lang="de-DE" sz="2400" b="1" dirty="0">
+                <a:solidFill>
+                  <a:schemeClr val="bg2">
+                    <a:lumMod val="65000"/>
+                  </a:schemeClr>
+                </a:solidFill>
+                <a:latin typeface="DM Sans" pitchFamily="2" charset="0"/>
+                <a:cs typeface="Calibri Light" panose="020F0302020204030204" pitchFamily="34" charset="0"/>
+              </a:rPr>
+              <a:t> </a:t>
+            </a:r>
+            <a:r>
+              <a:rPr lang="de-DE" sz="2400" b="1" dirty="0" err="1">
+                <a:solidFill>
+                  <a:schemeClr val="bg2">
+                    <a:lumMod val="65000"/>
+                  </a:schemeClr>
+                </a:solidFill>
+                <a:latin typeface="DM Sans" pitchFamily="2" charset="0"/>
+                <a:cs typeface="Calibri Light" panose="020F0302020204030204" pitchFamily="34" charset="0"/>
+              </a:rPr>
+              <a:t>of</a:t>
+            </a:r>
+            <a:r>
+              <a:rPr lang="de-DE" sz="2400" b="1" dirty="0">
+                <a:solidFill>
+                  <a:schemeClr val="bg2">
+                    <a:lumMod val="65000"/>
+                  </a:schemeClr>
+                </a:solidFill>
+                <a:latin typeface="DM Sans" pitchFamily="2" charset="0"/>
+                <a:cs typeface="Calibri Light" panose="020F0302020204030204" pitchFamily="34" charset="0"/>
+              </a:rPr>
+              <a:t> RNA-dependent </a:t>
+            </a:r>
+            <a:r>
+              <a:rPr lang="de-DE" sz="2400" b="1" dirty="0" err="1">
+                <a:solidFill>
+                  <a:schemeClr val="bg2">
+                    <a:lumMod val="65000"/>
+                  </a:schemeClr>
+                </a:solidFill>
+                <a:latin typeface="DM Sans" pitchFamily="2" charset="0"/>
+                <a:cs typeface="Calibri Light" panose="020F0302020204030204" pitchFamily="34" charset="0"/>
+              </a:rPr>
+              <a:t>proteins</a:t>
+            </a:r>
+            <a:endParaRPr lang="de-DE" sz="2400" b="1" dirty="0">
+              <a:solidFill>
+                <a:schemeClr val="bg2">
+                  <a:lumMod val="65000"/>
+                </a:schemeClr>
+              </a:solidFill>
+              <a:latin typeface="DM Sans" pitchFamily="2" charset="0"/>
+              <a:cs typeface="Calibri Light" panose="020F0302020204030204" pitchFamily="34" charset="0"/>
+            </a:endParaRPr>
+          </a:p>
+          <a:p>
+            <a:r>
+              <a:rPr lang="de-DE" sz="1800" b="1" dirty="0">
+                <a:solidFill>
+                  <a:schemeClr val="bg2">
+                    <a:lumMod val="65000"/>
+                  </a:schemeClr>
+                </a:solidFill>
+                <a:latin typeface="DM Sans" pitchFamily="2" charset="0"/>
+                <a:cs typeface="Calibri Light" panose="020F0302020204030204" pitchFamily="34" charset="0"/>
+              </a:rPr>
+              <a:t>-    </a:t>
+            </a:r>
+            <a:r>
+              <a:rPr lang="de-DE" sz="1800" b="1" dirty="0" err="1">
+                <a:solidFill>
+                  <a:schemeClr val="bg2">
+                    <a:lumMod val="65000"/>
+                  </a:schemeClr>
+                </a:solidFill>
+                <a:latin typeface="DM Sans" pitchFamily="2" charset="0"/>
+                <a:cs typeface="Calibri Light" panose="020F0302020204030204" pitchFamily="34" charset="0"/>
+              </a:rPr>
+              <a:t>Defining</a:t>
+            </a:r>
+            <a:r>
+              <a:rPr lang="de-DE" sz="1800" b="1" dirty="0">
+                <a:solidFill>
+                  <a:schemeClr val="bg2">
+                    <a:lumMod val="65000"/>
+                  </a:schemeClr>
+                </a:solidFill>
+                <a:latin typeface="DM Sans" pitchFamily="2" charset="0"/>
+                <a:cs typeface="Calibri Light" panose="020F0302020204030204" pitchFamily="34" charset="0"/>
+              </a:rPr>
+              <a:t> selection </a:t>
+            </a:r>
+            <a:r>
+              <a:rPr lang="de-DE" sz="1800" b="1" dirty="0" err="1">
+                <a:solidFill>
+                  <a:schemeClr val="bg2">
+                    <a:lumMod val="65000"/>
+                  </a:schemeClr>
+                </a:solidFill>
+                <a:latin typeface="DM Sans" pitchFamily="2" charset="0"/>
+                <a:cs typeface="Calibri Light" panose="020F0302020204030204" pitchFamily="34" charset="0"/>
+              </a:rPr>
+              <a:t>criteria</a:t>
+            </a:r>
+            <a:endParaRPr lang="de-DE" sz="1800" b="1" dirty="0">
+              <a:solidFill>
+                <a:schemeClr val="bg2">
+                  <a:lumMod val="65000"/>
+                </a:schemeClr>
+              </a:solidFill>
+              <a:latin typeface="DM Sans" pitchFamily="2" charset="0"/>
+              <a:cs typeface="Calibri Light" panose="020F0302020204030204" pitchFamily="34" charset="0"/>
+            </a:endParaRPr>
+          </a:p>
+          <a:p>
+            <a:r>
+              <a:rPr lang="de-DE" sz="1800" b="1" dirty="0">
+                <a:solidFill>
+                  <a:schemeClr val="bg2">
+                    <a:lumMod val="65000"/>
+                  </a:schemeClr>
+                </a:solidFill>
+                <a:latin typeface="DM Sans" pitchFamily="2" charset="0"/>
+                <a:cs typeface="Calibri Light" panose="020F0302020204030204" pitchFamily="34" charset="0"/>
+              </a:rPr>
+              <a:t>-    </a:t>
+            </a:r>
+            <a:r>
+              <a:rPr lang="de-DE" sz="1800" b="1" dirty="0" err="1">
+                <a:solidFill>
+                  <a:schemeClr val="bg2">
+                    <a:lumMod val="65000"/>
+                  </a:schemeClr>
+                </a:solidFill>
+                <a:latin typeface="DM Sans" pitchFamily="2" charset="0"/>
+                <a:cs typeface="Calibri Light" panose="020F0302020204030204" pitchFamily="34" charset="0"/>
+              </a:rPr>
+              <a:t>Applying</a:t>
+            </a:r>
+            <a:r>
+              <a:rPr lang="de-DE" sz="1800" b="1" dirty="0">
+                <a:solidFill>
+                  <a:schemeClr val="bg2">
+                    <a:lumMod val="65000"/>
+                  </a:schemeClr>
+                </a:solidFill>
+                <a:latin typeface="DM Sans" pitchFamily="2" charset="0"/>
+                <a:cs typeface="Calibri Light" panose="020F0302020204030204" pitchFamily="34" charset="0"/>
+              </a:rPr>
+              <a:t> selection </a:t>
+            </a:r>
+            <a:r>
+              <a:rPr lang="de-DE" sz="1800" b="1" dirty="0" err="1">
+                <a:solidFill>
+                  <a:schemeClr val="bg2">
+                    <a:lumMod val="65000"/>
+                  </a:schemeClr>
+                </a:solidFill>
+                <a:latin typeface="DM Sans" pitchFamily="2" charset="0"/>
+                <a:cs typeface="Calibri Light" panose="020F0302020204030204" pitchFamily="34" charset="0"/>
+              </a:rPr>
+              <a:t>criteria</a:t>
+            </a:r>
+            <a:endParaRPr lang="de-DE" sz="1800" b="1" dirty="0">
+              <a:solidFill>
+                <a:schemeClr val="bg2">
+                  <a:lumMod val="65000"/>
+                </a:schemeClr>
+              </a:solidFill>
+              <a:latin typeface="DM Sans" pitchFamily="2" charset="0"/>
+              <a:cs typeface="Calibri Light" panose="020F0302020204030204" pitchFamily="34" charset="0"/>
+            </a:endParaRPr>
+          </a:p>
+        </p:txBody>
+      </p:sp>
+      <p:sp>
+        <p:nvSpPr>
+          <p:cNvPr id="4" name="Textfeld 3">
+            <a:extLst>
+              <a:ext uri="{FF2B5EF4-FFF2-40B4-BE49-F238E27FC236}">
+                <a16:creationId xmlns:a16="http://schemas.microsoft.com/office/drawing/2014/main" id="{1B1EFFA6-B1C4-A460-DE83-C1ACFA353B44}"/>
+              </a:ext>
+            </a:extLst>
+          </p:cNvPr>
+          <p:cNvSpPr txBox="1"/>
+          <p:nvPr/>
+        </p:nvSpPr>
+        <p:spPr>
+          <a:xfrm>
+            <a:off x="512006" y="3014936"/>
+            <a:ext cx="4572000" cy="1661993"/>
+          </a:xfrm>
+          <a:prstGeom prst="rect">
+            <a:avLst/>
+          </a:prstGeom>
+          <a:noFill/>
+        </p:spPr>
+        <p:txBody>
+          <a:bodyPr wrap="square">
+            <a:spAutoFit/>
+          </a:bodyPr>
+          <a:lstStyle/>
+          <a:p>
+            <a:r>
+              <a:rPr lang="de-DE" sz="2400" b="1" dirty="0">
+                <a:solidFill>
+                  <a:schemeClr val="bg2">
+                    <a:lumMod val="65000"/>
+                  </a:schemeClr>
+                </a:solidFill>
+                <a:latin typeface="DM Sans" pitchFamily="2" charset="0"/>
+                <a:cs typeface="Calibri Light" panose="020F0302020204030204" pitchFamily="34" charset="0"/>
+              </a:rPr>
+              <a:t>3. Dimension </a:t>
+            </a:r>
+            <a:r>
+              <a:rPr lang="de-DE" sz="2400" b="1" dirty="0" err="1">
+                <a:solidFill>
+                  <a:schemeClr val="bg2">
+                    <a:lumMod val="65000"/>
+                  </a:schemeClr>
+                </a:solidFill>
+                <a:latin typeface="DM Sans" pitchFamily="2" charset="0"/>
+                <a:cs typeface="Calibri Light" panose="020F0302020204030204" pitchFamily="34" charset="0"/>
+              </a:rPr>
+              <a:t>reduction</a:t>
+            </a:r>
+            <a:r>
+              <a:rPr lang="de-DE" sz="2400" b="1" dirty="0">
+                <a:solidFill>
+                  <a:schemeClr val="bg2">
+                    <a:lumMod val="65000"/>
+                  </a:schemeClr>
+                </a:solidFill>
+                <a:latin typeface="DM Sans" pitchFamily="2" charset="0"/>
+                <a:cs typeface="Calibri Light" panose="020F0302020204030204" pitchFamily="34" charset="0"/>
+              </a:rPr>
+              <a:t> </a:t>
+            </a:r>
+            <a:r>
+              <a:rPr lang="de-DE" sz="2400" b="1" dirty="0" err="1">
+                <a:solidFill>
+                  <a:schemeClr val="bg2">
+                    <a:lumMod val="65000"/>
+                  </a:schemeClr>
+                </a:solidFill>
+                <a:latin typeface="DM Sans" pitchFamily="2" charset="0"/>
+                <a:cs typeface="Calibri Light" panose="020F0302020204030204" pitchFamily="34" charset="0"/>
+              </a:rPr>
+              <a:t>analysis</a:t>
+            </a:r>
+            <a:endParaRPr lang="de-DE" sz="2400" b="1" dirty="0">
+              <a:solidFill>
+                <a:schemeClr val="bg2">
+                  <a:lumMod val="65000"/>
+                </a:schemeClr>
+              </a:solidFill>
+              <a:latin typeface="DM Sans" pitchFamily="2" charset="0"/>
+              <a:cs typeface="Calibri Light" panose="020F0302020204030204" pitchFamily="34" charset="0"/>
+            </a:endParaRPr>
+          </a:p>
+          <a:p>
+            <a:r>
+              <a:rPr lang="de-DE" sz="1800" b="1" dirty="0">
+                <a:solidFill>
+                  <a:schemeClr val="bg2">
+                    <a:lumMod val="65000"/>
+                  </a:schemeClr>
+                </a:solidFill>
+                <a:latin typeface="DM Sans" pitchFamily="2" charset="0"/>
+                <a:cs typeface="Calibri Light" panose="020F0302020204030204" pitchFamily="34" charset="0"/>
+              </a:rPr>
+              <a:t>-    </a:t>
+            </a:r>
+            <a:r>
+              <a:rPr lang="de-DE" sz="1800" b="1" dirty="0" err="1">
+                <a:solidFill>
+                  <a:schemeClr val="bg2">
+                    <a:lumMod val="65000"/>
+                  </a:schemeClr>
+                </a:solidFill>
+                <a:latin typeface="DM Sans" pitchFamily="2" charset="0"/>
+                <a:cs typeface="Calibri Light" panose="020F0302020204030204" pitchFamily="34" charset="0"/>
+              </a:rPr>
+              <a:t>Procedure</a:t>
+            </a:r>
+            <a:endParaRPr lang="de-DE" sz="1800" b="1" dirty="0">
+              <a:solidFill>
+                <a:schemeClr val="bg2">
+                  <a:lumMod val="65000"/>
+                </a:schemeClr>
+              </a:solidFill>
+              <a:latin typeface="DM Sans" pitchFamily="2" charset="0"/>
+              <a:cs typeface="Calibri Light" panose="020F0302020204030204" pitchFamily="34" charset="0"/>
+            </a:endParaRPr>
+          </a:p>
+          <a:p>
+            <a:r>
+              <a:rPr lang="de-DE" sz="1800" b="1" dirty="0">
+                <a:solidFill>
+                  <a:schemeClr val="bg2">
+                    <a:lumMod val="65000"/>
+                  </a:schemeClr>
+                </a:solidFill>
+                <a:latin typeface="DM Sans" pitchFamily="2" charset="0"/>
+                <a:cs typeface="Calibri Light" panose="020F0302020204030204" pitchFamily="34" charset="0"/>
+              </a:rPr>
+              <a:t>-    Results</a:t>
+            </a:r>
+          </a:p>
+          <a:p>
+            <a:r>
+              <a:rPr lang="de-DE" sz="1800" b="1" dirty="0">
+                <a:solidFill>
+                  <a:schemeClr val="bg2">
+                    <a:lumMod val="65000"/>
+                  </a:schemeClr>
+                </a:solidFill>
+                <a:latin typeface="DM Sans" pitchFamily="2" charset="0"/>
+                <a:cs typeface="Calibri Light" panose="020F0302020204030204" pitchFamily="34" charset="0"/>
+              </a:rPr>
+              <a:t>-    Interpretation</a:t>
+            </a:r>
+          </a:p>
+        </p:txBody>
+      </p:sp>
+      <p:sp>
+        <p:nvSpPr>
+          <p:cNvPr id="5" name="Textfeld 4">
+            <a:extLst>
+              <a:ext uri="{FF2B5EF4-FFF2-40B4-BE49-F238E27FC236}">
+                <a16:creationId xmlns:a16="http://schemas.microsoft.com/office/drawing/2014/main" id="{0D44EFD1-EB73-E8E2-8DC0-BA20C0339FC5}"/>
+              </a:ext>
+            </a:extLst>
+          </p:cNvPr>
+          <p:cNvSpPr txBox="1"/>
+          <p:nvPr/>
+        </p:nvSpPr>
+        <p:spPr>
+          <a:xfrm>
+            <a:off x="4876562" y="3066348"/>
+            <a:ext cx="4572000" cy="2031325"/>
+          </a:xfrm>
+          <a:prstGeom prst="rect">
+            <a:avLst/>
+          </a:prstGeom>
+          <a:noFill/>
+        </p:spPr>
+        <p:txBody>
+          <a:bodyPr wrap="square">
+            <a:spAutoFit/>
+          </a:bodyPr>
+          <a:lstStyle/>
+          <a:p>
+            <a:r>
+              <a:rPr lang="de-DE" sz="2400" b="1" dirty="0">
+                <a:solidFill>
+                  <a:schemeClr val="bg2">
+                    <a:lumMod val="65000"/>
+                  </a:schemeClr>
+                </a:solidFill>
+                <a:latin typeface="DM Sans" pitchFamily="2" charset="0"/>
+                <a:cs typeface="Calibri Light" panose="020F0302020204030204" pitchFamily="34" charset="0"/>
+              </a:rPr>
+              <a:t>4. </a:t>
+            </a:r>
+            <a:r>
+              <a:rPr lang="de-DE" sz="2400" b="1" dirty="0" err="1">
+                <a:solidFill>
+                  <a:schemeClr val="bg2">
+                    <a:lumMod val="65000"/>
+                  </a:schemeClr>
+                </a:solidFill>
+                <a:latin typeface="DM Sans" pitchFamily="2" charset="0"/>
+                <a:cs typeface="Calibri Light" panose="020F0302020204030204" pitchFamily="34" charset="0"/>
+              </a:rPr>
+              <a:t>Developing</a:t>
+            </a:r>
+            <a:r>
+              <a:rPr lang="de-DE" sz="2400" b="1" dirty="0">
+                <a:solidFill>
+                  <a:schemeClr val="bg2">
+                    <a:lumMod val="65000"/>
+                  </a:schemeClr>
+                </a:solidFill>
+                <a:latin typeface="DM Sans" pitchFamily="2" charset="0"/>
+                <a:cs typeface="Calibri Light" panose="020F0302020204030204" pitchFamily="34" charset="0"/>
+              </a:rPr>
+              <a:t> a linear </a:t>
+            </a:r>
+            <a:r>
+              <a:rPr lang="de-DE" sz="2400" b="1" dirty="0" err="1">
+                <a:solidFill>
+                  <a:schemeClr val="bg2">
+                    <a:lumMod val="65000"/>
+                  </a:schemeClr>
+                </a:solidFill>
+                <a:latin typeface="DM Sans" pitchFamily="2" charset="0"/>
+                <a:cs typeface="Calibri Light" panose="020F0302020204030204" pitchFamily="34" charset="0"/>
+              </a:rPr>
+              <a:t>regression</a:t>
+            </a:r>
+            <a:r>
+              <a:rPr lang="de-DE" sz="2400" b="1" dirty="0">
+                <a:solidFill>
+                  <a:schemeClr val="bg2">
+                    <a:lumMod val="65000"/>
+                  </a:schemeClr>
+                </a:solidFill>
+                <a:latin typeface="DM Sans" pitchFamily="2" charset="0"/>
+                <a:cs typeface="Calibri Light" panose="020F0302020204030204" pitchFamily="34" charset="0"/>
+              </a:rPr>
+              <a:t> </a:t>
+            </a:r>
+            <a:r>
+              <a:rPr lang="de-DE" sz="2400" b="1" dirty="0" err="1">
+                <a:solidFill>
+                  <a:schemeClr val="bg2">
+                    <a:lumMod val="65000"/>
+                  </a:schemeClr>
+                </a:solidFill>
+                <a:latin typeface="DM Sans" pitchFamily="2" charset="0"/>
+                <a:cs typeface="Calibri Light" panose="020F0302020204030204" pitchFamily="34" charset="0"/>
+              </a:rPr>
+              <a:t>model</a:t>
+            </a:r>
+            <a:endParaRPr lang="de-DE" sz="2400" b="1" dirty="0">
+              <a:solidFill>
+                <a:schemeClr val="bg2">
+                  <a:lumMod val="65000"/>
+                </a:schemeClr>
+              </a:solidFill>
+              <a:latin typeface="DM Sans" pitchFamily="2" charset="0"/>
+              <a:cs typeface="Calibri Light" panose="020F0302020204030204" pitchFamily="34" charset="0"/>
+            </a:endParaRPr>
+          </a:p>
+          <a:p>
+            <a:r>
+              <a:rPr lang="de-DE" sz="1800" b="1" dirty="0">
+                <a:solidFill>
+                  <a:schemeClr val="bg2">
+                    <a:lumMod val="65000"/>
+                  </a:schemeClr>
+                </a:solidFill>
+                <a:latin typeface="DM Sans" pitchFamily="2" charset="0"/>
+                <a:cs typeface="Calibri Light" panose="020F0302020204030204" pitchFamily="34" charset="0"/>
+              </a:rPr>
+              <a:t>-    </a:t>
+            </a:r>
+            <a:r>
+              <a:rPr lang="de-DE" sz="1800" b="1" dirty="0" err="1">
+                <a:solidFill>
+                  <a:schemeClr val="bg2">
+                    <a:lumMod val="65000"/>
+                  </a:schemeClr>
+                </a:solidFill>
+                <a:latin typeface="DM Sans" pitchFamily="2" charset="0"/>
+                <a:cs typeface="Calibri Light" panose="020F0302020204030204" pitchFamily="34" charset="0"/>
+              </a:rPr>
+              <a:t>Procedure</a:t>
+            </a:r>
+            <a:endParaRPr lang="de-DE" sz="1800" b="1" dirty="0">
+              <a:solidFill>
+                <a:schemeClr val="bg2">
+                  <a:lumMod val="65000"/>
+                </a:schemeClr>
+              </a:solidFill>
+              <a:latin typeface="DM Sans" pitchFamily="2" charset="0"/>
+              <a:cs typeface="Calibri Light" panose="020F0302020204030204" pitchFamily="34" charset="0"/>
+            </a:endParaRPr>
+          </a:p>
+          <a:p>
+            <a:r>
+              <a:rPr lang="de-DE" sz="1800" b="1" dirty="0">
+                <a:solidFill>
+                  <a:schemeClr val="bg2">
+                    <a:lumMod val="65000"/>
+                  </a:schemeClr>
+                </a:solidFill>
+                <a:latin typeface="DM Sans" pitchFamily="2" charset="0"/>
+                <a:cs typeface="Calibri Light" panose="020F0302020204030204" pitchFamily="34" charset="0"/>
+              </a:rPr>
+              <a:t>-    Results</a:t>
+            </a:r>
+          </a:p>
+          <a:p>
+            <a:r>
+              <a:rPr lang="de-DE" sz="1800" b="1" dirty="0">
+                <a:solidFill>
+                  <a:schemeClr val="bg2">
+                    <a:lumMod val="65000"/>
+                  </a:schemeClr>
+                </a:solidFill>
+                <a:latin typeface="DM Sans" pitchFamily="2" charset="0"/>
+                <a:cs typeface="Calibri Light" panose="020F0302020204030204" pitchFamily="34" charset="0"/>
+              </a:rPr>
+              <a:t>-    Interpretation</a:t>
+            </a:r>
+          </a:p>
+          <a:p>
+            <a:endParaRPr lang="de-DE" sz="2400" b="1" dirty="0">
+              <a:solidFill>
+                <a:schemeClr val="bg2">
+                  <a:lumMod val="65000"/>
+                </a:schemeClr>
+              </a:solidFill>
+              <a:latin typeface="DM Sans" pitchFamily="2" charset="0"/>
+              <a:cs typeface="Calibri Light" panose="020F0302020204030204" pitchFamily="34" charset="0"/>
+            </a:endParaRPr>
+          </a:p>
+        </p:txBody>
+      </p:sp>
+    </p:spTree>
+    <p:extLst>
+      <p:ext uri="{BB962C8B-B14F-4D97-AF65-F5344CB8AC3E}">
+        <p14:creationId xmlns:p14="http://schemas.microsoft.com/office/powerpoint/2010/main" val="2674680337"/>
+      </p:ext>
+    </p:extLst>
+  </p:cSld>
+  <p:clrMapOvr>
+    <a:masterClrMapping/>
+  </p:clrMapOvr>
+</p:sld>
+</file>
+
+<file path=ppt/slides/slide9.xml><?xml version="1.0" encoding="utf-8"?>
+<p:sld xmlns:a="http://schemas.openxmlformats.org/drawingml/2006/main" xmlns:r="http://schemas.openxmlformats.org/officeDocument/2006/relationships" xmlns:p="http://schemas.openxmlformats.org/presentationml/2006/main">
+  <p:cSld>
+    <p:spTree>
+      <p:nvGrpSpPr>
+        <p:cNvPr id="1" name=""/>
+        <p:cNvGrpSpPr/>
+        <p:nvPr/>
+      </p:nvGrpSpPr>
+      <p:grpSpPr>
+        <a:xfrm>
+          <a:off x="0" y="0"/>
+          <a:ext cx="0" cy="0"/>
+          <a:chOff x="0" y="0"/>
+          <a:chExt cx="0" cy="0"/>
+        </a:xfrm>
+      </p:grpSpPr>
+      <p:sp>
+        <p:nvSpPr>
+          <p:cNvPr id="2" name="Textfeld 1">
+            <a:extLst>
+              <a:ext uri="{FF2B5EF4-FFF2-40B4-BE49-F238E27FC236}">
+                <a16:creationId xmlns:a16="http://schemas.microsoft.com/office/drawing/2014/main" id="{EB56B0F2-8727-594E-6C0E-DC9AFC356A7A}"/>
+              </a:ext>
+            </a:extLst>
+          </p:cNvPr>
+          <p:cNvSpPr txBox="1"/>
+          <p:nvPr/>
+        </p:nvSpPr>
+        <p:spPr>
+          <a:xfrm>
+            <a:off x="353683" y="285750"/>
+            <a:ext cx="8383917" cy="461665"/>
+          </a:xfrm>
+          <a:prstGeom prst="rect">
+            <a:avLst/>
+          </a:prstGeom>
+          <a:noFill/>
+        </p:spPr>
+        <p:txBody>
+          <a:bodyPr wrap="square">
+            <a:spAutoFit/>
+          </a:bodyPr>
+          <a:lstStyle/>
+          <a:p>
+            <a:r>
+              <a:rPr lang="de-DE" sz="2400" b="1" dirty="0" err="1">
+                <a:solidFill>
+                  <a:schemeClr val="bg1"/>
+                </a:solidFill>
+                <a:latin typeface="DM Sans" pitchFamily="2" charset="0"/>
+                <a:cs typeface="Calibri Light" panose="020F0302020204030204" pitchFamily="34" charset="0"/>
+              </a:rPr>
+              <a:t>Normalization</a:t>
+            </a:r>
+            <a:endParaRPr lang="de-DE" sz="2400" b="1" dirty="0">
+              <a:solidFill>
+                <a:schemeClr val="bg1"/>
+              </a:solidFill>
+              <a:latin typeface="DM Sans" pitchFamily="2" charset="0"/>
+              <a:cs typeface="Calibri Light" panose="020F0302020204030204" pitchFamily="34" charset="0"/>
+            </a:endParaRPr>
+          </a:p>
+        </p:txBody>
+      </p:sp>
+      <p:pic>
+        <p:nvPicPr>
+          <p:cNvPr id="4" name="Grafik 3" descr="Ein Bild, das Text enthält.&#10;&#10;Automatisch generierte Beschreibung">
+            <a:extLst>
+              <a:ext uri="{FF2B5EF4-FFF2-40B4-BE49-F238E27FC236}">
+                <a16:creationId xmlns:a16="http://schemas.microsoft.com/office/drawing/2014/main" id="{F43A56F5-4A13-556E-5725-C4887417B213}"/>
+              </a:ext>
+            </a:extLst>
+          </p:cNvPr>
+          <p:cNvPicPr>
+            <a:picLocks noChangeAspect="1"/>
+          </p:cNvPicPr>
+          <p:nvPr/>
+        </p:nvPicPr>
+        <p:blipFill>
+          <a:blip r:embed="rId2"/>
+          <a:stretch>
+            <a:fillRect/>
+          </a:stretch>
+        </p:blipFill>
+        <p:spPr>
+          <a:xfrm>
+            <a:off x="353683" y="1980281"/>
+            <a:ext cx="3272745" cy="1931319"/>
+          </a:xfrm>
+          <a:prstGeom prst="rect">
+            <a:avLst/>
+          </a:prstGeom>
+        </p:spPr>
+      </p:pic>
+      <p:sp>
+        <p:nvSpPr>
+          <p:cNvPr id="3" name="Textfeld 2">
+            <a:extLst>
+              <a:ext uri="{FF2B5EF4-FFF2-40B4-BE49-F238E27FC236}">
+                <a16:creationId xmlns:a16="http://schemas.microsoft.com/office/drawing/2014/main" id="{84CEA86A-4052-C2CB-6206-98FB7BAA2F90}"/>
+              </a:ext>
+            </a:extLst>
+          </p:cNvPr>
+          <p:cNvSpPr txBox="1"/>
+          <p:nvPr/>
+        </p:nvSpPr>
+        <p:spPr>
+          <a:xfrm>
+            <a:off x="643467" y="1016000"/>
+            <a:ext cx="1769533" cy="307777"/>
+          </a:xfrm>
+          <a:prstGeom prst="rect">
+            <a:avLst/>
+          </a:prstGeom>
+          <a:noFill/>
+        </p:spPr>
+        <p:txBody>
+          <a:bodyPr wrap="square" rtlCol="0">
+            <a:spAutoFit/>
+          </a:bodyPr>
+          <a:lstStyle/>
+          <a:p>
+            <a:r>
+              <a:rPr lang="de-DE" dirty="0" err="1"/>
+              <a:t>Column-wise</a:t>
+            </a:r>
+            <a:endParaRPr lang="de-DE" dirty="0"/>
+          </a:p>
+        </p:txBody>
+      </p:sp>
+      <p:sp>
+        <p:nvSpPr>
+          <p:cNvPr id="5" name="Textfeld 4">
+            <a:extLst>
+              <a:ext uri="{FF2B5EF4-FFF2-40B4-BE49-F238E27FC236}">
+                <a16:creationId xmlns:a16="http://schemas.microsoft.com/office/drawing/2014/main" id="{FA33D73D-7234-0E53-B51B-B869387B8F65}"/>
+              </a:ext>
+            </a:extLst>
+          </p:cNvPr>
+          <p:cNvSpPr txBox="1"/>
+          <p:nvPr/>
+        </p:nvSpPr>
+        <p:spPr>
+          <a:xfrm>
+            <a:off x="5846235" y="1016000"/>
+            <a:ext cx="1769533" cy="307777"/>
+          </a:xfrm>
+          <a:prstGeom prst="rect">
+            <a:avLst/>
+          </a:prstGeom>
+          <a:noFill/>
+        </p:spPr>
+        <p:txBody>
+          <a:bodyPr wrap="square" rtlCol="0">
+            <a:spAutoFit/>
+          </a:bodyPr>
+          <a:lstStyle/>
+          <a:p>
+            <a:r>
+              <a:rPr lang="de-DE" dirty="0" err="1"/>
+              <a:t>Row-wise</a:t>
+            </a:r>
+            <a:endParaRPr lang="de-DE" dirty="0"/>
+          </a:p>
+        </p:txBody>
+      </p:sp>
+    </p:spTree>
+    <p:extLst>
+      <p:ext uri="{BB962C8B-B14F-4D97-AF65-F5344CB8AC3E}">
+        <p14:creationId xmlns:p14="http://schemas.microsoft.com/office/powerpoint/2010/main" val="1941908166"/>
       </p:ext>
     </p:extLst>
   </p:cSld>

--- a/finalpresentation/Bioinfo_Prasi(1).pptx
+++ b/finalpresentation/Bioinfo_Prasi(1).pptx
@@ -5,7 +5,7 @@
     <p:sldMasterId id="2147483680" r:id="rId1"/>
   </p:sldMasterIdLst>
   <p:notesMasterIdLst>
-    <p:notesMasterId r:id="rId27"/>
+    <p:notesMasterId r:id="rId25"/>
   </p:notesMasterIdLst>
   <p:sldIdLst>
     <p:sldId id="326" r:id="rId2"/>
@@ -13,46 +13,44 @@
     <p:sldId id="344" r:id="rId4"/>
     <p:sldId id="343" r:id="rId5"/>
     <p:sldId id="342" r:id="rId6"/>
-    <p:sldId id="334" r:id="rId7"/>
-    <p:sldId id="332" r:id="rId8"/>
-    <p:sldId id="333" r:id="rId9"/>
-    <p:sldId id="338" r:id="rId10"/>
-    <p:sldId id="339" r:id="rId11"/>
-    <p:sldId id="335" r:id="rId12"/>
-    <p:sldId id="340" r:id="rId13"/>
-    <p:sldId id="341" r:id="rId14"/>
-    <p:sldId id="345" r:id="rId15"/>
-    <p:sldId id="336" r:id="rId16"/>
-    <p:sldId id="329" r:id="rId17"/>
-    <p:sldId id="328" r:id="rId18"/>
-    <p:sldId id="337" r:id="rId19"/>
-    <p:sldId id="327" r:id="rId20"/>
-    <p:sldId id="313" r:id="rId21"/>
-    <p:sldId id="316" r:id="rId22"/>
-    <p:sldId id="317" r:id="rId23"/>
-    <p:sldId id="320" r:id="rId24"/>
-    <p:sldId id="325" r:id="rId25"/>
-    <p:sldId id="346" r:id="rId26"/>
+    <p:sldId id="333" r:id="rId7"/>
+    <p:sldId id="338" r:id="rId8"/>
+    <p:sldId id="339" r:id="rId9"/>
+    <p:sldId id="335" r:id="rId10"/>
+    <p:sldId id="340" r:id="rId11"/>
+    <p:sldId id="341" r:id="rId12"/>
+    <p:sldId id="345" r:id="rId13"/>
+    <p:sldId id="336" r:id="rId14"/>
+    <p:sldId id="329" r:id="rId15"/>
+    <p:sldId id="328" r:id="rId16"/>
+    <p:sldId id="337" r:id="rId17"/>
+    <p:sldId id="327" r:id="rId18"/>
+    <p:sldId id="313" r:id="rId19"/>
+    <p:sldId id="316" r:id="rId20"/>
+    <p:sldId id="317" r:id="rId21"/>
+    <p:sldId id="320" r:id="rId22"/>
+    <p:sldId id="325" r:id="rId23"/>
+    <p:sldId id="346" r:id="rId24"/>
   </p:sldIdLst>
   <p:sldSz cx="9144000" cy="5143500" type="screen16x9"/>
   <p:notesSz cx="6858000" cy="9144000"/>
   <p:embeddedFontLst>
     <p:embeddedFont>
       <p:font typeface="Amasis MT Pro Light" panose="02040304050005020304" pitchFamily="18" charset="0"/>
-      <p:regular r:id="rId28"/>
-      <p:italic r:id="rId29"/>
+      <p:regular r:id="rId26"/>
+      <p:italic r:id="rId27"/>
     </p:embeddedFont>
     <p:embeddedFont>
       <p:font typeface="DM Sans" pitchFamily="2" charset="0"/>
-      <p:regular r:id="rId30"/>
-      <p:bold r:id="rId31"/>
-      <p:italic r:id="rId32"/>
-      <p:boldItalic r:id="rId33"/>
+      <p:regular r:id="rId28"/>
+      <p:bold r:id="rId29"/>
+      <p:italic r:id="rId30"/>
+      <p:boldItalic r:id="rId31"/>
     </p:embeddedFont>
     <p:embeddedFont>
       <p:font typeface="DM Serif Display" pitchFamily="2" charset="0"/>
-      <p:regular r:id="rId34"/>
-      <p:italic r:id="rId35"/>
+      <p:regular r:id="rId32"/>
+      <p:italic r:id="rId33"/>
     </p:embeddedFont>
   </p:embeddedFontLst>
   <p:defaultTextStyle>
@@ -3960,1118 +3958,6 @@
           <p:cNvPr id="2" name="Textfeld 1">
             <a:extLst>
               <a:ext uri="{FF2B5EF4-FFF2-40B4-BE49-F238E27FC236}">
-                <a16:creationId xmlns:a16="http://schemas.microsoft.com/office/drawing/2014/main" id="{87129078-98D4-6F19-8E5B-154E531BF5DB}"/>
-              </a:ext>
-            </a:extLst>
-          </p:cNvPr>
-          <p:cNvSpPr txBox="1"/>
-          <p:nvPr/>
-        </p:nvSpPr>
-        <p:spPr>
-          <a:xfrm>
-            <a:off x="353683" y="285750"/>
-            <a:ext cx="8383917" cy="461665"/>
-          </a:xfrm>
-          <a:prstGeom prst="rect">
-            <a:avLst/>
-          </a:prstGeom>
-          <a:noFill/>
-        </p:spPr>
-        <p:txBody>
-          <a:bodyPr wrap="square">
-            <a:spAutoFit/>
-          </a:bodyPr>
-          <a:lstStyle/>
-          <a:p>
-            <a:r>
-              <a:rPr lang="de-DE" sz="2400" b="1" dirty="0" err="1">
-                <a:solidFill>
-                  <a:schemeClr val="bg1"/>
-                </a:solidFill>
-                <a:latin typeface="DM Sans" pitchFamily="2" charset="0"/>
-                <a:cs typeface="Calibri Light" panose="020F0302020204030204" pitchFamily="34" charset="0"/>
-              </a:rPr>
-              <a:t>Reproducibility</a:t>
-            </a:r>
-            <a:endParaRPr lang="de-DE" sz="2400" b="1" dirty="0">
-              <a:solidFill>
-                <a:schemeClr val="bg1"/>
-              </a:solidFill>
-              <a:latin typeface="DM Sans" pitchFamily="2" charset="0"/>
-              <a:cs typeface="Calibri Light" panose="020F0302020204030204" pitchFamily="34" charset="0"/>
-            </a:endParaRPr>
-          </a:p>
-        </p:txBody>
-      </p:sp>
-      <p:pic>
-        <p:nvPicPr>
-          <p:cNvPr id="5" name="Grafik 4">
-            <a:extLst>
-              <a:ext uri="{FF2B5EF4-FFF2-40B4-BE49-F238E27FC236}">
-                <a16:creationId xmlns:a16="http://schemas.microsoft.com/office/drawing/2014/main" id="{5B39BADB-0F55-4080-5E18-D7FEFEB22781}"/>
-              </a:ext>
-            </a:extLst>
-          </p:cNvPr>
-          <p:cNvPicPr>
-            <a:picLocks noChangeAspect="1"/>
-          </p:cNvPicPr>
-          <p:nvPr/>
-        </p:nvPicPr>
-        <p:blipFill>
-          <a:blip r:embed="rId3"/>
-          <a:stretch>
-            <a:fillRect/>
-          </a:stretch>
-        </p:blipFill>
-        <p:spPr>
-          <a:xfrm>
-            <a:off x="575932" y="1265495"/>
-            <a:ext cx="3432623" cy="2119154"/>
-          </a:xfrm>
-          <a:prstGeom prst="rect">
-            <a:avLst/>
-          </a:prstGeom>
-        </p:spPr>
-      </p:pic>
-      <p:sp>
-        <p:nvSpPr>
-          <p:cNvPr id="4" name="Textfeld 3">
-            <a:extLst>
-              <a:ext uri="{FF2B5EF4-FFF2-40B4-BE49-F238E27FC236}">
-                <a16:creationId xmlns:a16="http://schemas.microsoft.com/office/drawing/2014/main" id="{5E37B7A1-C9CB-2625-455F-B65036543799}"/>
-              </a:ext>
-            </a:extLst>
-          </p:cNvPr>
-          <p:cNvSpPr txBox="1"/>
-          <p:nvPr/>
-        </p:nvSpPr>
-        <p:spPr>
-          <a:xfrm>
-            <a:off x="6794913" y="4703861"/>
-            <a:ext cx="3429000" cy="307777"/>
-          </a:xfrm>
-          <a:prstGeom prst="rect">
-            <a:avLst/>
-          </a:prstGeom>
-          <a:noFill/>
-        </p:spPr>
-        <p:txBody>
-          <a:bodyPr wrap="square" rtlCol="0">
-            <a:spAutoFit/>
-          </a:bodyPr>
-          <a:lstStyle/>
-          <a:p>
-            <a:r>
-              <a:rPr lang="de-DE" b="1" dirty="0">
-                <a:ln w="9525">
-                  <a:solidFill>
-                    <a:schemeClr val="bg1"/>
-                  </a:solidFill>
-                  <a:prstDash val="solid"/>
-                </a:ln>
-                <a:solidFill>
-                  <a:schemeClr val="tx1"/>
-                </a:solidFill>
-                <a:effectLst>
-                  <a:outerShdw blurRad="12700" dist="38100" dir="2700000" algn="tl" rotWithShape="0">
-                    <a:schemeClr val="bg1">
-                      <a:lumMod val="50000"/>
-                    </a:schemeClr>
-                  </a:outerShdw>
-                </a:effectLst>
-              </a:rPr>
-              <a:t>-&gt; 25 </a:t>
-            </a:r>
-            <a:r>
-              <a:rPr lang="de-DE" b="1" dirty="0" err="1">
-                <a:ln w="9525">
-                  <a:solidFill>
-                    <a:schemeClr val="bg1"/>
-                  </a:solidFill>
-                  <a:prstDash val="solid"/>
-                </a:ln>
-                <a:solidFill>
-                  <a:schemeClr val="tx1"/>
-                </a:solidFill>
-                <a:effectLst>
-                  <a:outerShdw blurRad="12700" dist="38100" dir="2700000" algn="tl" rotWithShape="0">
-                    <a:schemeClr val="bg1">
-                      <a:lumMod val="50000"/>
-                    </a:schemeClr>
-                  </a:outerShdw>
-                </a:effectLst>
-              </a:rPr>
-              <a:t>proteins</a:t>
-            </a:r>
-            <a:r>
-              <a:rPr lang="de-DE" b="1" dirty="0">
-                <a:ln w="9525">
-                  <a:solidFill>
-                    <a:schemeClr val="bg1"/>
-                  </a:solidFill>
-                  <a:prstDash val="solid"/>
-                </a:ln>
-                <a:solidFill>
-                  <a:schemeClr val="tx1"/>
-                </a:solidFill>
-                <a:effectLst>
-                  <a:outerShdw blurRad="12700" dist="38100" dir="2700000" algn="tl" rotWithShape="0">
-                    <a:schemeClr val="bg1">
-                      <a:lumMod val="50000"/>
-                    </a:schemeClr>
-                  </a:outerShdw>
-                </a:effectLst>
-              </a:rPr>
-              <a:t> </a:t>
-            </a:r>
-            <a:r>
-              <a:rPr lang="de-DE" b="1" dirty="0" err="1">
-                <a:ln w="9525">
-                  <a:solidFill>
-                    <a:schemeClr val="bg1"/>
-                  </a:solidFill>
-                  <a:prstDash val="solid"/>
-                </a:ln>
-                <a:solidFill>
-                  <a:schemeClr val="tx1"/>
-                </a:solidFill>
-                <a:effectLst>
-                  <a:outerShdw blurRad="12700" dist="38100" dir="2700000" algn="tl" rotWithShape="0">
-                    <a:schemeClr val="bg1">
-                      <a:lumMod val="50000"/>
-                    </a:schemeClr>
-                  </a:outerShdw>
-                </a:effectLst>
-              </a:rPr>
-              <a:t>removed</a:t>
-            </a:r>
-            <a:endParaRPr lang="de-DE" b="1" dirty="0">
-              <a:ln w="9525">
-                <a:solidFill>
-                  <a:schemeClr val="bg1"/>
-                </a:solidFill>
-                <a:prstDash val="solid"/>
-              </a:ln>
-              <a:solidFill>
-                <a:schemeClr val="tx1"/>
-              </a:solidFill>
-              <a:effectLst>
-                <a:outerShdw blurRad="12700" dist="38100" dir="2700000" algn="tl" rotWithShape="0">
-                  <a:schemeClr val="bg1">
-                    <a:lumMod val="50000"/>
-                  </a:schemeClr>
-                </a:outerShdw>
-              </a:effectLst>
-            </a:endParaRPr>
-          </a:p>
-        </p:txBody>
-      </p:sp>
-      <p:sp>
-        <p:nvSpPr>
-          <p:cNvPr id="6" name="Textfeld 5">
-            <a:extLst>
-              <a:ext uri="{FF2B5EF4-FFF2-40B4-BE49-F238E27FC236}">
-                <a16:creationId xmlns:a16="http://schemas.microsoft.com/office/drawing/2014/main" id="{BE563151-D121-45F2-15E4-37D049222B1E}"/>
-              </a:ext>
-            </a:extLst>
-          </p:cNvPr>
-          <p:cNvSpPr txBox="1"/>
-          <p:nvPr/>
-        </p:nvSpPr>
-        <p:spPr>
-          <a:xfrm>
-            <a:off x="5308600" y="3902730"/>
-            <a:ext cx="3429000" cy="523220"/>
-          </a:xfrm>
-          <a:prstGeom prst="rect">
-            <a:avLst/>
-          </a:prstGeom>
-          <a:noFill/>
-        </p:spPr>
-        <p:txBody>
-          <a:bodyPr wrap="square" rtlCol="0">
-            <a:prstTxWarp prst="textInflateBottom">
-              <a:avLst/>
-            </a:prstTxWarp>
-            <a:spAutoFit/>
-          </a:bodyPr>
-          <a:lstStyle/>
-          <a:p>
-            <a:r>
-              <a:rPr lang="de-DE" b="1" dirty="0">
-                <a:ln w="9525">
-                  <a:solidFill>
-                    <a:schemeClr val="bg1"/>
-                  </a:solidFill>
-                  <a:prstDash val="solid"/>
-                </a:ln>
-                <a:solidFill>
-                  <a:schemeClr val="tx1"/>
-                </a:solidFill>
-                <a:effectLst>
-                  <a:outerShdw blurRad="12700" dist="38100" dir="2700000" algn="tl" rotWithShape="0">
-                    <a:schemeClr val="bg1">
-                      <a:lumMod val="50000"/>
-                    </a:schemeClr>
-                  </a:outerShdw>
-                </a:effectLst>
-              </a:rPr>
-              <a:t>+ Bild mit Beispielproteinen gute/schlechte Korrelation</a:t>
-            </a:r>
-          </a:p>
-        </p:txBody>
-      </p:sp>
-      <p:pic>
-        <p:nvPicPr>
-          <p:cNvPr id="8" name="Grafik 7">
-            <a:extLst>
-              <a:ext uri="{FF2B5EF4-FFF2-40B4-BE49-F238E27FC236}">
-                <a16:creationId xmlns:a16="http://schemas.microsoft.com/office/drawing/2014/main" id="{6D917807-BA50-7651-0095-F54FF9BE9157}"/>
-              </a:ext>
-            </a:extLst>
-          </p:cNvPr>
-          <p:cNvPicPr>
-            <a:picLocks noChangeAspect="1"/>
-          </p:cNvPicPr>
-          <p:nvPr/>
-        </p:nvPicPr>
-        <p:blipFill>
-          <a:blip r:embed="rId4"/>
-          <a:stretch>
-            <a:fillRect/>
-          </a:stretch>
-        </p:blipFill>
-        <p:spPr>
-          <a:xfrm>
-            <a:off x="4572000" y="1193298"/>
-            <a:ext cx="3730569" cy="2304958"/>
-          </a:xfrm>
-          <a:prstGeom prst="rect">
-            <a:avLst/>
-          </a:prstGeom>
-        </p:spPr>
-      </p:pic>
-    </p:spTree>
-    <p:extLst>
-      <p:ext uri="{BB962C8B-B14F-4D97-AF65-F5344CB8AC3E}">
-        <p14:creationId xmlns:p14="http://schemas.microsoft.com/office/powerpoint/2010/main" val="2743507843"/>
-      </p:ext>
-    </p:extLst>
-  </p:cSld>
-  <p:clrMapOvr>
-    <a:masterClrMapping/>
-  </p:clrMapOvr>
-</p:sld>
-</file>
-
-<file path=ppt/slides/slide11.xml><?xml version="1.0" encoding="utf-8"?>
-<p:sld xmlns:a="http://schemas.openxmlformats.org/drawingml/2006/main" xmlns:r="http://schemas.openxmlformats.org/officeDocument/2006/relationships" xmlns:p="http://schemas.openxmlformats.org/presentationml/2006/main">
-  <p:cSld>
-    <p:spTree>
-      <p:nvGrpSpPr>
-        <p:cNvPr id="1" name=""/>
-        <p:cNvGrpSpPr/>
-        <p:nvPr/>
-      </p:nvGrpSpPr>
-      <p:grpSpPr>
-        <a:xfrm>
-          <a:off x="0" y="0"/>
-          <a:ext cx="0" cy="0"/>
-          <a:chOff x="0" y="0"/>
-          <a:chExt cx="0" cy="0"/>
-        </a:xfrm>
-      </p:grpSpPr>
-      <p:sp>
-        <p:nvSpPr>
-          <p:cNvPr id="2" name="Textfeld 1">
-            <a:extLst>
-              <a:ext uri="{FF2B5EF4-FFF2-40B4-BE49-F238E27FC236}">
-                <a16:creationId xmlns:a16="http://schemas.microsoft.com/office/drawing/2014/main" id="{8273EE9A-3087-4346-CD48-68E903972421}"/>
-              </a:ext>
-            </a:extLst>
-          </p:cNvPr>
-          <p:cNvSpPr txBox="1"/>
-          <p:nvPr/>
-        </p:nvSpPr>
-        <p:spPr>
-          <a:xfrm>
-            <a:off x="512006" y="413878"/>
-            <a:ext cx="4572000" cy="2031325"/>
-          </a:xfrm>
-          <a:prstGeom prst="rect">
-            <a:avLst/>
-          </a:prstGeom>
-          <a:noFill/>
-        </p:spPr>
-        <p:txBody>
-          <a:bodyPr wrap="square">
-            <a:spAutoFit/>
-          </a:bodyPr>
-          <a:lstStyle/>
-          <a:p>
-            <a:r>
-              <a:rPr lang="de-DE" sz="2400" b="1" dirty="0">
-                <a:solidFill>
-                  <a:schemeClr val="bg2">
-                    <a:lumMod val="65000"/>
-                  </a:schemeClr>
-                </a:solidFill>
-                <a:latin typeface="DM Sans" pitchFamily="2" charset="0"/>
-                <a:cs typeface="Calibri Light" panose="020F0302020204030204" pitchFamily="34" charset="0"/>
-              </a:rPr>
-              <a:t>1. </a:t>
-            </a:r>
-            <a:r>
-              <a:rPr lang="de-DE" sz="2400" b="1" dirty="0" err="1">
-                <a:solidFill>
-                  <a:schemeClr val="bg2">
-                    <a:lumMod val="65000"/>
-                  </a:schemeClr>
-                </a:solidFill>
-                <a:latin typeface="DM Sans" pitchFamily="2" charset="0"/>
-                <a:cs typeface="Calibri Light" panose="020F0302020204030204" pitchFamily="34" charset="0"/>
-              </a:rPr>
-              <a:t>Preliminary</a:t>
-            </a:r>
-            <a:r>
-              <a:rPr lang="de-DE" sz="2400" b="1" dirty="0">
-                <a:solidFill>
-                  <a:schemeClr val="bg2">
-                    <a:lumMod val="65000"/>
-                  </a:schemeClr>
-                </a:solidFill>
-                <a:latin typeface="DM Sans" pitchFamily="2" charset="0"/>
-                <a:cs typeface="Calibri Light" panose="020F0302020204030204" pitchFamily="34" charset="0"/>
-              </a:rPr>
-              <a:t> </a:t>
-            </a:r>
-            <a:r>
-              <a:rPr lang="de-DE" sz="2400" b="1" dirty="0" err="1">
-                <a:solidFill>
-                  <a:schemeClr val="bg2">
-                    <a:lumMod val="65000"/>
-                  </a:schemeClr>
-                </a:solidFill>
-                <a:latin typeface="DM Sans" pitchFamily="2" charset="0"/>
-                <a:cs typeface="Calibri Light" panose="020F0302020204030204" pitchFamily="34" charset="0"/>
-              </a:rPr>
-              <a:t>steps</a:t>
-            </a:r>
-            <a:endParaRPr lang="de-DE" sz="2400" b="1" dirty="0">
-              <a:solidFill>
-                <a:schemeClr val="bg2">
-                  <a:lumMod val="65000"/>
-                </a:schemeClr>
-              </a:solidFill>
-              <a:latin typeface="DM Sans" pitchFamily="2" charset="0"/>
-              <a:cs typeface="Calibri Light" panose="020F0302020204030204" pitchFamily="34" charset="0"/>
-            </a:endParaRPr>
-          </a:p>
-          <a:p>
-            <a:r>
-              <a:rPr lang="de-DE" sz="1800" b="1" dirty="0">
-                <a:solidFill>
-                  <a:schemeClr val="bg2">
-                    <a:lumMod val="65000"/>
-                  </a:schemeClr>
-                </a:solidFill>
-                <a:latin typeface="DM Sans" pitchFamily="2" charset="0"/>
-                <a:cs typeface="Calibri Light" panose="020F0302020204030204" pitchFamily="34" charset="0"/>
-              </a:rPr>
-              <a:t>-    Data </a:t>
-            </a:r>
-            <a:r>
-              <a:rPr lang="de-DE" sz="1800" b="1" dirty="0" err="1">
-                <a:solidFill>
-                  <a:schemeClr val="bg2">
-                    <a:lumMod val="65000"/>
-                  </a:schemeClr>
-                </a:solidFill>
-                <a:latin typeface="DM Sans" pitchFamily="2" charset="0"/>
-                <a:cs typeface="Calibri Light" panose="020F0302020204030204" pitchFamily="34" charset="0"/>
-              </a:rPr>
-              <a:t>cleaning</a:t>
-            </a:r>
-            <a:endParaRPr lang="de-DE" sz="1800" b="1" dirty="0">
-              <a:solidFill>
-                <a:schemeClr val="bg2">
-                  <a:lumMod val="65000"/>
-                </a:schemeClr>
-              </a:solidFill>
-              <a:latin typeface="DM Sans" pitchFamily="2" charset="0"/>
-              <a:cs typeface="Calibri Light" panose="020F0302020204030204" pitchFamily="34" charset="0"/>
-            </a:endParaRPr>
-          </a:p>
-          <a:p>
-            <a:r>
-              <a:rPr lang="de-DE" sz="1800" b="1" dirty="0">
-                <a:solidFill>
-                  <a:schemeClr val="bg2">
-                    <a:lumMod val="65000"/>
-                  </a:schemeClr>
-                </a:solidFill>
-                <a:latin typeface="DM Sans" pitchFamily="2" charset="0"/>
-                <a:cs typeface="Calibri Light" panose="020F0302020204030204" pitchFamily="34" charset="0"/>
-              </a:rPr>
-              <a:t>-    </a:t>
-            </a:r>
-            <a:r>
-              <a:rPr lang="de-DE" sz="1800" b="1" dirty="0" err="1">
-                <a:solidFill>
-                  <a:schemeClr val="bg2">
-                    <a:lumMod val="65000"/>
-                  </a:schemeClr>
-                </a:solidFill>
-                <a:latin typeface="DM Sans" pitchFamily="2" charset="0"/>
-                <a:cs typeface="Calibri Light" panose="020F0302020204030204" pitchFamily="34" charset="0"/>
-              </a:rPr>
-              <a:t>Normalization</a:t>
-            </a:r>
-            <a:endParaRPr lang="de-DE" sz="1800" b="1" dirty="0">
-              <a:solidFill>
-                <a:schemeClr val="bg2">
-                  <a:lumMod val="65000"/>
-                </a:schemeClr>
-              </a:solidFill>
-              <a:latin typeface="DM Sans" pitchFamily="2" charset="0"/>
-              <a:cs typeface="Calibri Light" panose="020F0302020204030204" pitchFamily="34" charset="0"/>
-            </a:endParaRPr>
-          </a:p>
-          <a:p>
-            <a:r>
-              <a:rPr lang="de-DE" sz="1800" b="1" dirty="0">
-                <a:solidFill>
-                  <a:schemeClr val="bg2">
-                    <a:lumMod val="65000"/>
-                  </a:schemeClr>
-                </a:solidFill>
-                <a:latin typeface="DM Sans" pitchFamily="2" charset="0"/>
-                <a:cs typeface="Calibri Light" panose="020F0302020204030204" pitchFamily="34" charset="0"/>
-              </a:rPr>
-              <a:t>-    </a:t>
-            </a:r>
-            <a:r>
-              <a:rPr lang="de-DE" sz="1800" b="1" dirty="0" err="1">
-                <a:solidFill>
-                  <a:schemeClr val="bg2">
-                    <a:lumMod val="65000"/>
-                  </a:schemeClr>
-                </a:solidFill>
-                <a:latin typeface="DM Sans" pitchFamily="2" charset="0"/>
-                <a:cs typeface="Calibri Light" panose="020F0302020204030204" pitchFamily="34" charset="0"/>
-              </a:rPr>
-              <a:t>Reproducibility</a:t>
-            </a:r>
-            <a:endParaRPr lang="de-DE" sz="1800" b="1" dirty="0">
-              <a:solidFill>
-                <a:schemeClr val="bg2">
-                  <a:lumMod val="65000"/>
-                </a:schemeClr>
-              </a:solidFill>
-              <a:latin typeface="DM Sans" pitchFamily="2" charset="0"/>
-              <a:cs typeface="Calibri Light" panose="020F0302020204030204" pitchFamily="34" charset="0"/>
-            </a:endParaRPr>
-          </a:p>
-          <a:p>
-            <a:pPr marL="342900" indent="-342900">
-              <a:buFont typeface="Arial" panose="020B0604020202020204" pitchFamily="34" charset="0"/>
-              <a:buChar char="•"/>
-            </a:pPr>
-            <a:endParaRPr lang="de-DE" sz="2400" b="1" dirty="0">
-              <a:solidFill>
-                <a:schemeClr val="bg2">
-                  <a:lumMod val="65000"/>
-                </a:schemeClr>
-              </a:solidFill>
-              <a:latin typeface="DM Sans" pitchFamily="2" charset="0"/>
-              <a:cs typeface="Calibri Light" panose="020F0302020204030204" pitchFamily="34" charset="0"/>
-            </a:endParaRPr>
-          </a:p>
-          <a:p>
-            <a:pPr marL="342900" indent="-342900">
-              <a:buFont typeface="Arial" panose="020B0604020202020204" pitchFamily="34" charset="0"/>
-              <a:buChar char="•"/>
-            </a:pPr>
-            <a:endParaRPr lang="de-DE" sz="2400" b="1" dirty="0">
-              <a:solidFill>
-                <a:schemeClr val="bg2">
-                  <a:lumMod val="65000"/>
-                </a:schemeClr>
-              </a:solidFill>
-              <a:latin typeface="DM Sans" pitchFamily="2" charset="0"/>
-              <a:cs typeface="Calibri Light" panose="020F0302020204030204" pitchFamily="34" charset="0"/>
-            </a:endParaRPr>
-          </a:p>
-        </p:txBody>
-      </p:sp>
-      <p:sp>
-        <p:nvSpPr>
-          <p:cNvPr id="3" name="Textfeld 2">
-            <a:extLst>
-              <a:ext uri="{FF2B5EF4-FFF2-40B4-BE49-F238E27FC236}">
-                <a16:creationId xmlns:a16="http://schemas.microsoft.com/office/drawing/2014/main" id="{971FFCA7-0B71-019F-A301-9781873E85FA}"/>
-              </a:ext>
-            </a:extLst>
-          </p:cNvPr>
-          <p:cNvSpPr txBox="1"/>
-          <p:nvPr/>
-        </p:nvSpPr>
-        <p:spPr>
-          <a:xfrm>
-            <a:off x="4876562" y="413878"/>
-            <a:ext cx="4572000" cy="1384995"/>
-          </a:xfrm>
-          <a:prstGeom prst="rect">
-            <a:avLst/>
-          </a:prstGeom>
-          <a:noFill/>
-        </p:spPr>
-        <p:txBody>
-          <a:bodyPr wrap="square">
-            <a:spAutoFit/>
-          </a:bodyPr>
-          <a:lstStyle/>
-          <a:p>
-            <a:r>
-              <a:rPr lang="de-DE" sz="2400" b="1" dirty="0">
-                <a:solidFill>
-                  <a:schemeClr val="bg1"/>
-                </a:solidFill>
-                <a:latin typeface="DM Sans" pitchFamily="2" charset="0"/>
-                <a:cs typeface="Calibri Light" panose="020F0302020204030204" pitchFamily="34" charset="0"/>
-              </a:rPr>
-              <a:t>2. </a:t>
-            </a:r>
-            <a:r>
-              <a:rPr lang="de-DE" sz="2400" b="1" dirty="0" err="1">
-                <a:solidFill>
-                  <a:schemeClr val="bg1"/>
-                </a:solidFill>
-                <a:latin typeface="DM Sans" pitchFamily="2" charset="0"/>
-                <a:cs typeface="Calibri Light" panose="020F0302020204030204" pitchFamily="34" charset="0"/>
-              </a:rPr>
-              <a:t>Identification</a:t>
-            </a:r>
-            <a:r>
-              <a:rPr lang="de-DE" sz="2400" b="1" dirty="0">
-                <a:solidFill>
-                  <a:schemeClr val="bg1"/>
-                </a:solidFill>
-                <a:latin typeface="DM Sans" pitchFamily="2" charset="0"/>
-                <a:cs typeface="Calibri Light" panose="020F0302020204030204" pitchFamily="34" charset="0"/>
-              </a:rPr>
-              <a:t> </a:t>
-            </a:r>
-            <a:r>
-              <a:rPr lang="de-DE" sz="2400" b="1" dirty="0" err="1">
-                <a:solidFill>
-                  <a:schemeClr val="bg1"/>
-                </a:solidFill>
-                <a:latin typeface="DM Sans" pitchFamily="2" charset="0"/>
-                <a:cs typeface="Calibri Light" panose="020F0302020204030204" pitchFamily="34" charset="0"/>
-              </a:rPr>
-              <a:t>of</a:t>
-            </a:r>
-            <a:r>
-              <a:rPr lang="de-DE" sz="2400" b="1" dirty="0">
-                <a:solidFill>
-                  <a:schemeClr val="bg1"/>
-                </a:solidFill>
-                <a:latin typeface="DM Sans" pitchFamily="2" charset="0"/>
-                <a:cs typeface="Calibri Light" panose="020F0302020204030204" pitchFamily="34" charset="0"/>
-              </a:rPr>
-              <a:t> RNA-dependent </a:t>
-            </a:r>
-            <a:r>
-              <a:rPr lang="de-DE" sz="2400" b="1" dirty="0" err="1">
-                <a:solidFill>
-                  <a:schemeClr val="bg1"/>
-                </a:solidFill>
-                <a:latin typeface="DM Sans" pitchFamily="2" charset="0"/>
-                <a:cs typeface="Calibri Light" panose="020F0302020204030204" pitchFamily="34" charset="0"/>
-              </a:rPr>
-              <a:t>proteins</a:t>
-            </a:r>
-            <a:endParaRPr lang="de-DE" sz="2400" b="1" dirty="0">
-              <a:solidFill>
-                <a:schemeClr val="bg1"/>
-              </a:solidFill>
-              <a:latin typeface="DM Sans" pitchFamily="2" charset="0"/>
-              <a:cs typeface="Calibri Light" panose="020F0302020204030204" pitchFamily="34" charset="0"/>
-            </a:endParaRPr>
-          </a:p>
-          <a:p>
-            <a:r>
-              <a:rPr lang="de-DE" sz="1800" b="1" dirty="0">
-                <a:solidFill>
-                  <a:schemeClr val="bg1"/>
-                </a:solidFill>
-                <a:latin typeface="DM Sans" pitchFamily="2" charset="0"/>
-                <a:cs typeface="Calibri Light" panose="020F0302020204030204" pitchFamily="34" charset="0"/>
-              </a:rPr>
-              <a:t>-    </a:t>
-            </a:r>
-            <a:r>
-              <a:rPr lang="de-DE" sz="1800" b="1" dirty="0" err="1">
-                <a:solidFill>
-                  <a:schemeClr val="bg1"/>
-                </a:solidFill>
-                <a:latin typeface="DM Sans" pitchFamily="2" charset="0"/>
-                <a:cs typeface="Calibri Light" panose="020F0302020204030204" pitchFamily="34" charset="0"/>
-              </a:rPr>
-              <a:t>Defining</a:t>
-            </a:r>
-            <a:r>
-              <a:rPr lang="de-DE" sz="1800" b="1" dirty="0">
-                <a:solidFill>
-                  <a:schemeClr val="bg1"/>
-                </a:solidFill>
-                <a:latin typeface="DM Sans" pitchFamily="2" charset="0"/>
-                <a:cs typeface="Calibri Light" panose="020F0302020204030204" pitchFamily="34" charset="0"/>
-              </a:rPr>
-              <a:t> selection </a:t>
-            </a:r>
-            <a:r>
-              <a:rPr lang="de-DE" sz="1800" b="1" dirty="0" err="1">
-                <a:solidFill>
-                  <a:schemeClr val="bg1"/>
-                </a:solidFill>
-                <a:latin typeface="DM Sans" pitchFamily="2" charset="0"/>
-                <a:cs typeface="Calibri Light" panose="020F0302020204030204" pitchFamily="34" charset="0"/>
-              </a:rPr>
-              <a:t>criteria</a:t>
-            </a:r>
-            <a:endParaRPr lang="de-DE" sz="1800" b="1" dirty="0">
-              <a:solidFill>
-                <a:schemeClr val="bg1"/>
-              </a:solidFill>
-              <a:latin typeface="DM Sans" pitchFamily="2" charset="0"/>
-              <a:cs typeface="Calibri Light" panose="020F0302020204030204" pitchFamily="34" charset="0"/>
-            </a:endParaRPr>
-          </a:p>
-          <a:p>
-            <a:r>
-              <a:rPr lang="de-DE" sz="1800" b="1" dirty="0">
-                <a:solidFill>
-                  <a:schemeClr val="bg1"/>
-                </a:solidFill>
-                <a:latin typeface="DM Sans" pitchFamily="2" charset="0"/>
-                <a:cs typeface="Calibri Light" panose="020F0302020204030204" pitchFamily="34" charset="0"/>
-              </a:rPr>
-              <a:t>-    </a:t>
-            </a:r>
-            <a:r>
-              <a:rPr lang="de-DE" sz="1800" b="1" dirty="0" err="1">
-                <a:solidFill>
-                  <a:schemeClr val="bg1"/>
-                </a:solidFill>
-                <a:latin typeface="DM Sans" pitchFamily="2" charset="0"/>
-                <a:cs typeface="Calibri Light" panose="020F0302020204030204" pitchFamily="34" charset="0"/>
-              </a:rPr>
-              <a:t>Applying</a:t>
-            </a:r>
-            <a:r>
-              <a:rPr lang="de-DE" sz="1800" b="1" dirty="0">
-                <a:solidFill>
-                  <a:schemeClr val="bg1"/>
-                </a:solidFill>
-                <a:latin typeface="DM Sans" pitchFamily="2" charset="0"/>
-                <a:cs typeface="Calibri Light" panose="020F0302020204030204" pitchFamily="34" charset="0"/>
-              </a:rPr>
-              <a:t> selection </a:t>
-            </a:r>
-            <a:r>
-              <a:rPr lang="de-DE" sz="1800" b="1" dirty="0" err="1">
-                <a:solidFill>
-                  <a:schemeClr val="bg1"/>
-                </a:solidFill>
-                <a:latin typeface="DM Sans" pitchFamily="2" charset="0"/>
-                <a:cs typeface="Calibri Light" panose="020F0302020204030204" pitchFamily="34" charset="0"/>
-              </a:rPr>
-              <a:t>criteria</a:t>
-            </a:r>
-            <a:endParaRPr lang="de-DE" sz="1800" b="1" dirty="0">
-              <a:solidFill>
-                <a:schemeClr val="bg1"/>
-              </a:solidFill>
-              <a:latin typeface="DM Sans" pitchFamily="2" charset="0"/>
-              <a:cs typeface="Calibri Light" panose="020F0302020204030204" pitchFamily="34" charset="0"/>
-            </a:endParaRPr>
-          </a:p>
-        </p:txBody>
-      </p:sp>
-      <p:sp>
-        <p:nvSpPr>
-          <p:cNvPr id="4" name="Textfeld 3">
-            <a:extLst>
-              <a:ext uri="{FF2B5EF4-FFF2-40B4-BE49-F238E27FC236}">
-                <a16:creationId xmlns:a16="http://schemas.microsoft.com/office/drawing/2014/main" id="{1B1EFFA6-B1C4-A460-DE83-C1ACFA353B44}"/>
-              </a:ext>
-            </a:extLst>
-          </p:cNvPr>
-          <p:cNvSpPr txBox="1"/>
-          <p:nvPr/>
-        </p:nvSpPr>
-        <p:spPr>
-          <a:xfrm>
-            <a:off x="512006" y="3014936"/>
-            <a:ext cx="4572000" cy="1661993"/>
-          </a:xfrm>
-          <a:prstGeom prst="rect">
-            <a:avLst/>
-          </a:prstGeom>
-          <a:noFill/>
-        </p:spPr>
-        <p:txBody>
-          <a:bodyPr wrap="square">
-            <a:spAutoFit/>
-          </a:bodyPr>
-          <a:lstStyle/>
-          <a:p>
-            <a:r>
-              <a:rPr lang="de-DE" sz="2400" b="1" dirty="0">
-                <a:solidFill>
-                  <a:schemeClr val="bg2">
-                    <a:lumMod val="65000"/>
-                  </a:schemeClr>
-                </a:solidFill>
-                <a:latin typeface="DM Sans" pitchFamily="2" charset="0"/>
-                <a:cs typeface="Calibri Light" panose="020F0302020204030204" pitchFamily="34" charset="0"/>
-              </a:rPr>
-              <a:t>3. Dimension </a:t>
-            </a:r>
-            <a:r>
-              <a:rPr lang="de-DE" sz="2400" b="1" dirty="0" err="1">
-                <a:solidFill>
-                  <a:schemeClr val="bg2">
-                    <a:lumMod val="65000"/>
-                  </a:schemeClr>
-                </a:solidFill>
-                <a:latin typeface="DM Sans" pitchFamily="2" charset="0"/>
-                <a:cs typeface="Calibri Light" panose="020F0302020204030204" pitchFamily="34" charset="0"/>
-              </a:rPr>
-              <a:t>reduction</a:t>
-            </a:r>
-            <a:r>
-              <a:rPr lang="de-DE" sz="2400" b="1" dirty="0">
-                <a:solidFill>
-                  <a:schemeClr val="bg2">
-                    <a:lumMod val="65000"/>
-                  </a:schemeClr>
-                </a:solidFill>
-                <a:latin typeface="DM Sans" pitchFamily="2" charset="0"/>
-                <a:cs typeface="Calibri Light" panose="020F0302020204030204" pitchFamily="34" charset="0"/>
-              </a:rPr>
-              <a:t> </a:t>
-            </a:r>
-            <a:r>
-              <a:rPr lang="de-DE" sz="2400" b="1" dirty="0" err="1">
-                <a:solidFill>
-                  <a:schemeClr val="bg2">
-                    <a:lumMod val="65000"/>
-                  </a:schemeClr>
-                </a:solidFill>
-                <a:latin typeface="DM Sans" pitchFamily="2" charset="0"/>
-                <a:cs typeface="Calibri Light" panose="020F0302020204030204" pitchFamily="34" charset="0"/>
-              </a:rPr>
-              <a:t>analysis</a:t>
-            </a:r>
-            <a:endParaRPr lang="de-DE" sz="2400" b="1" dirty="0">
-              <a:solidFill>
-                <a:schemeClr val="bg2">
-                  <a:lumMod val="65000"/>
-                </a:schemeClr>
-              </a:solidFill>
-              <a:latin typeface="DM Sans" pitchFamily="2" charset="0"/>
-              <a:cs typeface="Calibri Light" panose="020F0302020204030204" pitchFamily="34" charset="0"/>
-            </a:endParaRPr>
-          </a:p>
-          <a:p>
-            <a:r>
-              <a:rPr lang="de-DE" sz="1800" b="1" dirty="0">
-                <a:solidFill>
-                  <a:schemeClr val="bg2">
-                    <a:lumMod val="65000"/>
-                  </a:schemeClr>
-                </a:solidFill>
-                <a:latin typeface="DM Sans" pitchFamily="2" charset="0"/>
-                <a:cs typeface="Calibri Light" panose="020F0302020204030204" pitchFamily="34" charset="0"/>
-              </a:rPr>
-              <a:t>-    </a:t>
-            </a:r>
-            <a:r>
-              <a:rPr lang="de-DE" sz="1800" b="1" dirty="0" err="1">
-                <a:solidFill>
-                  <a:schemeClr val="bg2">
-                    <a:lumMod val="65000"/>
-                  </a:schemeClr>
-                </a:solidFill>
-                <a:latin typeface="DM Sans" pitchFamily="2" charset="0"/>
-                <a:cs typeface="Calibri Light" panose="020F0302020204030204" pitchFamily="34" charset="0"/>
-              </a:rPr>
-              <a:t>Procedure</a:t>
-            </a:r>
-            <a:endParaRPr lang="de-DE" sz="1800" b="1" dirty="0">
-              <a:solidFill>
-                <a:schemeClr val="bg2">
-                  <a:lumMod val="65000"/>
-                </a:schemeClr>
-              </a:solidFill>
-              <a:latin typeface="DM Sans" pitchFamily="2" charset="0"/>
-              <a:cs typeface="Calibri Light" panose="020F0302020204030204" pitchFamily="34" charset="0"/>
-            </a:endParaRPr>
-          </a:p>
-          <a:p>
-            <a:r>
-              <a:rPr lang="de-DE" sz="1800" b="1" dirty="0">
-                <a:solidFill>
-                  <a:schemeClr val="bg2">
-                    <a:lumMod val="65000"/>
-                  </a:schemeClr>
-                </a:solidFill>
-                <a:latin typeface="DM Sans" pitchFamily="2" charset="0"/>
-                <a:cs typeface="Calibri Light" panose="020F0302020204030204" pitchFamily="34" charset="0"/>
-              </a:rPr>
-              <a:t>-    Results</a:t>
-            </a:r>
-          </a:p>
-          <a:p>
-            <a:r>
-              <a:rPr lang="de-DE" sz="1800" b="1" dirty="0">
-                <a:solidFill>
-                  <a:schemeClr val="bg2">
-                    <a:lumMod val="65000"/>
-                  </a:schemeClr>
-                </a:solidFill>
-                <a:latin typeface="DM Sans" pitchFamily="2" charset="0"/>
-                <a:cs typeface="Calibri Light" panose="020F0302020204030204" pitchFamily="34" charset="0"/>
-              </a:rPr>
-              <a:t>-    Interpretation</a:t>
-            </a:r>
-          </a:p>
-        </p:txBody>
-      </p:sp>
-      <p:sp>
-        <p:nvSpPr>
-          <p:cNvPr id="5" name="Textfeld 4">
-            <a:extLst>
-              <a:ext uri="{FF2B5EF4-FFF2-40B4-BE49-F238E27FC236}">
-                <a16:creationId xmlns:a16="http://schemas.microsoft.com/office/drawing/2014/main" id="{0D44EFD1-EB73-E8E2-8DC0-BA20C0339FC5}"/>
-              </a:ext>
-            </a:extLst>
-          </p:cNvPr>
-          <p:cNvSpPr txBox="1"/>
-          <p:nvPr/>
-        </p:nvSpPr>
-        <p:spPr>
-          <a:xfrm>
-            <a:off x="4876562" y="3066348"/>
-            <a:ext cx="4572000" cy="2031325"/>
-          </a:xfrm>
-          <a:prstGeom prst="rect">
-            <a:avLst/>
-          </a:prstGeom>
-          <a:noFill/>
-        </p:spPr>
-        <p:txBody>
-          <a:bodyPr wrap="square">
-            <a:spAutoFit/>
-          </a:bodyPr>
-          <a:lstStyle/>
-          <a:p>
-            <a:r>
-              <a:rPr lang="de-DE" sz="2400" b="1" dirty="0">
-                <a:solidFill>
-                  <a:schemeClr val="bg2">
-                    <a:lumMod val="65000"/>
-                  </a:schemeClr>
-                </a:solidFill>
-                <a:latin typeface="DM Sans" pitchFamily="2" charset="0"/>
-                <a:cs typeface="Calibri Light" panose="020F0302020204030204" pitchFamily="34" charset="0"/>
-              </a:rPr>
-              <a:t>4. </a:t>
-            </a:r>
-            <a:r>
-              <a:rPr lang="de-DE" sz="2400" b="1" dirty="0" err="1">
-                <a:solidFill>
-                  <a:schemeClr val="bg2">
-                    <a:lumMod val="65000"/>
-                  </a:schemeClr>
-                </a:solidFill>
-                <a:latin typeface="DM Sans" pitchFamily="2" charset="0"/>
-                <a:cs typeface="Calibri Light" panose="020F0302020204030204" pitchFamily="34" charset="0"/>
-              </a:rPr>
-              <a:t>Developing</a:t>
-            </a:r>
-            <a:r>
-              <a:rPr lang="de-DE" sz="2400" b="1" dirty="0">
-                <a:solidFill>
-                  <a:schemeClr val="bg2">
-                    <a:lumMod val="65000"/>
-                  </a:schemeClr>
-                </a:solidFill>
-                <a:latin typeface="DM Sans" pitchFamily="2" charset="0"/>
-                <a:cs typeface="Calibri Light" panose="020F0302020204030204" pitchFamily="34" charset="0"/>
-              </a:rPr>
-              <a:t> a linear </a:t>
-            </a:r>
-            <a:r>
-              <a:rPr lang="de-DE" sz="2400" b="1" dirty="0" err="1">
-                <a:solidFill>
-                  <a:schemeClr val="bg2">
-                    <a:lumMod val="65000"/>
-                  </a:schemeClr>
-                </a:solidFill>
-                <a:latin typeface="DM Sans" pitchFamily="2" charset="0"/>
-                <a:cs typeface="Calibri Light" panose="020F0302020204030204" pitchFamily="34" charset="0"/>
-              </a:rPr>
-              <a:t>regression</a:t>
-            </a:r>
-            <a:r>
-              <a:rPr lang="de-DE" sz="2400" b="1" dirty="0">
-                <a:solidFill>
-                  <a:schemeClr val="bg2">
-                    <a:lumMod val="65000"/>
-                  </a:schemeClr>
-                </a:solidFill>
-                <a:latin typeface="DM Sans" pitchFamily="2" charset="0"/>
-                <a:cs typeface="Calibri Light" panose="020F0302020204030204" pitchFamily="34" charset="0"/>
-              </a:rPr>
-              <a:t> </a:t>
-            </a:r>
-            <a:r>
-              <a:rPr lang="de-DE" sz="2400" b="1" dirty="0" err="1">
-                <a:solidFill>
-                  <a:schemeClr val="bg2">
-                    <a:lumMod val="65000"/>
-                  </a:schemeClr>
-                </a:solidFill>
-                <a:latin typeface="DM Sans" pitchFamily="2" charset="0"/>
-                <a:cs typeface="Calibri Light" panose="020F0302020204030204" pitchFamily="34" charset="0"/>
-              </a:rPr>
-              <a:t>model</a:t>
-            </a:r>
-            <a:endParaRPr lang="de-DE" sz="2400" b="1" dirty="0">
-              <a:solidFill>
-                <a:schemeClr val="bg2">
-                  <a:lumMod val="65000"/>
-                </a:schemeClr>
-              </a:solidFill>
-              <a:latin typeface="DM Sans" pitchFamily="2" charset="0"/>
-              <a:cs typeface="Calibri Light" panose="020F0302020204030204" pitchFamily="34" charset="0"/>
-            </a:endParaRPr>
-          </a:p>
-          <a:p>
-            <a:r>
-              <a:rPr lang="de-DE" sz="1800" b="1" dirty="0">
-                <a:solidFill>
-                  <a:schemeClr val="bg2">
-                    <a:lumMod val="65000"/>
-                  </a:schemeClr>
-                </a:solidFill>
-                <a:latin typeface="DM Sans" pitchFamily="2" charset="0"/>
-                <a:cs typeface="Calibri Light" panose="020F0302020204030204" pitchFamily="34" charset="0"/>
-              </a:rPr>
-              <a:t>-    </a:t>
-            </a:r>
-            <a:r>
-              <a:rPr lang="de-DE" sz="1800" b="1" dirty="0" err="1">
-                <a:solidFill>
-                  <a:schemeClr val="bg2">
-                    <a:lumMod val="65000"/>
-                  </a:schemeClr>
-                </a:solidFill>
-                <a:latin typeface="DM Sans" pitchFamily="2" charset="0"/>
-                <a:cs typeface="Calibri Light" panose="020F0302020204030204" pitchFamily="34" charset="0"/>
-              </a:rPr>
-              <a:t>Procedure</a:t>
-            </a:r>
-            <a:endParaRPr lang="de-DE" sz="1800" b="1" dirty="0">
-              <a:solidFill>
-                <a:schemeClr val="bg2">
-                  <a:lumMod val="65000"/>
-                </a:schemeClr>
-              </a:solidFill>
-              <a:latin typeface="DM Sans" pitchFamily="2" charset="0"/>
-              <a:cs typeface="Calibri Light" panose="020F0302020204030204" pitchFamily="34" charset="0"/>
-            </a:endParaRPr>
-          </a:p>
-          <a:p>
-            <a:r>
-              <a:rPr lang="de-DE" sz="1800" b="1" dirty="0">
-                <a:solidFill>
-                  <a:schemeClr val="bg2">
-                    <a:lumMod val="65000"/>
-                  </a:schemeClr>
-                </a:solidFill>
-                <a:latin typeface="DM Sans" pitchFamily="2" charset="0"/>
-                <a:cs typeface="Calibri Light" panose="020F0302020204030204" pitchFamily="34" charset="0"/>
-              </a:rPr>
-              <a:t>-    Results</a:t>
-            </a:r>
-          </a:p>
-          <a:p>
-            <a:r>
-              <a:rPr lang="de-DE" sz="1800" b="1" dirty="0">
-                <a:solidFill>
-                  <a:schemeClr val="bg2">
-                    <a:lumMod val="65000"/>
-                  </a:schemeClr>
-                </a:solidFill>
-                <a:latin typeface="DM Sans" pitchFamily="2" charset="0"/>
-                <a:cs typeface="Calibri Light" panose="020F0302020204030204" pitchFamily="34" charset="0"/>
-              </a:rPr>
-              <a:t>-    Interpretation</a:t>
-            </a:r>
-          </a:p>
-          <a:p>
-            <a:endParaRPr lang="de-DE" sz="2400" b="1" dirty="0">
-              <a:solidFill>
-                <a:schemeClr val="bg2">
-                  <a:lumMod val="65000"/>
-                </a:schemeClr>
-              </a:solidFill>
-              <a:latin typeface="DM Sans" pitchFamily="2" charset="0"/>
-              <a:cs typeface="Calibri Light" panose="020F0302020204030204" pitchFamily="34" charset="0"/>
-            </a:endParaRPr>
-          </a:p>
-        </p:txBody>
-      </p:sp>
-    </p:spTree>
-    <p:extLst>
-      <p:ext uri="{BB962C8B-B14F-4D97-AF65-F5344CB8AC3E}">
-        <p14:creationId xmlns:p14="http://schemas.microsoft.com/office/powerpoint/2010/main" val="1984951027"/>
-      </p:ext>
-    </p:extLst>
-  </p:cSld>
-  <p:clrMapOvr>
-    <a:masterClrMapping/>
-  </p:clrMapOvr>
-</p:sld>
-</file>
-
-<file path=ppt/slides/slide12.xml><?xml version="1.0" encoding="utf-8"?>
-<p:sld xmlns:a="http://schemas.openxmlformats.org/drawingml/2006/main" xmlns:r="http://schemas.openxmlformats.org/officeDocument/2006/relationships" xmlns:p="http://schemas.openxmlformats.org/presentationml/2006/main">
-  <p:cSld>
-    <p:spTree>
-      <p:nvGrpSpPr>
-        <p:cNvPr id="1" name=""/>
-        <p:cNvGrpSpPr/>
-        <p:nvPr/>
-      </p:nvGrpSpPr>
-      <p:grpSpPr>
-        <a:xfrm>
-          <a:off x="0" y="0"/>
-          <a:ext cx="0" cy="0"/>
-          <a:chOff x="0" y="0"/>
-          <a:chExt cx="0" cy="0"/>
-        </a:xfrm>
-      </p:grpSpPr>
-      <p:sp>
-        <p:nvSpPr>
-          <p:cNvPr id="2" name="Textfeld 1">
-            <a:extLst>
-              <a:ext uri="{FF2B5EF4-FFF2-40B4-BE49-F238E27FC236}">
                 <a16:creationId xmlns:a16="http://schemas.microsoft.com/office/drawing/2014/main" id="{08C52D0F-9D3E-CEA5-78B4-6BEF24D1C04E}"/>
               </a:ext>
             </a:extLst>
@@ -5339,7 +4225,7 @@
 </p:sld>
 </file>
 
-<file path=ppt/slides/slide13.xml><?xml version="1.0" encoding="utf-8"?>
+<file path=ppt/slides/slide11.xml><?xml version="1.0" encoding="utf-8"?>
 <p:sld xmlns:a="http://schemas.openxmlformats.org/drawingml/2006/main" xmlns:r="http://schemas.openxmlformats.org/officeDocument/2006/relationships" xmlns:p="http://schemas.openxmlformats.org/presentationml/2006/main">
   <p:cSld>
     <p:spTree>
@@ -5585,7 +4471,7 @@
 </p:sld>
 </file>
 
-<file path=ppt/slides/slide14.xml><?xml version="1.0" encoding="utf-8"?>
+<file path=ppt/slides/slide12.xml><?xml version="1.0" encoding="utf-8"?>
 <p:sld xmlns:a="http://schemas.openxmlformats.org/drawingml/2006/main" xmlns:r="http://schemas.openxmlformats.org/officeDocument/2006/relationships" xmlns:p="http://schemas.openxmlformats.org/presentationml/2006/main">
   <p:cSld>
     <p:spTree>
@@ -5615,7 +4501,7 @@
 </p:sld>
 </file>
 
-<file path=ppt/slides/slide15.xml><?xml version="1.0" encoding="utf-8"?>
+<file path=ppt/slides/slide13.xml><?xml version="1.0" encoding="utf-8"?>
 <p:sld xmlns:a="http://schemas.openxmlformats.org/drawingml/2006/main" xmlns:r="http://schemas.openxmlformats.org/officeDocument/2006/relationships" xmlns:p="http://schemas.openxmlformats.org/presentationml/2006/main">
   <p:cSld>
     <p:spTree>
@@ -6415,7 +5301,7 @@
 </p:sld>
 </file>
 
-<file path=ppt/slides/slide16.xml><?xml version="1.0" encoding="utf-8"?>
+<file path=ppt/slides/slide14.xml><?xml version="1.0" encoding="utf-8"?>
 <p:sld xmlns:a="http://schemas.openxmlformats.org/drawingml/2006/main" xmlns:r="http://schemas.openxmlformats.org/officeDocument/2006/relationships" xmlns:p="http://schemas.openxmlformats.org/presentationml/2006/main">
   <p:cSld>
     <p:spTree>
@@ -6697,7 +5583,7 @@
 </p:sld>
 </file>
 
-<file path=ppt/slides/slide17.xml><?xml version="1.0" encoding="utf-8"?>
+<file path=ppt/slides/slide15.xml><?xml version="1.0" encoding="utf-8"?>
 <p:sld xmlns:a="http://schemas.openxmlformats.org/drawingml/2006/main" xmlns:r="http://schemas.openxmlformats.org/officeDocument/2006/relationships" xmlns:p="http://schemas.openxmlformats.org/presentationml/2006/main">
   <p:cSld>
     <p:spTree>
@@ -6768,7 +5654,7 @@
 </p:sld>
 </file>
 
-<file path=ppt/slides/slide18.xml><?xml version="1.0" encoding="utf-8"?>
+<file path=ppt/slides/slide16.xml><?xml version="1.0" encoding="utf-8"?>
 <p:sld xmlns:a="http://schemas.openxmlformats.org/drawingml/2006/main" xmlns:r="http://schemas.openxmlformats.org/officeDocument/2006/relationships" xmlns:p="http://schemas.openxmlformats.org/presentationml/2006/main">
   <p:cSld>
     <p:spTree>
@@ -7562,7 +6448,7 @@
 </p:sld>
 </file>
 
-<file path=ppt/slides/slide19.xml><?xml version="1.0" encoding="utf-8"?>
+<file path=ppt/slides/slide17.xml><?xml version="1.0" encoding="utf-8"?>
 <p:sld xmlns:a="http://schemas.openxmlformats.org/drawingml/2006/main" xmlns:r="http://schemas.openxmlformats.org/officeDocument/2006/relationships" xmlns:p="http://schemas.openxmlformats.org/presentationml/2006/main">
   <p:cSld>
     <p:spTree>
@@ -7867,483 +6753,7 @@
 </p:sld>
 </file>
 
-<file path=ppt/slides/slide2.xml><?xml version="1.0" encoding="utf-8"?>
-<p:sld xmlns:a="http://schemas.openxmlformats.org/drawingml/2006/main" xmlns:r="http://schemas.openxmlformats.org/officeDocument/2006/relationships" xmlns:p="http://schemas.openxmlformats.org/presentationml/2006/main">
-  <p:cSld>
-    <p:spTree>
-      <p:nvGrpSpPr>
-        <p:cNvPr id="1" name=""/>
-        <p:cNvGrpSpPr/>
-        <p:nvPr/>
-      </p:nvGrpSpPr>
-      <p:grpSpPr>
-        <a:xfrm>
-          <a:off x="0" y="0"/>
-          <a:ext cx="0" cy="0"/>
-          <a:chOff x="0" y="0"/>
-          <a:chExt cx="0" cy="0"/>
-        </a:xfrm>
-      </p:grpSpPr>
-      <p:sp>
-        <p:nvSpPr>
-          <p:cNvPr id="10" name="Textfeld 9">
-            <a:extLst>
-              <a:ext uri="{FF2B5EF4-FFF2-40B4-BE49-F238E27FC236}">
-                <a16:creationId xmlns:a16="http://schemas.microsoft.com/office/drawing/2014/main" id="{FD433997-33F5-9575-5F92-8DF46FE3689F}"/>
-              </a:ext>
-            </a:extLst>
-          </p:cNvPr>
-          <p:cNvSpPr txBox="1"/>
-          <p:nvPr/>
-        </p:nvSpPr>
-        <p:spPr>
-          <a:xfrm>
-            <a:off x="353684" y="285750"/>
-            <a:ext cx="4968814" cy="1754326"/>
-          </a:xfrm>
-          <a:prstGeom prst="rect">
-            <a:avLst/>
-          </a:prstGeom>
-          <a:noFill/>
-        </p:spPr>
-        <p:txBody>
-          <a:bodyPr wrap="square">
-            <a:spAutoFit/>
-          </a:bodyPr>
-          <a:lstStyle/>
-          <a:p>
-            <a:r>
-              <a:rPr lang="de-DE" sz="5400" b="1" dirty="0">
-                <a:solidFill>
-                  <a:schemeClr val="bg1"/>
-                </a:solidFill>
-                <a:latin typeface="DM Sans" pitchFamily="2" charset="0"/>
-                <a:cs typeface="Calibri Light" panose="020F0302020204030204" pitchFamily="34" charset="0"/>
-              </a:rPr>
-              <a:t>Data Analysis Project 2022</a:t>
-            </a:r>
-          </a:p>
-        </p:txBody>
-      </p:sp>
-      <p:sp>
-        <p:nvSpPr>
-          <p:cNvPr id="11" name="Textfeld 10">
-            <a:extLst>
-              <a:ext uri="{FF2B5EF4-FFF2-40B4-BE49-F238E27FC236}">
-                <a16:creationId xmlns:a16="http://schemas.microsoft.com/office/drawing/2014/main" id="{FA9B6686-E01B-3333-5412-58FDBA1562DC}"/>
-              </a:ext>
-            </a:extLst>
-          </p:cNvPr>
-          <p:cNvSpPr txBox="1"/>
-          <p:nvPr/>
-        </p:nvSpPr>
-        <p:spPr>
-          <a:xfrm>
-            <a:off x="353684" y="2040076"/>
-            <a:ext cx="4572000" cy="461665"/>
-          </a:xfrm>
-          <a:prstGeom prst="rect">
-            <a:avLst/>
-          </a:prstGeom>
-          <a:noFill/>
-        </p:spPr>
-        <p:txBody>
-          <a:bodyPr wrap="square">
-            <a:spAutoFit/>
-          </a:bodyPr>
-          <a:lstStyle/>
-          <a:p>
-            <a:r>
-              <a:rPr lang="de-DE" sz="2400" b="1" dirty="0">
-                <a:solidFill>
-                  <a:schemeClr val="bg1"/>
-                </a:solidFill>
-                <a:latin typeface="DM Sans" pitchFamily="2" charset="0"/>
-                <a:cs typeface="Calibri Light" panose="020F0302020204030204" pitchFamily="34" charset="0"/>
-              </a:rPr>
-              <a:t>Project Presentation</a:t>
-            </a:r>
-          </a:p>
-        </p:txBody>
-      </p:sp>
-      <p:sp>
-        <p:nvSpPr>
-          <p:cNvPr id="12" name="Textfeld 11">
-            <a:extLst>
-              <a:ext uri="{FF2B5EF4-FFF2-40B4-BE49-F238E27FC236}">
-                <a16:creationId xmlns:a16="http://schemas.microsoft.com/office/drawing/2014/main" id="{6C5B134F-A32A-9EB0-E9C8-1E8B6A6A2548}"/>
-              </a:ext>
-            </a:extLst>
-          </p:cNvPr>
-          <p:cNvSpPr txBox="1"/>
-          <p:nvPr/>
-        </p:nvSpPr>
-        <p:spPr>
-          <a:xfrm>
-            <a:off x="7228932" y="402302"/>
-            <a:ext cx="2001327" cy="1015663"/>
-          </a:xfrm>
-          <a:prstGeom prst="rect">
-            <a:avLst/>
-          </a:prstGeom>
-          <a:noFill/>
-        </p:spPr>
-        <p:txBody>
-          <a:bodyPr wrap="square" rtlCol="0">
-            <a:spAutoFit/>
-          </a:bodyPr>
-          <a:lstStyle/>
-          <a:p>
-            <a:r>
-              <a:rPr lang="en-US" sz="1200" b="1" dirty="0">
-                <a:solidFill>
-                  <a:schemeClr val="bg1"/>
-                </a:solidFill>
-                <a:latin typeface="DM Sans" pitchFamily="2" charset="0"/>
-                <a:cs typeface="Calibri" panose="020F0502020204030204" pitchFamily="34" charset="0"/>
-              </a:rPr>
-              <a:t>Topic 03: Proteome-wide Screen for RNA-dependent Proteins</a:t>
-            </a:r>
-          </a:p>
-          <a:p>
-            <a:r>
-              <a:rPr lang="en-US" sz="1200" b="1" dirty="0">
-                <a:solidFill>
-                  <a:schemeClr val="bg1"/>
-                </a:solidFill>
-                <a:latin typeface="DM Sans" pitchFamily="2" charset="0"/>
-                <a:cs typeface="Calibri" panose="020F0502020204030204" pitchFamily="34" charset="0"/>
-              </a:rPr>
-              <a:t>Subproject 2: HeLa Cells Synchronized in Mitosis</a:t>
-            </a:r>
-          </a:p>
-        </p:txBody>
-      </p:sp>
-      <p:sp>
-        <p:nvSpPr>
-          <p:cNvPr id="7" name="Textfeld 6">
-            <a:extLst>
-              <a:ext uri="{FF2B5EF4-FFF2-40B4-BE49-F238E27FC236}">
-                <a16:creationId xmlns:a16="http://schemas.microsoft.com/office/drawing/2014/main" id="{D39DE74A-4E13-D2B0-08C9-DDA919BA079D}"/>
-              </a:ext>
-            </a:extLst>
-          </p:cNvPr>
-          <p:cNvSpPr txBox="1"/>
-          <p:nvPr/>
-        </p:nvSpPr>
-        <p:spPr>
-          <a:xfrm>
-            <a:off x="7228932" y="1564005"/>
-            <a:ext cx="1984074" cy="507831"/>
-          </a:xfrm>
-          <a:prstGeom prst="rect">
-            <a:avLst/>
-          </a:prstGeom>
-          <a:noFill/>
-        </p:spPr>
-        <p:txBody>
-          <a:bodyPr wrap="square" rtlCol="0">
-            <a:spAutoFit/>
-          </a:bodyPr>
-          <a:lstStyle/>
-          <a:p>
-            <a:r>
-              <a:rPr lang="en-US" sz="900" dirty="0">
-                <a:solidFill>
-                  <a:schemeClr val="bg1"/>
-                </a:solidFill>
-                <a:latin typeface="DM Sans" pitchFamily="2" charset="0"/>
-                <a:cs typeface="Calibri" panose="020F0502020204030204" pitchFamily="34" charset="0"/>
-              </a:rPr>
-              <a:t>Supervisor: Dr.</a:t>
-            </a:r>
-            <a:r>
-              <a:rPr lang="de-DE" sz="900" dirty="0">
-                <a:solidFill>
-                  <a:schemeClr val="bg1"/>
-                </a:solidFill>
-                <a:latin typeface="DM Sans" pitchFamily="2" charset="0"/>
-                <a:cs typeface="Calibri" panose="020F0502020204030204" pitchFamily="34" charset="0"/>
-              </a:rPr>
-              <a:t> </a:t>
-            </a:r>
-            <a:r>
-              <a:rPr lang="de-DE" sz="900" dirty="0" err="1">
-                <a:solidFill>
-                  <a:schemeClr val="bg1"/>
-                </a:solidFill>
-                <a:latin typeface="DM Sans" pitchFamily="2" charset="0"/>
-                <a:cs typeface="Calibri" panose="020F0502020204030204" pitchFamily="34" charset="0"/>
-              </a:rPr>
-              <a:t>Maïwen</a:t>
-            </a:r>
-            <a:r>
-              <a:rPr lang="de-DE" sz="900" dirty="0">
-                <a:solidFill>
-                  <a:schemeClr val="bg1"/>
-                </a:solidFill>
-                <a:latin typeface="DM Sans" pitchFamily="2" charset="0"/>
-                <a:cs typeface="Calibri" panose="020F0502020204030204" pitchFamily="34" charset="0"/>
-              </a:rPr>
-              <a:t> Caudron-Herger</a:t>
-            </a:r>
-          </a:p>
-          <a:p>
-            <a:r>
-              <a:rPr lang="de-DE" sz="900" dirty="0">
-                <a:solidFill>
-                  <a:schemeClr val="bg1"/>
-                </a:solidFill>
-                <a:latin typeface="DM Sans" pitchFamily="2" charset="0"/>
-                <a:cs typeface="Calibri" panose="020F0502020204030204" pitchFamily="34" charset="0"/>
-              </a:rPr>
-              <a:t>Tutor: Niklas Engel</a:t>
-            </a:r>
-          </a:p>
-        </p:txBody>
-      </p:sp>
-      <p:sp>
-        <p:nvSpPr>
-          <p:cNvPr id="14" name="Textfeld 13">
-            <a:extLst>
-              <a:ext uri="{FF2B5EF4-FFF2-40B4-BE49-F238E27FC236}">
-                <a16:creationId xmlns:a16="http://schemas.microsoft.com/office/drawing/2014/main" id="{89714160-84DE-24AF-C46A-20D5A020CE7D}"/>
-              </a:ext>
-            </a:extLst>
-          </p:cNvPr>
-          <p:cNvSpPr txBox="1"/>
-          <p:nvPr/>
-        </p:nvSpPr>
-        <p:spPr>
-          <a:xfrm>
-            <a:off x="7228932" y="2075401"/>
-            <a:ext cx="2001327" cy="507831"/>
-          </a:xfrm>
-          <a:prstGeom prst="rect">
-            <a:avLst/>
-          </a:prstGeom>
-          <a:noFill/>
-        </p:spPr>
-        <p:txBody>
-          <a:bodyPr wrap="square" rtlCol="0">
-            <a:spAutoFit/>
-          </a:bodyPr>
-          <a:lstStyle/>
-          <a:p>
-            <a:r>
-              <a:rPr lang="de-DE" sz="900" dirty="0">
-                <a:solidFill>
-                  <a:schemeClr val="bg1"/>
-                </a:solidFill>
-                <a:latin typeface="DM Sans" pitchFamily="2" charset="0"/>
-                <a:cs typeface="Calibri" panose="020F0502020204030204" pitchFamily="34" charset="0"/>
-              </a:rPr>
-              <a:t>Michel Tarnow, Mich</a:t>
-            </a:r>
-            <a:r>
-              <a:rPr lang="en-US" sz="900" dirty="0">
-                <a:solidFill>
-                  <a:schemeClr val="bg1"/>
-                </a:solidFill>
-                <a:latin typeface="DM Sans" pitchFamily="2" charset="0"/>
-                <a:cs typeface="Calibri" panose="020F0502020204030204" pitchFamily="34" charset="0"/>
-              </a:rPr>
-              <a:t>è</a:t>
-            </a:r>
-            <a:r>
-              <a:rPr lang="de-DE" sz="900" dirty="0">
-                <a:solidFill>
-                  <a:schemeClr val="bg1"/>
-                </a:solidFill>
-                <a:latin typeface="DM Sans" pitchFamily="2" charset="0"/>
-                <a:cs typeface="Calibri" panose="020F0502020204030204" pitchFamily="34" charset="0"/>
-              </a:rPr>
-              <a:t>le </a:t>
-            </a:r>
-            <a:r>
-              <a:rPr lang="de-DE" sz="900" dirty="0" err="1">
-                <a:solidFill>
-                  <a:schemeClr val="bg1"/>
-                </a:solidFill>
-                <a:latin typeface="DM Sans" pitchFamily="2" charset="0"/>
-                <a:cs typeface="Calibri" panose="020F0502020204030204" pitchFamily="34" charset="0"/>
-              </a:rPr>
-              <a:t>Bennek</a:t>
-            </a:r>
-            <a:r>
-              <a:rPr lang="de-DE" sz="900" dirty="0">
-                <a:solidFill>
-                  <a:schemeClr val="bg1"/>
-                </a:solidFill>
-                <a:latin typeface="DM Sans" pitchFamily="2" charset="0"/>
-                <a:cs typeface="Calibri" panose="020F0502020204030204" pitchFamily="34" charset="0"/>
-              </a:rPr>
-              <a:t>, Lennart Müller, Sebastian Rickert; </a:t>
-            </a:r>
-          </a:p>
-          <a:p>
-            <a:r>
-              <a:rPr lang="de-DE" sz="900" dirty="0">
-                <a:solidFill>
-                  <a:schemeClr val="bg1"/>
-                </a:solidFill>
-                <a:latin typeface="DM Sans" pitchFamily="2" charset="0"/>
-                <a:cs typeface="Calibri" panose="020F0502020204030204" pitchFamily="34" charset="0"/>
-              </a:rPr>
-              <a:t>Date</a:t>
-            </a:r>
-            <a:r>
-              <a:rPr lang="de-DE" sz="900" b="1" dirty="0">
-                <a:solidFill>
-                  <a:schemeClr val="bg1"/>
-                </a:solidFill>
-                <a:latin typeface="DM Sans" pitchFamily="2" charset="0"/>
-                <a:cs typeface="Calibri" panose="020F0502020204030204" pitchFamily="34" charset="0"/>
-              </a:rPr>
-              <a:t>: 19.08.2022</a:t>
-            </a:r>
-          </a:p>
-        </p:txBody>
-      </p:sp>
-      <p:pic>
-        <p:nvPicPr>
-          <p:cNvPr id="17" name="Grafik 16">
-            <a:extLst>
-              <a:ext uri="{FF2B5EF4-FFF2-40B4-BE49-F238E27FC236}">
-                <a16:creationId xmlns:a16="http://schemas.microsoft.com/office/drawing/2014/main" id="{3CABCA42-A701-1E0D-3CDA-AFA84791DDBD}"/>
-              </a:ext>
-            </a:extLst>
-          </p:cNvPr>
-          <p:cNvPicPr>
-            <a:picLocks noChangeAspect="1"/>
-          </p:cNvPicPr>
-          <p:nvPr/>
-        </p:nvPicPr>
-        <p:blipFill rotWithShape="1">
-          <a:blip r:embed="rId3"/>
-          <a:srcRect l="8238" b="14374"/>
-          <a:stretch/>
-        </p:blipFill>
-        <p:spPr>
-          <a:xfrm>
-            <a:off x="280358" y="2618872"/>
-            <a:ext cx="5115465" cy="2378977"/>
-          </a:xfrm>
-          <a:prstGeom prst="rect">
-            <a:avLst/>
-          </a:prstGeom>
-        </p:spPr>
-      </p:pic>
-      <p:sp>
-        <p:nvSpPr>
-          <p:cNvPr id="9" name="Textfeld 8">
-            <a:extLst>
-              <a:ext uri="{FF2B5EF4-FFF2-40B4-BE49-F238E27FC236}">
-                <a16:creationId xmlns:a16="http://schemas.microsoft.com/office/drawing/2014/main" id="{AE797273-1A1A-B4D1-12A4-3162614CFAB0}"/>
-              </a:ext>
-            </a:extLst>
-          </p:cNvPr>
-          <p:cNvSpPr txBox="1"/>
-          <p:nvPr/>
-        </p:nvSpPr>
-        <p:spPr>
-          <a:xfrm>
-            <a:off x="207490" y="3570665"/>
-            <a:ext cx="292388" cy="1240670"/>
-          </a:xfrm>
-          <a:prstGeom prst="rect">
-            <a:avLst/>
-          </a:prstGeom>
-          <a:noFill/>
-        </p:spPr>
-        <p:txBody>
-          <a:bodyPr vert="vert270" wrap="square" rtlCol="0">
-            <a:spAutoFit/>
-          </a:bodyPr>
-          <a:lstStyle/>
-          <a:p>
-            <a:r>
-              <a:rPr lang="de-DE" sz="700" dirty="0" err="1">
-                <a:solidFill>
-                  <a:schemeClr val="accent6">
-                    <a:lumMod val="50000"/>
-                  </a:schemeClr>
-                </a:solidFill>
-                <a:latin typeface="DM Sans" pitchFamily="2" charset="0"/>
-                <a:cs typeface="Calibri" panose="020F0502020204030204" pitchFamily="34" charset="0"/>
-              </a:rPr>
-              <a:t>Adapted</a:t>
-            </a:r>
-            <a:r>
-              <a:rPr lang="de-DE" sz="700" dirty="0">
-                <a:solidFill>
-                  <a:schemeClr val="accent6">
-                    <a:lumMod val="50000"/>
-                  </a:schemeClr>
-                </a:solidFill>
-                <a:latin typeface="DM Sans" pitchFamily="2" charset="0"/>
-                <a:cs typeface="Calibri" panose="020F0502020204030204" pitchFamily="34" charset="0"/>
-              </a:rPr>
-              <a:t> </a:t>
-            </a:r>
-            <a:r>
-              <a:rPr lang="de-DE" sz="700" dirty="0" err="1">
-                <a:solidFill>
-                  <a:schemeClr val="accent6">
-                    <a:lumMod val="50000"/>
-                  </a:schemeClr>
-                </a:solidFill>
-                <a:latin typeface="DM Sans" pitchFamily="2" charset="0"/>
-                <a:cs typeface="Calibri" panose="020F0502020204030204" pitchFamily="34" charset="0"/>
-              </a:rPr>
-              <a:t>from</a:t>
-            </a:r>
-            <a:r>
-              <a:rPr lang="de-DE" sz="700" dirty="0">
-                <a:solidFill>
-                  <a:schemeClr val="accent6">
-                    <a:lumMod val="50000"/>
-                  </a:schemeClr>
-                </a:solidFill>
-                <a:latin typeface="DM Sans" pitchFamily="2" charset="0"/>
-                <a:cs typeface="Calibri" panose="020F0502020204030204" pitchFamily="34" charset="0"/>
-              </a:rPr>
-              <a:t>: [9</a:t>
-            </a:r>
-            <a:r>
-              <a:rPr lang="de-DE" sz="700" dirty="0">
-                <a:solidFill>
-                  <a:schemeClr val="bg1"/>
-                </a:solidFill>
-                <a:latin typeface="DM Sans" pitchFamily="2" charset="0"/>
-                <a:cs typeface="Calibri" panose="020F0502020204030204" pitchFamily="34" charset="0"/>
-              </a:rPr>
-              <a:t>]</a:t>
-            </a:r>
-            <a:endParaRPr lang="de-DE" sz="700" b="1" dirty="0">
-              <a:solidFill>
-                <a:schemeClr val="bg1"/>
-              </a:solidFill>
-              <a:latin typeface="DM Sans" pitchFamily="2" charset="0"/>
-              <a:cs typeface="Calibri" panose="020F0502020204030204" pitchFamily="34" charset="0"/>
-            </a:endParaRPr>
-          </a:p>
-        </p:txBody>
-      </p:sp>
-    </p:spTree>
-    <p:extLst>
-      <p:ext uri="{BB962C8B-B14F-4D97-AF65-F5344CB8AC3E}">
-        <p14:creationId xmlns:p14="http://schemas.microsoft.com/office/powerpoint/2010/main" val="2645934340"/>
-      </p:ext>
-    </p:extLst>
-  </p:cSld>
-  <p:clrMapOvr>
-    <a:masterClrMapping/>
-  </p:clrMapOvr>
-</p:sld>
-</file>
-
-<file path=ppt/slides/slide20.xml><?xml version="1.0" encoding="utf-8"?>
+<file path=ppt/slides/slide18.xml><?xml version="1.0" encoding="utf-8"?>
 <p:sld xmlns:a="http://schemas.openxmlformats.org/drawingml/2006/main" xmlns:r="http://schemas.openxmlformats.org/officeDocument/2006/relationships" xmlns:p="http://schemas.openxmlformats.org/presentationml/2006/main" show="0">
   <p:cSld>
     <p:spTree>
@@ -9263,7 +7673,7 @@
 </p:sld>
 </file>
 
-<file path=ppt/slides/slide21.xml><?xml version="1.0" encoding="utf-8"?>
+<file path=ppt/slides/slide19.xml><?xml version="1.0" encoding="utf-8"?>
 <p:sld xmlns:a="http://schemas.openxmlformats.org/drawingml/2006/main" xmlns:r="http://schemas.openxmlformats.org/officeDocument/2006/relationships" xmlns:p="http://schemas.openxmlformats.org/presentationml/2006/main" show="0">
   <p:cSld>
     <p:spTree>
@@ -10470,7 +8880,483 @@
 </p:sld>
 </file>
 
-<file path=ppt/slides/slide22.xml><?xml version="1.0" encoding="utf-8"?>
+<file path=ppt/slides/slide2.xml><?xml version="1.0" encoding="utf-8"?>
+<p:sld xmlns:a="http://schemas.openxmlformats.org/drawingml/2006/main" xmlns:r="http://schemas.openxmlformats.org/officeDocument/2006/relationships" xmlns:p="http://schemas.openxmlformats.org/presentationml/2006/main">
+  <p:cSld>
+    <p:spTree>
+      <p:nvGrpSpPr>
+        <p:cNvPr id="1" name=""/>
+        <p:cNvGrpSpPr/>
+        <p:nvPr/>
+      </p:nvGrpSpPr>
+      <p:grpSpPr>
+        <a:xfrm>
+          <a:off x="0" y="0"/>
+          <a:ext cx="0" cy="0"/>
+          <a:chOff x="0" y="0"/>
+          <a:chExt cx="0" cy="0"/>
+        </a:xfrm>
+      </p:grpSpPr>
+      <p:sp>
+        <p:nvSpPr>
+          <p:cNvPr id="10" name="Textfeld 9">
+            <a:extLst>
+              <a:ext uri="{FF2B5EF4-FFF2-40B4-BE49-F238E27FC236}">
+                <a16:creationId xmlns:a16="http://schemas.microsoft.com/office/drawing/2014/main" id="{FD433997-33F5-9575-5F92-8DF46FE3689F}"/>
+              </a:ext>
+            </a:extLst>
+          </p:cNvPr>
+          <p:cNvSpPr txBox="1"/>
+          <p:nvPr/>
+        </p:nvSpPr>
+        <p:spPr>
+          <a:xfrm>
+            <a:off x="353684" y="285750"/>
+            <a:ext cx="4968814" cy="1754326"/>
+          </a:xfrm>
+          <a:prstGeom prst="rect">
+            <a:avLst/>
+          </a:prstGeom>
+          <a:noFill/>
+        </p:spPr>
+        <p:txBody>
+          <a:bodyPr wrap="square">
+            <a:spAutoFit/>
+          </a:bodyPr>
+          <a:lstStyle/>
+          <a:p>
+            <a:r>
+              <a:rPr lang="de-DE" sz="5400" b="1" dirty="0">
+                <a:solidFill>
+                  <a:schemeClr val="bg1"/>
+                </a:solidFill>
+                <a:latin typeface="DM Sans" pitchFamily="2" charset="0"/>
+                <a:cs typeface="Calibri Light" panose="020F0302020204030204" pitchFamily="34" charset="0"/>
+              </a:rPr>
+              <a:t>Data Analysis Project 2022</a:t>
+            </a:r>
+          </a:p>
+        </p:txBody>
+      </p:sp>
+      <p:sp>
+        <p:nvSpPr>
+          <p:cNvPr id="11" name="Textfeld 10">
+            <a:extLst>
+              <a:ext uri="{FF2B5EF4-FFF2-40B4-BE49-F238E27FC236}">
+                <a16:creationId xmlns:a16="http://schemas.microsoft.com/office/drawing/2014/main" id="{FA9B6686-E01B-3333-5412-58FDBA1562DC}"/>
+              </a:ext>
+            </a:extLst>
+          </p:cNvPr>
+          <p:cNvSpPr txBox="1"/>
+          <p:nvPr/>
+        </p:nvSpPr>
+        <p:spPr>
+          <a:xfrm>
+            <a:off x="353684" y="2040076"/>
+            <a:ext cx="4572000" cy="461665"/>
+          </a:xfrm>
+          <a:prstGeom prst="rect">
+            <a:avLst/>
+          </a:prstGeom>
+          <a:noFill/>
+        </p:spPr>
+        <p:txBody>
+          <a:bodyPr wrap="square">
+            <a:spAutoFit/>
+          </a:bodyPr>
+          <a:lstStyle/>
+          <a:p>
+            <a:r>
+              <a:rPr lang="de-DE" sz="2400" b="1" dirty="0">
+                <a:solidFill>
+                  <a:schemeClr val="bg1"/>
+                </a:solidFill>
+                <a:latin typeface="DM Sans" pitchFamily="2" charset="0"/>
+                <a:cs typeface="Calibri Light" panose="020F0302020204030204" pitchFamily="34" charset="0"/>
+              </a:rPr>
+              <a:t>Project Presentation</a:t>
+            </a:r>
+          </a:p>
+        </p:txBody>
+      </p:sp>
+      <p:sp>
+        <p:nvSpPr>
+          <p:cNvPr id="12" name="Textfeld 11">
+            <a:extLst>
+              <a:ext uri="{FF2B5EF4-FFF2-40B4-BE49-F238E27FC236}">
+                <a16:creationId xmlns:a16="http://schemas.microsoft.com/office/drawing/2014/main" id="{6C5B134F-A32A-9EB0-E9C8-1E8B6A6A2548}"/>
+              </a:ext>
+            </a:extLst>
+          </p:cNvPr>
+          <p:cNvSpPr txBox="1"/>
+          <p:nvPr/>
+        </p:nvSpPr>
+        <p:spPr>
+          <a:xfrm>
+            <a:off x="7228932" y="402302"/>
+            <a:ext cx="2001327" cy="1015663"/>
+          </a:xfrm>
+          <a:prstGeom prst="rect">
+            <a:avLst/>
+          </a:prstGeom>
+          <a:noFill/>
+        </p:spPr>
+        <p:txBody>
+          <a:bodyPr wrap="square" rtlCol="0">
+            <a:spAutoFit/>
+          </a:bodyPr>
+          <a:lstStyle/>
+          <a:p>
+            <a:r>
+              <a:rPr lang="en-US" sz="1200" b="1" dirty="0">
+                <a:solidFill>
+                  <a:schemeClr val="bg1"/>
+                </a:solidFill>
+                <a:latin typeface="DM Sans" pitchFamily="2" charset="0"/>
+                <a:cs typeface="Calibri" panose="020F0502020204030204" pitchFamily="34" charset="0"/>
+              </a:rPr>
+              <a:t>Topic 03: Proteome-wide Screen for RNA-dependent Proteins</a:t>
+            </a:r>
+          </a:p>
+          <a:p>
+            <a:r>
+              <a:rPr lang="en-US" sz="1200" b="1" dirty="0">
+                <a:solidFill>
+                  <a:schemeClr val="bg1"/>
+                </a:solidFill>
+                <a:latin typeface="DM Sans" pitchFamily="2" charset="0"/>
+                <a:cs typeface="Calibri" panose="020F0502020204030204" pitchFamily="34" charset="0"/>
+              </a:rPr>
+              <a:t>Subproject 2: HeLa Cells Synchronized in Mitosis</a:t>
+            </a:r>
+          </a:p>
+        </p:txBody>
+      </p:sp>
+      <p:sp>
+        <p:nvSpPr>
+          <p:cNvPr id="7" name="Textfeld 6">
+            <a:extLst>
+              <a:ext uri="{FF2B5EF4-FFF2-40B4-BE49-F238E27FC236}">
+                <a16:creationId xmlns:a16="http://schemas.microsoft.com/office/drawing/2014/main" id="{D39DE74A-4E13-D2B0-08C9-DDA919BA079D}"/>
+              </a:ext>
+            </a:extLst>
+          </p:cNvPr>
+          <p:cNvSpPr txBox="1"/>
+          <p:nvPr/>
+        </p:nvSpPr>
+        <p:spPr>
+          <a:xfrm>
+            <a:off x="7228932" y="1564005"/>
+            <a:ext cx="1984074" cy="507831"/>
+          </a:xfrm>
+          <a:prstGeom prst="rect">
+            <a:avLst/>
+          </a:prstGeom>
+          <a:noFill/>
+        </p:spPr>
+        <p:txBody>
+          <a:bodyPr wrap="square" rtlCol="0">
+            <a:spAutoFit/>
+          </a:bodyPr>
+          <a:lstStyle/>
+          <a:p>
+            <a:r>
+              <a:rPr lang="en-US" sz="900" dirty="0">
+                <a:solidFill>
+                  <a:schemeClr val="bg1"/>
+                </a:solidFill>
+                <a:latin typeface="DM Sans" pitchFamily="2" charset="0"/>
+                <a:cs typeface="Calibri" panose="020F0502020204030204" pitchFamily="34" charset="0"/>
+              </a:rPr>
+              <a:t>Supervisor: Dr.</a:t>
+            </a:r>
+            <a:r>
+              <a:rPr lang="de-DE" sz="900" dirty="0">
+                <a:solidFill>
+                  <a:schemeClr val="bg1"/>
+                </a:solidFill>
+                <a:latin typeface="DM Sans" pitchFamily="2" charset="0"/>
+                <a:cs typeface="Calibri" panose="020F0502020204030204" pitchFamily="34" charset="0"/>
+              </a:rPr>
+              <a:t> </a:t>
+            </a:r>
+            <a:r>
+              <a:rPr lang="de-DE" sz="900" dirty="0" err="1">
+                <a:solidFill>
+                  <a:schemeClr val="bg1"/>
+                </a:solidFill>
+                <a:latin typeface="DM Sans" pitchFamily="2" charset="0"/>
+                <a:cs typeface="Calibri" panose="020F0502020204030204" pitchFamily="34" charset="0"/>
+              </a:rPr>
+              <a:t>Maïwen</a:t>
+            </a:r>
+            <a:r>
+              <a:rPr lang="de-DE" sz="900" dirty="0">
+                <a:solidFill>
+                  <a:schemeClr val="bg1"/>
+                </a:solidFill>
+                <a:latin typeface="DM Sans" pitchFamily="2" charset="0"/>
+                <a:cs typeface="Calibri" panose="020F0502020204030204" pitchFamily="34" charset="0"/>
+              </a:rPr>
+              <a:t> Caudron-Herger</a:t>
+            </a:r>
+          </a:p>
+          <a:p>
+            <a:r>
+              <a:rPr lang="de-DE" sz="900" dirty="0">
+                <a:solidFill>
+                  <a:schemeClr val="bg1"/>
+                </a:solidFill>
+                <a:latin typeface="DM Sans" pitchFamily="2" charset="0"/>
+                <a:cs typeface="Calibri" panose="020F0502020204030204" pitchFamily="34" charset="0"/>
+              </a:rPr>
+              <a:t>Tutor: Niklas Engel</a:t>
+            </a:r>
+          </a:p>
+        </p:txBody>
+      </p:sp>
+      <p:sp>
+        <p:nvSpPr>
+          <p:cNvPr id="14" name="Textfeld 13">
+            <a:extLst>
+              <a:ext uri="{FF2B5EF4-FFF2-40B4-BE49-F238E27FC236}">
+                <a16:creationId xmlns:a16="http://schemas.microsoft.com/office/drawing/2014/main" id="{89714160-84DE-24AF-C46A-20D5A020CE7D}"/>
+              </a:ext>
+            </a:extLst>
+          </p:cNvPr>
+          <p:cNvSpPr txBox="1"/>
+          <p:nvPr/>
+        </p:nvSpPr>
+        <p:spPr>
+          <a:xfrm>
+            <a:off x="7228932" y="2075401"/>
+            <a:ext cx="2001327" cy="507831"/>
+          </a:xfrm>
+          <a:prstGeom prst="rect">
+            <a:avLst/>
+          </a:prstGeom>
+          <a:noFill/>
+        </p:spPr>
+        <p:txBody>
+          <a:bodyPr wrap="square" rtlCol="0">
+            <a:spAutoFit/>
+          </a:bodyPr>
+          <a:lstStyle/>
+          <a:p>
+            <a:r>
+              <a:rPr lang="de-DE" sz="900" dirty="0">
+                <a:solidFill>
+                  <a:schemeClr val="bg1"/>
+                </a:solidFill>
+                <a:latin typeface="DM Sans" pitchFamily="2" charset="0"/>
+                <a:cs typeface="Calibri" panose="020F0502020204030204" pitchFamily="34" charset="0"/>
+              </a:rPr>
+              <a:t>Michel Tarnow, Mich</a:t>
+            </a:r>
+            <a:r>
+              <a:rPr lang="en-US" sz="900" dirty="0">
+                <a:solidFill>
+                  <a:schemeClr val="bg1"/>
+                </a:solidFill>
+                <a:latin typeface="DM Sans" pitchFamily="2" charset="0"/>
+                <a:cs typeface="Calibri" panose="020F0502020204030204" pitchFamily="34" charset="0"/>
+              </a:rPr>
+              <a:t>è</a:t>
+            </a:r>
+            <a:r>
+              <a:rPr lang="de-DE" sz="900" dirty="0">
+                <a:solidFill>
+                  <a:schemeClr val="bg1"/>
+                </a:solidFill>
+                <a:latin typeface="DM Sans" pitchFamily="2" charset="0"/>
+                <a:cs typeface="Calibri" panose="020F0502020204030204" pitchFamily="34" charset="0"/>
+              </a:rPr>
+              <a:t>le </a:t>
+            </a:r>
+            <a:r>
+              <a:rPr lang="de-DE" sz="900" dirty="0" err="1">
+                <a:solidFill>
+                  <a:schemeClr val="bg1"/>
+                </a:solidFill>
+                <a:latin typeface="DM Sans" pitchFamily="2" charset="0"/>
+                <a:cs typeface="Calibri" panose="020F0502020204030204" pitchFamily="34" charset="0"/>
+              </a:rPr>
+              <a:t>Bennek</a:t>
+            </a:r>
+            <a:r>
+              <a:rPr lang="de-DE" sz="900" dirty="0">
+                <a:solidFill>
+                  <a:schemeClr val="bg1"/>
+                </a:solidFill>
+                <a:latin typeface="DM Sans" pitchFamily="2" charset="0"/>
+                <a:cs typeface="Calibri" panose="020F0502020204030204" pitchFamily="34" charset="0"/>
+              </a:rPr>
+              <a:t>, Lennart Müller, Sebastian Rickert; </a:t>
+            </a:r>
+          </a:p>
+          <a:p>
+            <a:r>
+              <a:rPr lang="de-DE" sz="900" dirty="0">
+                <a:solidFill>
+                  <a:schemeClr val="bg1"/>
+                </a:solidFill>
+                <a:latin typeface="DM Sans" pitchFamily="2" charset="0"/>
+                <a:cs typeface="Calibri" panose="020F0502020204030204" pitchFamily="34" charset="0"/>
+              </a:rPr>
+              <a:t>Date</a:t>
+            </a:r>
+            <a:r>
+              <a:rPr lang="de-DE" sz="900" b="1" dirty="0">
+                <a:solidFill>
+                  <a:schemeClr val="bg1"/>
+                </a:solidFill>
+                <a:latin typeface="DM Sans" pitchFamily="2" charset="0"/>
+                <a:cs typeface="Calibri" panose="020F0502020204030204" pitchFamily="34" charset="0"/>
+              </a:rPr>
+              <a:t>: 19.08.2022</a:t>
+            </a:r>
+          </a:p>
+        </p:txBody>
+      </p:sp>
+      <p:pic>
+        <p:nvPicPr>
+          <p:cNvPr id="17" name="Grafik 16">
+            <a:extLst>
+              <a:ext uri="{FF2B5EF4-FFF2-40B4-BE49-F238E27FC236}">
+                <a16:creationId xmlns:a16="http://schemas.microsoft.com/office/drawing/2014/main" id="{3CABCA42-A701-1E0D-3CDA-AFA84791DDBD}"/>
+              </a:ext>
+            </a:extLst>
+          </p:cNvPr>
+          <p:cNvPicPr>
+            <a:picLocks noChangeAspect="1"/>
+          </p:cNvPicPr>
+          <p:nvPr/>
+        </p:nvPicPr>
+        <p:blipFill rotWithShape="1">
+          <a:blip r:embed="rId3"/>
+          <a:srcRect l="8238" b="14374"/>
+          <a:stretch/>
+        </p:blipFill>
+        <p:spPr>
+          <a:xfrm>
+            <a:off x="280358" y="2618872"/>
+            <a:ext cx="5115465" cy="2378977"/>
+          </a:xfrm>
+          <a:prstGeom prst="rect">
+            <a:avLst/>
+          </a:prstGeom>
+        </p:spPr>
+      </p:pic>
+      <p:sp>
+        <p:nvSpPr>
+          <p:cNvPr id="9" name="Textfeld 8">
+            <a:extLst>
+              <a:ext uri="{FF2B5EF4-FFF2-40B4-BE49-F238E27FC236}">
+                <a16:creationId xmlns:a16="http://schemas.microsoft.com/office/drawing/2014/main" id="{AE797273-1A1A-B4D1-12A4-3162614CFAB0}"/>
+              </a:ext>
+            </a:extLst>
+          </p:cNvPr>
+          <p:cNvSpPr txBox="1"/>
+          <p:nvPr/>
+        </p:nvSpPr>
+        <p:spPr>
+          <a:xfrm>
+            <a:off x="207490" y="3570665"/>
+            <a:ext cx="292388" cy="1240670"/>
+          </a:xfrm>
+          <a:prstGeom prst="rect">
+            <a:avLst/>
+          </a:prstGeom>
+          <a:noFill/>
+        </p:spPr>
+        <p:txBody>
+          <a:bodyPr vert="vert270" wrap="square" rtlCol="0">
+            <a:spAutoFit/>
+          </a:bodyPr>
+          <a:lstStyle/>
+          <a:p>
+            <a:r>
+              <a:rPr lang="de-DE" sz="700" dirty="0" err="1">
+                <a:solidFill>
+                  <a:schemeClr val="accent6">
+                    <a:lumMod val="50000"/>
+                  </a:schemeClr>
+                </a:solidFill>
+                <a:latin typeface="DM Sans" pitchFamily="2" charset="0"/>
+                <a:cs typeface="Calibri" panose="020F0502020204030204" pitchFamily="34" charset="0"/>
+              </a:rPr>
+              <a:t>Adapted</a:t>
+            </a:r>
+            <a:r>
+              <a:rPr lang="de-DE" sz="700" dirty="0">
+                <a:solidFill>
+                  <a:schemeClr val="accent6">
+                    <a:lumMod val="50000"/>
+                  </a:schemeClr>
+                </a:solidFill>
+                <a:latin typeface="DM Sans" pitchFamily="2" charset="0"/>
+                <a:cs typeface="Calibri" panose="020F0502020204030204" pitchFamily="34" charset="0"/>
+              </a:rPr>
+              <a:t> </a:t>
+            </a:r>
+            <a:r>
+              <a:rPr lang="de-DE" sz="700" dirty="0" err="1">
+                <a:solidFill>
+                  <a:schemeClr val="accent6">
+                    <a:lumMod val="50000"/>
+                  </a:schemeClr>
+                </a:solidFill>
+                <a:latin typeface="DM Sans" pitchFamily="2" charset="0"/>
+                <a:cs typeface="Calibri" panose="020F0502020204030204" pitchFamily="34" charset="0"/>
+              </a:rPr>
+              <a:t>from</a:t>
+            </a:r>
+            <a:r>
+              <a:rPr lang="de-DE" sz="700" dirty="0">
+                <a:solidFill>
+                  <a:schemeClr val="accent6">
+                    <a:lumMod val="50000"/>
+                  </a:schemeClr>
+                </a:solidFill>
+                <a:latin typeface="DM Sans" pitchFamily="2" charset="0"/>
+                <a:cs typeface="Calibri" panose="020F0502020204030204" pitchFamily="34" charset="0"/>
+              </a:rPr>
+              <a:t>: [9</a:t>
+            </a:r>
+            <a:r>
+              <a:rPr lang="de-DE" sz="700" dirty="0">
+                <a:solidFill>
+                  <a:schemeClr val="bg1"/>
+                </a:solidFill>
+                <a:latin typeface="DM Sans" pitchFamily="2" charset="0"/>
+                <a:cs typeface="Calibri" panose="020F0502020204030204" pitchFamily="34" charset="0"/>
+              </a:rPr>
+              <a:t>]</a:t>
+            </a:r>
+            <a:endParaRPr lang="de-DE" sz="700" b="1" dirty="0">
+              <a:solidFill>
+                <a:schemeClr val="bg1"/>
+              </a:solidFill>
+              <a:latin typeface="DM Sans" pitchFamily="2" charset="0"/>
+              <a:cs typeface="Calibri" panose="020F0502020204030204" pitchFamily="34" charset="0"/>
+            </a:endParaRPr>
+          </a:p>
+        </p:txBody>
+      </p:sp>
+    </p:spTree>
+    <p:extLst>
+      <p:ext uri="{BB962C8B-B14F-4D97-AF65-F5344CB8AC3E}">
+        <p14:creationId xmlns:p14="http://schemas.microsoft.com/office/powerpoint/2010/main" val="2645934340"/>
+      </p:ext>
+    </p:extLst>
+  </p:cSld>
+  <p:clrMapOvr>
+    <a:masterClrMapping/>
+  </p:clrMapOvr>
+</p:sld>
+</file>
+
+<file path=ppt/slides/slide20.xml><?xml version="1.0" encoding="utf-8"?>
 <p:sld xmlns:a="http://schemas.openxmlformats.org/drawingml/2006/main" xmlns:r="http://schemas.openxmlformats.org/officeDocument/2006/relationships" xmlns:p="http://schemas.openxmlformats.org/presentationml/2006/main" show="0">
   <p:cSld>
     <p:spTree>
@@ -12628,7 +11514,7 @@
 </p:sld>
 </file>
 
-<file path=ppt/slides/slide23.xml><?xml version="1.0" encoding="utf-8"?>
+<file path=ppt/slides/slide21.xml><?xml version="1.0" encoding="utf-8"?>
 <p:sld xmlns:a="http://schemas.openxmlformats.org/drawingml/2006/main" xmlns:r="http://schemas.openxmlformats.org/officeDocument/2006/relationships" xmlns:p="http://schemas.openxmlformats.org/presentationml/2006/main" show="0">
   <p:cSld>
     <p:spTree>
@@ -13358,7 +12244,7 @@
 </p:sld>
 </file>
 
-<file path=ppt/slides/slide24.xml><?xml version="1.0" encoding="utf-8"?>
+<file path=ppt/slides/slide22.xml><?xml version="1.0" encoding="utf-8"?>
 <p:sld xmlns:a="http://schemas.openxmlformats.org/drawingml/2006/main" xmlns:r="http://schemas.openxmlformats.org/officeDocument/2006/relationships" xmlns:p="http://schemas.openxmlformats.org/presentationml/2006/main">
   <p:cSld>
     <p:spTree>
@@ -13708,7 +12594,7 @@
 </p:sld>
 </file>
 
-<file path=ppt/slides/slide25.xml><?xml version="1.0" encoding="utf-8"?>
+<file path=ppt/slides/slide23.xml><?xml version="1.0" encoding="utf-8"?>
 <p:sld xmlns:a="http://schemas.openxmlformats.org/drawingml/2006/main" xmlns:r="http://schemas.openxmlformats.org/officeDocument/2006/relationships" xmlns:p="http://schemas.openxmlformats.org/presentationml/2006/main">
   <p:cSld>
     <p:spTree>
@@ -15099,7 +13985,7 @@
                 <a:latin typeface="DM Sans" pitchFamily="2" charset="0"/>
                 <a:cs typeface="Calibri Light" panose="020F0302020204030204" pitchFamily="34" charset="0"/>
               </a:rPr>
-              <a:t>Change in RNA-interactions lead to change in data.</a:t>
+              <a:t>Change in RNA-interactions leads to change in data.</a:t>
             </a:r>
           </a:p>
         </p:txBody>
@@ -15331,10 +14217,768 @@
           <a:chExt cx="0" cy="0"/>
         </a:xfrm>
       </p:grpSpPr>
+      <p:sp>
+        <p:nvSpPr>
+          <p:cNvPr id="2" name="Textfeld 1">
+            <a:extLst>
+              <a:ext uri="{FF2B5EF4-FFF2-40B4-BE49-F238E27FC236}">
+                <a16:creationId xmlns:a16="http://schemas.microsoft.com/office/drawing/2014/main" id="{8273EE9A-3087-4346-CD48-68E903972421}"/>
+              </a:ext>
+            </a:extLst>
+          </p:cNvPr>
+          <p:cNvSpPr txBox="1"/>
+          <p:nvPr/>
+        </p:nvSpPr>
+        <p:spPr>
+          <a:xfrm>
+            <a:off x="512006" y="413878"/>
+            <a:ext cx="4572000" cy="2031325"/>
+          </a:xfrm>
+          <a:prstGeom prst="rect">
+            <a:avLst/>
+          </a:prstGeom>
+          <a:noFill/>
+        </p:spPr>
+        <p:txBody>
+          <a:bodyPr wrap="square">
+            <a:spAutoFit/>
+          </a:bodyPr>
+          <a:lstStyle/>
+          <a:p>
+            <a:r>
+              <a:rPr lang="de-DE" sz="2400" b="1" dirty="0">
+                <a:solidFill>
+                  <a:schemeClr val="bg1"/>
+                </a:solidFill>
+                <a:latin typeface="DM Sans" pitchFamily="2" charset="0"/>
+                <a:cs typeface="Calibri Light" panose="020F0302020204030204" pitchFamily="34" charset="0"/>
+              </a:rPr>
+              <a:t>1. </a:t>
+            </a:r>
+            <a:r>
+              <a:rPr lang="de-DE" sz="2400" b="1" dirty="0" err="1">
+                <a:solidFill>
+                  <a:schemeClr val="bg1"/>
+                </a:solidFill>
+                <a:latin typeface="DM Sans" pitchFamily="2" charset="0"/>
+                <a:cs typeface="Calibri Light" panose="020F0302020204030204" pitchFamily="34" charset="0"/>
+              </a:rPr>
+              <a:t>Preliminary</a:t>
+            </a:r>
+            <a:r>
+              <a:rPr lang="de-DE" sz="2400" b="1" dirty="0">
+                <a:solidFill>
+                  <a:schemeClr val="bg1"/>
+                </a:solidFill>
+                <a:latin typeface="DM Sans" pitchFamily="2" charset="0"/>
+                <a:cs typeface="Calibri Light" panose="020F0302020204030204" pitchFamily="34" charset="0"/>
+              </a:rPr>
+              <a:t> </a:t>
+            </a:r>
+            <a:r>
+              <a:rPr lang="de-DE" sz="2400" b="1" dirty="0" err="1">
+                <a:solidFill>
+                  <a:schemeClr val="bg1"/>
+                </a:solidFill>
+                <a:latin typeface="DM Sans" pitchFamily="2" charset="0"/>
+                <a:cs typeface="Calibri Light" panose="020F0302020204030204" pitchFamily="34" charset="0"/>
+              </a:rPr>
+              <a:t>steps</a:t>
+            </a:r>
+            <a:endParaRPr lang="de-DE" sz="2400" b="1" dirty="0">
+              <a:solidFill>
+                <a:schemeClr val="bg1"/>
+              </a:solidFill>
+              <a:latin typeface="DM Sans" pitchFamily="2" charset="0"/>
+              <a:cs typeface="Calibri Light" panose="020F0302020204030204" pitchFamily="34" charset="0"/>
+            </a:endParaRPr>
+          </a:p>
+          <a:p>
+            <a:r>
+              <a:rPr lang="de-DE" sz="1800" b="1" dirty="0">
+                <a:solidFill>
+                  <a:schemeClr val="bg1"/>
+                </a:solidFill>
+                <a:latin typeface="DM Sans" pitchFamily="2" charset="0"/>
+                <a:cs typeface="Calibri Light" panose="020F0302020204030204" pitchFamily="34" charset="0"/>
+              </a:rPr>
+              <a:t>-    Data </a:t>
+            </a:r>
+            <a:r>
+              <a:rPr lang="de-DE" sz="1800" b="1" dirty="0" err="1">
+                <a:solidFill>
+                  <a:schemeClr val="bg1"/>
+                </a:solidFill>
+                <a:latin typeface="DM Sans" pitchFamily="2" charset="0"/>
+                <a:cs typeface="Calibri Light" panose="020F0302020204030204" pitchFamily="34" charset="0"/>
+              </a:rPr>
+              <a:t>cleaning</a:t>
+            </a:r>
+            <a:endParaRPr lang="de-DE" sz="1800" b="1" dirty="0">
+              <a:solidFill>
+                <a:schemeClr val="bg1"/>
+              </a:solidFill>
+              <a:latin typeface="DM Sans" pitchFamily="2" charset="0"/>
+              <a:cs typeface="Calibri Light" panose="020F0302020204030204" pitchFamily="34" charset="0"/>
+            </a:endParaRPr>
+          </a:p>
+          <a:p>
+            <a:r>
+              <a:rPr lang="de-DE" sz="1800" b="1" dirty="0">
+                <a:solidFill>
+                  <a:schemeClr val="bg1"/>
+                </a:solidFill>
+                <a:latin typeface="DM Sans" pitchFamily="2" charset="0"/>
+                <a:cs typeface="Calibri Light" panose="020F0302020204030204" pitchFamily="34" charset="0"/>
+              </a:rPr>
+              <a:t>-    </a:t>
+            </a:r>
+            <a:r>
+              <a:rPr lang="de-DE" sz="1800" b="1" dirty="0" err="1">
+                <a:solidFill>
+                  <a:schemeClr val="bg1"/>
+                </a:solidFill>
+                <a:latin typeface="DM Sans" pitchFamily="2" charset="0"/>
+                <a:cs typeface="Calibri Light" panose="020F0302020204030204" pitchFamily="34" charset="0"/>
+              </a:rPr>
+              <a:t>Normalization</a:t>
+            </a:r>
+            <a:endParaRPr lang="de-DE" sz="1800" b="1" dirty="0">
+              <a:solidFill>
+                <a:schemeClr val="bg1"/>
+              </a:solidFill>
+              <a:latin typeface="DM Sans" pitchFamily="2" charset="0"/>
+              <a:cs typeface="Calibri Light" panose="020F0302020204030204" pitchFamily="34" charset="0"/>
+            </a:endParaRPr>
+          </a:p>
+          <a:p>
+            <a:r>
+              <a:rPr lang="de-DE" sz="1800" b="1" dirty="0">
+                <a:solidFill>
+                  <a:schemeClr val="bg1"/>
+                </a:solidFill>
+                <a:latin typeface="DM Sans" pitchFamily="2" charset="0"/>
+                <a:cs typeface="Calibri Light" panose="020F0302020204030204" pitchFamily="34" charset="0"/>
+              </a:rPr>
+              <a:t>-    </a:t>
+            </a:r>
+            <a:r>
+              <a:rPr lang="de-DE" sz="1800" b="1" dirty="0" err="1">
+                <a:solidFill>
+                  <a:schemeClr val="bg1"/>
+                </a:solidFill>
+                <a:latin typeface="DM Sans" pitchFamily="2" charset="0"/>
+                <a:cs typeface="Calibri Light" panose="020F0302020204030204" pitchFamily="34" charset="0"/>
+              </a:rPr>
+              <a:t>Reproducibility</a:t>
+            </a:r>
+            <a:endParaRPr lang="de-DE" sz="1800" b="1" dirty="0">
+              <a:solidFill>
+                <a:schemeClr val="bg1"/>
+              </a:solidFill>
+              <a:latin typeface="DM Sans" pitchFamily="2" charset="0"/>
+              <a:cs typeface="Calibri Light" panose="020F0302020204030204" pitchFamily="34" charset="0"/>
+            </a:endParaRPr>
+          </a:p>
+          <a:p>
+            <a:pPr marL="342900" indent="-342900">
+              <a:buFont typeface="Arial" panose="020B0604020202020204" pitchFamily="34" charset="0"/>
+              <a:buChar char="•"/>
+            </a:pPr>
+            <a:endParaRPr lang="de-DE" sz="2400" b="1" dirty="0">
+              <a:solidFill>
+                <a:schemeClr val="bg1"/>
+              </a:solidFill>
+              <a:latin typeface="DM Sans" pitchFamily="2" charset="0"/>
+              <a:cs typeface="Calibri Light" panose="020F0302020204030204" pitchFamily="34" charset="0"/>
+            </a:endParaRPr>
+          </a:p>
+          <a:p>
+            <a:pPr marL="342900" indent="-342900">
+              <a:buFont typeface="Arial" panose="020B0604020202020204" pitchFamily="34" charset="0"/>
+              <a:buChar char="•"/>
+            </a:pPr>
+            <a:endParaRPr lang="de-DE" sz="2400" b="1" dirty="0">
+              <a:solidFill>
+                <a:schemeClr val="bg1"/>
+              </a:solidFill>
+              <a:latin typeface="DM Sans" pitchFamily="2" charset="0"/>
+              <a:cs typeface="Calibri Light" panose="020F0302020204030204" pitchFamily="34" charset="0"/>
+            </a:endParaRPr>
+          </a:p>
+        </p:txBody>
+      </p:sp>
+      <p:sp>
+        <p:nvSpPr>
+          <p:cNvPr id="3" name="Textfeld 2">
+            <a:extLst>
+              <a:ext uri="{FF2B5EF4-FFF2-40B4-BE49-F238E27FC236}">
+                <a16:creationId xmlns:a16="http://schemas.microsoft.com/office/drawing/2014/main" id="{971FFCA7-0B71-019F-A301-9781873E85FA}"/>
+              </a:ext>
+            </a:extLst>
+          </p:cNvPr>
+          <p:cNvSpPr txBox="1"/>
+          <p:nvPr/>
+        </p:nvSpPr>
+        <p:spPr>
+          <a:xfrm>
+            <a:off x="4876562" y="413878"/>
+            <a:ext cx="4572000" cy="1384995"/>
+          </a:xfrm>
+          <a:prstGeom prst="rect">
+            <a:avLst/>
+          </a:prstGeom>
+          <a:noFill/>
+        </p:spPr>
+        <p:txBody>
+          <a:bodyPr wrap="square">
+            <a:spAutoFit/>
+          </a:bodyPr>
+          <a:lstStyle/>
+          <a:p>
+            <a:r>
+              <a:rPr lang="de-DE" sz="2400" b="1" dirty="0">
+                <a:solidFill>
+                  <a:schemeClr val="bg2">
+                    <a:lumMod val="65000"/>
+                  </a:schemeClr>
+                </a:solidFill>
+                <a:latin typeface="DM Sans" pitchFamily="2" charset="0"/>
+                <a:cs typeface="Calibri Light" panose="020F0302020204030204" pitchFamily="34" charset="0"/>
+              </a:rPr>
+              <a:t>2. </a:t>
+            </a:r>
+            <a:r>
+              <a:rPr lang="de-DE" sz="2400" b="1" dirty="0" err="1">
+                <a:solidFill>
+                  <a:schemeClr val="bg2">
+                    <a:lumMod val="65000"/>
+                  </a:schemeClr>
+                </a:solidFill>
+                <a:latin typeface="DM Sans" pitchFamily="2" charset="0"/>
+                <a:cs typeface="Calibri Light" panose="020F0302020204030204" pitchFamily="34" charset="0"/>
+              </a:rPr>
+              <a:t>Identification</a:t>
+            </a:r>
+            <a:r>
+              <a:rPr lang="de-DE" sz="2400" b="1" dirty="0">
+                <a:solidFill>
+                  <a:schemeClr val="bg2">
+                    <a:lumMod val="65000"/>
+                  </a:schemeClr>
+                </a:solidFill>
+                <a:latin typeface="DM Sans" pitchFamily="2" charset="0"/>
+                <a:cs typeface="Calibri Light" panose="020F0302020204030204" pitchFamily="34" charset="0"/>
+              </a:rPr>
+              <a:t> </a:t>
+            </a:r>
+            <a:r>
+              <a:rPr lang="de-DE" sz="2400" b="1" dirty="0" err="1">
+                <a:solidFill>
+                  <a:schemeClr val="bg2">
+                    <a:lumMod val="65000"/>
+                  </a:schemeClr>
+                </a:solidFill>
+                <a:latin typeface="DM Sans" pitchFamily="2" charset="0"/>
+                <a:cs typeface="Calibri Light" panose="020F0302020204030204" pitchFamily="34" charset="0"/>
+              </a:rPr>
+              <a:t>of</a:t>
+            </a:r>
+            <a:r>
+              <a:rPr lang="de-DE" sz="2400" b="1" dirty="0">
+                <a:solidFill>
+                  <a:schemeClr val="bg2">
+                    <a:lumMod val="65000"/>
+                  </a:schemeClr>
+                </a:solidFill>
+                <a:latin typeface="DM Sans" pitchFamily="2" charset="0"/>
+                <a:cs typeface="Calibri Light" panose="020F0302020204030204" pitchFamily="34" charset="0"/>
+              </a:rPr>
+              <a:t> RNA-dependent </a:t>
+            </a:r>
+            <a:r>
+              <a:rPr lang="de-DE" sz="2400" b="1" dirty="0" err="1">
+                <a:solidFill>
+                  <a:schemeClr val="bg2">
+                    <a:lumMod val="65000"/>
+                  </a:schemeClr>
+                </a:solidFill>
+                <a:latin typeface="DM Sans" pitchFamily="2" charset="0"/>
+                <a:cs typeface="Calibri Light" panose="020F0302020204030204" pitchFamily="34" charset="0"/>
+              </a:rPr>
+              <a:t>proteins</a:t>
+            </a:r>
+            <a:endParaRPr lang="de-DE" sz="2400" b="1" dirty="0">
+              <a:solidFill>
+                <a:schemeClr val="bg2">
+                  <a:lumMod val="65000"/>
+                </a:schemeClr>
+              </a:solidFill>
+              <a:latin typeface="DM Sans" pitchFamily="2" charset="0"/>
+              <a:cs typeface="Calibri Light" panose="020F0302020204030204" pitchFamily="34" charset="0"/>
+            </a:endParaRPr>
+          </a:p>
+          <a:p>
+            <a:r>
+              <a:rPr lang="de-DE" sz="1800" b="1" dirty="0">
+                <a:solidFill>
+                  <a:schemeClr val="bg2">
+                    <a:lumMod val="65000"/>
+                  </a:schemeClr>
+                </a:solidFill>
+                <a:latin typeface="DM Sans" pitchFamily="2" charset="0"/>
+                <a:cs typeface="Calibri Light" panose="020F0302020204030204" pitchFamily="34" charset="0"/>
+              </a:rPr>
+              <a:t>-    </a:t>
+            </a:r>
+            <a:r>
+              <a:rPr lang="de-DE" sz="1800" b="1" dirty="0" err="1">
+                <a:solidFill>
+                  <a:schemeClr val="bg2">
+                    <a:lumMod val="65000"/>
+                  </a:schemeClr>
+                </a:solidFill>
+                <a:latin typeface="DM Sans" pitchFamily="2" charset="0"/>
+                <a:cs typeface="Calibri Light" panose="020F0302020204030204" pitchFamily="34" charset="0"/>
+              </a:rPr>
+              <a:t>Defining</a:t>
+            </a:r>
+            <a:r>
+              <a:rPr lang="de-DE" sz="1800" b="1" dirty="0">
+                <a:solidFill>
+                  <a:schemeClr val="bg2">
+                    <a:lumMod val="65000"/>
+                  </a:schemeClr>
+                </a:solidFill>
+                <a:latin typeface="DM Sans" pitchFamily="2" charset="0"/>
+                <a:cs typeface="Calibri Light" panose="020F0302020204030204" pitchFamily="34" charset="0"/>
+              </a:rPr>
+              <a:t> selection </a:t>
+            </a:r>
+            <a:r>
+              <a:rPr lang="de-DE" sz="1800" b="1" dirty="0" err="1">
+                <a:solidFill>
+                  <a:schemeClr val="bg2">
+                    <a:lumMod val="65000"/>
+                  </a:schemeClr>
+                </a:solidFill>
+                <a:latin typeface="DM Sans" pitchFamily="2" charset="0"/>
+                <a:cs typeface="Calibri Light" panose="020F0302020204030204" pitchFamily="34" charset="0"/>
+              </a:rPr>
+              <a:t>criteria</a:t>
+            </a:r>
+            <a:endParaRPr lang="de-DE" sz="1800" b="1" dirty="0">
+              <a:solidFill>
+                <a:schemeClr val="bg2">
+                  <a:lumMod val="65000"/>
+                </a:schemeClr>
+              </a:solidFill>
+              <a:latin typeface="DM Sans" pitchFamily="2" charset="0"/>
+              <a:cs typeface="Calibri Light" panose="020F0302020204030204" pitchFamily="34" charset="0"/>
+            </a:endParaRPr>
+          </a:p>
+          <a:p>
+            <a:r>
+              <a:rPr lang="de-DE" sz="1800" b="1" dirty="0">
+                <a:solidFill>
+                  <a:schemeClr val="bg2">
+                    <a:lumMod val="65000"/>
+                  </a:schemeClr>
+                </a:solidFill>
+                <a:latin typeface="DM Sans" pitchFamily="2" charset="0"/>
+                <a:cs typeface="Calibri Light" panose="020F0302020204030204" pitchFamily="34" charset="0"/>
+              </a:rPr>
+              <a:t>-    </a:t>
+            </a:r>
+            <a:r>
+              <a:rPr lang="de-DE" sz="1800" b="1" dirty="0" err="1">
+                <a:solidFill>
+                  <a:schemeClr val="bg2">
+                    <a:lumMod val="65000"/>
+                  </a:schemeClr>
+                </a:solidFill>
+                <a:latin typeface="DM Sans" pitchFamily="2" charset="0"/>
+                <a:cs typeface="Calibri Light" panose="020F0302020204030204" pitchFamily="34" charset="0"/>
+              </a:rPr>
+              <a:t>Applying</a:t>
+            </a:r>
+            <a:r>
+              <a:rPr lang="de-DE" sz="1800" b="1" dirty="0">
+                <a:solidFill>
+                  <a:schemeClr val="bg2">
+                    <a:lumMod val="65000"/>
+                  </a:schemeClr>
+                </a:solidFill>
+                <a:latin typeface="DM Sans" pitchFamily="2" charset="0"/>
+                <a:cs typeface="Calibri Light" panose="020F0302020204030204" pitchFamily="34" charset="0"/>
+              </a:rPr>
+              <a:t> selection </a:t>
+            </a:r>
+            <a:r>
+              <a:rPr lang="de-DE" sz="1800" b="1" dirty="0" err="1">
+                <a:solidFill>
+                  <a:schemeClr val="bg2">
+                    <a:lumMod val="65000"/>
+                  </a:schemeClr>
+                </a:solidFill>
+                <a:latin typeface="DM Sans" pitchFamily="2" charset="0"/>
+                <a:cs typeface="Calibri Light" panose="020F0302020204030204" pitchFamily="34" charset="0"/>
+              </a:rPr>
+              <a:t>criteria</a:t>
+            </a:r>
+            <a:endParaRPr lang="de-DE" sz="1800" b="1" dirty="0">
+              <a:solidFill>
+                <a:schemeClr val="bg2">
+                  <a:lumMod val="65000"/>
+                </a:schemeClr>
+              </a:solidFill>
+              <a:latin typeface="DM Sans" pitchFamily="2" charset="0"/>
+              <a:cs typeface="Calibri Light" panose="020F0302020204030204" pitchFamily="34" charset="0"/>
+            </a:endParaRPr>
+          </a:p>
+        </p:txBody>
+      </p:sp>
+      <p:sp>
+        <p:nvSpPr>
+          <p:cNvPr id="4" name="Textfeld 3">
+            <a:extLst>
+              <a:ext uri="{FF2B5EF4-FFF2-40B4-BE49-F238E27FC236}">
+                <a16:creationId xmlns:a16="http://schemas.microsoft.com/office/drawing/2014/main" id="{1B1EFFA6-B1C4-A460-DE83-C1ACFA353B44}"/>
+              </a:ext>
+            </a:extLst>
+          </p:cNvPr>
+          <p:cNvSpPr txBox="1"/>
+          <p:nvPr/>
+        </p:nvSpPr>
+        <p:spPr>
+          <a:xfrm>
+            <a:off x="512006" y="3014936"/>
+            <a:ext cx="4572000" cy="1661993"/>
+          </a:xfrm>
+          <a:prstGeom prst="rect">
+            <a:avLst/>
+          </a:prstGeom>
+          <a:noFill/>
+        </p:spPr>
+        <p:txBody>
+          <a:bodyPr wrap="square">
+            <a:spAutoFit/>
+          </a:bodyPr>
+          <a:lstStyle/>
+          <a:p>
+            <a:r>
+              <a:rPr lang="de-DE" sz="2400" b="1" dirty="0">
+                <a:solidFill>
+                  <a:schemeClr val="bg2">
+                    <a:lumMod val="65000"/>
+                  </a:schemeClr>
+                </a:solidFill>
+                <a:latin typeface="DM Sans" pitchFamily="2" charset="0"/>
+                <a:cs typeface="Calibri Light" panose="020F0302020204030204" pitchFamily="34" charset="0"/>
+              </a:rPr>
+              <a:t>3. Dimension </a:t>
+            </a:r>
+            <a:r>
+              <a:rPr lang="de-DE" sz="2400" b="1" dirty="0" err="1">
+                <a:solidFill>
+                  <a:schemeClr val="bg2">
+                    <a:lumMod val="65000"/>
+                  </a:schemeClr>
+                </a:solidFill>
+                <a:latin typeface="DM Sans" pitchFamily="2" charset="0"/>
+                <a:cs typeface="Calibri Light" panose="020F0302020204030204" pitchFamily="34" charset="0"/>
+              </a:rPr>
+              <a:t>reduction</a:t>
+            </a:r>
+            <a:r>
+              <a:rPr lang="de-DE" sz="2400" b="1" dirty="0">
+                <a:solidFill>
+                  <a:schemeClr val="bg2">
+                    <a:lumMod val="65000"/>
+                  </a:schemeClr>
+                </a:solidFill>
+                <a:latin typeface="DM Sans" pitchFamily="2" charset="0"/>
+                <a:cs typeface="Calibri Light" panose="020F0302020204030204" pitchFamily="34" charset="0"/>
+              </a:rPr>
+              <a:t> </a:t>
+            </a:r>
+            <a:r>
+              <a:rPr lang="de-DE" sz="2400" b="1" dirty="0" err="1">
+                <a:solidFill>
+                  <a:schemeClr val="bg2">
+                    <a:lumMod val="65000"/>
+                  </a:schemeClr>
+                </a:solidFill>
+                <a:latin typeface="DM Sans" pitchFamily="2" charset="0"/>
+                <a:cs typeface="Calibri Light" panose="020F0302020204030204" pitchFamily="34" charset="0"/>
+              </a:rPr>
+              <a:t>analysis</a:t>
+            </a:r>
+            <a:endParaRPr lang="de-DE" sz="2400" b="1" dirty="0">
+              <a:solidFill>
+                <a:schemeClr val="bg2">
+                  <a:lumMod val="65000"/>
+                </a:schemeClr>
+              </a:solidFill>
+              <a:latin typeface="DM Sans" pitchFamily="2" charset="0"/>
+              <a:cs typeface="Calibri Light" panose="020F0302020204030204" pitchFamily="34" charset="0"/>
+            </a:endParaRPr>
+          </a:p>
+          <a:p>
+            <a:r>
+              <a:rPr lang="de-DE" sz="1800" b="1" dirty="0">
+                <a:solidFill>
+                  <a:schemeClr val="bg2">
+                    <a:lumMod val="65000"/>
+                  </a:schemeClr>
+                </a:solidFill>
+                <a:latin typeface="DM Sans" pitchFamily="2" charset="0"/>
+                <a:cs typeface="Calibri Light" panose="020F0302020204030204" pitchFamily="34" charset="0"/>
+              </a:rPr>
+              <a:t>-    </a:t>
+            </a:r>
+            <a:r>
+              <a:rPr lang="de-DE" sz="1800" b="1" dirty="0" err="1">
+                <a:solidFill>
+                  <a:schemeClr val="bg2">
+                    <a:lumMod val="65000"/>
+                  </a:schemeClr>
+                </a:solidFill>
+                <a:latin typeface="DM Sans" pitchFamily="2" charset="0"/>
+                <a:cs typeface="Calibri Light" panose="020F0302020204030204" pitchFamily="34" charset="0"/>
+              </a:rPr>
+              <a:t>Procedure</a:t>
+            </a:r>
+            <a:endParaRPr lang="de-DE" sz="1800" b="1" dirty="0">
+              <a:solidFill>
+                <a:schemeClr val="bg2">
+                  <a:lumMod val="65000"/>
+                </a:schemeClr>
+              </a:solidFill>
+              <a:latin typeface="DM Sans" pitchFamily="2" charset="0"/>
+              <a:cs typeface="Calibri Light" panose="020F0302020204030204" pitchFamily="34" charset="0"/>
+            </a:endParaRPr>
+          </a:p>
+          <a:p>
+            <a:r>
+              <a:rPr lang="de-DE" sz="1800" b="1" dirty="0">
+                <a:solidFill>
+                  <a:schemeClr val="bg2">
+                    <a:lumMod val="65000"/>
+                  </a:schemeClr>
+                </a:solidFill>
+                <a:latin typeface="DM Sans" pitchFamily="2" charset="0"/>
+                <a:cs typeface="Calibri Light" panose="020F0302020204030204" pitchFamily="34" charset="0"/>
+              </a:rPr>
+              <a:t>-    Results</a:t>
+            </a:r>
+          </a:p>
+          <a:p>
+            <a:r>
+              <a:rPr lang="de-DE" sz="1800" b="1" dirty="0">
+                <a:solidFill>
+                  <a:schemeClr val="bg2">
+                    <a:lumMod val="65000"/>
+                  </a:schemeClr>
+                </a:solidFill>
+                <a:latin typeface="DM Sans" pitchFamily="2" charset="0"/>
+                <a:cs typeface="Calibri Light" panose="020F0302020204030204" pitchFamily="34" charset="0"/>
+              </a:rPr>
+              <a:t>-    Interpretation</a:t>
+            </a:r>
+          </a:p>
+        </p:txBody>
+      </p:sp>
+      <p:sp>
+        <p:nvSpPr>
+          <p:cNvPr id="5" name="Textfeld 4">
+            <a:extLst>
+              <a:ext uri="{FF2B5EF4-FFF2-40B4-BE49-F238E27FC236}">
+                <a16:creationId xmlns:a16="http://schemas.microsoft.com/office/drawing/2014/main" id="{0D44EFD1-EB73-E8E2-8DC0-BA20C0339FC5}"/>
+              </a:ext>
+            </a:extLst>
+          </p:cNvPr>
+          <p:cNvSpPr txBox="1"/>
+          <p:nvPr/>
+        </p:nvSpPr>
+        <p:spPr>
+          <a:xfrm>
+            <a:off x="4876562" y="3066348"/>
+            <a:ext cx="4572000" cy="2031325"/>
+          </a:xfrm>
+          <a:prstGeom prst="rect">
+            <a:avLst/>
+          </a:prstGeom>
+          <a:noFill/>
+        </p:spPr>
+        <p:txBody>
+          <a:bodyPr wrap="square">
+            <a:spAutoFit/>
+          </a:bodyPr>
+          <a:lstStyle/>
+          <a:p>
+            <a:r>
+              <a:rPr lang="de-DE" sz="2400" b="1" dirty="0">
+                <a:solidFill>
+                  <a:schemeClr val="bg2">
+                    <a:lumMod val="65000"/>
+                  </a:schemeClr>
+                </a:solidFill>
+                <a:latin typeface="DM Sans" pitchFamily="2" charset="0"/>
+                <a:cs typeface="Calibri Light" panose="020F0302020204030204" pitchFamily="34" charset="0"/>
+              </a:rPr>
+              <a:t>4. </a:t>
+            </a:r>
+            <a:r>
+              <a:rPr lang="de-DE" sz="2400" b="1" dirty="0" err="1">
+                <a:solidFill>
+                  <a:schemeClr val="bg2">
+                    <a:lumMod val="65000"/>
+                  </a:schemeClr>
+                </a:solidFill>
+                <a:latin typeface="DM Sans" pitchFamily="2" charset="0"/>
+                <a:cs typeface="Calibri Light" panose="020F0302020204030204" pitchFamily="34" charset="0"/>
+              </a:rPr>
+              <a:t>Developing</a:t>
+            </a:r>
+            <a:r>
+              <a:rPr lang="de-DE" sz="2400" b="1" dirty="0">
+                <a:solidFill>
+                  <a:schemeClr val="bg2">
+                    <a:lumMod val="65000"/>
+                  </a:schemeClr>
+                </a:solidFill>
+                <a:latin typeface="DM Sans" pitchFamily="2" charset="0"/>
+                <a:cs typeface="Calibri Light" panose="020F0302020204030204" pitchFamily="34" charset="0"/>
+              </a:rPr>
+              <a:t> a linear </a:t>
+            </a:r>
+            <a:r>
+              <a:rPr lang="de-DE" sz="2400" b="1" dirty="0" err="1">
+                <a:solidFill>
+                  <a:schemeClr val="bg2">
+                    <a:lumMod val="65000"/>
+                  </a:schemeClr>
+                </a:solidFill>
+                <a:latin typeface="DM Sans" pitchFamily="2" charset="0"/>
+                <a:cs typeface="Calibri Light" panose="020F0302020204030204" pitchFamily="34" charset="0"/>
+              </a:rPr>
+              <a:t>regression</a:t>
+            </a:r>
+            <a:r>
+              <a:rPr lang="de-DE" sz="2400" b="1" dirty="0">
+                <a:solidFill>
+                  <a:schemeClr val="bg2">
+                    <a:lumMod val="65000"/>
+                  </a:schemeClr>
+                </a:solidFill>
+                <a:latin typeface="DM Sans" pitchFamily="2" charset="0"/>
+                <a:cs typeface="Calibri Light" panose="020F0302020204030204" pitchFamily="34" charset="0"/>
+              </a:rPr>
+              <a:t> </a:t>
+            </a:r>
+            <a:r>
+              <a:rPr lang="de-DE" sz="2400" b="1" dirty="0" err="1">
+                <a:solidFill>
+                  <a:schemeClr val="bg2">
+                    <a:lumMod val="65000"/>
+                  </a:schemeClr>
+                </a:solidFill>
+                <a:latin typeface="DM Sans" pitchFamily="2" charset="0"/>
+                <a:cs typeface="Calibri Light" panose="020F0302020204030204" pitchFamily="34" charset="0"/>
+              </a:rPr>
+              <a:t>model</a:t>
+            </a:r>
+            <a:endParaRPr lang="de-DE" sz="2400" b="1" dirty="0">
+              <a:solidFill>
+                <a:schemeClr val="bg2">
+                  <a:lumMod val="65000"/>
+                </a:schemeClr>
+              </a:solidFill>
+              <a:latin typeface="DM Sans" pitchFamily="2" charset="0"/>
+              <a:cs typeface="Calibri Light" panose="020F0302020204030204" pitchFamily="34" charset="0"/>
+            </a:endParaRPr>
+          </a:p>
+          <a:p>
+            <a:r>
+              <a:rPr lang="de-DE" sz="1800" b="1" dirty="0">
+                <a:solidFill>
+                  <a:schemeClr val="bg2">
+                    <a:lumMod val="65000"/>
+                  </a:schemeClr>
+                </a:solidFill>
+                <a:latin typeface="DM Sans" pitchFamily="2" charset="0"/>
+                <a:cs typeface="Calibri Light" panose="020F0302020204030204" pitchFamily="34" charset="0"/>
+              </a:rPr>
+              <a:t>-    </a:t>
+            </a:r>
+            <a:r>
+              <a:rPr lang="de-DE" sz="1800" b="1" dirty="0" err="1">
+                <a:solidFill>
+                  <a:schemeClr val="bg2">
+                    <a:lumMod val="65000"/>
+                  </a:schemeClr>
+                </a:solidFill>
+                <a:latin typeface="DM Sans" pitchFamily="2" charset="0"/>
+                <a:cs typeface="Calibri Light" panose="020F0302020204030204" pitchFamily="34" charset="0"/>
+              </a:rPr>
+              <a:t>Procedure</a:t>
+            </a:r>
+            <a:endParaRPr lang="de-DE" sz="1800" b="1" dirty="0">
+              <a:solidFill>
+                <a:schemeClr val="bg2">
+                  <a:lumMod val="65000"/>
+                </a:schemeClr>
+              </a:solidFill>
+              <a:latin typeface="DM Sans" pitchFamily="2" charset="0"/>
+              <a:cs typeface="Calibri Light" panose="020F0302020204030204" pitchFamily="34" charset="0"/>
+            </a:endParaRPr>
+          </a:p>
+          <a:p>
+            <a:r>
+              <a:rPr lang="de-DE" sz="1800" b="1" dirty="0">
+                <a:solidFill>
+                  <a:schemeClr val="bg2">
+                    <a:lumMod val="65000"/>
+                  </a:schemeClr>
+                </a:solidFill>
+                <a:latin typeface="DM Sans" pitchFamily="2" charset="0"/>
+                <a:cs typeface="Calibri Light" panose="020F0302020204030204" pitchFamily="34" charset="0"/>
+              </a:rPr>
+              <a:t>-    Results</a:t>
+            </a:r>
+          </a:p>
+          <a:p>
+            <a:r>
+              <a:rPr lang="de-DE" sz="1800" b="1" dirty="0">
+                <a:solidFill>
+                  <a:schemeClr val="bg2">
+                    <a:lumMod val="65000"/>
+                  </a:schemeClr>
+                </a:solidFill>
+                <a:latin typeface="DM Sans" pitchFamily="2" charset="0"/>
+                <a:cs typeface="Calibri Light" panose="020F0302020204030204" pitchFamily="34" charset="0"/>
+              </a:rPr>
+              <a:t>-    Interpretation</a:t>
+            </a:r>
+          </a:p>
+          <a:p>
+            <a:endParaRPr lang="de-DE" sz="2400" b="1" dirty="0">
+              <a:solidFill>
+                <a:schemeClr val="bg2">
+                  <a:lumMod val="65000"/>
+                </a:schemeClr>
+              </a:solidFill>
+              <a:latin typeface="DM Sans" pitchFamily="2" charset="0"/>
+              <a:cs typeface="Calibri Light" panose="020F0302020204030204" pitchFamily="34" charset="0"/>
+            </a:endParaRPr>
+          </a:p>
+        </p:txBody>
+      </p:sp>
     </p:spTree>
     <p:extLst>
       <p:ext uri="{BB962C8B-B14F-4D97-AF65-F5344CB8AC3E}">
-        <p14:creationId xmlns:p14="http://schemas.microsoft.com/office/powerpoint/2010/main" val="765514077"/>
+        <p14:creationId xmlns:p14="http://schemas.microsoft.com/office/powerpoint/2010/main" val="2674680337"/>
       </p:ext>
     </p:extLst>
   </p:cSld>
@@ -15366,7 +15010,7 @@
           <p:cNvPr id="2" name="Textfeld 1">
             <a:extLst>
               <a:ext uri="{FF2B5EF4-FFF2-40B4-BE49-F238E27FC236}">
-                <a16:creationId xmlns:a16="http://schemas.microsoft.com/office/drawing/2014/main" id="{58973A92-EB33-65E2-9120-C9DCD10F1FBF}"/>
+                <a16:creationId xmlns:a16="http://schemas.microsoft.com/office/drawing/2014/main" id="{EB56B0F2-8727-594E-6C0E-DC9AFC356A7A}"/>
               </a:ext>
             </a:extLst>
           </p:cNvPr>
@@ -15375,8 +15019,86 @@
         </p:nvSpPr>
         <p:spPr>
           <a:xfrm>
-            <a:off x="1940943" y="1268083"/>
-            <a:ext cx="5046453" cy="307777"/>
+            <a:off x="353683" y="285750"/>
+            <a:ext cx="8383917" cy="461665"/>
+          </a:xfrm>
+          <a:prstGeom prst="rect">
+            <a:avLst/>
+          </a:prstGeom>
+          <a:noFill/>
+        </p:spPr>
+        <p:txBody>
+          <a:bodyPr wrap="square">
+            <a:spAutoFit/>
+          </a:bodyPr>
+          <a:lstStyle/>
+          <a:p>
+            <a:r>
+              <a:rPr lang="de-DE" sz="2400" b="1" dirty="0" err="1">
+                <a:solidFill>
+                  <a:schemeClr val="bg1"/>
+                </a:solidFill>
+                <a:latin typeface="DM Sans" pitchFamily="2" charset="0"/>
+                <a:cs typeface="Calibri Light" panose="020F0302020204030204" pitchFamily="34" charset="0"/>
+              </a:rPr>
+              <a:t>Normalization</a:t>
+            </a:r>
+            <a:endParaRPr lang="de-DE" sz="2400" b="1" dirty="0">
+              <a:solidFill>
+                <a:schemeClr val="bg1"/>
+              </a:solidFill>
+              <a:latin typeface="DM Sans" pitchFamily="2" charset="0"/>
+              <a:cs typeface="Calibri Light" panose="020F0302020204030204" pitchFamily="34" charset="0"/>
+            </a:endParaRPr>
+          </a:p>
+        </p:txBody>
+      </p:sp>
+      <p:pic>
+        <p:nvPicPr>
+          <p:cNvPr id="4" name="Grafik 3" descr="Ein Bild, das Text enthält.&#10;&#10;Automatisch generierte Beschreibung">
+            <a:extLst>
+              <a:ext uri="{FF2B5EF4-FFF2-40B4-BE49-F238E27FC236}">
+                <a16:creationId xmlns:a16="http://schemas.microsoft.com/office/drawing/2014/main" id="{F43A56F5-4A13-556E-5725-C4887417B213}"/>
+              </a:ext>
+            </a:extLst>
+          </p:cNvPr>
+          <p:cNvPicPr>
+            <a:picLocks noChangeAspect="1"/>
+          </p:cNvPicPr>
+          <p:nvPr/>
+        </p:nvPicPr>
+        <p:blipFill>
+          <a:blip r:embed="rId2"/>
+          <a:stretch>
+            <a:fillRect/>
+          </a:stretch>
+        </p:blipFill>
+        <p:spPr>
+          <a:xfrm>
+            <a:off x="425851" y="1513523"/>
+            <a:ext cx="3272745" cy="1931319"/>
+          </a:xfrm>
+          <a:prstGeom prst="rect">
+            <a:avLst/>
+          </a:prstGeom>
+        </p:spPr>
+      </p:pic>
+      <p:sp>
+        <p:nvSpPr>
+          <p:cNvPr id="3" name="Textfeld 2">
+            <a:extLst>
+              <a:ext uri="{FF2B5EF4-FFF2-40B4-BE49-F238E27FC236}">
+                <a16:creationId xmlns:a16="http://schemas.microsoft.com/office/drawing/2014/main" id="{84CEA86A-4052-C2CB-6206-98FB7BAA2F90}"/>
+              </a:ext>
+            </a:extLst>
+          </p:cNvPr>
+          <p:cNvSpPr txBox="1"/>
+          <p:nvPr/>
+        </p:nvSpPr>
+        <p:spPr>
+          <a:xfrm>
+            <a:off x="353683" y="1017871"/>
+            <a:ext cx="1769533" cy="338554"/>
           </a:xfrm>
           <a:prstGeom prst="rect">
             <a:avLst/>
@@ -15390,28 +15112,97 @@
           <a:lstStyle/>
           <a:p>
             <a:r>
-              <a:rPr lang="de-DE" dirty="0" err="1"/>
-              <a:t>Selection</a:t>
-            </a:r>
-            <a:r>
-              <a:rPr lang="de-DE" dirty="0"/>
-              <a:t> </a:t>
-            </a:r>
-            <a:r>
-              <a:rPr lang="de-DE" dirty="0" err="1"/>
-              <a:t>criteria</a:t>
-            </a:r>
-            <a:r>
-              <a:rPr lang="de-DE" dirty="0"/>
-              <a:t> + Graph </a:t>
+              <a:rPr lang="de-DE" sz="1600" dirty="0" err="1">
+                <a:latin typeface="DM Sans" pitchFamily="2" charset="0"/>
+              </a:rPr>
+              <a:t>Column-wise</a:t>
+            </a:r>
+            <a:r>
+              <a:rPr lang="de-DE" sz="1600" dirty="0">
+                <a:latin typeface="DM Sans" pitchFamily="2" charset="0"/>
+              </a:rPr>
+              <a:t>:</a:t>
             </a:r>
           </a:p>
         </p:txBody>
       </p:sp>
+      <p:sp>
+        <p:nvSpPr>
+          <p:cNvPr id="5" name="Textfeld 4">
+            <a:extLst>
+              <a:ext uri="{FF2B5EF4-FFF2-40B4-BE49-F238E27FC236}">
+                <a16:creationId xmlns:a16="http://schemas.microsoft.com/office/drawing/2014/main" id="{FA33D73D-7234-0E53-B51B-B869387B8F65}"/>
+              </a:ext>
+            </a:extLst>
+          </p:cNvPr>
+          <p:cNvSpPr txBox="1"/>
+          <p:nvPr/>
+        </p:nvSpPr>
+        <p:spPr>
+          <a:xfrm>
+            <a:off x="4572000" y="1022349"/>
+            <a:ext cx="1769533" cy="338554"/>
+          </a:xfrm>
+          <a:prstGeom prst="rect">
+            <a:avLst/>
+          </a:prstGeom>
+          <a:noFill/>
+        </p:spPr>
+        <p:txBody>
+          <a:bodyPr wrap="square" rtlCol="0">
+            <a:spAutoFit/>
+          </a:bodyPr>
+          <a:lstStyle/>
+          <a:p>
+            <a:r>
+              <a:rPr lang="de-DE" sz="1600" dirty="0" err="1">
+                <a:latin typeface="DM Sans" pitchFamily="2" charset="0"/>
+              </a:rPr>
+              <a:t>Row-wise</a:t>
+            </a:r>
+            <a:r>
+              <a:rPr lang="de-DE" sz="1600" dirty="0">
+                <a:latin typeface="DM Sans" pitchFamily="2" charset="0"/>
+              </a:rPr>
+              <a:t>:</a:t>
+            </a:r>
+          </a:p>
+        </p:txBody>
+      </p:sp>
+      <p:pic>
+        <p:nvPicPr>
+          <p:cNvPr id="17" name="Grafik 16">
+            <a:extLst>
+              <a:ext uri="{FF2B5EF4-FFF2-40B4-BE49-F238E27FC236}">
+                <a16:creationId xmlns:a16="http://schemas.microsoft.com/office/drawing/2014/main" id="{51747207-2502-8E8C-04D3-49BDD9A0F9B9}"/>
+              </a:ext>
+            </a:extLst>
+          </p:cNvPr>
+          <p:cNvPicPr>
+            <a:picLocks noChangeAspect="1"/>
+          </p:cNvPicPr>
+          <p:nvPr/>
+        </p:nvPicPr>
+        <p:blipFill>
+          <a:blip r:embed="rId3"/>
+          <a:stretch>
+            <a:fillRect/>
+          </a:stretch>
+        </p:blipFill>
+        <p:spPr>
+          <a:xfrm>
+            <a:off x="4583475" y="1503988"/>
+            <a:ext cx="4157624" cy="1940854"/>
+          </a:xfrm>
+          <a:prstGeom prst="rect">
+            <a:avLst/>
+          </a:prstGeom>
+        </p:spPr>
+      </p:pic>
     </p:spTree>
     <p:extLst>
       <p:ext uri="{BB962C8B-B14F-4D97-AF65-F5344CB8AC3E}">
-        <p14:creationId xmlns:p14="http://schemas.microsoft.com/office/powerpoint/2010/main" val="4095143845"/>
+        <p14:creationId xmlns:p14="http://schemas.microsoft.com/office/powerpoint/2010/main" val="1941908166"/>
       </p:ext>
     </p:extLst>
   </p:cSld>
@@ -15422,6 +15213,242 @@
 </file>
 
 <file path=ppt/slides/slide8.xml><?xml version="1.0" encoding="utf-8"?>
+<p:sld xmlns:a="http://schemas.openxmlformats.org/drawingml/2006/main" xmlns:r="http://schemas.openxmlformats.org/officeDocument/2006/relationships" xmlns:p="http://schemas.openxmlformats.org/presentationml/2006/main">
+  <p:cSld>
+    <p:spTree>
+      <p:nvGrpSpPr>
+        <p:cNvPr id="1" name=""/>
+        <p:cNvGrpSpPr/>
+        <p:nvPr/>
+      </p:nvGrpSpPr>
+      <p:grpSpPr>
+        <a:xfrm>
+          <a:off x="0" y="0"/>
+          <a:ext cx="0" cy="0"/>
+          <a:chOff x="0" y="0"/>
+          <a:chExt cx="0" cy="0"/>
+        </a:xfrm>
+      </p:grpSpPr>
+      <p:sp>
+        <p:nvSpPr>
+          <p:cNvPr id="2" name="Textfeld 1">
+            <a:extLst>
+              <a:ext uri="{FF2B5EF4-FFF2-40B4-BE49-F238E27FC236}">
+                <a16:creationId xmlns:a16="http://schemas.microsoft.com/office/drawing/2014/main" id="{87129078-98D4-6F19-8E5B-154E531BF5DB}"/>
+              </a:ext>
+            </a:extLst>
+          </p:cNvPr>
+          <p:cNvSpPr txBox="1"/>
+          <p:nvPr/>
+        </p:nvSpPr>
+        <p:spPr>
+          <a:xfrm>
+            <a:off x="353683" y="285750"/>
+            <a:ext cx="8383917" cy="461665"/>
+          </a:xfrm>
+          <a:prstGeom prst="rect">
+            <a:avLst/>
+          </a:prstGeom>
+          <a:noFill/>
+        </p:spPr>
+        <p:txBody>
+          <a:bodyPr wrap="square">
+            <a:spAutoFit/>
+          </a:bodyPr>
+          <a:lstStyle/>
+          <a:p>
+            <a:r>
+              <a:rPr lang="de-DE" sz="2400" b="1" dirty="0" err="1">
+                <a:solidFill>
+                  <a:schemeClr val="bg1"/>
+                </a:solidFill>
+                <a:latin typeface="DM Sans" pitchFamily="2" charset="0"/>
+                <a:cs typeface="Calibri Light" panose="020F0302020204030204" pitchFamily="34" charset="0"/>
+              </a:rPr>
+              <a:t>Reproducibility</a:t>
+            </a:r>
+            <a:endParaRPr lang="de-DE" sz="2400" b="1" dirty="0">
+              <a:solidFill>
+                <a:schemeClr val="bg1"/>
+              </a:solidFill>
+              <a:latin typeface="DM Sans" pitchFamily="2" charset="0"/>
+              <a:cs typeface="Calibri Light" panose="020F0302020204030204" pitchFamily="34" charset="0"/>
+            </a:endParaRPr>
+          </a:p>
+        </p:txBody>
+      </p:sp>
+      <p:pic>
+        <p:nvPicPr>
+          <p:cNvPr id="5" name="Grafik 4">
+            <a:extLst>
+              <a:ext uri="{FF2B5EF4-FFF2-40B4-BE49-F238E27FC236}">
+                <a16:creationId xmlns:a16="http://schemas.microsoft.com/office/drawing/2014/main" id="{5B39BADB-0F55-4080-5E18-D7FEFEB22781}"/>
+              </a:ext>
+            </a:extLst>
+          </p:cNvPr>
+          <p:cNvPicPr>
+            <a:picLocks noChangeAspect="1"/>
+          </p:cNvPicPr>
+          <p:nvPr/>
+        </p:nvPicPr>
+        <p:blipFill>
+          <a:blip r:embed="rId3"/>
+          <a:stretch>
+            <a:fillRect/>
+          </a:stretch>
+        </p:blipFill>
+        <p:spPr>
+          <a:xfrm>
+            <a:off x="310610" y="1396325"/>
+            <a:ext cx="4059895" cy="2506405"/>
+          </a:xfrm>
+          <a:prstGeom prst="rect">
+            <a:avLst/>
+          </a:prstGeom>
+        </p:spPr>
+      </p:pic>
+      <p:pic>
+        <p:nvPicPr>
+          <p:cNvPr id="8" name="Grafik 7">
+            <a:extLst>
+              <a:ext uri="{FF2B5EF4-FFF2-40B4-BE49-F238E27FC236}">
+                <a16:creationId xmlns:a16="http://schemas.microsoft.com/office/drawing/2014/main" id="{6D917807-BA50-7651-0095-F54FF9BE9157}"/>
+              </a:ext>
+            </a:extLst>
+          </p:cNvPr>
+          <p:cNvPicPr>
+            <a:picLocks noChangeAspect="1"/>
+          </p:cNvPicPr>
+          <p:nvPr/>
+        </p:nvPicPr>
+        <p:blipFill>
+          <a:blip r:embed="rId4"/>
+          <a:stretch>
+            <a:fillRect/>
+          </a:stretch>
+        </p:blipFill>
+        <p:spPr>
+          <a:xfrm>
+            <a:off x="4895850" y="1319861"/>
+            <a:ext cx="3730569" cy="2304958"/>
+          </a:xfrm>
+          <a:prstGeom prst="rect">
+            <a:avLst/>
+          </a:prstGeom>
+        </p:spPr>
+      </p:pic>
+      <p:sp>
+        <p:nvSpPr>
+          <p:cNvPr id="7" name="Textfeld 6">
+            <a:extLst>
+              <a:ext uri="{FF2B5EF4-FFF2-40B4-BE49-F238E27FC236}">
+                <a16:creationId xmlns:a16="http://schemas.microsoft.com/office/drawing/2014/main" id="{8F87CE1F-38A2-D713-A4C7-3418FCAE700C}"/>
+              </a:ext>
+            </a:extLst>
+          </p:cNvPr>
+          <p:cNvSpPr txBox="1"/>
+          <p:nvPr/>
+        </p:nvSpPr>
+        <p:spPr>
+          <a:xfrm>
+            <a:off x="2963856" y="4551640"/>
+            <a:ext cx="3216287" cy="400110"/>
+          </a:xfrm>
+          <a:prstGeom prst="rect">
+            <a:avLst/>
+          </a:prstGeom>
+          <a:noFill/>
+        </p:spPr>
+        <p:txBody>
+          <a:bodyPr wrap="square">
+            <a:spAutoFit/>
+          </a:bodyPr>
+          <a:lstStyle/>
+          <a:p>
+            <a:r>
+              <a:rPr lang="de-DE" sz="2000" dirty="0">
+                <a:solidFill>
+                  <a:schemeClr val="bg1"/>
+                </a:solidFill>
+                <a:latin typeface="DM Sans" pitchFamily="2" charset="0"/>
+                <a:cs typeface="Calibri Light" panose="020F0302020204030204" pitchFamily="34" charset="0"/>
+              </a:rPr>
+              <a:t>→ </a:t>
+            </a:r>
+            <a:r>
+              <a:rPr lang="de-DE" sz="2000" dirty="0" err="1">
+                <a:solidFill>
+                  <a:schemeClr val="bg1"/>
+                </a:solidFill>
+                <a:latin typeface="DM Sans" pitchFamily="2" charset="0"/>
+                <a:cs typeface="Calibri Light" panose="020F0302020204030204" pitchFamily="34" charset="0"/>
+              </a:rPr>
+              <a:t>removal</a:t>
+            </a:r>
+            <a:r>
+              <a:rPr lang="de-DE" sz="2000" dirty="0">
+                <a:solidFill>
+                  <a:schemeClr val="bg1"/>
+                </a:solidFill>
+                <a:latin typeface="DM Sans" pitchFamily="2" charset="0"/>
+                <a:cs typeface="Calibri Light" panose="020F0302020204030204" pitchFamily="34" charset="0"/>
+              </a:rPr>
+              <a:t> </a:t>
+            </a:r>
+            <a:r>
+              <a:rPr lang="de-DE" sz="2000" dirty="0" err="1">
+                <a:solidFill>
+                  <a:schemeClr val="bg1"/>
+                </a:solidFill>
+                <a:latin typeface="DM Sans" pitchFamily="2" charset="0"/>
+                <a:cs typeface="Calibri Light" panose="020F0302020204030204" pitchFamily="34" charset="0"/>
+              </a:rPr>
+              <a:t>of</a:t>
+            </a:r>
+            <a:r>
+              <a:rPr lang="de-DE" sz="2000" dirty="0">
+                <a:solidFill>
+                  <a:schemeClr val="bg1"/>
+                </a:solidFill>
+                <a:latin typeface="DM Sans" pitchFamily="2" charset="0"/>
+                <a:cs typeface="Calibri Light" panose="020F0302020204030204" pitchFamily="34" charset="0"/>
+              </a:rPr>
+              <a:t> 25 </a:t>
+            </a:r>
+            <a:r>
+              <a:rPr lang="de-DE" sz="2000" dirty="0" err="1">
+                <a:solidFill>
+                  <a:schemeClr val="bg1"/>
+                </a:solidFill>
+                <a:latin typeface="DM Sans" pitchFamily="2" charset="0"/>
+                <a:cs typeface="Calibri Light" panose="020F0302020204030204" pitchFamily="34" charset="0"/>
+              </a:rPr>
+              <a:t>proteins</a:t>
+            </a:r>
+            <a:endParaRPr lang="de-DE" sz="2000" dirty="0">
+              <a:solidFill>
+                <a:schemeClr val="bg1"/>
+              </a:solidFill>
+              <a:latin typeface="DM Sans" pitchFamily="2" charset="0"/>
+              <a:cs typeface="Calibri Light" panose="020F0302020204030204" pitchFamily="34" charset="0"/>
+            </a:endParaRPr>
+          </a:p>
+        </p:txBody>
+      </p:sp>
+    </p:spTree>
+    <p:extLst>
+      <p:ext uri="{BB962C8B-B14F-4D97-AF65-F5344CB8AC3E}">
+        <p14:creationId xmlns:p14="http://schemas.microsoft.com/office/powerpoint/2010/main" val="2743507843"/>
+      </p:ext>
+    </p:extLst>
+  </p:cSld>
+  <p:clrMapOvr>
+    <a:masterClrMapping/>
+  </p:clrMapOvr>
+</p:sld>
+</file>
+
+<file path=ppt/slides/slide9.xml><?xml version="1.0" encoding="utf-8"?>
 <p:sld xmlns:a="http://schemas.openxmlformats.org/drawingml/2006/main" xmlns:r="http://schemas.openxmlformats.org/officeDocument/2006/relationships" xmlns:p="http://schemas.openxmlformats.org/presentationml/2006/main">
   <p:cSld>
     <p:spTree>
@@ -15469,7 +15496,9 @@
             <a:r>
               <a:rPr lang="de-DE" sz="2400" b="1" dirty="0">
                 <a:solidFill>
-                  <a:schemeClr val="bg1"/>
+                  <a:schemeClr val="bg2">
+                    <a:lumMod val="65000"/>
+                  </a:schemeClr>
                 </a:solidFill>
                 <a:latin typeface="DM Sans" pitchFamily="2" charset="0"/>
                 <a:cs typeface="Calibri Light" panose="020F0302020204030204" pitchFamily="34" charset="0"/>
@@ -15479,7 +15508,9 @@
             <a:r>
               <a:rPr lang="de-DE" sz="2400" b="1" dirty="0" err="1">
                 <a:solidFill>
-                  <a:schemeClr val="bg1"/>
+                  <a:schemeClr val="bg2">
+                    <a:lumMod val="65000"/>
+                  </a:schemeClr>
                 </a:solidFill>
                 <a:latin typeface="DM Sans" pitchFamily="2" charset="0"/>
                 <a:cs typeface="Calibri Light" panose="020F0302020204030204" pitchFamily="34" charset="0"/>
@@ -15489,7 +15520,9 @@
             <a:r>
               <a:rPr lang="de-DE" sz="2400" b="1" dirty="0">
                 <a:solidFill>
-                  <a:schemeClr val="bg1"/>
+                  <a:schemeClr val="bg2">
+                    <a:lumMod val="65000"/>
+                  </a:schemeClr>
                 </a:solidFill>
                 <a:latin typeface="DM Sans" pitchFamily="2" charset="0"/>
                 <a:cs typeface="Calibri Light" panose="020F0302020204030204" pitchFamily="34" charset="0"/>
@@ -15499,7 +15532,9 @@
             <a:r>
               <a:rPr lang="de-DE" sz="2400" b="1" dirty="0" err="1">
                 <a:solidFill>
-                  <a:schemeClr val="bg1"/>
+                  <a:schemeClr val="bg2">
+                    <a:lumMod val="65000"/>
+                  </a:schemeClr>
                 </a:solidFill>
                 <a:latin typeface="DM Sans" pitchFamily="2" charset="0"/>
                 <a:cs typeface="Calibri Light" panose="020F0302020204030204" pitchFamily="34" charset="0"/>
@@ -15508,7 +15543,9 @@
             </a:r>
             <a:endParaRPr lang="de-DE" sz="2400" b="1" dirty="0">
               <a:solidFill>
-                <a:schemeClr val="bg1"/>
+                <a:schemeClr val="bg2">
+                  <a:lumMod val="65000"/>
+                </a:schemeClr>
               </a:solidFill>
               <a:latin typeface="DM Sans" pitchFamily="2" charset="0"/>
               <a:cs typeface="Calibri Light" panose="020F0302020204030204" pitchFamily="34" charset="0"/>
@@ -15518,7 +15555,9 @@
             <a:r>
               <a:rPr lang="de-DE" sz="1800" b="1" dirty="0">
                 <a:solidFill>
-                  <a:schemeClr val="bg1"/>
+                  <a:schemeClr val="bg2">
+                    <a:lumMod val="65000"/>
+                  </a:schemeClr>
                 </a:solidFill>
                 <a:latin typeface="DM Sans" pitchFamily="2" charset="0"/>
                 <a:cs typeface="Calibri Light" panose="020F0302020204030204" pitchFamily="34" charset="0"/>
@@ -15528,7 +15567,9 @@
             <a:r>
               <a:rPr lang="de-DE" sz="1800" b="1" dirty="0" err="1">
                 <a:solidFill>
-                  <a:schemeClr val="bg1"/>
+                  <a:schemeClr val="bg2">
+                    <a:lumMod val="65000"/>
+                  </a:schemeClr>
                 </a:solidFill>
                 <a:latin typeface="DM Sans" pitchFamily="2" charset="0"/>
                 <a:cs typeface="Calibri Light" panose="020F0302020204030204" pitchFamily="34" charset="0"/>
@@ -15537,7 +15578,9 @@
             </a:r>
             <a:endParaRPr lang="de-DE" sz="1800" b="1" dirty="0">
               <a:solidFill>
-                <a:schemeClr val="bg1"/>
+                <a:schemeClr val="bg2">
+                  <a:lumMod val="65000"/>
+                </a:schemeClr>
               </a:solidFill>
               <a:latin typeface="DM Sans" pitchFamily="2" charset="0"/>
               <a:cs typeface="Calibri Light" panose="020F0302020204030204" pitchFamily="34" charset="0"/>
@@ -15547,7 +15590,9 @@
             <a:r>
               <a:rPr lang="de-DE" sz="1800" b="1" dirty="0">
                 <a:solidFill>
-                  <a:schemeClr val="bg1"/>
+                  <a:schemeClr val="bg2">
+                    <a:lumMod val="65000"/>
+                  </a:schemeClr>
                 </a:solidFill>
                 <a:latin typeface="DM Sans" pitchFamily="2" charset="0"/>
                 <a:cs typeface="Calibri Light" panose="020F0302020204030204" pitchFamily="34" charset="0"/>
@@ -15557,7 +15602,9 @@
             <a:r>
               <a:rPr lang="de-DE" sz="1800" b="1" dirty="0" err="1">
                 <a:solidFill>
-                  <a:schemeClr val="bg1"/>
+                  <a:schemeClr val="bg2">
+                    <a:lumMod val="65000"/>
+                  </a:schemeClr>
                 </a:solidFill>
                 <a:latin typeface="DM Sans" pitchFamily="2" charset="0"/>
                 <a:cs typeface="Calibri Light" panose="020F0302020204030204" pitchFamily="34" charset="0"/>
@@ -15566,7 +15613,9 @@
             </a:r>
             <a:endParaRPr lang="de-DE" sz="1800" b="1" dirty="0">
               <a:solidFill>
-                <a:schemeClr val="bg1"/>
+                <a:schemeClr val="bg2">
+                  <a:lumMod val="65000"/>
+                </a:schemeClr>
               </a:solidFill>
               <a:latin typeface="DM Sans" pitchFamily="2" charset="0"/>
               <a:cs typeface="Calibri Light" panose="020F0302020204030204" pitchFamily="34" charset="0"/>
@@ -15576,7 +15625,9 @@
             <a:r>
               <a:rPr lang="de-DE" sz="1800" b="1" dirty="0">
                 <a:solidFill>
-                  <a:schemeClr val="bg1"/>
+                  <a:schemeClr val="bg2">
+                    <a:lumMod val="65000"/>
+                  </a:schemeClr>
                 </a:solidFill>
                 <a:latin typeface="DM Sans" pitchFamily="2" charset="0"/>
                 <a:cs typeface="Calibri Light" panose="020F0302020204030204" pitchFamily="34" charset="0"/>
@@ -15586,7 +15637,9 @@
             <a:r>
               <a:rPr lang="de-DE" sz="1800" b="1" dirty="0" err="1">
                 <a:solidFill>
-                  <a:schemeClr val="bg1"/>
+                  <a:schemeClr val="bg2">
+                    <a:lumMod val="65000"/>
+                  </a:schemeClr>
                 </a:solidFill>
                 <a:latin typeface="DM Sans" pitchFamily="2" charset="0"/>
                 <a:cs typeface="Calibri Light" panose="020F0302020204030204" pitchFamily="34" charset="0"/>
@@ -15595,7 +15648,9 @@
             </a:r>
             <a:endParaRPr lang="de-DE" sz="1800" b="1" dirty="0">
               <a:solidFill>
-                <a:schemeClr val="bg1"/>
+                <a:schemeClr val="bg2">
+                  <a:lumMod val="65000"/>
+                </a:schemeClr>
               </a:solidFill>
               <a:latin typeface="DM Sans" pitchFamily="2" charset="0"/>
               <a:cs typeface="Calibri Light" panose="020F0302020204030204" pitchFamily="34" charset="0"/>
@@ -15608,7 +15663,9 @@
             </a:pPr>
             <a:endParaRPr lang="de-DE" sz="2400" b="1" dirty="0">
               <a:solidFill>
-                <a:schemeClr val="bg1"/>
+                <a:schemeClr val="bg2">
+                  <a:lumMod val="65000"/>
+                </a:schemeClr>
               </a:solidFill>
               <a:latin typeface="DM Sans" pitchFamily="2" charset="0"/>
               <a:cs typeface="Calibri Light" panose="020F0302020204030204" pitchFamily="34" charset="0"/>
@@ -15621,7 +15678,9 @@
             </a:pPr>
             <a:endParaRPr lang="de-DE" sz="2400" b="1" dirty="0">
               <a:solidFill>
-                <a:schemeClr val="bg1"/>
+                <a:schemeClr val="bg2">
+                  <a:lumMod val="65000"/>
+                </a:schemeClr>
               </a:solidFill>
               <a:latin typeface="DM Sans" pitchFamily="2" charset="0"/>
               <a:cs typeface="Calibri Light" panose="020F0302020204030204" pitchFamily="34" charset="0"/>
@@ -15660,9 +15719,7 @@
             <a:r>
               <a:rPr lang="de-DE" sz="2400" b="1" dirty="0">
                 <a:solidFill>
-                  <a:schemeClr val="bg2">
-                    <a:lumMod val="65000"/>
-                  </a:schemeClr>
+                  <a:schemeClr val="bg1"/>
                 </a:solidFill>
                 <a:latin typeface="DM Sans" pitchFamily="2" charset="0"/>
                 <a:cs typeface="Calibri Light" panose="020F0302020204030204" pitchFamily="34" charset="0"/>
@@ -15672,9 +15729,7 @@
             <a:r>
               <a:rPr lang="de-DE" sz="2400" b="1" dirty="0" err="1">
                 <a:solidFill>
-                  <a:schemeClr val="bg2">
-                    <a:lumMod val="65000"/>
-                  </a:schemeClr>
+                  <a:schemeClr val="bg1"/>
                 </a:solidFill>
                 <a:latin typeface="DM Sans" pitchFamily="2" charset="0"/>
                 <a:cs typeface="Calibri Light" panose="020F0302020204030204" pitchFamily="34" charset="0"/>
@@ -15684,9 +15739,7 @@
             <a:r>
               <a:rPr lang="de-DE" sz="2400" b="1" dirty="0">
                 <a:solidFill>
-                  <a:schemeClr val="bg2">
-                    <a:lumMod val="65000"/>
-                  </a:schemeClr>
+                  <a:schemeClr val="bg1"/>
                 </a:solidFill>
                 <a:latin typeface="DM Sans" pitchFamily="2" charset="0"/>
                 <a:cs typeface="Calibri Light" panose="020F0302020204030204" pitchFamily="34" charset="0"/>
@@ -15696,9 +15749,7 @@
             <a:r>
               <a:rPr lang="de-DE" sz="2400" b="1" dirty="0" err="1">
                 <a:solidFill>
-                  <a:schemeClr val="bg2">
-                    <a:lumMod val="65000"/>
-                  </a:schemeClr>
+                  <a:schemeClr val="bg1"/>
                 </a:solidFill>
                 <a:latin typeface="DM Sans" pitchFamily="2" charset="0"/>
                 <a:cs typeface="Calibri Light" panose="020F0302020204030204" pitchFamily="34" charset="0"/>
@@ -15708,9 +15759,7 @@
             <a:r>
               <a:rPr lang="de-DE" sz="2400" b="1" dirty="0">
                 <a:solidFill>
-                  <a:schemeClr val="bg2">
-                    <a:lumMod val="65000"/>
-                  </a:schemeClr>
+                  <a:schemeClr val="bg1"/>
                 </a:solidFill>
                 <a:latin typeface="DM Sans" pitchFamily="2" charset="0"/>
                 <a:cs typeface="Calibri Light" panose="020F0302020204030204" pitchFamily="34" charset="0"/>
@@ -15720,9 +15769,7 @@
             <a:r>
               <a:rPr lang="de-DE" sz="2400" b="1" dirty="0" err="1">
                 <a:solidFill>
-                  <a:schemeClr val="bg2">
-                    <a:lumMod val="65000"/>
-                  </a:schemeClr>
+                  <a:schemeClr val="bg1"/>
                 </a:solidFill>
                 <a:latin typeface="DM Sans" pitchFamily="2" charset="0"/>
                 <a:cs typeface="Calibri Light" panose="020F0302020204030204" pitchFamily="34" charset="0"/>
@@ -15731,9 +15778,7 @@
             </a:r>
             <a:endParaRPr lang="de-DE" sz="2400" b="1" dirty="0">
               <a:solidFill>
-                <a:schemeClr val="bg2">
-                  <a:lumMod val="65000"/>
-                </a:schemeClr>
+                <a:schemeClr val="bg1"/>
               </a:solidFill>
               <a:latin typeface="DM Sans" pitchFamily="2" charset="0"/>
               <a:cs typeface="Calibri Light" panose="020F0302020204030204" pitchFamily="34" charset="0"/>
@@ -15743,9 +15788,7 @@
             <a:r>
               <a:rPr lang="de-DE" sz="1800" b="1" dirty="0">
                 <a:solidFill>
-                  <a:schemeClr val="bg2">
-                    <a:lumMod val="65000"/>
-                  </a:schemeClr>
+                  <a:schemeClr val="bg1"/>
                 </a:solidFill>
                 <a:latin typeface="DM Sans" pitchFamily="2" charset="0"/>
                 <a:cs typeface="Calibri Light" panose="020F0302020204030204" pitchFamily="34" charset="0"/>
@@ -15755,9 +15798,7 @@
             <a:r>
               <a:rPr lang="de-DE" sz="1800" b="1" dirty="0" err="1">
                 <a:solidFill>
-                  <a:schemeClr val="bg2">
-                    <a:lumMod val="65000"/>
-                  </a:schemeClr>
+                  <a:schemeClr val="bg1"/>
                 </a:solidFill>
                 <a:latin typeface="DM Sans" pitchFamily="2" charset="0"/>
                 <a:cs typeface="Calibri Light" panose="020F0302020204030204" pitchFamily="34" charset="0"/>
@@ -15767,9 +15808,7 @@
             <a:r>
               <a:rPr lang="de-DE" sz="1800" b="1" dirty="0">
                 <a:solidFill>
-                  <a:schemeClr val="bg2">
-                    <a:lumMod val="65000"/>
-                  </a:schemeClr>
+                  <a:schemeClr val="bg1"/>
                 </a:solidFill>
                 <a:latin typeface="DM Sans" pitchFamily="2" charset="0"/>
                 <a:cs typeface="Calibri Light" panose="020F0302020204030204" pitchFamily="34" charset="0"/>
@@ -15779,9 +15818,7 @@
             <a:r>
               <a:rPr lang="de-DE" sz="1800" b="1" dirty="0" err="1">
                 <a:solidFill>
-                  <a:schemeClr val="bg2">
-                    <a:lumMod val="65000"/>
-                  </a:schemeClr>
+                  <a:schemeClr val="bg1"/>
                 </a:solidFill>
                 <a:latin typeface="DM Sans" pitchFamily="2" charset="0"/>
                 <a:cs typeface="Calibri Light" panose="020F0302020204030204" pitchFamily="34" charset="0"/>
@@ -15790,9 +15827,7 @@
             </a:r>
             <a:endParaRPr lang="de-DE" sz="1800" b="1" dirty="0">
               <a:solidFill>
-                <a:schemeClr val="bg2">
-                  <a:lumMod val="65000"/>
-                </a:schemeClr>
+                <a:schemeClr val="bg1"/>
               </a:solidFill>
               <a:latin typeface="DM Sans" pitchFamily="2" charset="0"/>
               <a:cs typeface="Calibri Light" panose="020F0302020204030204" pitchFamily="34" charset="0"/>
@@ -15802,9 +15837,7 @@
             <a:r>
               <a:rPr lang="de-DE" sz="1800" b="1" dirty="0">
                 <a:solidFill>
-                  <a:schemeClr val="bg2">
-                    <a:lumMod val="65000"/>
-                  </a:schemeClr>
+                  <a:schemeClr val="bg1"/>
                 </a:solidFill>
                 <a:latin typeface="DM Sans" pitchFamily="2" charset="0"/>
                 <a:cs typeface="Calibri Light" panose="020F0302020204030204" pitchFamily="34" charset="0"/>
@@ -15814,9 +15847,7 @@
             <a:r>
               <a:rPr lang="de-DE" sz="1800" b="1" dirty="0" err="1">
                 <a:solidFill>
-                  <a:schemeClr val="bg2">
-                    <a:lumMod val="65000"/>
-                  </a:schemeClr>
+                  <a:schemeClr val="bg1"/>
                 </a:solidFill>
                 <a:latin typeface="DM Sans" pitchFamily="2" charset="0"/>
                 <a:cs typeface="Calibri Light" panose="020F0302020204030204" pitchFamily="34" charset="0"/>
@@ -15826,9 +15857,7 @@
             <a:r>
               <a:rPr lang="de-DE" sz="1800" b="1" dirty="0">
                 <a:solidFill>
-                  <a:schemeClr val="bg2">
-                    <a:lumMod val="65000"/>
-                  </a:schemeClr>
+                  <a:schemeClr val="bg1"/>
                 </a:solidFill>
                 <a:latin typeface="DM Sans" pitchFamily="2" charset="0"/>
                 <a:cs typeface="Calibri Light" panose="020F0302020204030204" pitchFamily="34" charset="0"/>
@@ -15838,9 +15867,7 @@
             <a:r>
               <a:rPr lang="de-DE" sz="1800" b="1" dirty="0" err="1">
                 <a:solidFill>
-                  <a:schemeClr val="bg2">
-                    <a:lumMod val="65000"/>
-                  </a:schemeClr>
+                  <a:schemeClr val="bg1"/>
                 </a:solidFill>
                 <a:latin typeface="DM Sans" pitchFamily="2" charset="0"/>
                 <a:cs typeface="Calibri Light" panose="020F0302020204030204" pitchFamily="34" charset="0"/>
@@ -15849,9 +15876,7 @@
             </a:r>
             <a:endParaRPr lang="de-DE" sz="1800" b="1" dirty="0">
               <a:solidFill>
-                <a:schemeClr val="bg2">
-                  <a:lumMod val="65000"/>
-                </a:schemeClr>
+                <a:schemeClr val="bg1"/>
               </a:solidFill>
               <a:latin typeface="DM Sans" pitchFamily="2" charset="0"/>
               <a:cs typeface="Calibri Light" panose="020F0302020204030204" pitchFamily="34" charset="0"/>
@@ -16199,187 +16224,7 @@
     </p:spTree>
     <p:extLst>
       <p:ext uri="{BB962C8B-B14F-4D97-AF65-F5344CB8AC3E}">
-        <p14:creationId xmlns:p14="http://schemas.microsoft.com/office/powerpoint/2010/main" val="2674680337"/>
-      </p:ext>
-    </p:extLst>
-  </p:cSld>
-  <p:clrMapOvr>
-    <a:masterClrMapping/>
-  </p:clrMapOvr>
-</p:sld>
-</file>
-
-<file path=ppt/slides/slide9.xml><?xml version="1.0" encoding="utf-8"?>
-<p:sld xmlns:a="http://schemas.openxmlformats.org/drawingml/2006/main" xmlns:r="http://schemas.openxmlformats.org/officeDocument/2006/relationships" xmlns:p="http://schemas.openxmlformats.org/presentationml/2006/main">
-  <p:cSld>
-    <p:spTree>
-      <p:nvGrpSpPr>
-        <p:cNvPr id="1" name=""/>
-        <p:cNvGrpSpPr/>
-        <p:nvPr/>
-      </p:nvGrpSpPr>
-      <p:grpSpPr>
-        <a:xfrm>
-          <a:off x="0" y="0"/>
-          <a:ext cx="0" cy="0"/>
-          <a:chOff x="0" y="0"/>
-          <a:chExt cx="0" cy="0"/>
-        </a:xfrm>
-      </p:grpSpPr>
-      <p:sp>
-        <p:nvSpPr>
-          <p:cNvPr id="2" name="Textfeld 1">
-            <a:extLst>
-              <a:ext uri="{FF2B5EF4-FFF2-40B4-BE49-F238E27FC236}">
-                <a16:creationId xmlns:a16="http://schemas.microsoft.com/office/drawing/2014/main" id="{EB56B0F2-8727-594E-6C0E-DC9AFC356A7A}"/>
-              </a:ext>
-            </a:extLst>
-          </p:cNvPr>
-          <p:cNvSpPr txBox="1"/>
-          <p:nvPr/>
-        </p:nvSpPr>
-        <p:spPr>
-          <a:xfrm>
-            <a:off x="353683" y="285750"/>
-            <a:ext cx="8383917" cy="461665"/>
-          </a:xfrm>
-          <a:prstGeom prst="rect">
-            <a:avLst/>
-          </a:prstGeom>
-          <a:noFill/>
-        </p:spPr>
-        <p:txBody>
-          <a:bodyPr wrap="square">
-            <a:spAutoFit/>
-          </a:bodyPr>
-          <a:lstStyle/>
-          <a:p>
-            <a:r>
-              <a:rPr lang="de-DE" sz="2400" b="1" dirty="0" err="1">
-                <a:solidFill>
-                  <a:schemeClr val="bg1"/>
-                </a:solidFill>
-                <a:latin typeface="DM Sans" pitchFamily="2" charset="0"/>
-                <a:cs typeface="Calibri Light" panose="020F0302020204030204" pitchFamily="34" charset="0"/>
-              </a:rPr>
-              <a:t>Normalization</a:t>
-            </a:r>
-            <a:endParaRPr lang="de-DE" sz="2400" b="1" dirty="0">
-              <a:solidFill>
-                <a:schemeClr val="bg1"/>
-              </a:solidFill>
-              <a:latin typeface="DM Sans" pitchFamily="2" charset="0"/>
-              <a:cs typeface="Calibri Light" panose="020F0302020204030204" pitchFamily="34" charset="0"/>
-            </a:endParaRPr>
-          </a:p>
-        </p:txBody>
-      </p:sp>
-      <p:pic>
-        <p:nvPicPr>
-          <p:cNvPr id="4" name="Grafik 3" descr="Ein Bild, das Text enthält.&#10;&#10;Automatisch generierte Beschreibung">
-            <a:extLst>
-              <a:ext uri="{FF2B5EF4-FFF2-40B4-BE49-F238E27FC236}">
-                <a16:creationId xmlns:a16="http://schemas.microsoft.com/office/drawing/2014/main" id="{F43A56F5-4A13-556E-5725-C4887417B213}"/>
-              </a:ext>
-            </a:extLst>
-          </p:cNvPr>
-          <p:cNvPicPr>
-            <a:picLocks noChangeAspect="1"/>
-          </p:cNvPicPr>
-          <p:nvPr/>
-        </p:nvPicPr>
-        <p:blipFill>
-          <a:blip r:embed="rId2"/>
-          <a:stretch>
-            <a:fillRect/>
-          </a:stretch>
-        </p:blipFill>
-        <p:spPr>
-          <a:xfrm>
-            <a:off x="353683" y="1980281"/>
-            <a:ext cx="3272745" cy="1931319"/>
-          </a:xfrm>
-          <a:prstGeom prst="rect">
-            <a:avLst/>
-          </a:prstGeom>
-        </p:spPr>
-      </p:pic>
-      <p:sp>
-        <p:nvSpPr>
-          <p:cNvPr id="3" name="Textfeld 2">
-            <a:extLst>
-              <a:ext uri="{FF2B5EF4-FFF2-40B4-BE49-F238E27FC236}">
-                <a16:creationId xmlns:a16="http://schemas.microsoft.com/office/drawing/2014/main" id="{84CEA86A-4052-C2CB-6206-98FB7BAA2F90}"/>
-              </a:ext>
-            </a:extLst>
-          </p:cNvPr>
-          <p:cNvSpPr txBox="1"/>
-          <p:nvPr/>
-        </p:nvSpPr>
-        <p:spPr>
-          <a:xfrm>
-            <a:off x="643467" y="1016000"/>
-            <a:ext cx="1769533" cy="307777"/>
-          </a:xfrm>
-          <a:prstGeom prst="rect">
-            <a:avLst/>
-          </a:prstGeom>
-          <a:noFill/>
-        </p:spPr>
-        <p:txBody>
-          <a:bodyPr wrap="square" rtlCol="0">
-            <a:spAutoFit/>
-          </a:bodyPr>
-          <a:lstStyle/>
-          <a:p>
-            <a:r>
-              <a:rPr lang="de-DE" dirty="0" err="1"/>
-              <a:t>Column-wise</a:t>
-            </a:r>
-            <a:endParaRPr lang="de-DE" dirty="0"/>
-          </a:p>
-        </p:txBody>
-      </p:sp>
-      <p:sp>
-        <p:nvSpPr>
-          <p:cNvPr id="5" name="Textfeld 4">
-            <a:extLst>
-              <a:ext uri="{FF2B5EF4-FFF2-40B4-BE49-F238E27FC236}">
-                <a16:creationId xmlns:a16="http://schemas.microsoft.com/office/drawing/2014/main" id="{FA33D73D-7234-0E53-B51B-B869387B8F65}"/>
-              </a:ext>
-            </a:extLst>
-          </p:cNvPr>
-          <p:cNvSpPr txBox="1"/>
-          <p:nvPr/>
-        </p:nvSpPr>
-        <p:spPr>
-          <a:xfrm>
-            <a:off x="5846235" y="1016000"/>
-            <a:ext cx="1769533" cy="307777"/>
-          </a:xfrm>
-          <a:prstGeom prst="rect">
-            <a:avLst/>
-          </a:prstGeom>
-          <a:noFill/>
-        </p:spPr>
-        <p:txBody>
-          <a:bodyPr wrap="square" rtlCol="0">
-            <a:spAutoFit/>
-          </a:bodyPr>
-          <a:lstStyle/>
-          <a:p>
-            <a:r>
-              <a:rPr lang="de-DE" dirty="0" err="1"/>
-              <a:t>Row-wise</a:t>
-            </a:r>
-            <a:endParaRPr lang="de-DE" dirty="0"/>
-          </a:p>
-        </p:txBody>
-      </p:sp>
-    </p:spTree>
-    <p:extLst>
-      <p:ext uri="{BB962C8B-B14F-4D97-AF65-F5344CB8AC3E}">
-        <p14:creationId xmlns:p14="http://schemas.microsoft.com/office/powerpoint/2010/main" val="1941908166"/>
+        <p14:creationId xmlns:p14="http://schemas.microsoft.com/office/powerpoint/2010/main" val="1984951027"/>
       </p:ext>
     </p:extLst>
   </p:cSld>
